--- a/диплом.pptx
+++ b/диплом.pptx
@@ -29,97 +29,127 @@
     <p:sldId id="263" r:id="rId17"/>
   </p:sldIdLst>
   <p:sldSz cx="9144000" cy="5143500" type="screen16x9"/>
-  <p:notesSz cx="6858000" cy="9144000"/>
+  <p:notesSz cx="6670675" cy="9777413"/>
   <p:defaultTextStyle>
     <a:defPPr>
       <a:defRPr lang="en-US"/>
     </a:defPPr>
-    <a:lvl1pPr marL="0" algn="l" defTabSz="457200" rtl="0" eaLnBrk="1" latinLnBrk="0" hangingPunct="1">
-      <a:defRPr sz="1800" kern="1200">
+    <a:lvl1pPr algn="l" defTabSz="457200" rtl="0" eaLnBrk="0" fontAlgn="base" hangingPunct="0">
+      <a:spcBef>
+        <a:spcPct val="0"/>
+      </a:spcBef>
+      <a:spcAft>
+        <a:spcPct val="0"/>
+      </a:spcAft>
+      <a:defRPr kern="1200">
         <a:solidFill>
           <a:schemeClr val="tx1"/>
         </a:solidFill>
-        <a:latin typeface="+mn-lt"/>
+        <a:latin typeface="Calibri" panose="020F0502020204030204" pitchFamily="34" charset="0"/>
         <a:ea typeface="+mn-ea"/>
         <a:cs typeface="+mn-cs"/>
       </a:defRPr>
     </a:lvl1pPr>
-    <a:lvl2pPr marL="457200" algn="l" defTabSz="457200" rtl="0" eaLnBrk="1" latinLnBrk="0" hangingPunct="1">
-      <a:defRPr sz="1800" kern="1200">
+    <a:lvl2pPr marL="457200" algn="l" defTabSz="457200" rtl="0" eaLnBrk="0" fontAlgn="base" hangingPunct="0">
+      <a:spcBef>
+        <a:spcPct val="0"/>
+      </a:spcBef>
+      <a:spcAft>
+        <a:spcPct val="0"/>
+      </a:spcAft>
+      <a:defRPr kern="1200">
         <a:solidFill>
           <a:schemeClr val="tx1"/>
         </a:solidFill>
-        <a:latin typeface="+mn-lt"/>
+        <a:latin typeface="Calibri" panose="020F0502020204030204" pitchFamily="34" charset="0"/>
         <a:ea typeface="+mn-ea"/>
         <a:cs typeface="+mn-cs"/>
       </a:defRPr>
     </a:lvl2pPr>
-    <a:lvl3pPr marL="914400" algn="l" defTabSz="457200" rtl="0" eaLnBrk="1" latinLnBrk="0" hangingPunct="1">
-      <a:defRPr sz="1800" kern="1200">
+    <a:lvl3pPr marL="914400" algn="l" defTabSz="457200" rtl="0" eaLnBrk="0" fontAlgn="base" hangingPunct="0">
+      <a:spcBef>
+        <a:spcPct val="0"/>
+      </a:spcBef>
+      <a:spcAft>
+        <a:spcPct val="0"/>
+      </a:spcAft>
+      <a:defRPr kern="1200">
         <a:solidFill>
           <a:schemeClr val="tx1"/>
         </a:solidFill>
-        <a:latin typeface="+mn-lt"/>
+        <a:latin typeface="Calibri" panose="020F0502020204030204" pitchFamily="34" charset="0"/>
         <a:ea typeface="+mn-ea"/>
         <a:cs typeface="+mn-cs"/>
       </a:defRPr>
     </a:lvl3pPr>
-    <a:lvl4pPr marL="1371600" algn="l" defTabSz="457200" rtl="0" eaLnBrk="1" latinLnBrk="0" hangingPunct="1">
-      <a:defRPr sz="1800" kern="1200">
+    <a:lvl4pPr marL="1371600" algn="l" defTabSz="457200" rtl="0" eaLnBrk="0" fontAlgn="base" hangingPunct="0">
+      <a:spcBef>
+        <a:spcPct val="0"/>
+      </a:spcBef>
+      <a:spcAft>
+        <a:spcPct val="0"/>
+      </a:spcAft>
+      <a:defRPr kern="1200">
         <a:solidFill>
           <a:schemeClr val="tx1"/>
         </a:solidFill>
-        <a:latin typeface="+mn-lt"/>
+        <a:latin typeface="Calibri" panose="020F0502020204030204" pitchFamily="34" charset="0"/>
         <a:ea typeface="+mn-ea"/>
         <a:cs typeface="+mn-cs"/>
       </a:defRPr>
     </a:lvl4pPr>
-    <a:lvl5pPr marL="1828800" algn="l" defTabSz="457200" rtl="0" eaLnBrk="1" latinLnBrk="0" hangingPunct="1">
-      <a:defRPr sz="1800" kern="1200">
+    <a:lvl5pPr marL="1828800" algn="l" defTabSz="457200" rtl="0" eaLnBrk="0" fontAlgn="base" hangingPunct="0">
+      <a:spcBef>
+        <a:spcPct val="0"/>
+      </a:spcBef>
+      <a:spcAft>
+        <a:spcPct val="0"/>
+      </a:spcAft>
+      <a:defRPr kern="1200">
         <a:solidFill>
           <a:schemeClr val="tx1"/>
         </a:solidFill>
-        <a:latin typeface="+mn-lt"/>
+        <a:latin typeface="Calibri" panose="020F0502020204030204" pitchFamily="34" charset="0"/>
         <a:ea typeface="+mn-ea"/>
         <a:cs typeface="+mn-cs"/>
       </a:defRPr>
     </a:lvl5pPr>
-    <a:lvl6pPr marL="2286000" algn="l" defTabSz="457200" rtl="0" eaLnBrk="1" latinLnBrk="0" hangingPunct="1">
-      <a:defRPr sz="1800" kern="1200">
+    <a:lvl6pPr marL="2286000" algn="l" defTabSz="914400" rtl="0" eaLnBrk="1" latinLnBrk="0" hangingPunct="1">
+      <a:defRPr kern="1200">
         <a:solidFill>
           <a:schemeClr val="tx1"/>
         </a:solidFill>
-        <a:latin typeface="+mn-lt"/>
+        <a:latin typeface="Calibri" panose="020F0502020204030204" pitchFamily="34" charset="0"/>
         <a:ea typeface="+mn-ea"/>
         <a:cs typeface="+mn-cs"/>
       </a:defRPr>
     </a:lvl6pPr>
-    <a:lvl7pPr marL="2743200" algn="l" defTabSz="457200" rtl="0" eaLnBrk="1" latinLnBrk="0" hangingPunct="1">
-      <a:defRPr sz="1800" kern="1200">
+    <a:lvl7pPr marL="2743200" algn="l" defTabSz="914400" rtl="0" eaLnBrk="1" latinLnBrk="0" hangingPunct="1">
+      <a:defRPr kern="1200">
         <a:solidFill>
           <a:schemeClr val="tx1"/>
         </a:solidFill>
-        <a:latin typeface="+mn-lt"/>
+        <a:latin typeface="Calibri" panose="020F0502020204030204" pitchFamily="34" charset="0"/>
         <a:ea typeface="+mn-ea"/>
         <a:cs typeface="+mn-cs"/>
       </a:defRPr>
     </a:lvl7pPr>
-    <a:lvl8pPr marL="3200400" algn="l" defTabSz="457200" rtl="0" eaLnBrk="1" latinLnBrk="0" hangingPunct="1">
-      <a:defRPr sz="1800" kern="1200">
+    <a:lvl8pPr marL="3200400" algn="l" defTabSz="914400" rtl="0" eaLnBrk="1" latinLnBrk="0" hangingPunct="1">
+      <a:defRPr kern="1200">
         <a:solidFill>
           <a:schemeClr val="tx1"/>
         </a:solidFill>
-        <a:latin typeface="+mn-lt"/>
+        <a:latin typeface="Calibri" panose="020F0502020204030204" pitchFamily="34" charset="0"/>
         <a:ea typeface="+mn-ea"/>
         <a:cs typeface="+mn-cs"/>
       </a:defRPr>
     </a:lvl8pPr>
-    <a:lvl9pPr marL="3657600" algn="l" defTabSz="457200" rtl="0" eaLnBrk="1" latinLnBrk="0" hangingPunct="1">
-      <a:defRPr sz="1800" kern="1200">
+    <a:lvl9pPr marL="3657600" algn="l" defTabSz="914400" rtl="0" eaLnBrk="1" latinLnBrk="0" hangingPunct="1">
+      <a:defRPr kern="1200">
         <a:solidFill>
           <a:schemeClr val="tx1"/>
         </a:solidFill>
-        <a:latin typeface="+mn-lt"/>
+        <a:latin typeface="Calibri" panose="020F0502020204030204" pitchFamily="34" charset="0"/>
         <a:ea typeface="+mn-ea"/>
         <a:cs typeface="+mn-cs"/>
       </a:defRPr>
@@ -144,17 +174,16 @@
 </p:presentation>
 </file>
 
-<file path=ppt/revisionInfo.xml><?xml version="1.0" encoding="utf-8"?>
-<p1510:revInfo xmlns:a="http://schemas.openxmlformats.org/drawingml/2006/main" xmlns:r="http://schemas.openxmlformats.org/officeDocument/2006/relationships" xmlns:p1510="http://schemas.microsoft.com/office/powerpoint/2015/10/main"/>
-</file>
-
 <file path=ppt/handoutMasters/handoutMaster1.xml><?xml version="1.0" encoding="utf-8"?>
 <p:handoutMaster xmlns:a="http://schemas.openxmlformats.org/drawingml/2006/main" xmlns:r="http://schemas.openxmlformats.org/officeDocument/2006/relationships" xmlns:p="http://schemas.openxmlformats.org/presentationml/2006/main">
   <p:cSld>
     <p:bg>
-      <p:bgRef idx="1001">
-        <a:schemeClr val="bg1"/>
-      </p:bgRef>
+      <p:bgPr>
+        <a:solidFill>
+          <a:schemeClr val="bg1"/>
+        </a:solidFill>
+        <a:effectLst/>
+      </p:bgPr>
     </p:bg>
     <p:spTree>
       <p:nvGrpSpPr>
@@ -183,7 +212,7 @@
         <p:spPr>
           <a:xfrm>
             <a:off x="0" y="0"/>
-            <a:ext cx="2971800" cy="457200"/>
+            <a:ext cx="2890626" cy="488871"/>
           </a:xfrm>
           <a:prstGeom prst="rect">
             <a:avLst/>
@@ -192,11 +221,22 @@
         <p:txBody>
           <a:bodyPr vert="horz" lIns="91440" tIns="45720" rIns="91440" bIns="45720" rtlCol="0"/>
           <a:lstStyle>
-            <a:lvl1pPr algn="l">
-              <a:defRPr sz="1200"/>
+            <a:lvl1pPr algn="l" eaLnBrk="1" fontAlgn="auto" hangingPunct="1">
+              <a:spcBef>
+                <a:spcPts val="0"/>
+              </a:spcBef>
+              <a:spcAft>
+                <a:spcPts val="0"/>
+              </a:spcAft>
+              <a:defRPr sz="1200">
+                <a:latin typeface="+mn-lt"/>
+              </a:defRPr>
             </a:lvl1pPr>
           </a:lstStyle>
           <a:p>
+            <a:pPr>
+              <a:defRPr/>
+            </a:pPr>
             <a:endParaRPr lang="en-US"/>
           </a:p>
         </p:txBody>
@@ -213,8 +253,8 @@
         </p:nvSpPr>
         <p:spPr>
           <a:xfrm>
-            <a:off x="3884613" y="0"/>
-            <a:ext cx="2971800" cy="457200"/>
+            <a:off x="3778505" y="0"/>
+            <a:ext cx="2890626" cy="488871"/>
           </a:xfrm>
           <a:prstGeom prst="rect">
             <a:avLst/>
@@ -223,15 +263,28 @@
         <p:txBody>
           <a:bodyPr vert="horz" lIns="91440" tIns="45720" rIns="91440" bIns="45720" rtlCol="0"/>
           <a:lstStyle>
-            <a:lvl1pPr algn="r">
-              <a:defRPr sz="1200"/>
+            <a:lvl1pPr algn="r" eaLnBrk="1" fontAlgn="auto" hangingPunct="1">
+              <a:spcBef>
+                <a:spcPts val="0"/>
+              </a:spcBef>
+              <a:spcAft>
+                <a:spcPts val="0"/>
+              </a:spcAft>
+              <a:defRPr sz="1200" smtClean="0">
+                <a:latin typeface="+mn-lt"/>
+              </a:defRPr>
             </a:lvl1pPr>
           </a:lstStyle>
           <a:p>
-            <a:fld id="{19412975-4CFD-C441-A244-B7FD9A9579C2}" type="datetimeFigureOut">
-              <a:rPr lang="en-US" smtClean="0"/>
-              <a:pPr/>
-              <a:t>5/8/2018</a:t>
+            <a:pPr>
+              <a:defRPr/>
+            </a:pPr>
+            <a:fld id="{09999D32-1BE6-4504-91FC-9C2CD8C6FF22}" type="datetimeFigureOut">
+              <a:rPr lang="en-US"/>
+              <a:pPr>
+                <a:defRPr/>
+              </a:pPr>
+              <a:t>5/17/2018</a:t>
             </a:fld>
             <a:endParaRPr lang="en-US"/>
           </a:p>
@@ -249,8 +302,8 @@
         </p:nvSpPr>
         <p:spPr>
           <a:xfrm>
-            <a:off x="0" y="8685213"/>
-            <a:ext cx="2971800" cy="457200"/>
+            <a:off x="0" y="9286845"/>
+            <a:ext cx="2890626" cy="488871"/>
           </a:xfrm>
           <a:prstGeom prst="rect">
             <a:avLst/>
@@ -259,11 +312,22 @@
         <p:txBody>
           <a:bodyPr vert="horz" lIns="91440" tIns="45720" rIns="91440" bIns="45720" rtlCol="0" anchor="b"/>
           <a:lstStyle>
-            <a:lvl1pPr algn="l">
-              <a:defRPr sz="1200"/>
+            <a:lvl1pPr algn="l" eaLnBrk="1" fontAlgn="auto" hangingPunct="1">
+              <a:spcBef>
+                <a:spcPts val="0"/>
+              </a:spcBef>
+              <a:spcAft>
+                <a:spcPts val="0"/>
+              </a:spcAft>
+              <a:defRPr sz="1200">
+                <a:latin typeface="+mn-lt"/>
+              </a:defRPr>
             </a:lvl1pPr>
           </a:lstStyle>
           <a:p>
+            <a:pPr>
+              <a:defRPr/>
+            </a:pPr>
             <a:endParaRPr lang="en-US"/>
           </a:p>
         </p:txBody>
@@ -280,8 +344,8 @@
         </p:nvSpPr>
         <p:spPr>
           <a:xfrm>
-            <a:off x="3884613" y="8685213"/>
-            <a:ext cx="2971800" cy="457200"/>
+            <a:off x="3778505" y="9286845"/>
+            <a:ext cx="2890626" cy="488871"/>
           </a:xfrm>
           <a:prstGeom prst="rect">
             <a:avLst/>
@@ -290,14 +354,27 @@
         <p:txBody>
           <a:bodyPr vert="horz" lIns="91440" tIns="45720" rIns="91440" bIns="45720" rtlCol="0" anchor="b"/>
           <a:lstStyle>
-            <a:lvl1pPr algn="r">
-              <a:defRPr sz="1200"/>
+            <a:lvl1pPr algn="r" eaLnBrk="1" fontAlgn="auto" hangingPunct="1">
+              <a:spcBef>
+                <a:spcPts val="0"/>
+              </a:spcBef>
+              <a:spcAft>
+                <a:spcPts val="0"/>
+              </a:spcAft>
+              <a:defRPr sz="1200" smtClean="0">
+                <a:latin typeface="+mn-lt"/>
+              </a:defRPr>
             </a:lvl1pPr>
           </a:lstStyle>
           <a:p>
-            <a:fld id="{62D660DC-725D-2A44-9F89-74FE668A9C6B}" type="slidenum">
-              <a:rPr lang="en-US" smtClean="0"/>
-              <a:pPr/>
+            <a:pPr>
+              <a:defRPr/>
+            </a:pPr>
+            <a:fld id="{C2F924AF-BBDE-4145-A285-FC3BB72DF048}" type="slidenum">
+              <a:rPr lang="en-US"/>
+              <a:pPr>
+                <a:defRPr/>
+              </a:pPr>
               <a:t>‹#›</a:t>
             </a:fld>
             <a:endParaRPr lang="en-US"/>
@@ -307,7 +384,7 @@
     </p:spTree>
     <p:extLst>
       <p:ext uri="{BB962C8B-B14F-4D97-AF65-F5344CB8AC3E}">
-        <p14:creationId xmlns:p14="http://schemas.microsoft.com/office/powerpoint/2010/main" val="1447125421"/>
+        <p14:creationId xmlns:p14="http://schemas.microsoft.com/office/powerpoint/2010/main" val="545939975"/>
       </p:ext>
     </p:extLst>
   </p:cSld>
@@ -320,9 +397,12 @@
 <p:notesMaster xmlns:a="http://schemas.openxmlformats.org/drawingml/2006/main" xmlns:r="http://schemas.openxmlformats.org/officeDocument/2006/relationships" xmlns:p="http://schemas.openxmlformats.org/presentationml/2006/main">
   <p:cSld>
     <p:bg>
-      <p:bgRef idx="1001">
-        <a:schemeClr val="bg1"/>
-      </p:bgRef>
+      <p:bgPr>
+        <a:solidFill>
+          <a:schemeClr val="bg1"/>
+        </a:solidFill>
+        <a:effectLst/>
+      </p:bgPr>
     </p:bg>
     <p:spTree>
       <p:nvGrpSpPr>
@@ -351,7 +431,7 @@
         <p:spPr>
           <a:xfrm>
             <a:off x="0" y="0"/>
-            <a:ext cx="2971800" cy="457200"/>
+            <a:ext cx="2890626" cy="488871"/>
           </a:xfrm>
           <a:prstGeom prst="rect">
             <a:avLst/>
@@ -360,11 +440,22 @@
         <p:txBody>
           <a:bodyPr vert="horz" lIns="91440" tIns="45720" rIns="91440" bIns="45720" rtlCol="0"/>
           <a:lstStyle>
-            <a:lvl1pPr algn="l">
-              <a:defRPr sz="1200"/>
+            <a:lvl1pPr algn="l" eaLnBrk="1" fontAlgn="auto" hangingPunct="1">
+              <a:spcBef>
+                <a:spcPts val="0"/>
+              </a:spcBef>
+              <a:spcAft>
+                <a:spcPts val="0"/>
+              </a:spcAft>
+              <a:defRPr sz="1200">
+                <a:latin typeface="+mn-lt"/>
+              </a:defRPr>
             </a:lvl1pPr>
           </a:lstStyle>
           <a:p>
+            <a:pPr>
+              <a:defRPr/>
+            </a:pPr>
             <a:endParaRPr lang="en-US"/>
           </a:p>
         </p:txBody>
@@ -381,8 +472,8 @@
         </p:nvSpPr>
         <p:spPr>
           <a:xfrm>
-            <a:off x="3884613" y="0"/>
-            <a:ext cx="2971800" cy="457200"/>
+            <a:off x="3778505" y="0"/>
+            <a:ext cx="2890626" cy="488871"/>
           </a:xfrm>
           <a:prstGeom prst="rect">
             <a:avLst/>
@@ -391,15 +482,28 @@
         <p:txBody>
           <a:bodyPr vert="horz" lIns="91440" tIns="45720" rIns="91440" bIns="45720" rtlCol="0"/>
           <a:lstStyle>
-            <a:lvl1pPr algn="r">
-              <a:defRPr sz="1200"/>
+            <a:lvl1pPr algn="r" eaLnBrk="1" fontAlgn="auto" hangingPunct="1">
+              <a:spcBef>
+                <a:spcPts val="0"/>
+              </a:spcBef>
+              <a:spcAft>
+                <a:spcPts val="0"/>
+              </a:spcAft>
+              <a:defRPr sz="1200" smtClean="0">
+                <a:latin typeface="+mn-lt"/>
+              </a:defRPr>
             </a:lvl1pPr>
           </a:lstStyle>
           <a:p>
-            <a:fld id="{6DAFD1C8-470D-774F-8B40-381C3059BD4A}" type="datetimeFigureOut">
-              <a:rPr lang="en-US" smtClean="0"/>
-              <a:pPr/>
-              <a:t>5/8/2018</a:t>
+            <a:pPr>
+              <a:defRPr/>
+            </a:pPr>
+            <a:fld id="{30A28184-2562-4759-B447-B42F87BF72A4}" type="datetimeFigureOut">
+              <a:rPr lang="en-US"/>
+              <a:pPr>
+                <a:defRPr/>
+              </a:pPr>
+              <a:t>5/17/2018</a:t>
             </a:fld>
             <a:endParaRPr lang="en-US"/>
           </a:p>
@@ -417,8 +521,8 @@
         </p:nvSpPr>
         <p:spPr>
           <a:xfrm>
-            <a:off x="381000" y="685800"/>
-            <a:ext cx="6096000" cy="3429000"/>
+            <a:off x="76200" y="733425"/>
+            <a:ext cx="6518275" cy="3667125"/>
           </a:xfrm>
           <a:prstGeom prst="rect">
             <a:avLst/>
@@ -434,7 +538,8 @@
           <a:bodyPr vert="horz" lIns="91440" tIns="45720" rIns="91440" bIns="45720" rtlCol="0" anchor="ctr"/>
           <a:lstStyle/>
           <a:p>
-            <a:endParaRPr lang="en-US"/>
+            <a:pPr lvl="0"/>
+            <a:endParaRPr lang="en-US" noProof="0"/>
           </a:p>
         </p:txBody>
       </p:sp>
@@ -450,8 +555,8 @@
         </p:nvSpPr>
         <p:spPr>
           <a:xfrm>
-            <a:off x="685800" y="4343400"/>
-            <a:ext cx="5486400" cy="4114800"/>
+            <a:off x="667068" y="4644271"/>
+            <a:ext cx="5336540" cy="4399836"/>
           </a:xfrm>
           <a:prstGeom prst="rect">
             <a:avLst/>
@@ -463,35 +568,35 @@
           <a:p>
             <a:pPr lvl="0"/>
             <a:r>
-              <a:rPr lang="en-US"/>
+              <a:rPr lang="en-US" noProof="0"/>
               <a:t>Click to edit Master text styles</a:t>
             </a:r>
           </a:p>
           <a:p>
             <a:pPr lvl="1"/>
             <a:r>
-              <a:rPr lang="en-US"/>
+              <a:rPr lang="en-US" noProof="0"/>
               <a:t>Second level</a:t>
             </a:r>
           </a:p>
           <a:p>
             <a:pPr lvl="2"/>
             <a:r>
-              <a:rPr lang="en-US"/>
+              <a:rPr lang="en-US" noProof="0"/>
               <a:t>Third level</a:t>
             </a:r>
           </a:p>
           <a:p>
             <a:pPr lvl="3"/>
             <a:r>
-              <a:rPr lang="en-US"/>
+              <a:rPr lang="en-US" noProof="0"/>
               <a:t>Fourth level</a:t>
             </a:r>
           </a:p>
           <a:p>
             <a:pPr lvl="4"/>
             <a:r>
-              <a:rPr lang="en-US"/>
+              <a:rPr lang="en-US" noProof="0"/>
               <a:t>Fifth level</a:t>
             </a:r>
           </a:p>
@@ -509,8 +614,8 @@
         </p:nvSpPr>
         <p:spPr>
           <a:xfrm>
-            <a:off x="0" y="8685213"/>
-            <a:ext cx="2971800" cy="457200"/>
+            <a:off x="0" y="9286845"/>
+            <a:ext cx="2890626" cy="488871"/>
           </a:xfrm>
           <a:prstGeom prst="rect">
             <a:avLst/>
@@ -519,11 +624,22 @@
         <p:txBody>
           <a:bodyPr vert="horz" lIns="91440" tIns="45720" rIns="91440" bIns="45720" rtlCol="0" anchor="b"/>
           <a:lstStyle>
-            <a:lvl1pPr algn="l">
-              <a:defRPr sz="1200"/>
+            <a:lvl1pPr algn="l" eaLnBrk="1" fontAlgn="auto" hangingPunct="1">
+              <a:spcBef>
+                <a:spcPts val="0"/>
+              </a:spcBef>
+              <a:spcAft>
+                <a:spcPts val="0"/>
+              </a:spcAft>
+              <a:defRPr sz="1200">
+                <a:latin typeface="+mn-lt"/>
+              </a:defRPr>
             </a:lvl1pPr>
           </a:lstStyle>
           <a:p>
+            <a:pPr>
+              <a:defRPr/>
+            </a:pPr>
             <a:endParaRPr lang="en-US"/>
           </a:p>
         </p:txBody>
@@ -540,8 +656,8 @@
         </p:nvSpPr>
         <p:spPr>
           <a:xfrm>
-            <a:off x="3884613" y="8685213"/>
-            <a:ext cx="2971800" cy="457200"/>
+            <a:off x="3778505" y="9286845"/>
+            <a:ext cx="2890626" cy="488871"/>
           </a:xfrm>
           <a:prstGeom prst="rect">
             <a:avLst/>
@@ -550,14 +666,27 @@
         <p:txBody>
           <a:bodyPr vert="horz" lIns="91440" tIns="45720" rIns="91440" bIns="45720" rtlCol="0" anchor="b"/>
           <a:lstStyle>
-            <a:lvl1pPr algn="r">
-              <a:defRPr sz="1200"/>
+            <a:lvl1pPr algn="r" eaLnBrk="1" fontAlgn="auto" hangingPunct="1">
+              <a:spcBef>
+                <a:spcPts val="0"/>
+              </a:spcBef>
+              <a:spcAft>
+                <a:spcPts val="0"/>
+              </a:spcAft>
+              <a:defRPr sz="1200" smtClean="0">
+                <a:latin typeface="+mn-lt"/>
+              </a:defRPr>
             </a:lvl1pPr>
           </a:lstStyle>
           <a:p>
-            <a:fld id="{F449711C-DB87-6342-8123-FE7E39EB0067}" type="slidenum">
-              <a:rPr lang="en-US" smtClean="0"/>
-              <a:pPr/>
+            <a:pPr>
+              <a:defRPr/>
+            </a:pPr>
+            <a:fld id="{1D2501F3-C1FF-4E53-B030-19000AAC4E24}" type="slidenum">
+              <a:rPr lang="en-US"/>
+              <a:pPr>
+                <a:defRPr/>
+              </a:pPr>
               <a:t>‹#›</a:t>
             </a:fld>
             <a:endParaRPr lang="en-US"/>
@@ -567,14 +696,20 @@
     </p:spTree>
     <p:extLst>
       <p:ext uri="{BB962C8B-B14F-4D97-AF65-F5344CB8AC3E}">
-        <p14:creationId xmlns:p14="http://schemas.microsoft.com/office/powerpoint/2010/main" val="4120073299"/>
+        <p14:creationId xmlns:p14="http://schemas.microsoft.com/office/powerpoint/2010/main" val="1761723435"/>
       </p:ext>
     </p:extLst>
   </p:cSld>
   <p:clrMap bg1="lt1" tx1="dk1" bg2="lt2" tx2="dk2" accent1="accent1" accent2="accent2" accent3="accent3" accent4="accent4" accent5="accent5" accent6="accent6" hlink="hlink" folHlink="folHlink"/>
   <p:hf hdr="0" ftr="0" dt="0"/>
   <p:notesStyle>
-    <a:lvl1pPr marL="0" algn="l" defTabSz="457200" rtl="0" eaLnBrk="1" latinLnBrk="0" hangingPunct="1">
+    <a:lvl1pPr algn="l" defTabSz="457200" rtl="0" fontAlgn="base">
+      <a:spcBef>
+        <a:spcPct val="30000"/>
+      </a:spcBef>
+      <a:spcAft>
+        <a:spcPct val="0"/>
+      </a:spcAft>
       <a:defRPr sz="1200" kern="1200">
         <a:solidFill>
           <a:schemeClr val="tx1"/>
@@ -584,7 +719,13 @@
         <a:cs typeface="+mn-cs"/>
       </a:defRPr>
     </a:lvl1pPr>
-    <a:lvl2pPr marL="457200" algn="l" defTabSz="457200" rtl="0" eaLnBrk="1" latinLnBrk="0" hangingPunct="1">
+    <a:lvl2pPr marL="457200" algn="l" defTabSz="457200" rtl="0" fontAlgn="base">
+      <a:spcBef>
+        <a:spcPct val="30000"/>
+      </a:spcBef>
+      <a:spcAft>
+        <a:spcPct val="0"/>
+      </a:spcAft>
       <a:defRPr sz="1200" kern="1200">
         <a:solidFill>
           <a:schemeClr val="tx1"/>
@@ -594,7 +735,13 @@
         <a:cs typeface="+mn-cs"/>
       </a:defRPr>
     </a:lvl2pPr>
-    <a:lvl3pPr marL="914400" algn="l" defTabSz="457200" rtl="0" eaLnBrk="1" latinLnBrk="0" hangingPunct="1">
+    <a:lvl3pPr marL="914400" algn="l" defTabSz="457200" rtl="0" fontAlgn="base">
+      <a:spcBef>
+        <a:spcPct val="30000"/>
+      </a:spcBef>
+      <a:spcAft>
+        <a:spcPct val="0"/>
+      </a:spcAft>
       <a:defRPr sz="1200" kern="1200">
         <a:solidFill>
           <a:schemeClr val="tx1"/>
@@ -604,7 +751,13 @@
         <a:cs typeface="+mn-cs"/>
       </a:defRPr>
     </a:lvl3pPr>
-    <a:lvl4pPr marL="1371600" algn="l" defTabSz="457200" rtl="0" eaLnBrk="1" latinLnBrk="0" hangingPunct="1">
+    <a:lvl4pPr marL="1371600" algn="l" defTabSz="457200" rtl="0" fontAlgn="base">
+      <a:spcBef>
+        <a:spcPct val="30000"/>
+      </a:spcBef>
+      <a:spcAft>
+        <a:spcPct val="0"/>
+      </a:spcAft>
       <a:defRPr sz="1200" kern="1200">
         <a:solidFill>
           <a:schemeClr val="tx1"/>
@@ -614,7 +767,13 @@
         <a:cs typeface="+mn-cs"/>
       </a:defRPr>
     </a:lvl4pPr>
-    <a:lvl5pPr marL="1828800" algn="l" defTabSz="457200" rtl="0" eaLnBrk="1" latinLnBrk="0" hangingPunct="1">
+    <a:lvl5pPr marL="1828800" algn="l" defTabSz="457200" rtl="0" fontAlgn="base">
+      <a:spcBef>
+        <a:spcPct val="30000"/>
+      </a:spcBef>
+      <a:spcAft>
+        <a:spcPct val="0"/>
+      </a:spcAft>
       <a:defRPr sz="1200" kern="1200">
         <a:solidFill>
           <a:schemeClr val="tx1"/>
@@ -687,12 +846,308 @@
       </p:grpSpPr>
       <p:sp>
         <p:nvSpPr>
+          <p:cNvPr id="4" name="TextBox 4"/>
+          <p:cNvSpPr txBox="1">
+            <a:spLocks noChangeArrowheads="1"/>
+          </p:cNvSpPr>
+          <p:nvPr userDrawn="1"/>
+        </p:nvSpPr>
+        <p:spPr bwMode="auto">
+          <a:xfrm>
+            <a:off x="5099050" y="490538"/>
+            <a:ext cx="184150" cy="368300"/>
+          </a:xfrm>
+          <a:prstGeom prst="rect">
+            <a:avLst/>
+          </a:prstGeom>
+          <a:noFill/>
+          <a:ln>
+            <a:noFill/>
+          </a:ln>
+          <a:extLst>
+            <a:ext uri="{909E8E84-426E-40DD-AFC4-6F175D3DCCD1}">
+              <a14:hiddenFill xmlns:a14="http://schemas.microsoft.com/office/drawing/2010/main">
+                <a:solidFill>
+                  <a:srgbClr val="FFFFFF"/>
+                </a:solidFill>
+              </a14:hiddenFill>
+            </a:ext>
+            <a:ext uri="{91240B29-F687-4F45-9708-019B960494DF}">
+              <a14:hiddenLine xmlns:a14="http://schemas.microsoft.com/office/drawing/2010/main" w="9525">
+                <a:solidFill>
+                  <a:srgbClr val="000000"/>
+                </a:solidFill>
+                <a:miter lim="800000"/>
+                <a:headEnd/>
+                <a:tailEnd/>
+              </a14:hiddenLine>
+            </a:ext>
+          </a:extLst>
+        </p:spPr>
+        <p:txBody>
+          <a:bodyPr wrap="none">
+            <a:spAutoFit/>
+          </a:bodyPr>
+          <a:lstStyle>
+            <a:lvl1pPr>
+              <a:defRPr>
+                <a:solidFill>
+                  <a:schemeClr val="tx1"/>
+                </a:solidFill>
+                <a:latin typeface="Calibri" panose="020F0502020204030204" pitchFamily="34" charset="0"/>
+              </a:defRPr>
+            </a:lvl1pPr>
+            <a:lvl2pPr marL="742950" indent="-285750">
+              <a:defRPr>
+                <a:solidFill>
+                  <a:schemeClr val="tx1"/>
+                </a:solidFill>
+                <a:latin typeface="Calibri" panose="020F0502020204030204" pitchFamily="34" charset="0"/>
+              </a:defRPr>
+            </a:lvl2pPr>
+            <a:lvl3pPr marL="1143000" indent="-228600">
+              <a:defRPr>
+                <a:solidFill>
+                  <a:schemeClr val="tx1"/>
+                </a:solidFill>
+                <a:latin typeface="Calibri" panose="020F0502020204030204" pitchFamily="34" charset="0"/>
+              </a:defRPr>
+            </a:lvl3pPr>
+            <a:lvl4pPr marL="1600200" indent="-228600">
+              <a:defRPr>
+                <a:solidFill>
+                  <a:schemeClr val="tx1"/>
+                </a:solidFill>
+                <a:latin typeface="Calibri" panose="020F0502020204030204" pitchFamily="34" charset="0"/>
+              </a:defRPr>
+            </a:lvl4pPr>
+            <a:lvl5pPr marL="2057400" indent="-228600">
+              <a:defRPr>
+                <a:solidFill>
+                  <a:schemeClr val="tx1"/>
+                </a:solidFill>
+                <a:latin typeface="Calibri" panose="020F0502020204030204" pitchFamily="34" charset="0"/>
+              </a:defRPr>
+            </a:lvl5pPr>
+            <a:lvl6pPr marL="2514600" indent="-228600" defTabSz="457200" fontAlgn="base">
+              <a:spcBef>
+                <a:spcPct val="0"/>
+              </a:spcBef>
+              <a:spcAft>
+                <a:spcPct val="0"/>
+              </a:spcAft>
+              <a:defRPr>
+                <a:solidFill>
+                  <a:schemeClr val="tx1"/>
+                </a:solidFill>
+                <a:latin typeface="Calibri" panose="020F0502020204030204" pitchFamily="34" charset="0"/>
+              </a:defRPr>
+            </a:lvl6pPr>
+            <a:lvl7pPr marL="2971800" indent="-228600" defTabSz="457200" fontAlgn="base">
+              <a:spcBef>
+                <a:spcPct val="0"/>
+              </a:spcBef>
+              <a:spcAft>
+                <a:spcPct val="0"/>
+              </a:spcAft>
+              <a:defRPr>
+                <a:solidFill>
+                  <a:schemeClr val="tx1"/>
+                </a:solidFill>
+                <a:latin typeface="Calibri" panose="020F0502020204030204" pitchFamily="34" charset="0"/>
+              </a:defRPr>
+            </a:lvl7pPr>
+            <a:lvl8pPr marL="3429000" indent="-228600" defTabSz="457200" fontAlgn="base">
+              <a:spcBef>
+                <a:spcPct val="0"/>
+              </a:spcBef>
+              <a:spcAft>
+                <a:spcPct val="0"/>
+              </a:spcAft>
+              <a:defRPr>
+                <a:solidFill>
+                  <a:schemeClr val="tx1"/>
+                </a:solidFill>
+                <a:latin typeface="Calibri" panose="020F0502020204030204" pitchFamily="34" charset="0"/>
+              </a:defRPr>
+            </a:lvl8pPr>
+            <a:lvl9pPr marL="3886200" indent="-228600" defTabSz="457200" fontAlgn="base">
+              <a:spcBef>
+                <a:spcPct val="0"/>
+              </a:spcBef>
+              <a:spcAft>
+                <a:spcPct val="0"/>
+              </a:spcAft>
+              <a:defRPr>
+                <a:solidFill>
+                  <a:schemeClr val="tx1"/>
+                </a:solidFill>
+                <a:latin typeface="Calibri" panose="020F0502020204030204" pitchFamily="34" charset="0"/>
+              </a:defRPr>
+            </a:lvl9pPr>
+          </a:lstStyle>
+          <a:p>
+            <a:pPr eaLnBrk="1" hangingPunct="1"/>
+            <a:endParaRPr lang="en-US" altLang="en-US"/>
+          </a:p>
+        </p:txBody>
+      </p:sp>
+      <p:sp>
+        <p:nvSpPr>
+          <p:cNvPr id="5" name="TextBox 5"/>
+          <p:cNvSpPr txBox="1">
+            <a:spLocks noChangeArrowheads="1"/>
+          </p:cNvSpPr>
+          <p:nvPr userDrawn="1"/>
+        </p:nvSpPr>
+        <p:spPr bwMode="auto">
+          <a:xfrm>
+            <a:off x="5910263" y="427038"/>
+            <a:ext cx="185737" cy="369887"/>
+          </a:xfrm>
+          <a:prstGeom prst="rect">
+            <a:avLst/>
+          </a:prstGeom>
+          <a:noFill/>
+          <a:ln>
+            <a:noFill/>
+          </a:ln>
+          <a:extLst>
+            <a:ext uri="{909E8E84-426E-40DD-AFC4-6F175D3DCCD1}">
+              <a14:hiddenFill xmlns:a14="http://schemas.microsoft.com/office/drawing/2010/main">
+                <a:solidFill>
+                  <a:srgbClr val="FFFFFF"/>
+                </a:solidFill>
+              </a14:hiddenFill>
+            </a:ext>
+            <a:ext uri="{91240B29-F687-4F45-9708-019B960494DF}">
+              <a14:hiddenLine xmlns:a14="http://schemas.microsoft.com/office/drawing/2010/main" w="9525">
+                <a:solidFill>
+                  <a:srgbClr val="000000"/>
+                </a:solidFill>
+                <a:miter lim="800000"/>
+                <a:headEnd/>
+                <a:tailEnd/>
+              </a14:hiddenLine>
+            </a:ext>
+          </a:extLst>
+        </p:spPr>
+        <p:txBody>
+          <a:bodyPr wrap="none">
+            <a:spAutoFit/>
+          </a:bodyPr>
+          <a:lstStyle>
+            <a:lvl1pPr>
+              <a:defRPr>
+                <a:solidFill>
+                  <a:schemeClr val="tx1"/>
+                </a:solidFill>
+                <a:latin typeface="Calibri" panose="020F0502020204030204" pitchFamily="34" charset="0"/>
+              </a:defRPr>
+            </a:lvl1pPr>
+            <a:lvl2pPr marL="742950" indent="-285750">
+              <a:defRPr>
+                <a:solidFill>
+                  <a:schemeClr val="tx1"/>
+                </a:solidFill>
+                <a:latin typeface="Calibri" panose="020F0502020204030204" pitchFamily="34" charset="0"/>
+              </a:defRPr>
+            </a:lvl2pPr>
+            <a:lvl3pPr marL="1143000" indent="-228600">
+              <a:defRPr>
+                <a:solidFill>
+                  <a:schemeClr val="tx1"/>
+                </a:solidFill>
+                <a:latin typeface="Calibri" panose="020F0502020204030204" pitchFamily="34" charset="0"/>
+              </a:defRPr>
+            </a:lvl3pPr>
+            <a:lvl4pPr marL="1600200" indent="-228600">
+              <a:defRPr>
+                <a:solidFill>
+                  <a:schemeClr val="tx1"/>
+                </a:solidFill>
+                <a:latin typeface="Calibri" panose="020F0502020204030204" pitchFamily="34" charset="0"/>
+              </a:defRPr>
+            </a:lvl4pPr>
+            <a:lvl5pPr marL="2057400" indent="-228600">
+              <a:defRPr>
+                <a:solidFill>
+                  <a:schemeClr val="tx1"/>
+                </a:solidFill>
+                <a:latin typeface="Calibri" panose="020F0502020204030204" pitchFamily="34" charset="0"/>
+              </a:defRPr>
+            </a:lvl5pPr>
+            <a:lvl6pPr marL="2514600" indent="-228600" defTabSz="457200" fontAlgn="base">
+              <a:spcBef>
+                <a:spcPct val="0"/>
+              </a:spcBef>
+              <a:spcAft>
+                <a:spcPct val="0"/>
+              </a:spcAft>
+              <a:defRPr>
+                <a:solidFill>
+                  <a:schemeClr val="tx1"/>
+                </a:solidFill>
+                <a:latin typeface="Calibri" panose="020F0502020204030204" pitchFamily="34" charset="0"/>
+              </a:defRPr>
+            </a:lvl6pPr>
+            <a:lvl7pPr marL="2971800" indent="-228600" defTabSz="457200" fontAlgn="base">
+              <a:spcBef>
+                <a:spcPct val="0"/>
+              </a:spcBef>
+              <a:spcAft>
+                <a:spcPct val="0"/>
+              </a:spcAft>
+              <a:defRPr>
+                <a:solidFill>
+                  <a:schemeClr val="tx1"/>
+                </a:solidFill>
+                <a:latin typeface="Calibri" panose="020F0502020204030204" pitchFamily="34" charset="0"/>
+              </a:defRPr>
+            </a:lvl7pPr>
+            <a:lvl8pPr marL="3429000" indent="-228600" defTabSz="457200" fontAlgn="base">
+              <a:spcBef>
+                <a:spcPct val="0"/>
+              </a:spcBef>
+              <a:spcAft>
+                <a:spcPct val="0"/>
+              </a:spcAft>
+              <a:defRPr>
+                <a:solidFill>
+                  <a:schemeClr val="tx1"/>
+                </a:solidFill>
+                <a:latin typeface="Calibri" panose="020F0502020204030204" pitchFamily="34" charset="0"/>
+              </a:defRPr>
+            </a:lvl8pPr>
+            <a:lvl9pPr marL="3886200" indent="-228600" defTabSz="457200" fontAlgn="base">
+              <a:spcBef>
+                <a:spcPct val="0"/>
+              </a:spcBef>
+              <a:spcAft>
+                <a:spcPct val="0"/>
+              </a:spcAft>
+              <a:defRPr>
+                <a:solidFill>
+                  <a:schemeClr val="tx1"/>
+                </a:solidFill>
+                <a:latin typeface="Calibri" panose="020F0502020204030204" pitchFamily="34" charset="0"/>
+              </a:defRPr>
+            </a:lvl9pPr>
+          </a:lstStyle>
+          <a:p>
+            <a:pPr eaLnBrk="1" hangingPunct="1"/>
+            <a:endParaRPr lang="en-US" altLang="en-US"/>
+          </a:p>
+        </p:txBody>
+      </p:sp>
+      <p:sp>
+        <p:nvSpPr>
           <p:cNvPr id="3" name="Subtitle 2"/>
           <p:cNvSpPr>
             <a:spLocks noGrp="1"/>
           </p:cNvSpPr>
           <p:nvPr>
-            <p:ph type="subTitle" idx="1" hasCustomPrompt="1"/>
+            <p:ph type="subTitle" idx="1"/>
           </p:nvPr>
         </p:nvSpPr>
         <p:spPr>
@@ -702,7 +1157,7 @@
           </a:xfrm>
         </p:spPr>
         <p:txBody>
-          <a:bodyPr anchor="b" anchorCtr="0">
+          <a:bodyPr anchor="b">
             <a:normAutofit/>
           </a:bodyPr>
           <a:lstStyle>
@@ -797,61 +1252,9 @@
           </a:lstStyle>
           <a:p>
             <a:r>
-              <a:rPr lang="ru-RU" dirty="0"/>
-              <a:t>Редактируемый элемент</a:t>
-            </a:r>
-            <a:endParaRPr lang="en-US" dirty="0"/>
-          </a:p>
-        </p:txBody>
-      </p:sp>
-      <p:sp>
-        <p:nvSpPr>
-          <p:cNvPr id="7" name="TextBox 6"/>
-          <p:cNvSpPr txBox="1"/>
-          <p:nvPr userDrawn="1"/>
-        </p:nvSpPr>
-        <p:spPr>
-          <a:xfrm>
-            <a:off x="5098416" y="490274"/>
-            <a:ext cx="184731" cy="369332"/>
-          </a:xfrm>
-          <a:prstGeom prst="rect">
-            <a:avLst/>
-          </a:prstGeom>
-          <a:noFill/>
-        </p:spPr>
-        <p:txBody>
-          <a:bodyPr wrap="none" rtlCol="0">
-            <a:spAutoFit/>
-          </a:bodyPr>
-          <a:lstStyle/>
-          <a:p>
-            <a:endParaRPr lang="en-US" dirty="0"/>
-          </a:p>
-        </p:txBody>
-      </p:sp>
-      <p:sp>
-        <p:nvSpPr>
-          <p:cNvPr id="8" name="TextBox 7"/>
-          <p:cNvSpPr txBox="1"/>
-          <p:nvPr userDrawn="1"/>
-        </p:nvSpPr>
-        <p:spPr>
-          <a:xfrm>
-            <a:off x="5910801" y="427239"/>
-            <a:ext cx="184731" cy="369332"/>
-          </a:xfrm>
-          <a:prstGeom prst="rect">
-            <a:avLst/>
-          </a:prstGeom>
-          <a:noFill/>
-        </p:spPr>
-        <p:txBody>
-          <a:bodyPr wrap="none" rtlCol="0">
-            <a:spAutoFit/>
-          </a:bodyPr>
-          <a:lstStyle/>
-          <a:p>
+              <a:rPr lang="ru-RU"/>
+              <a:t>Образец подзаголовка</a:t>
+            </a:r>
             <a:endParaRPr lang="en-US" dirty="0"/>
           </a:p>
         </p:txBody>
@@ -859,7 +1262,7 @@
     </p:spTree>
     <p:extLst>
       <p:ext uri="{BB962C8B-B14F-4D97-AF65-F5344CB8AC3E}">
-        <p14:creationId xmlns:p14="http://schemas.microsoft.com/office/powerpoint/2010/main" val="2782799704"/>
+        <p14:creationId xmlns:p14="http://schemas.microsoft.com/office/powerpoint/2010/main" val="988762215"/>
       </p:ext>
     </p:extLst>
   </p:cSld>
@@ -893,7 +1296,7 @@
             <a:spLocks noGrp="1"/>
           </p:cNvSpPr>
           <p:nvPr>
-            <p:ph type="title" hasCustomPrompt="1"/>
+            <p:ph type="title"/>
           </p:nvPr>
         </p:nvSpPr>
         <p:spPr>
@@ -913,8 +1316,8 @@
           </a:lstStyle>
           <a:p>
             <a:r>
-              <a:rPr lang="ru-RU" dirty="0"/>
-              <a:t>Заголовок</a:t>
+              <a:rPr lang="ru-RU"/>
+              <a:t>Образец заголовка</a:t>
             </a:r>
             <a:endParaRPr lang="en-US" dirty="0"/>
           </a:p>
@@ -945,10 +1348,13 @@
           </a:ln>
         </p:spPr>
         <p:txBody>
-          <a:bodyPr/>
+          <a:bodyPr rtlCol="0">
+            <a:normAutofit/>
+          </a:bodyPr>
           <a:lstStyle/>
           <a:p>
-            <a:endParaRPr lang="en-US"/>
+            <a:pPr lvl="0"/>
+            <a:endParaRPr lang="en-US" noProof="0"/>
           </a:p>
         </p:txBody>
       </p:sp>
@@ -977,10 +1383,13 @@
           </a:ln>
         </p:spPr>
         <p:txBody>
-          <a:bodyPr/>
+          <a:bodyPr rtlCol="0">
+            <a:normAutofit/>
+          </a:bodyPr>
           <a:lstStyle/>
           <a:p>
-            <a:endParaRPr lang="en-US"/>
+            <a:pPr lvl="0"/>
+            <a:endParaRPr lang="en-US" noProof="0"/>
           </a:p>
         </p:txBody>
       </p:sp>
@@ -1009,10 +1418,13 @@
           </a:ln>
         </p:spPr>
         <p:txBody>
-          <a:bodyPr/>
+          <a:bodyPr rtlCol="0">
+            <a:normAutofit/>
+          </a:bodyPr>
           <a:lstStyle/>
           <a:p>
-            <a:endParaRPr lang="en-US"/>
+            <a:pPr lvl="0"/>
+            <a:endParaRPr lang="en-US" noProof="0"/>
           </a:p>
         </p:txBody>
       </p:sp>
@@ -1023,7 +1435,7 @@
             <a:spLocks noGrp="1"/>
           </p:cNvSpPr>
           <p:nvPr>
-            <p:ph type="body" sz="quarter" idx="20" hasCustomPrompt="1"/>
+            <p:ph type="body" sz="quarter" idx="20"/>
           </p:nvPr>
         </p:nvSpPr>
         <p:spPr>
@@ -1046,10 +1458,9 @@
           <a:p>
             <a:pPr lvl="0"/>
             <a:r>
-              <a:rPr lang="ru-RU" dirty="0"/>
-              <a:t>Подпись</a:t>
-            </a:r>
-            <a:endParaRPr lang="en-US" dirty="0"/>
+              <a:rPr lang="ru-RU"/>
+              <a:t>Образец текста</a:t>
+            </a:r>
           </a:p>
         </p:txBody>
       </p:sp>
@@ -1060,7 +1471,7 @@
             <a:spLocks noGrp="1"/>
           </p:cNvSpPr>
           <p:nvPr>
-            <p:ph type="body" sz="quarter" idx="21" hasCustomPrompt="1"/>
+            <p:ph type="body" sz="quarter" idx="21"/>
           </p:nvPr>
         </p:nvSpPr>
         <p:spPr>
@@ -1083,10 +1494,9 @@
           <a:p>
             <a:pPr lvl="0"/>
             <a:r>
-              <a:rPr lang="ru-RU" dirty="0"/>
-              <a:t>Подпись</a:t>
-            </a:r>
-            <a:endParaRPr lang="en-US" dirty="0"/>
+              <a:rPr lang="ru-RU"/>
+              <a:t>Образец текста</a:t>
+            </a:r>
           </a:p>
         </p:txBody>
       </p:sp>
@@ -1097,7 +1507,7 @@
             <a:spLocks noGrp="1"/>
           </p:cNvSpPr>
           <p:nvPr>
-            <p:ph type="body" sz="quarter" idx="22" hasCustomPrompt="1"/>
+            <p:ph type="body" sz="quarter" idx="22"/>
           </p:nvPr>
         </p:nvSpPr>
         <p:spPr>
@@ -1120,10 +1530,9 @@
           <a:p>
             <a:pPr lvl="0"/>
             <a:r>
-              <a:rPr lang="ru-RU" dirty="0"/>
-              <a:t>Подпись</a:t>
-            </a:r>
-            <a:endParaRPr lang="en-US" dirty="0"/>
+              <a:rPr lang="ru-RU"/>
+              <a:t>Образец текста</a:t>
+            </a:r>
           </a:p>
         </p:txBody>
       </p:sp>
@@ -1134,7 +1543,7 @@
             <a:spLocks noGrp="1"/>
           </p:cNvSpPr>
           <p:nvPr>
-            <p:ph sz="half" idx="1" hasCustomPrompt="1"/>
+            <p:ph sz="half" idx="1"/>
           </p:nvPr>
         </p:nvSpPr>
         <p:spPr>
@@ -1179,36 +1588,36 @@
           <a:p>
             <a:pPr lvl="0"/>
             <a:r>
-              <a:rPr lang="ru-RU" dirty="0"/>
-              <a:t>Первый уровень</a:t>
+              <a:rPr lang="ru-RU"/>
+              <a:t>Образец текста</a:t>
             </a:r>
           </a:p>
           <a:p>
             <a:pPr lvl="1"/>
             <a:r>
-              <a:rPr lang="ru-RU" dirty="0"/>
+              <a:rPr lang="ru-RU"/>
               <a:t>Второй уровень</a:t>
             </a:r>
           </a:p>
           <a:p>
             <a:pPr lvl="2"/>
             <a:r>
-              <a:rPr lang="ru-RU" dirty="0"/>
+              <a:rPr lang="ru-RU"/>
               <a:t>Третий уровень</a:t>
             </a:r>
           </a:p>
           <a:p>
             <a:pPr lvl="3"/>
             <a:r>
-              <a:rPr lang="ru-RU" dirty="0"/>
+              <a:rPr lang="ru-RU"/>
+              <a:t>Четвертый уровень</a:t>
+            </a:r>
+          </a:p>
+          <a:p>
+            <a:pPr lvl="4"/>
+            <a:r>
+              <a:rPr lang="ru-RU"/>
               <a:t>Пятый уровень</a:t>
-            </a:r>
-          </a:p>
-          <a:p>
-            <a:pPr lvl="4"/>
-            <a:r>
-              <a:rPr lang="ru-RU" dirty="0"/>
-              <a:t>Шестой уровень</a:t>
             </a:r>
             <a:endParaRPr lang="en-US" dirty="0"/>
           </a:p>
@@ -1221,7 +1630,7 @@
             <a:spLocks noGrp="1"/>
           </p:cNvSpPr>
           <p:nvPr>
-            <p:ph sz="half" idx="2" hasCustomPrompt="1"/>
+            <p:ph sz="half" idx="2"/>
           </p:nvPr>
         </p:nvSpPr>
         <p:spPr>
@@ -1266,36 +1675,36 @@
           <a:p>
             <a:pPr lvl="0"/>
             <a:r>
-              <a:rPr lang="ru-RU" dirty="0"/>
-              <a:t>Первый уровень</a:t>
+              <a:rPr lang="ru-RU"/>
+              <a:t>Образец текста</a:t>
             </a:r>
           </a:p>
           <a:p>
             <a:pPr lvl="1"/>
             <a:r>
-              <a:rPr lang="ru-RU" dirty="0"/>
+              <a:rPr lang="ru-RU"/>
               <a:t>Второй уровень</a:t>
             </a:r>
           </a:p>
           <a:p>
             <a:pPr lvl="2"/>
             <a:r>
-              <a:rPr lang="ru-RU" dirty="0"/>
+              <a:rPr lang="ru-RU"/>
               <a:t>Третий уровень</a:t>
             </a:r>
           </a:p>
           <a:p>
             <a:pPr lvl="3"/>
             <a:r>
-              <a:rPr lang="ru-RU" dirty="0"/>
+              <a:rPr lang="ru-RU"/>
+              <a:t>Четвертый уровень</a:t>
+            </a:r>
+          </a:p>
+          <a:p>
+            <a:pPr lvl="4"/>
+            <a:r>
+              <a:rPr lang="ru-RU"/>
               <a:t>Пятый уровень</a:t>
-            </a:r>
-          </a:p>
-          <a:p>
-            <a:pPr lvl="4"/>
-            <a:r>
-              <a:rPr lang="ru-RU" dirty="0"/>
-              <a:t>Шестой уровень</a:t>
             </a:r>
             <a:endParaRPr lang="en-US" dirty="0"/>
           </a:p>
@@ -1303,18 +1712,24 @@
       </p:sp>
       <p:sp>
         <p:nvSpPr>
-          <p:cNvPr id="21" name="Footer Placeholder 3"/>
+          <p:cNvPr id="11" name="Footer Placeholder 3">
+            <a:extLst>
+              <a:ext uri="{FF2B5EF4-FFF2-40B4-BE49-F238E27FC236}">
+                <a16:creationId xmlns:a16="http://schemas.microsoft.com/office/drawing/2014/main" xmlns="" id="{0244A044-2B4E-4B3F-913E-D0FFBE3CE288}"/>
+              </a:ext>
+            </a:extLst>
+          </p:cNvPr>
           <p:cNvSpPr>
             <a:spLocks noGrp="1"/>
           </p:cNvSpPr>
           <p:nvPr>
-            <p:ph type="ftr" sz="quarter" idx="3"/>
+            <p:ph type="ftr" sz="quarter" idx="23"/>
           </p:nvPr>
         </p:nvSpPr>
         <p:spPr>
           <a:xfrm>
-            <a:off x="4030768" y="185639"/>
-            <a:ext cx="4656032" cy="273844"/>
+            <a:off x="4030663" y="185738"/>
+            <a:ext cx="4656137" cy="273050"/>
           </a:xfrm>
           <a:prstGeom prst="rect">
             <a:avLst/>
@@ -1323,23 +1738,33 @@
         <p:txBody>
           <a:bodyPr vert="horz" lIns="91440" tIns="45720" rIns="91440" bIns="45720" rtlCol="0" anchor="ctr"/>
           <a:lstStyle>
-            <a:lvl1pPr algn="r">
-              <a:defRPr sz="1400" b="0" i="0" cap="none">
+            <a:lvl1pPr algn="r" eaLnBrk="1" fontAlgn="auto" hangingPunct="1">
+              <a:spcBef>
+                <a:spcPts val="0"/>
+              </a:spcBef>
+              <a:spcAft>
+                <a:spcPts val="0"/>
+              </a:spcAft>
+              <a:defRPr sz="1400" b="0" i="0" cap="none" dirty="0">
                 <a:solidFill>
                   <a:schemeClr val="bg1"/>
                 </a:solidFill>
+                <a:latin typeface="+mn-lt"/>
               </a:defRPr>
             </a:lvl1pPr>
           </a:lstStyle>
           <a:p>
-            <a:endParaRPr lang="en-US" dirty="0"/>
+            <a:pPr>
+              <a:defRPr/>
+            </a:pPr>
+            <a:endParaRPr lang="en-US"/>
           </a:p>
         </p:txBody>
       </p:sp>
     </p:spTree>
     <p:extLst>
       <p:ext uri="{BB962C8B-B14F-4D97-AF65-F5344CB8AC3E}">
-        <p14:creationId xmlns:p14="http://schemas.microsoft.com/office/powerpoint/2010/main" val="1963299323"/>
+        <p14:creationId xmlns:p14="http://schemas.microsoft.com/office/powerpoint/2010/main" val="3885248969"/>
       </p:ext>
     </p:extLst>
   </p:cSld>
@@ -1373,7 +1798,7 @@
             <a:spLocks noGrp="1"/>
           </p:cNvSpPr>
           <p:nvPr>
-            <p:ph type="title" hasCustomPrompt="1"/>
+            <p:ph type="title"/>
           </p:nvPr>
         </p:nvSpPr>
         <p:spPr>
@@ -1393,8 +1818,8 @@
           </a:lstStyle>
           <a:p>
             <a:r>
-              <a:rPr lang="ru-RU" dirty="0"/>
-              <a:t>Заголовок</a:t>
+              <a:rPr lang="ru-RU"/>
+              <a:t>Образец заголовка</a:t>
             </a:r>
             <a:endParaRPr lang="en-US" dirty="0"/>
           </a:p>
@@ -1407,7 +1832,7 @@
             <a:spLocks noGrp="1"/>
           </p:cNvSpPr>
           <p:nvPr>
-            <p:ph sz="half" idx="1" hasCustomPrompt="1"/>
+            <p:ph sz="half" idx="1"/>
           </p:nvPr>
         </p:nvSpPr>
         <p:spPr>
@@ -1450,36 +1875,36 @@
           <a:p>
             <a:pPr lvl="0"/>
             <a:r>
-              <a:rPr lang="ru-RU" dirty="0"/>
-              <a:t>Первый уровень</a:t>
+              <a:rPr lang="ru-RU"/>
+              <a:t>Образец текста</a:t>
             </a:r>
           </a:p>
           <a:p>
             <a:pPr lvl="1"/>
             <a:r>
-              <a:rPr lang="ru-RU" dirty="0"/>
+              <a:rPr lang="ru-RU"/>
               <a:t>Второй уровень</a:t>
             </a:r>
           </a:p>
           <a:p>
             <a:pPr lvl="2"/>
             <a:r>
-              <a:rPr lang="ru-RU" dirty="0"/>
+              <a:rPr lang="ru-RU"/>
               <a:t>Третий уровень</a:t>
             </a:r>
           </a:p>
           <a:p>
             <a:pPr lvl="3"/>
             <a:r>
-              <a:rPr lang="ru-RU" dirty="0"/>
+              <a:rPr lang="ru-RU"/>
+              <a:t>Четвертый уровень</a:t>
+            </a:r>
+          </a:p>
+          <a:p>
+            <a:pPr lvl="4"/>
+            <a:r>
+              <a:rPr lang="ru-RU"/>
               <a:t>Пятый уровень</a:t>
-            </a:r>
-          </a:p>
-          <a:p>
-            <a:pPr lvl="4"/>
-            <a:r>
-              <a:rPr lang="ru-RU" dirty="0"/>
-              <a:t>Шестой уровень</a:t>
             </a:r>
             <a:endParaRPr lang="en-US" dirty="0"/>
           </a:p>
@@ -1597,27 +2022,36 @@
           </a:ln>
         </p:spPr>
         <p:txBody>
-          <a:bodyPr/>
+          <a:bodyPr rtlCol="0">
+            <a:normAutofit/>
+          </a:bodyPr>
           <a:lstStyle/>
           <a:p>
-            <a:endParaRPr lang="en-US"/>
+            <a:pPr lvl="0"/>
+            <a:endParaRPr lang="en-US" noProof="0"/>
           </a:p>
         </p:txBody>
       </p:sp>
       <p:sp>
         <p:nvSpPr>
-          <p:cNvPr id="13" name="Footer Placeholder 3"/>
+          <p:cNvPr id="5" name="Footer Placeholder 3">
+            <a:extLst>
+              <a:ext uri="{FF2B5EF4-FFF2-40B4-BE49-F238E27FC236}">
+                <a16:creationId xmlns:a16="http://schemas.microsoft.com/office/drawing/2014/main" xmlns="" id="{5E533321-7583-408D-9901-7C5B5BBEA39D}"/>
+              </a:ext>
+            </a:extLst>
+          </p:cNvPr>
           <p:cNvSpPr>
             <a:spLocks noGrp="1"/>
           </p:cNvSpPr>
           <p:nvPr>
-            <p:ph type="ftr" sz="quarter" idx="3"/>
+            <p:ph type="ftr" sz="quarter" idx="12"/>
           </p:nvPr>
         </p:nvSpPr>
         <p:spPr>
           <a:xfrm>
-            <a:off x="4030768" y="185639"/>
-            <a:ext cx="4656032" cy="273844"/>
+            <a:off x="4030663" y="185738"/>
+            <a:ext cx="4656137" cy="273050"/>
           </a:xfrm>
           <a:prstGeom prst="rect">
             <a:avLst/>
@@ -1626,23 +2060,33 @@
         <p:txBody>
           <a:bodyPr vert="horz" lIns="91440" tIns="45720" rIns="91440" bIns="45720" rtlCol="0" anchor="ctr"/>
           <a:lstStyle>
-            <a:lvl1pPr algn="r">
-              <a:defRPr sz="1400" b="0" i="0" cap="none">
+            <a:lvl1pPr algn="r" eaLnBrk="1" fontAlgn="auto" hangingPunct="1">
+              <a:spcBef>
+                <a:spcPts val="0"/>
+              </a:spcBef>
+              <a:spcAft>
+                <a:spcPts val="0"/>
+              </a:spcAft>
+              <a:defRPr sz="1400" b="0" i="0" cap="none" dirty="0">
                 <a:solidFill>
                   <a:schemeClr val="bg1"/>
                 </a:solidFill>
+                <a:latin typeface="+mn-lt"/>
               </a:defRPr>
             </a:lvl1pPr>
           </a:lstStyle>
           <a:p>
-            <a:endParaRPr lang="en-US" dirty="0"/>
+            <a:pPr>
+              <a:defRPr/>
+            </a:pPr>
+            <a:endParaRPr lang="en-US"/>
           </a:p>
         </p:txBody>
       </p:sp>
     </p:spTree>
     <p:extLst>
       <p:ext uri="{BB962C8B-B14F-4D97-AF65-F5344CB8AC3E}">
-        <p14:creationId xmlns:p14="http://schemas.microsoft.com/office/powerpoint/2010/main" val="1955911364"/>
+        <p14:creationId xmlns:p14="http://schemas.microsoft.com/office/powerpoint/2010/main" val="3980898255"/>
       </p:ext>
     </p:extLst>
   </p:cSld>
@@ -1671,18 +2115,24 @@
       </p:grpSpPr>
       <p:sp>
         <p:nvSpPr>
-          <p:cNvPr id="13" name="Footer Placeholder 3"/>
+          <p:cNvPr id="2" name="Footer Placeholder 3">
+            <a:extLst>
+              <a:ext uri="{FF2B5EF4-FFF2-40B4-BE49-F238E27FC236}">
+                <a16:creationId xmlns:a16="http://schemas.microsoft.com/office/drawing/2014/main" xmlns="" id="{5DC51F17-9EA1-4747-B019-97EF835305E5}"/>
+              </a:ext>
+            </a:extLst>
+          </p:cNvPr>
           <p:cNvSpPr>
             <a:spLocks noGrp="1"/>
           </p:cNvSpPr>
           <p:nvPr>
-            <p:ph type="ftr" sz="quarter" idx="3"/>
+            <p:ph type="ftr" sz="quarter" idx="10"/>
           </p:nvPr>
         </p:nvSpPr>
         <p:spPr>
           <a:xfrm>
-            <a:off x="4030768" y="185639"/>
-            <a:ext cx="4656032" cy="273844"/>
+            <a:off x="4030663" y="185738"/>
+            <a:ext cx="4656137" cy="273050"/>
           </a:xfrm>
           <a:prstGeom prst="rect">
             <a:avLst/>
@@ -1691,23 +2141,33 @@
         <p:txBody>
           <a:bodyPr vert="horz" lIns="91440" tIns="45720" rIns="91440" bIns="45720" rtlCol="0" anchor="ctr"/>
           <a:lstStyle>
-            <a:lvl1pPr algn="r">
-              <a:defRPr sz="1400" b="0" i="0" cap="none">
+            <a:lvl1pPr algn="r" eaLnBrk="1" fontAlgn="auto" hangingPunct="1">
+              <a:spcBef>
+                <a:spcPts val="0"/>
+              </a:spcBef>
+              <a:spcAft>
+                <a:spcPts val="0"/>
+              </a:spcAft>
+              <a:defRPr sz="1400" b="0" i="0" cap="none" dirty="0">
                 <a:solidFill>
                   <a:schemeClr val="bg1"/>
                 </a:solidFill>
+                <a:latin typeface="+mn-lt"/>
               </a:defRPr>
             </a:lvl1pPr>
           </a:lstStyle>
           <a:p>
-            <a:endParaRPr lang="en-US" dirty="0"/>
+            <a:pPr>
+              <a:defRPr/>
+            </a:pPr>
+            <a:endParaRPr lang="en-US"/>
           </a:p>
         </p:txBody>
       </p:sp>
     </p:spTree>
     <p:extLst>
       <p:ext uri="{BB962C8B-B14F-4D97-AF65-F5344CB8AC3E}">
-        <p14:creationId xmlns:p14="http://schemas.microsoft.com/office/powerpoint/2010/main" val="545387855"/>
+        <p14:creationId xmlns:p14="http://schemas.microsoft.com/office/powerpoint/2010/main" val="2393954358"/>
       </p:ext>
     </p:extLst>
   </p:cSld>
@@ -1736,12 +2196,308 @@
       </p:grpSpPr>
       <p:sp>
         <p:nvSpPr>
+          <p:cNvPr id="5" name="TextBox 4"/>
+          <p:cNvSpPr txBox="1">
+            <a:spLocks noChangeArrowheads="1"/>
+          </p:cNvSpPr>
+          <p:nvPr userDrawn="1"/>
+        </p:nvSpPr>
+        <p:spPr bwMode="auto">
+          <a:xfrm>
+            <a:off x="5099050" y="490538"/>
+            <a:ext cx="184150" cy="368300"/>
+          </a:xfrm>
+          <a:prstGeom prst="rect">
+            <a:avLst/>
+          </a:prstGeom>
+          <a:noFill/>
+          <a:ln>
+            <a:noFill/>
+          </a:ln>
+          <a:extLst>
+            <a:ext uri="{909E8E84-426E-40DD-AFC4-6F175D3DCCD1}">
+              <a14:hiddenFill xmlns:a14="http://schemas.microsoft.com/office/drawing/2010/main">
+                <a:solidFill>
+                  <a:srgbClr val="FFFFFF"/>
+                </a:solidFill>
+              </a14:hiddenFill>
+            </a:ext>
+            <a:ext uri="{91240B29-F687-4F45-9708-019B960494DF}">
+              <a14:hiddenLine xmlns:a14="http://schemas.microsoft.com/office/drawing/2010/main" w="9525">
+                <a:solidFill>
+                  <a:srgbClr val="000000"/>
+                </a:solidFill>
+                <a:miter lim="800000"/>
+                <a:headEnd/>
+                <a:tailEnd/>
+              </a14:hiddenLine>
+            </a:ext>
+          </a:extLst>
+        </p:spPr>
+        <p:txBody>
+          <a:bodyPr wrap="none">
+            <a:spAutoFit/>
+          </a:bodyPr>
+          <a:lstStyle>
+            <a:lvl1pPr>
+              <a:defRPr>
+                <a:solidFill>
+                  <a:schemeClr val="tx1"/>
+                </a:solidFill>
+                <a:latin typeface="Calibri" panose="020F0502020204030204" pitchFamily="34" charset="0"/>
+              </a:defRPr>
+            </a:lvl1pPr>
+            <a:lvl2pPr marL="742950" indent="-285750">
+              <a:defRPr>
+                <a:solidFill>
+                  <a:schemeClr val="tx1"/>
+                </a:solidFill>
+                <a:latin typeface="Calibri" panose="020F0502020204030204" pitchFamily="34" charset="0"/>
+              </a:defRPr>
+            </a:lvl2pPr>
+            <a:lvl3pPr marL="1143000" indent="-228600">
+              <a:defRPr>
+                <a:solidFill>
+                  <a:schemeClr val="tx1"/>
+                </a:solidFill>
+                <a:latin typeface="Calibri" panose="020F0502020204030204" pitchFamily="34" charset="0"/>
+              </a:defRPr>
+            </a:lvl3pPr>
+            <a:lvl4pPr marL="1600200" indent="-228600">
+              <a:defRPr>
+                <a:solidFill>
+                  <a:schemeClr val="tx1"/>
+                </a:solidFill>
+                <a:latin typeface="Calibri" panose="020F0502020204030204" pitchFamily="34" charset="0"/>
+              </a:defRPr>
+            </a:lvl4pPr>
+            <a:lvl5pPr marL="2057400" indent="-228600">
+              <a:defRPr>
+                <a:solidFill>
+                  <a:schemeClr val="tx1"/>
+                </a:solidFill>
+                <a:latin typeface="Calibri" panose="020F0502020204030204" pitchFamily="34" charset="0"/>
+              </a:defRPr>
+            </a:lvl5pPr>
+            <a:lvl6pPr marL="2514600" indent="-228600" defTabSz="457200" fontAlgn="base">
+              <a:spcBef>
+                <a:spcPct val="0"/>
+              </a:spcBef>
+              <a:spcAft>
+                <a:spcPct val="0"/>
+              </a:spcAft>
+              <a:defRPr>
+                <a:solidFill>
+                  <a:schemeClr val="tx1"/>
+                </a:solidFill>
+                <a:latin typeface="Calibri" panose="020F0502020204030204" pitchFamily="34" charset="0"/>
+              </a:defRPr>
+            </a:lvl6pPr>
+            <a:lvl7pPr marL="2971800" indent="-228600" defTabSz="457200" fontAlgn="base">
+              <a:spcBef>
+                <a:spcPct val="0"/>
+              </a:spcBef>
+              <a:spcAft>
+                <a:spcPct val="0"/>
+              </a:spcAft>
+              <a:defRPr>
+                <a:solidFill>
+                  <a:schemeClr val="tx1"/>
+                </a:solidFill>
+                <a:latin typeface="Calibri" panose="020F0502020204030204" pitchFamily="34" charset="0"/>
+              </a:defRPr>
+            </a:lvl7pPr>
+            <a:lvl8pPr marL="3429000" indent="-228600" defTabSz="457200" fontAlgn="base">
+              <a:spcBef>
+                <a:spcPct val="0"/>
+              </a:spcBef>
+              <a:spcAft>
+                <a:spcPct val="0"/>
+              </a:spcAft>
+              <a:defRPr>
+                <a:solidFill>
+                  <a:schemeClr val="tx1"/>
+                </a:solidFill>
+                <a:latin typeface="Calibri" panose="020F0502020204030204" pitchFamily="34" charset="0"/>
+              </a:defRPr>
+            </a:lvl8pPr>
+            <a:lvl9pPr marL="3886200" indent="-228600" defTabSz="457200" fontAlgn="base">
+              <a:spcBef>
+                <a:spcPct val="0"/>
+              </a:spcBef>
+              <a:spcAft>
+                <a:spcPct val="0"/>
+              </a:spcAft>
+              <a:defRPr>
+                <a:solidFill>
+                  <a:schemeClr val="tx1"/>
+                </a:solidFill>
+                <a:latin typeface="Calibri" panose="020F0502020204030204" pitchFamily="34" charset="0"/>
+              </a:defRPr>
+            </a:lvl9pPr>
+          </a:lstStyle>
+          <a:p>
+            <a:pPr eaLnBrk="1" hangingPunct="1"/>
+            <a:endParaRPr lang="en-US" altLang="en-US"/>
+          </a:p>
+        </p:txBody>
+      </p:sp>
+      <p:sp>
+        <p:nvSpPr>
+          <p:cNvPr id="7" name="TextBox 5"/>
+          <p:cNvSpPr txBox="1">
+            <a:spLocks noChangeArrowheads="1"/>
+          </p:cNvSpPr>
+          <p:nvPr userDrawn="1"/>
+        </p:nvSpPr>
+        <p:spPr bwMode="auto">
+          <a:xfrm>
+            <a:off x="5910263" y="427038"/>
+            <a:ext cx="185737" cy="369887"/>
+          </a:xfrm>
+          <a:prstGeom prst="rect">
+            <a:avLst/>
+          </a:prstGeom>
+          <a:noFill/>
+          <a:ln>
+            <a:noFill/>
+          </a:ln>
+          <a:extLst>
+            <a:ext uri="{909E8E84-426E-40DD-AFC4-6F175D3DCCD1}">
+              <a14:hiddenFill xmlns:a14="http://schemas.microsoft.com/office/drawing/2010/main">
+                <a:solidFill>
+                  <a:srgbClr val="FFFFFF"/>
+                </a:solidFill>
+              </a14:hiddenFill>
+            </a:ext>
+            <a:ext uri="{91240B29-F687-4F45-9708-019B960494DF}">
+              <a14:hiddenLine xmlns:a14="http://schemas.microsoft.com/office/drawing/2010/main" w="9525">
+                <a:solidFill>
+                  <a:srgbClr val="000000"/>
+                </a:solidFill>
+                <a:miter lim="800000"/>
+                <a:headEnd/>
+                <a:tailEnd/>
+              </a14:hiddenLine>
+            </a:ext>
+          </a:extLst>
+        </p:spPr>
+        <p:txBody>
+          <a:bodyPr wrap="none">
+            <a:spAutoFit/>
+          </a:bodyPr>
+          <a:lstStyle>
+            <a:lvl1pPr>
+              <a:defRPr>
+                <a:solidFill>
+                  <a:schemeClr val="tx1"/>
+                </a:solidFill>
+                <a:latin typeface="Calibri" panose="020F0502020204030204" pitchFamily="34" charset="0"/>
+              </a:defRPr>
+            </a:lvl1pPr>
+            <a:lvl2pPr marL="742950" indent="-285750">
+              <a:defRPr>
+                <a:solidFill>
+                  <a:schemeClr val="tx1"/>
+                </a:solidFill>
+                <a:latin typeface="Calibri" panose="020F0502020204030204" pitchFamily="34" charset="0"/>
+              </a:defRPr>
+            </a:lvl2pPr>
+            <a:lvl3pPr marL="1143000" indent="-228600">
+              <a:defRPr>
+                <a:solidFill>
+                  <a:schemeClr val="tx1"/>
+                </a:solidFill>
+                <a:latin typeface="Calibri" panose="020F0502020204030204" pitchFamily="34" charset="0"/>
+              </a:defRPr>
+            </a:lvl3pPr>
+            <a:lvl4pPr marL="1600200" indent="-228600">
+              <a:defRPr>
+                <a:solidFill>
+                  <a:schemeClr val="tx1"/>
+                </a:solidFill>
+                <a:latin typeface="Calibri" panose="020F0502020204030204" pitchFamily="34" charset="0"/>
+              </a:defRPr>
+            </a:lvl4pPr>
+            <a:lvl5pPr marL="2057400" indent="-228600">
+              <a:defRPr>
+                <a:solidFill>
+                  <a:schemeClr val="tx1"/>
+                </a:solidFill>
+                <a:latin typeface="Calibri" panose="020F0502020204030204" pitchFamily="34" charset="0"/>
+              </a:defRPr>
+            </a:lvl5pPr>
+            <a:lvl6pPr marL="2514600" indent="-228600" defTabSz="457200" fontAlgn="base">
+              <a:spcBef>
+                <a:spcPct val="0"/>
+              </a:spcBef>
+              <a:spcAft>
+                <a:spcPct val="0"/>
+              </a:spcAft>
+              <a:defRPr>
+                <a:solidFill>
+                  <a:schemeClr val="tx1"/>
+                </a:solidFill>
+                <a:latin typeface="Calibri" panose="020F0502020204030204" pitchFamily="34" charset="0"/>
+              </a:defRPr>
+            </a:lvl6pPr>
+            <a:lvl7pPr marL="2971800" indent="-228600" defTabSz="457200" fontAlgn="base">
+              <a:spcBef>
+                <a:spcPct val="0"/>
+              </a:spcBef>
+              <a:spcAft>
+                <a:spcPct val="0"/>
+              </a:spcAft>
+              <a:defRPr>
+                <a:solidFill>
+                  <a:schemeClr val="tx1"/>
+                </a:solidFill>
+                <a:latin typeface="Calibri" panose="020F0502020204030204" pitchFamily="34" charset="0"/>
+              </a:defRPr>
+            </a:lvl7pPr>
+            <a:lvl8pPr marL="3429000" indent="-228600" defTabSz="457200" fontAlgn="base">
+              <a:spcBef>
+                <a:spcPct val="0"/>
+              </a:spcBef>
+              <a:spcAft>
+                <a:spcPct val="0"/>
+              </a:spcAft>
+              <a:defRPr>
+                <a:solidFill>
+                  <a:schemeClr val="tx1"/>
+                </a:solidFill>
+                <a:latin typeface="Calibri" panose="020F0502020204030204" pitchFamily="34" charset="0"/>
+              </a:defRPr>
+            </a:lvl8pPr>
+            <a:lvl9pPr marL="3886200" indent="-228600" defTabSz="457200" fontAlgn="base">
+              <a:spcBef>
+                <a:spcPct val="0"/>
+              </a:spcBef>
+              <a:spcAft>
+                <a:spcPct val="0"/>
+              </a:spcAft>
+              <a:defRPr>
+                <a:solidFill>
+                  <a:schemeClr val="tx1"/>
+                </a:solidFill>
+                <a:latin typeface="Calibri" panose="020F0502020204030204" pitchFamily="34" charset="0"/>
+              </a:defRPr>
+            </a:lvl9pPr>
+          </a:lstStyle>
+          <a:p>
+            <a:pPr eaLnBrk="1" hangingPunct="1"/>
+            <a:endParaRPr lang="en-US" altLang="en-US"/>
+          </a:p>
+        </p:txBody>
+      </p:sp>
+      <p:sp>
+        <p:nvSpPr>
           <p:cNvPr id="3" name="Subtitle 2"/>
           <p:cNvSpPr>
             <a:spLocks noGrp="1"/>
           </p:cNvSpPr>
           <p:nvPr>
-            <p:ph type="subTitle" idx="1" hasCustomPrompt="1"/>
+            <p:ph type="subTitle" idx="1"/>
           </p:nvPr>
         </p:nvSpPr>
         <p:spPr>
@@ -1751,7 +2507,7 @@
           </a:xfrm>
         </p:spPr>
         <p:txBody>
-          <a:bodyPr anchor="b" anchorCtr="0">
+          <a:bodyPr anchor="b">
             <a:normAutofit/>
           </a:bodyPr>
           <a:lstStyle>
@@ -1846,61 +2602,9 @@
           </a:lstStyle>
           <a:p>
             <a:r>
-              <a:rPr lang="ru-RU" dirty="0"/>
-              <a:t>Город и год</a:t>
-            </a:r>
-            <a:endParaRPr lang="en-US" dirty="0"/>
-          </a:p>
-        </p:txBody>
-      </p:sp>
-      <p:sp>
-        <p:nvSpPr>
-          <p:cNvPr id="7" name="TextBox 6"/>
-          <p:cNvSpPr txBox="1"/>
-          <p:nvPr userDrawn="1"/>
-        </p:nvSpPr>
-        <p:spPr>
-          <a:xfrm>
-            <a:off x="5098416" y="490274"/>
-            <a:ext cx="184731" cy="369332"/>
-          </a:xfrm>
-          <a:prstGeom prst="rect">
-            <a:avLst/>
-          </a:prstGeom>
-          <a:noFill/>
-        </p:spPr>
-        <p:txBody>
-          <a:bodyPr wrap="none" rtlCol="0">
-            <a:spAutoFit/>
-          </a:bodyPr>
-          <a:lstStyle/>
-          <a:p>
-            <a:endParaRPr lang="en-US" dirty="0"/>
-          </a:p>
-        </p:txBody>
-      </p:sp>
-      <p:sp>
-        <p:nvSpPr>
-          <p:cNvPr id="8" name="TextBox 7"/>
-          <p:cNvSpPr txBox="1"/>
-          <p:nvPr userDrawn="1"/>
-        </p:nvSpPr>
-        <p:spPr>
-          <a:xfrm>
-            <a:off x="5910801" y="427239"/>
-            <a:ext cx="184731" cy="369332"/>
-          </a:xfrm>
-          <a:prstGeom prst="rect">
-            <a:avLst/>
-          </a:prstGeom>
-          <a:noFill/>
-        </p:spPr>
-        <p:txBody>
-          <a:bodyPr wrap="none" rtlCol="0">
-            <a:spAutoFit/>
-          </a:bodyPr>
-          <a:lstStyle/>
-          <a:p>
+              <a:rPr lang="ru-RU"/>
+              <a:t>Образец подзаголовка</a:t>
+            </a:r>
             <a:endParaRPr lang="en-US" dirty="0"/>
           </a:p>
         </p:txBody>
@@ -1912,7 +2616,7 @@
             <a:spLocks noGrp="1"/>
           </p:cNvSpPr>
           <p:nvPr>
-            <p:ph type="title" hasCustomPrompt="1"/>
+            <p:ph type="title"/>
           </p:nvPr>
         </p:nvSpPr>
         <p:spPr>
@@ -1936,8 +2640,8 @@
           </a:lstStyle>
           <a:p>
             <a:r>
-              <a:rPr lang="ru-RU" dirty="0"/>
-              <a:t>Название презентации</a:t>
+              <a:rPr lang="ru-RU"/>
+              <a:t>Образец заголовка</a:t>
             </a:r>
             <a:endParaRPr lang="en-US" dirty="0"/>
           </a:p>
@@ -1950,7 +2654,7 @@
             <a:spLocks noGrp="1"/>
           </p:cNvSpPr>
           <p:nvPr>
-            <p:ph type="body" sz="quarter" idx="10" hasCustomPrompt="1"/>
+            <p:ph type="body" sz="quarter" idx="10"/>
           </p:nvPr>
         </p:nvSpPr>
         <p:spPr>
@@ -1997,17 +2701,16 @@
           <a:p>
             <a:pPr lvl="0"/>
             <a:r>
-              <a:rPr lang="ru-RU" dirty="0"/>
-              <a:t>Имя и контактные данные автора</a:t>
-            </a:r>
-            <a:endParaRPr lang="en-US" dirty="0"/>
+              <a:rPr lang="ru-RU"/>
+              <a:t>Образец текста</a:t>
+            </a:r>
           </a:p>
         </p:txBody>
       </p:sp>
     </p:spTree>
     <p:extLst>
       <p:ext uri="{BB962C8B-B14F-4D97-AF65-F5344CB8AC3E}">
-        <p14:creationId xmlns:p14="http://schemas.microsoft.com/office/powerpoint/2010/main" val="4130845595"/>
+        <p14:creationId xmlns:p14="http://schemas.microsoft.com/office/powerpoint/2010/main" val="1547876403"/>
       </p:ext>
     </p:extLst>
   </p:cSld>
@@ -2041,7 +2744,7 @@
             <a:spLocks noGrp="1"/>
           </p:cNvSpPr>
           <p:nvPr>
-            <p:ph type="title" hasCustomPrompt="1"/>
+            <p:ph type="title"/>
           </p:nvPr>
         </p:nvSpPr>
         <p:spPr>
@@ -2061,8 +2764,8 @@
           </a:lstStyle>
           <a:p>
             <a:r>
-              <a:rPr lang="ru-RU" dirty="0"/>
-              <a:t>Название презентации</a:t>
+              <a:rPr lang="ru-RU"/>
+              <a:t>Образец заголовка</a:t>
             </a:r>
             <a:endParaRPr lang="en-US" dirty="0"/>
           </a:p>
@@ -2075,7 +2778,7 @@
             <a:spLocks noGrp="1"/>
           </p:cNvSpPr>
           <p:nvPr>
-            <p:ph type="body" sz="quarter" idx="10" hasCustomPrompt="1"/>
+            <p:ph type="body" sz="quarter" idx="10"/>
           </p:nvPr>
         </p:nvSpPr>
         <p:spPr>
@@ -2118,17 +2821,16 @@
           <a:p>
             <a:pPr lvl="0"/>
             <a:r>
-              <a:rPr lang="ru-RU" dirty="0"/>
-              <a:t>Имя и контактные данные автора</a:t>
-            </a:r>
-            <a:endParaRPr lang="en-US" dirty="0"/>
+              <a:rPr lang="ru-RU"/>
+              <a:t>Образец текста</a:t>
+            </a:r>
           </a:p>
         </p:txBody>
       </p:sp>
     </p:spTree>
     <p:extLst>
       <p:ext uri="{BB962C8B-B14F-4D97-AF65-F5344CB8AC3E}">
-        <p14:creationId xmlns:p14="http://schemas.microsoft.com/office/powerpoint/2010/main" val="821411891"/>
+        <p14:creationId xmlns:p14="http://schemas.microsoft.com/office/powerpoint/2010/main" val="1391669631"/>
       </p:ext>
     </p:extLst>
   </p:cSld>
@@ -2172,14 +2874,17 @@
           </a:xfrm>
         </p:spPr>
         <p:txBody>
-          <a:bodyPr anchor="ctr"/>
+          <a:bodyPr rtlCol="0" anchor="ctr">
+            <a:normAutofit/>
+          </a:bodyPr>
           <a:lstStyle>
             <a:lvl1pPr algn="ctr">
               <a:defRPr/>
             </a:lvl1pPr>
           </a:lstStyle>
           <a:p>
-            <a:endParaRPr lang="en-US" dirty="0"/>
+            <a:pPr lvl="0"/>
+            <a:endParaRPr lang="en-US" noProof="0" dirty="0"/>
           </a:p>
         </p:txBody>
       </p:sp>
@@ -2190,7 +2895,7 @@
             <a:spLocks noGrp="1"/>
           </p:cNvSpPr>
           <p:nvPr>
-            <p:ph type="title" hasCustomPrompt="1"/>
+            <p:ph type="title"/>
           </p:nvPr>
         </p:nvSpPr>
         <p:spPr>
@@ -2200,7 +2905,7 @@
           </a:xfrm>
         </p:spPr>
         <p:txBody>
-          <a:bodyPr anchor="t" anchorCtr="0">
+          <a:bodyPr anchor="t">
             <a:normAutofit/>
           </a:bodyPr>
           <a:lstStyle>
@@ -2214,8 +2919,8 @@
           </a:lstStyle>
           <a:p>
             <a:r>
-              <a:rPr lang="ru-RU" dirty="0"/>
-              <a:t>Место для заголовка</a:t>
+              <a:rPr lang="ru-RU"/>
+              <a:t>Образец заголовка</a:t>
             </a:r>
             <a:endParaRPr lang="en-US" dirty="0"/>
           </a:p>
@@ -2224,7 +2929,7 @@
     </p:spTree>
     <p:extLst>
       <p:ext uri="{BB962C8B-B14F-4D97-AF65-F5344CB8AC3E}">
-        <p14:creationId xmlns:p14="http://schemas.microsoft.com/office/powerpoint/2010/main" val="2541825515"/>
+        <p14:creationId xmlns:p14="http://schemas.microsoft.com/office/powerpoint/2010/main" val="443033667"/>
       </p:ext>
     </p:extLst>
   </p:cSld>
@@ -2258,7 +2963,7 @@
             <a:spLocks noGrp="1"/>
           </p:cNvSpPr>
           <p:nvPr>
-            <p:ph type="title" hasCustomPrompt="1"/>
+            <p:ph type="title"/>
           </p:nvPr>
         </p:nvSpPr>
         <p:spPr>
@@ -2282,8 +2987,8 @@
           </a:lstStyle>
           <a:p>
             <a:r>
-              <a:rPr lang="ru-RU" dirty="0"/>
-              <a:t>Спасибо за внимание!</a:t>
+              <a:rPr lang="ru-RU"/>
+              <a:t>Образец заголовка</a:t>
             </a:r>
             <a:endParaRPr lang="en-US" dirty="0"/>
           </a:p>
@@ -2296,7 +3001,7 @@
             <a:spLocks noGrp="1"/>
           </p:cNvSpPr>
           <p:nvPr>
-            <p:ph type="body" sz="quarter" idx="10" hasCustomPrompt="1"/>
+            <p:ph type="body" sz="quarter" idx="10"/>
           </p:nvPr>
         </p:nvSpPr>
         <p:spPr>
@@ -2357,17 +3062,16 @@
           <a:p>
             <a:pPr lvl="0"/>
             <a:r>
-              <a:rPr lang="ru-RU" dirty="0"/>
-              <a:t>Контактные данные</a:t>
-            </a:r>
-            <a:endParaRPr lang="en-US" dirty="0"/>
+              <a:rPr lang="ru-RU"/>
+              <a:t>Образец текста</a:t>
+            </a:r>
           </a:p>
         </p:txBody>
       </p:sp>
     </p:spTree>
     <p:extLst>
       <p:ext uri="{BB962C8B-B14F-4D97-AF65-F5344CB8AC3E}">
-        <p14:creationId xmlns:p14="http://schemas.microsoft.com/office/powerpoint/2010/main" val="2320221387"/>
+        <p14:creationId xmlns:p14="http://schemas.microsoft.com/office/powerpoint/2010/main" val="4248810274"/>
       </p:ext>
     </p:extLst>
   </p:cSld>
@@ -2401,7 +3105,7 @@
             <a:spLocks noGrp="1"/>
           </p:cNvSpPr>
           <p:nvPr>
-            <p:ph sz="half" idx="1" hasCustomPrompt="1"/>
+            <p:ph sz="half" idx="1"/>
           </p:nvPr>
         </p:nvSpPr>
         <p:spPr>
@@ -2444,72 +3148,37 @@
           <a:p>
             <a:pPr lvl="0"/>
             <a:r>
-              <a:rPr lang="ru-RU" dirty="0"/>
-              <a:t>Первый уровень</a:t>
+              <a:rPr lang="ru-RU"/>
+              <a:t>Образец текста</a:t>
             </a:r>
           </a:p>
           <a:p>
             <a:pPr lvl="1"/>
             <a:r>
-              <a:rPr lang="ru-RU" dirty="0"/>
+              <a:rPr lang="ru-RU"/>
               <a:t>Второй уровень</a:t>
             </a:r>
           </a:p>
           <a:p>
             <a:pPr lvl="2"/>
             <a:r>
-              <a:rPr lang="ru-RU" dirty="0"/>
+              <a:rPr lang="ru-RU"/>
               <a:t>Третий уровень</a:t>
             </a:r>
           </a:p>
           <a:p>
             <a:pPr lvl="3"/>
             <a:r>
-              <a:rPr lang="ru-RU" dirty="0"/>
+              <a:rPr lang="ru-RU"/>
+              <a:t>Четвертый уровень</a:t>
+            </a:r>
+          </a:p>
+          <a:p>
+            <a:pPr lvl="4"/>
+            <a:r>
+              <a:rPr lang="ru-RU"/>
               <a:t>Пятый уровень</a:t>
             </a:r>
-          </a:p>
-          <a:p>
-            <a:pPr lvl="4"/>
-            <a:r>
-              <a:rPr lang="ru-RU" dirty="0"/>
-              <a:t>Шестой уровень</a:t>
-            </a:r>
-            <a:endParaRPr lang="en-US" dirty="0"/>
-          </a:p>
-        </p:txBody>
-      </p:sp>
-      <p:sp>
-        <p:nvSpPr>
-          <p:cNvPr id="14" name="Footer Placeholder 3"/>
-          <p:cNvSpPr>
-            <a:spLocks noGrp="1"/>
-          </p:cNvSpPr>
-          <p:nvPr>
-            <p:ph type="ftr" sz="quarter" idx="3"/>
-          </p:nvPr>
-        </p:nvSpPr>
-        <p:spPr>
-          <a:xfrm>
-            <a:off x="4030768" y="185639"/>
-            <a:ext cx="4656032" cy="273844"/>
-          </a:xfrm>
-          <a:prstGeom prst="rect">
-            <a:avLst/>
-          </a:prstGeom>
-        </p:spPr>
-        <p:txBody>
-          <a:bodyPr vert="horz" lIns="91440" tIns="45720" rIns="91440" bIns="45720" rtlCol="0" anchor="ctr"/>
-          <a:lstStyle>
-            <a:lvl1pPr algn="r">
-              <a:defRPr sz="1400" b="0" i="0" cap="none">
-                <a:solidFill>
-                  <a:schemeClr val="bg1"/>
-                </a:solidFill>
-              </a:defRPr>
-            </a:lvl1pPr>
-          </a:lstStyle>
-          <a:p>
             <a:endParaRPr lang="en-US" dirty="0"/>
           </a:p>
         </p:txBody>
@@ -2534,7 +3203,7 @@
           </a:prstGeom>
         </p:spPr>
         <p:txBody>
-          <a:bodyPr vert="horz" lIns="91440" tIns="45720" rIns="91440" bIns="45720" rtlCol="0" anchor="ctr">
+          <a:bodyPr rtlCol="0">
             <a:normAutofit/>
           </a:bodyPr>
           <a:lstStyle/>
@@ -2544,13 +3213,64 @@
               <a:t>Заголовок</a:t>
             </a:r>
             <a:endParaRPr lang="en-US" dirty="0"/>
+          </a:p>
+        </p:txBody>
+      </p:sp>
+      <p:sp>
+        <p:nvSpPr>
+          <p:cNvPr id="4" name="Footer Placeholder 3">
+            <a:extLst>
+              <a:ext uri="{FF2B5EF4-FFF2-40B4-BE49-F238E27FC236}">
+                <a16:creationId xmlns:a16="http://schemas.microsoft.com/office/drawing/2014/main" xmlns="" id="{EBDC7A0B-8867-41EC-8AAA-187EB14F6428}"/>
+              </a:ext>
+            </a:extLst>
+          </p:cNvPr>
+          <p:cNvSpPr>
+            <a:spLocks noGrp="1"/>
+          </p:cNvSpPr>
+          <p:nvPr>
+            <p:ph type="ftr" sz="quarter" idx="10"/>
+          </p:nvPr>
+        </p:nvSpPr>
+        <p:spPr>
+          <a:xfrm>
+            <a:off x="4030663" y="185738"/>
+            <a:ext cx="4656137" cy="273050"/>
+          </a:xfrm>
+          <a:prstGeom prst="rect">
+            <a:avLst/>
+          </a:prstGeom>
+        </p:spPr>
+        <p:txBody>
+          <a:bodyPr vert="horz" lIns="91440" tIns="45720" rIns="91440" bIns="45720" rtlCol="0" anchor="ctr"/>
+          <a:lstStyle>
+            <a:lvl1pPr algn="r" eaLnBrk="1" fontAlgn="auto" hangingPunct="1">
+              <a:spcBef>
+                <a:spcPts val="0"/>
+              </a:spcBef>
+              <a:spcAft>
+                <a:spcPts val="0"/>
+              </a:spcAft>
+              <a:defRPr sz="1400" b="0" i="0" cap="none" dirty="0">
+                <a:solidFill>
+                  <a:schemeClr val="bg1"/>
+                </a:solidFill>
+                <a:latin typeface="+mn-lt"/>
+              </a:defRPr>
+            </a:lvl1pPr>
+          </a:lstStyle>
+          <a:p>
+            <a:pPr>
+              <a:defRPr/>
+            </a:pPr>
+            <a:endParaRPr lang="en-US"/>
           </a:p>
         </p:txBody>
       </p:sp>
     </p:spTree>
     <p:extLst>
       <p:ext uri="{BB962C8B-B14F-4D97-AF65-F5344CB8AC3E}">
-        <p14:creationId xmlns:p14="http://schemas.microsoft.com/office/powerpoint/2010/main" val="3941284848"/>
+        <p14:creationId xmlns:p14="http://schemas.microsoft.com/office/powerpoint/2010/main" val="3056572290"/>
       </p:ext>
     </p:extLst>
   </p:cSld>
@@ -2584,7 +3304,7 @@
             <a:spLocks noGrp="1"/>
           </p:cNvSpPr>
           <p:nvPr>
-            <p:ph sz="half" idx="1" hasCustomPrompt="1"/>
+            <p:ph sz="half" idx="1"/>
           </p:nvPr>
         </p:nvSpPr>
         <p:spPr>
@@ -2627,36 +3347,36 @@
           <a:p>
             <a:pPr lvl="0"/>
             <a:r>
-              <a:rPr lang="ru-RU" dirty="0"/>
-              <a:t>Первый уровень</a:t>
+              <a:rPr lang="ru-RU"/>
+              <a:t>Образец текста</a:t>
             </a:r>
           </a:p>
           <a:p>
             <a:pPr lvl="1"/>
             <a:r>
-              <a:rPr lang="ru-RU" dirty="0"/>
+              <a:rPr lang="ru-RU"/>
               <a:t>Второй уровень</a:t>
             </a:r>
           </a:p>
           <a:p>
             <a:pPr lvl="2"/>
             <a:r>
-              <a:rPr lang="ru-RU" dirty="0"/>
+              <a:rPr lang="ru-RU"/>
               <a:t>Третий уровень</a:t>
             </a:r>
           </a:p>
           <a:p>
             <a:pPr lvl="3"/>
             <a:r>
-              <a:rPr lang="ru-RU" dirty="0"/>
+              <a:rPr lang="ru-RU"/>
+              <a:t>Четвертый уровень</a:t>
+            </a:r>
+          </a:p>
+          <a:p>
+            <a:pPr lvl="4"/>
+            <a:r>
+              <a:rPr lang="ru-RU"/>
               <a:t>Пятый уровень</a:t>
-            </a:r>
-          </a:p>
-          <a:p>
-            <a:pPr lvl="4"/>
-            <a:r>
-              <a:rPr lang="ru-RU" dirty="0"/>
-              <a:t>Шестой уровень</a:t>
             </a:r>
             <a:endParaRPr lang="en-US" dirty="0"/>
           </a:p>
@@ -2669,7 +3389,7 @@
             <a:spLocks noGrp="1"/>
           </p:cNvSpPr>
           <p:nvPr>
-            <p:ph sz="half" idx="2" hasCustomPrompt="1"/>
+            <p:ph sz="half" idx="2"/>
           </p:nvPr>
         </p:nvSpPr>
         <p:spPr>
@@ -2712,72 +3432,37 @@
           <a:p>
             <a:pPr lvl="0"/>
             <a:r>
-              <a:rPr lang="ru-RU" dirty="0"/>
-              <a:t>Первый уровень</a:t>
+              <a:rPr lang="ru-RU"/>
+              <a:t>Образец текста</a:t>
             </a:r>
           </a:p>
           <a:p>
             <a:pPr lvl="1"/>
             <a:r>
-              <a:rPr lang="ru-RU" dirty="0"/>
+              <a:rPr lang="ru-RU"/>
               <a:t>Второй уровень</a:t>
             </a:r>
           </a:p>
           <a:p>
             <a:pPr lvl="2"/>
             <a:r>
-              <a:rPr lang="ru-RU" dirty="0"/>
+              <a:rPr lang="ru-RU"/>
               <a:t>Третий уровень</a:t>
             </a:r>
           </a:p>
           <a:p>
             <a:pPr lvl="3"/>
             <a:r>
-              <a:rPr lang="ru-RU" dirty="0"/>
+              <a:rPr lang="ru-RU"/>
+              <a:t>Четвертый уровень</a:t>
+            </a:r>
+          </a:p>
+          <a:p>
+            <a:pPr lvl="4"/>
+            <a:r>
+              <a:rPr lang="ru-RU"/>
               <a:t>Пятый уровень</a:t>
             </a:r>
-          </a:p>
-          <a:p>
-            <a:pPr lvl="4"/>
-            <a:r>
-              <a:rPr lang="ru-RU" dirty="0"/>
-              <a:t>Шестой уровень</a:t>
-            </a:r>
-            <a:endParaRPr lang="en-US" dirty="0"/>
-          </a:p>
-        </p:txBody>
-      </p:sp>
-      <p:sp>
-        <p:nvSpPr>
-          <p:cNvPr id="13" name="Footer Placeholder 3"/>
-          <p:cNvSpPr>
-            <a:spLocks noGrp="1"/>
-          </p:cNvSpPr>
-          <p:nvPr>
-            <p:ph type="ftr" sz="quarter" idx="3"/>
-          </p:nvPr>
-        </p:nvSpPr>
-        <p:spPr>
-          <a:xfrm>
-            <a:off x="4030768" y="185639"/>
-            <a:ext cx="4656032" cy="273844"/>
-          </a:xfrm>
-          <a:prstGeom prst="rect">
-            <a:avLst/>
-          </a:prstGeom>
-        </p:spPr>
-        <p:txBody>
-          <a:bodyPr vert="horz" lIns="91440" tIns="45720" rIns="91440" bIns="45720" rtlCol="0" anchor="ctr"/>
-          <a:lstStyle>
-            <a:lvl1pPr algn="r">
-              <a:defRPr sz="1400" b="0" i="0" cap="none">
-                <a:solidFill>
-                  <a:schemeClr val="bg1"/>
-                </a:solidFill>
-              </a:defRPr>
-            </a:lvl1pPr>
-          </a:lstStyle>
-          <a:p>
             <a:endParaRPr lang="en-US" dirty="0"/>
           </a:p>
         </p:txBody>
@@ -2802,7 +3487,7 @@
           </a:prstGeom>
         </p:spPr>
         <p:txBody>
-          <a:bodyPr vert="horz" lIns="91440" tIns="45720" rIns="91440" bIns="45720" rtlCol="0" anchor="ctr">
+          <a:bodyPr rtlCol="0">
             <a:normAutofit/>
           </a:bodyPr>
           <a:lstStyle/>
@@ -2812,13 +3497,64 @@
               <a:t>Заголовок</a:t>
             </a:r>
             <a:endParaRPr lang="en-US" dirty="0"/>
+          </a:p>
+        </p:txBody>
+      </p:sp>
+      <p:sp>
+        <p:nvSpPr>
+          <p:cNvPr id="5" name="Footer Placeholder 3">
+            <a:extLst>
+              <a:ext uri="{FF2B5EF4-FFF2-40B4-BE49-F238E27FC236}">
+                <a16:creationId xmlns:a16="http://schemas.microsoft.com/office/drawing/2014/main" xmlns="" id="{9CA97FF2-32B6-46EC-AF54-2834E05C2F41}"/>
+              </a:ext>
+            </a:extLst>
+          </p:cNvPr>
+          <p:cNvSpPr>
+            <a:spLocks noGrp="1"/>
+          </p:cNvSpPr>
+          <p:nvPr>
+            <p:ph type="ftr" sz="quarter" idx="10"/>
+          </p:nvPr>
+        </p:nvSpPr>
+        <p:spPr>
+          <a:xfrm>
+            <a:off x="4030663" y="185738"/>
+            <a:ext cx="4656137" cy="273050"/>
+          </a:xfrm>
+          <a:prstGeom prst="rect">
+            <a:avLst/>
+          </a:prstGeom>
+        </p:spPr>
+        <p:txBody>
+          <a:bodyPr vert="horz" lIns="91440" tIns="45720" rIns="91440" bIns="45720" rtlCol="0" anchor="ctr"/>
+          <a:lstStyle>
+            <a:lvl1pPr algn="r" eaLnBrk="1" fontAlgn="auto" hangingPunct="1">
+              <a:spcBef>
+                <a:spcPts val="0"/>
+              </a:spcBef>
+              <a:spcAft>
+                <a:spcPts val="0"/>
+              </a:spcAft>
+              <a:defRPr sz="1400" b="0" i="0" cap="none" dirty="0">
+                <a:solidFill>
+                  <a:schemeClr val="bg1"/>
+                </a:solidFill>
+                <a:latin typeface="+mn-lt"/>
+              </a:defRPr>
+            </a:lvl1pPr>
+          </a:lstStyle>
+          <a:p>
+            <a:pPr>
+              <a:defRPr/>
+            </a:pPr>
+            <a:endParaRPr lang="en-US"/>
           </a:p>
         </p:txBody>
       </p:sp>
     </p:spTree>
     <p:extLst>
       <p:ext uri="{BB962C8B-B14F-4D97-AF65-F5344CB8AC3E}">
-        <p14:creationId xmlns:p14="http://schemas.microsoft.com/office/powerpoint/2010/main" val="1251592062"/>
+        <p14:creationId xmlns:p14="http://schemas.microsoft.com/office/powerpoint/2010/main" val="2197873501"/>
       </p:ext>
     </p:extLst>
   </p:cSld>
@@ -2852,7 +3588,7 @@
             <a:spLocks noGrp="1"/>
           </p:cNvSpPr>
           <p:nvPr>
-            <p:ph sz="half" idx="1" hasCustomPrompt="1"/>
+            <p:ph sz="half" idx="1"/>
           </p:nvPr>
         </p:nvSpPr>
         <p:spPr>
@@ -2895,36 +3631,36 @@
           <a:p>
             <a:pPr lvl="0"/>
             <a:r>
-              <a:rPr lang="ru-RU" dirty="0"/>
-              <a:t>Первый уровень</a:t>
+              <a:rPr lang="ru-RU"/>
+              <a:t>Образец текста</a:t>
             </a:r>
           </a:p>
           <a:p>
             <a:pPr lvl="1"/>
             <a:r>
-              <a:rPr lang="ru-RU" dirty="0"/>
+              <a:rPr lang="ru-RU"/>
               <a:t>Второй уровень</a:t>
             </a:r>
           </a:p>
           <a:p>
             <a:pPr lvl="2"/>
             <a:r>
-              <a:rPr lang="ru-RU" dirty="0"/>
+              <a:rPr lang="ru-RU"/>
               <a:t>Третий уровень</a:t>
             </a:r>
           </a:p>
           <a:p>
             <a:pPr lvl="3"/>
             <a:r>
-              <a:rPr lang="ru-RU" dirty="0"/>
+              <a:rPr lang="ru-RU"/>
+              <a:t>Четвертый уровень</a:t>
+            </a:r>
+          </a:p>
+          <a:p>
+            <a:pPr lvl="4"/>
+            <a:r>
+              <a:rPr lang="ru-RU"/>
               <a:t>Пятый уровень</a:t>
-            </a:r>
-          </a:p>
-          <a:p>
-            <a:pPr lvl="4"/>
-            <a:r>
-              <a:rPr lang="ru-RU" dirty="0"/>
-              <a:t>Шестой уровень</a:t>
             </a:r>
             <a:endParaRPr lang="en-US" dirty="0"/>
           </a:p>
@@ -2991,10 +3727,13 @@
           </a:ln>
         </p:spPr>
         <p:txBody>
-          <a:bodyPr/>
+          <a:bodyPr rtlCol="0">
+            <a:normAutofit/>
+          </a:bodyPr>
           <a:lstStyle/>
           <a:p>
-            <a:endParaRPr lang="en-US"/>
+            <a:pPr lvl="0"/>
+            <a:endParaRPr lang="en-US" noProof="0"/>
           </a:p>
         </p:txBody>
       </p:sp>
@@ -3059,10 +3798,13 @@
           </a:ln>
         </p:spPr>
         <p:txBody>
-          <a:bodyPr/>
+          <a:bodyPr rtlCol="0">
+            <a:normAutofit/>
+          </a:bodyPr>
           <a:lstStyle/>
           <a:p>
-            <a:endParaRPr lang="en-US"/>
+            <a:pPr lvl="0"/>
+            <a:endParaRPr lang="en-US" noProof="0"/>
           </a:p>
         </p:txBody>
       </p:sp>
@@ -3073,7 +3815,7 @@
             <a:spLocks noGrp="1"/>
           </p:cNvSpPr>
           <p:nvPr>
-            <p:ph type="title" hasCustomPrompt="1"/>
+            <p:ph type="title"/>
           </p:nvPr>
         </p:nvSpPr>
         <p:spPr>
@@ -3087,8 +3829,8 @@
           <a:lstStyle/>
           <a:p>
             <a:r>
-              <a:rPr lang="ru-RU" dirty="0"/>
-              <a:t>Заголовок</a:t>
+              <a:rPr lang="ru-RU"/>
+              <a:t>Образец заголовка</a:t>
             </a:r>
             <a:endParaRPr lang="en-US" dirty="0"/>
           </a:p>
@@ -3096,18 +3838,24 @@
       </p:sp>
       <p:sp>
         <p:nvSpPr>
-          <p:cNvPr id="15" name="Footer Placeholder 3"/>
+          <p:cNvPr id="6" name="Footer Placeholder 3">
+            <a:extLst>
+              <a:ext uri="{FF2B5EF4-FFF2-40B4-BE49-F238E27FC236}">
+                <a16:creationId xmlns:a16="http://schemas.microsoft.com/office/drawing/2014/main" xmlns="" id="{CEBB575C-7F2D-4A5A-A681-2DF7BECD21DC}"/>
+              </a:ext>
+            </a:extLst>
+          </p:cNvPr>
           <p:cNvSpPr>
             <a:spLocks noGrp="1"/>
           </p:cNvSpPr>
           <p:nvPr>
-            <p:ph type="ftr" sz="quarter" idx="3"/>
+            <p:ph type="ftr" sz="quarter" idx="12"/>
           </p:nvPr>
         </p:nvSpPr>
         <p:spPr>
           <a:xfrm>
-            <a:off x="4030768" y="185639"/>
-            <a:ext cx="4656032" cy="273844"/>
+            <a:off x="4030663" y="185738"/>
+            <a:ext cx="4656137" cy="273050"/>
           </a:xfrm>
           <a:prstGeom prst="rect">
             <a:avLst/>
@@ -3116,23 +3864,33 @@
         <p:txBody>
           <a:bodyPr vert="horz" lIns="91440" tIns="45720" rIns="91440" bIns="45720" rtlCol="0" anchor="ctr"/>
           <a:lstStyle>
-            <a:lvl1pPr algn="r">
-              <a:defRPr sz="1400" b="0" i="0" cap="none">
+            <a:lvl1pPr algn="r" eaLnBrk="1" fontAlgn="auto" hangingPunct="1">
+              <a:spcBef>
+                <a:spcPts val="0"/>
+              </a:spcBef>
+              <a:spcAft>
+                <a:spcPts val="0"/>
+              </a:spcAft>
+              <a:defRPr sz="1400" b="0" i="0" cap="none" dirty="0">
                 <a:solidFill>
                   <a:schemeClr val="bg1"/>
                 </a:solidFill>
+                <a:latin typeface="+mn-lt"/>
               </a:defRPr>
             </a:lvl1pPr>
           </a:lstStyle>
           <a:p>
-            <a:endParaRPr lang="en-US" dirty="0"/>
+            <a:pPr>
+              <a:defRPr/>
+            </a:pPr>
+            <a:endParaRPr lang="en-US"/>
           </a:p>
         </p:txBody>
       </p:sp>
     </p:spTree>
     <p:extLst>
       <p:ext uri="{BB962C8B-B14F-4D97-AF65-F5344CB8AC3E}">
-        <p14:creationId xmlns:p14="http://schemas.microsoft.com/office/powerpoint/2010/main" val="3025460965"/>
+        <p14:creationId xmlns:p14="http://schemas.microsoft.com/office/powerpoint/2010/main" val="3988675980"/>
       </p:ext>
     </p:extLst>
   </p:cSld>
@@ -3166,7 +3924,7 @@
             <a:spLocks noGrp="1"/>
           </p:cNvSpPr>
           <p:nvPr>
-            <p:ph type="title" hasCustomPrompt="1"/>
+            <p:ph type="title"/>
           </p:nvPr>
         </p:nvSpPr>
         <p:spPr>
@@ -3186,8 +3944,8 @@
           </a:lstStyle>
           <a:p>
             <a:r>
-              <a:rPr lang="ru-RU" dirty="0"/>
-              <a:t>Заголовок</a:t>
+              <a:rPr lang="ru-RU"/>
+              <a:t>Образец заголовка</a:t>
             </a:r>
             <a:endParaRPr lang="en-US" dirty="0"/>
           </a:p>
@@ -3218,10 +3976,13 @@
           </a:ln>
         </p:spPr>
         <p:txBody>
-          <a:bodyPr/>
+          <a:bodyPr rtlCol="0">
+            <a:normAutofit/>
+          </a:bodyPr>
           <a:lstStyle/>
           <a:p>
-            <a:endParaRPr lang="en-US"/>
+            <a:pPr lvl="0"/>
+            <a:endParaRPr lang="en-US" noProof="0"/>
           </a:p>
         </p:txBody>
       </p:sp>
@@ -3250,10 +4011,13 @@
           </a:ln>
         </p:spPr>
         <p:txBody>
-          <a:bodyPr/>
+          <a:bodyPr rtlCol="0">
+            <a:normAutofit/>
+          </a:bodyPr>
           <a:lstStyle/>
           <a:p>
-            <a:endParaRPr lang="en-US"/>
+            <a:pPr lvl="0"/>
+            <a:endParaRPr lang="en-US" noProof="0"/>
           </a:p>
         </p:txBody>
       </p:sp>
@@ -3282,10 +4046,13 @@
           </a:ln>
         </p:spPr>
         <p:txBody>
-          <a:bodyPr/>
+          <a:bodyPr rtlCol="0">
+            <a:normAutofit/>
+          </a:bodyPr>
           <a:lstStyle/>
           <a:p>
-            <a:endParaRPr lang="en-US"/>
+            <a:pPr lvl="0"/>
+            <a:endParaRPr lang="en-US" noProof="0"/>
           </a:p>
         </p:txBody>
       </p:sp>
@@ -3314,10 +4081,13 @@
           </a:ln>
         </p:spPr>
         <p:txBody>
-          <a:bodyPr/>
+          <a:bodyPr rtlCol="0">
+            <a:normAutofit/>
+          </a:bodyPr>
           <a:lstStyle/>
           <a:p>
-            <a:endParaRPr lang="en-US"/>
+            <a:pPr lvl="0"/>
+            <a:endParaRPr lang="en-US" noProof="0"/>
           </a:p>
         </p:txBody>
       </p:sp>
@@ -3346,10 +4116,13 @@
           </a:ln>
         </p:spPr>
         <p:txBody>
-          <a:bodyPr/>
+          <a:bodyPr rtlCol="0">
+            <a:normAutofit/>
+          </a:bodyPr>
           <a:lstStyle/>
           <a:p>
-            <a:endParaRPr lang="en-US"/>
+            <a:pPr lvl="0"/>
+            <a:endParaRPr lang="en-US" noProof="0"/>
           </a:p>
         </p:txBody>
       </p:sp>
@@ -3378,10 +4151,13 @@
           </a:ln>
         </p:spPr>
         <p:txBody>
-          <a:bodyPr/>
+          <a:bodyPr rtlCol="0">
+            <a:normAutofit/>
+          </a:bodyPr>
           <a:lstStyle/>
           <a:p>
-            <a:endParaRPr lang="en-US"/>
+            <a:pPr lvl="0"/>
+            <a:endParaRPr lang="en-US" noProof="0"/>
           </a:p>
         </p:txBody>
       </p:sp>
@@ -3392,7 +4168,7 @@
             <a:spLocks noGrp="1"/>
           </p:cNvSpPr>
           <p:nvPr>
-            <p:ph type="body" sz="quarter" idx="20" hasCustomPrompt="1"/>
+            <p:ph type="body" sz="quarter" idx="20"/>
           </p:nvPr>
         </p:nvSpPr>
         <p:spPr>
@@ -3415,10 +4191,9 @@
           <a:p>
             <a:pPr lvl="0"/>
             <a:r>
-              <a:rPr lang="ru-RU" dirty="0"/>
-              <a:t>Подпись</a:t>
-            </a:r>
-            <a:endParaRPr lang="en-US" dirty="0"/>
+              <a:rPr lang="ru-RU"/>
+              <a:t>Образец текста</a:t>
+            </a:r>
           </a:p>
         </p:txBody>
       </p:sp>
@@ -3429,7 +4204,7 @@
             <a:spLocks noGrp="1"/>
           </p:cNvSpPr>
           <p:nvPr>
-            <p:ph type="body" sz="quarter" idx="21" hasCustomPrompt="1"/>
+            <p:ph type="body" sz="quarter" idx="21"/>
           </p:nvPr>
         </p:nvSpPr>
         <p:spPr>
@@ -3452,10 +4227,9 @@
           <a:p>
             <a:pPr lvl="0"/>
             <a:r>
-              <a:rPr lang="ru-RU" dirty="0"/>
-              <a:t>Подпись</a:t>
-            </a:r>
-            <a:endParaRPr lang="en-US" dirty="0"/>
+              <a:rPr lang="ru-RU"/>
+              <a:t>Образец текста</a:t>
+            </a:r>
           </a:p>
         </p:txBody>
       </p:sp>
@@ -3466,7 +4240,7 @@
             <a:spLocks noGrp="1"/>
           </p:cNvSpPr>
           <p:nvPr>
-            <p:ph type="body" sz="quarter" idx="22" hasCustomPrompt="1"/>
+            <p:ph type="body" sz="quarter" idx="22"/>
           </p:nvPr>
         </p:nvSpPr>
         <p:spPr>
@@ -3489,10 +4263,9 @@
           <a:p>
             <a:pPr lvl="0"/>
             <a:r>
-              <a:rPr lang="ru-RU" dirty="0"/>
-              <a:t>Подпись</a:t>
-            </a:r>
-            <a:endParaRPr lang="en-US" dirty="0"/>
+              <a:rPr lang="ru-RU"/>
+              <a:t>Образец текста</a:t>
+            </a:r>
           </a:p>
         </p:txBody>
       </p:sp>
@@ -3503,7 +4276,7 @@
             <a:spLocks noGrp="1"/>
           </p:cNvSpPr>
           <p:nvPr>
-            <p:ph type="body" sz="quarter" idx="23" hasCustomPrompt="1"/>
+            <p:ph type="body" sz="quarter" idx="23"/>
           </p:nvPr>
         </p:nvSpPr>
         <p:spPr>
@@ -3526,10 +4299,9 @@
           <a:p>
             <a:pPr lvl="0"/>
             <a:r>
-              <a:rPr lang="ru-RU" dirty="0"/>
-              <a:t>Подпись</a:t>
-            </a:r>
-            <a:endParaRPr lang="en-US" dirty="0"/>
+              <a:rPr lang="ru-RU"/>
+              <a:t>Образец текста</a:t>
+            </a:r>
           </a:p>
         </p:txBody>
       </p:sp>
@@ -3540,7 +4312,7 @@
             <a:spLocks noGrp="1"/>
           </p:cNvSpPr>
           <p:nvPr>
-            <p:ph type="body" sz="quarter" idx="24" hasCustomPrompt="1"/>
+            <p:ph type="body" sz="quarter" idx="24"/>
           </p:nvPr>
         </p:nvSpPr>
         <p:spPr>
@@ -3563,10 +4335,9 @@
           <a:p>
             <a:pPr lvl="0"/>
             <a:r>
-              <a:rPr lang="ru-RU" dirty="0"/>
-              <a:t>Подпись</a:t>
-            </a:r>
-            <a:endParaRPr lang="en-US" dirty="0"/>
+              <a:rPr lang="ru-RU"/>
+              <a:t>Образец текста</a:t>
+            </a:r>
           </a:p>
         </p:txBody>
       </p:sp>
@@ -3577,7 +4348,7 @@
             <a:spLocks noGrp="1"/>
           </p:cNvSpPr>
           <p:nvPr>
-            <p:ph type="body" sz="quarter" idx="25" hasCustomPrompt="1"/>
+            <p:ph type="body" sz="quarter" idx="25"/>
           </p:nvPr>
         </p:nvSpPr>
         <p:spPr>
@@ -3600,27 +4371,32 @@
           <a:p>
             <a:pPr lvl="0"/>
             <a:r>
-              <a:rPr lang="ru-RU" dirty="0"/>
-              <a:t>Подпись</a:t>
-            </a:r>
-            <a:endParaRPr lang="en-US" dirty="0"/>
+              <a:rPr lang="ru-RU"/>
+              <a:t>Образец текста</a:t>
+            </a:r>
           </a:p>
         </p:txBody>
       </p:sp>
       <p:sp>
         <p:nvSpPr>
-          <p:cNvPr id="33" name="Footer Placeholder 3"/>
+          <p:cNvPr id="15" name="Footer Placeholder 3">
+            <a:extLst>
+              <a:ext uri="{FF2B5EF4-FFF2-40B4-BE49-F238E27FC236}">
+                <a16:creationId xmlns:a16="http://schemas.microsoft.com/office/drawing/2014/main" xmlns="" id="{F09A08B9-2184-4E78-809F-6EC1F0EA3CD9}"/>
+              </a:ext>
+            </a:extLst>
+          </p:cNvPr>
           <p:cNvSpPr>
             <a:spLocks noGrp="1"/>
           </p:cNvSpPr>
           <p:nvPr>
-            <p:ph type="ftr" sz="quarter" idx="3"/>
+            <p:ph type="ftr" sz="quarter" idx="26"/>
           </p:nvPr>
         </p:nvSpPr>
         <p:spPr>
           <a:xfrm>
-            <a:off x="4030768" y="185639"/>
-            <a:ext cx="4656032" cy="273844"/>
+            <a:off x="4030663" y="185738"/>
+            <a:ext cx="4656137" cy="273050"/>
           </a:xfrm>
           <a:prstGeom prst="rect">
             <a:avLst/>
@@ -3629,23 +4405,33 @@
         <p:txBody>
           <a:bodyPr vert="horz" lIns="91440" tIns="45720" rIns="91440" bIns="45720" rtlCol="0" anchor="ctr"/>
           <a:lstStyle>
-            <a:lvl1pPr algn="r">
-              <a:defRPr sz="1400" b="0" i="0" cap="none">
+            <a:lvl1pPr algn="r" eaLnBrk="1" fontAlgn="auto" hangingPunct="1">
+              <a:spcBef>
+                <a:spcPts val="0"/>
+              </a:spcBef>
+              <a:spcAft>
+                <a:spcPts val="0"/>
+              </a:spcAft>
+              <a:defRPr sz="1400" b="0" i="0" cap="none" dirty="0">
                 <a:solidFill>
                   <a:schemeClr val="bg1"/>
                 </a:solidFill>
+                <a:latin typeface="+mn-lt"/>
               </a:defRPr>
             </a:lvl1pPr>
           </a:lstStyle>
           <a:p>
-            <a:endParaRPr lang="en-US" dirty="0"/>
+            <a:pPr>
+              <a:defRPr/>
+            </a:pPr>
+            <a:endParaRPr lang="en-US"/>
           </a:p>
         </p:txBody>
       </p:sp>
     </p:spTree>
     <p:extLst>
       <p:ext uri="{BB962C8B-B14F-4D97-AF65-F5344CB8AC3E}">
-        <p14:creationId xmlns:p14="http://schemas.microsoft.com/office/powerpoint/2010/main" val="7186394"/>
+        <p14:creationId xmlns:p14="http://schemas.microsoft.com/office/powerpoint/2010/main" val="1266677764"/>
       </p:ext>
     </p:extLst>
   </p:cSld>
@@ -3660,7 +4446,7 @@
   <p:cSld>
     <p:bg>
       <p:bgPr>
-        <a:blipFill dpi="0" rotWithShape="1">
+        <a:blipFill dpi="0" rotWithShape="0">
           <a:blip r:embed="rId7"/>
           <a:srcRect/>
           <a:stretch>
@@ -3686,96 +4472,147 @@
       </p:grpSpPr>
       <p:sp>
         <p:nvSpPr>
-          <p:cNvPr id="2" name="Title Placeholder 1"/>
+          <p:cNvPr id="1026" name="Title Placeholder 1"/>
           <p:cNvSpPr>
-            <a:spLocks noGrp="1"/>
+            <a:spLocks noGrp="1" noChangeArrowheads="1"/>
           </p:cNvSpPr>
           <p:nvPr>
             <p:ph type="title"/>
           </p:nvPr>
         </p:nvSpPr>
-        <p:spPr>
+        <p:spPr bwMode="auto">
           <a:xfrm>
-            <a:off x="457200" y="927382"/>
-            <a:ext cx="8229600" cy="620483"/>
+            <a:off x="457200" y="927100"/>
+            <a:ext cx="8229600" cy="620713"/>
           </a:xfrm>
           <a:prstGeom prst="rect">
             <a:avLst/>
           </a:prstGeom>
+          <a:noFill/>
+          <a:ln>
+            <a:noFill/>
+          </a:ln>
+          <a:extLst>
+            <a:ext uri="{909E8E84-426E-40DD-AFC4-6F175D3DCCD1}">
+              <a14:hiddenFill xmlns:a14="http://schemas.microsoft.com/office/drawing/2010/main">
+                <a:solidFill>
+                  <a:srgbClr val="FFFFFF"/>
+                </a:solidFill>
+              </a14:hiddenFill>
+            </a:ext>
+            <a:ext uri="{91240B29-F687-4F45-9708-019B960494DF}">
+              <a14:hiddenLine xmlns:a14="http://schemas.microsoft.com/office/drawing/2010/main" w="9525">
+                <a:solidFill>
+                  <a:srgbClr val="000000"/>
+                </a:solidFill>
+                <a:miter lim="800000"/>
+                <a:headEnd/>
+                <a:tailEnd/>
+              </a14:hiddenLine>
+            </a:ext>
+          </a:extLst>
         </p:spPr>
         <p:txBody>
-          <a:bodyPr vert="horz" lIns="91440" tIns="45720" rIns="91440" bIns="45720" rtlCol="0" anchor="ctr">
-            <a:normAutofit/>
+          <a:bodyPr vert="horz" wrap="square" lIns="91440" tIns="45720" rIns="91440" bIns="45720" numCol="1" anchor="ctr" anchorCtr="0" compatLnSpc="1">
+            <a:prstTxWarp prst="textNoShape">
+              <a:avLst/>
+            </a:prstTxWarp>
           </a:bodyPr>
           <a:lstStyle/>
           <a:p>
-            <a:r>
-              <a:rPr lang="ru-RU" dirty="0"/>
+            <a:pPr lvl="0"/>
+            <a:r>
+              <a:rPr lang="ru-RU" altLang="en-US" smtClean="0"/>
               <a:t>Заголовок</a:t>
             </a:r>
-            <a:endParaRPr lang="en-US" dirty="0"/>
+            <a:endParaRPr lang="en-US" altLang="en-US" smtClean="0"/>
           </a:p>
         </p:txBody>
       </p:sp>
       <p:sp>
         <p:nvSpPr>
-          <p:cNvPr id="3" name="Text Placeholder 2"/>
+          <p:cNvPr id="1027" name="Text Placeholder 2"/>
           <p:cNvSpPr>
-            <a:spLocks noGrp="1"/>
+            <a:spLocks noGrp="1" noChangeArrowheads="1"/>
           </p:cNvSpPr>
           <p:nvPr>
             <p:ph type="body" idx="1"/>
           </p:nvPr>
         </p:nvSpPr>
-        <p:spPr>
+        <p:spPr bwMode="auto">
           <a:xfrm>
-            <a:off x="457200" y="1694948"/>
-            <a:ext cx="8229600" cy="2899675"/>
+            <a:off x="457200" y="1695450"/>
+            <a:ext cx="8229600" cy="2898775"/>
           </a:xfrm>
           <a:prstGeom prst="rect">
             <a:avLst/>
           </a:prstGeom>
+          <a:noFill/>
+          <a:ln>
+            <a:noFill/>
+          </a:ln>
+          <a:extLst>
+            <a:ext uri="{909E8E84-426E-40DD-AFC4-6F175D3DCCD1}">
+              <a14:hiddenFill xmlns:a14="http://schemas.microsoft.com/office/drawing/2010/main">
+                <a:solidFill>
+                  <a:srgbClr val="FFFFFF"/>
+                </a:solidFill>
+              </a14:hiddenFill>
+            </a:ext>
+            <a:ext uri="{91240B29-F687-4F45-9708-019B960494DF}">
+              <a14:hiddenLine xmlns:a14="http://schemas.microsoft.com/office/drawing/2010/main" w="9525">
+                <a:solidFill>
+                  <a:srgbClr val="000000"/>
+                </a:solidFill>
+                <a:miter lim="800000"/>
+                <a:headEnd/>
+                <a:tailEnd/>
+              </a14:hiddenLine>
+            </a:ext>
+          </a:extLst>
         </p:spPr>
         <p:txBody>
-          <a:bodyPr vert="horz" lIns="91440" tIns="45720" rIns="91440" bIns="45720" rtlCol="0">
-            <a:normAutofit/>
+          <a:bodyPr vert="horz" wrap="square" lIns="91440" tIns="45720" rIns="91440" bIns="45720" numCol="1" anchor="t" anchorCtr="0" compatLnSpc="1">
+            <a:prstTxWarp prst="textNoShape">
+              <a:avLst/>
+            </a:prstTxWarp>
           </a:bodyPr>
           <a:lstStyle/>
           <a:p>
             <a:pPr lvl="0"/>
             <a:r>
-              <a:rPr lang="ru-RU" dirty="0"/>
+              <a:rPr lang="ru-RU" altLang="en-US" smtClean="0"/>
               <a:t>Первый уровень</a:t>
             </a:r>
           </a:p>
           <a:p>
             <a:pPr lvl="1"/>
             <a:r>
-              <a:rPr lang="ru-RU" dirty="0"/>
+              <a:rPr lang="ru-RU" altLang="en-US" smtClean="0"/>
               <a:t>Второй уровень</a:t>
             </a:r>
           </a:p>
           <a:p>
             <a:pPr lvl="2"/>
             <a:r>
-              <a:rPr lang="ru-RU" dirty="0"/>
+              <a:rPr lang="ru-RU" altLang="en-US" smtClean="0"/>
               <a:t>Третий уровень</a:t>
             </a:r>
           </a:p>
           <a:p>
             <a:pPr lvl="3"/>
             <a:r>
-              <a:rPr lang="ru-RU" dirty="0"/>
+              <a:rPr lang="ru-RU" altLang="en-US" smtClean="0"/>
               <a:t>Пятый уровень</a:t>
             </a:r>
           </a:p>
           <a:p>
             <a:pPr lvl="4"/>
             <a:r>
-              <a:rPr lang="ru-RU" dirty="0"/>
+              <a:rPr lang="ru-RU" altLang="en-US" smtClean="0"/>
               <a:t>Шестой уровень</a:t>
             </a:r>
-            <a:endParaRPr lang="en-US" dirty="0"/>
+            <a:endParaRPr lang="en-US" altLang="en-US" smtClean="0"/>
           </a:p>
         </p:txBody>
       </p:sp>
@@ -3791,8 +4628,8 @@
         </p:nvSpPr>
         <p:spPr>
           <a:xfrm>
-            <a:off x="4030768" y="329462"/>
-            <a:ext cx="4656032" cy="273844"/>
+            <a:off x="4030663" y="330200"/>
+            <a:ext cx="4656137" cy="273050"/>
           </a:xfrm>
           <a:prstGeom prst="rect">
             <a:avLst/>
@@ -3801,43 +4638,50 @@
         <p:txBody>
           <a:bodyPr vert="horz" lIns="91440" tIns="45720" rIns="91440" bIns="45720" rtlCol="0" anchor="ctr"/>
           <a:lstStyle>
-            <a:lvl1pPr algn="r">
-              <a:defRPr sz="1200">
+            <a:lvl1pPr algn="r" eaLnBrk="1" fontAlgn="auto" hangingPunct="1">
+              <a:spcBef>
+                <a:spcPts val="0"/>
+              </a:spcBef>
+              <a:spcAft>
+                <a:spcPts val="0"/>
+              </a:spcAft>
+              <a:defRPr sz="1200" dirty="0">
                 <a:solidFill>
                   <a:schemeClr val="bg1"/>
                 </a:solidFill>
+                <a:latin typeface="+mn-lt"/>
               </a:defRPr>
             </a:lvl1pPr>
           </a:lstStyle>
           <a:p>
-            <a:endParaRPr lang="en-US" dirty="0"/>
+            <a:pPr>
+              <a:defRPr/>
+            </a:pPr>
+            <a:endParaRPr lang="en-US"/>
           </a:p>
         </p:txBody>
       </p:sp>
     </p:spTree>
-    <p:extLst>
-      <p:ext uri="{BB962C8B-B14F-4D97-AF65-F5344CB8AC3E}">
-        <p14:creationId xmlns:p14="http://schemas.microsoft.com/office/powerpoint/2010/main" val="1055865372"/>
-      </p:ext>
-    </p:extLst>
   </p:cSld>
   <p:clrMap bg1="lt1" tx1="dk1" bg2="lt2" tx2="dk2" accent1="accent1" accent2="accent2" accent3="accent3" accent4="accent4" accent5="accent5" accent6="accent6" hlink="hlink" folHlink="folHlink"/>
   <p:sldLayoutIdLst>
-    <p:sldLayoutId id="2147483685" r:id="rId1"/>
-    <p:sldLayoutId id="2147483697" r:id="rId2"/>
-    <p:sldLayoutId id="2147483692" r:id="rId3"/>
-    <p:sldLayoutId id="2147483686" r:id="rId4"/>
-    <p:sldLayoutId id="2147483689" r:id="rId5"/>
+    <p:sldLayoutId id="2147483722" r:id="rId1"/>
+    <p:sldLayoutId id="2147483723" r:id="rId2"/>
+    <p:sldLayoutId id="2147483724" r:id="rId3"/>
+    <p:sldLayoutId id="2147483725" r:id="rId4"/>
+    <p:sldLayoutId id="2147483726" r:id="rId5"/>
   </p:sldLayoutIdLst>
   <p:hf hdr="0" ftr="0" dt="0"/>
   <p:txStyles>
     <p:titleStyle>
-      <a:lvl1pPr algn="l" defTabSz="457200" rtl="0" eaLnBrk="1" latinLnBrk="0" hangingPunct="1">
+      <a:lvl1pPr algn="l" defTabSz="457200" rtl="0" fontAlgn="base">
         <a:spcBef>
           <a:spcPct val="0"/>
         </a:spcBef>
-        <a:buNone/>
-        <a:defRPr sz="3600" b="1" i="0" kern="1200" baseline="0">
+        <a:spcAft>
+          <a:spcPct val="0"/>
+        </a:spcAft>
+        <a:defRPr sz="3600" b="1" kern="1200">
           <a:solidFill>
             <a:schemeClr val="tx1"/>
           </a:solidFill>
@@ -3846,14 +4690,128 @@
           <a:cs typeface="+mj-cs"/>
         </a:defRPr>
       </a:lvl1pPr>
+      <a:lvl2pPr algn="l" defTabSz="457200" rtl="0" fontAlgn="base">
+        <a:spcBef>
+          <a:spcPct val="0"/>
+        </a:spcBef>
+        <a:spcAft>
+          <a:spcPct val="0"/>
+        </a:spcAft>
+        <a:defRPr sz="3600" b="1">
+          <a:solidFill>
+            <a:schemeClr val="tx1"/>
+          </a:solidFill>
+          <a:latin typeface="Calibri" panose="020F0502020204030204" pitchFamily="34" charset="0"/>
+        </a:defRPr>
+      </a:lvl2pPr>
+      <a:lvl3pPr algn="l" defTabSz="457200" rtl="0" fontAlgn="base">
+        <a:spcBef>
+          <a:spcPct val="0"/>
+        </a:spcBef>
+        <a:spcAft>
+          <a:spcPct val="0"/>
+        </a:spcAft>
+        <a:defRPr sz="3600" b="1">
+          <a:solidFill>
+            <a:schemeClr val="tx1"/>
+          </a:solidFill>
+          <a:latin typeface="Calibri" panose="020F0502020204030204" pitchFamily="34" charset="0"/>
+        </a:defRPr>
+      </a:lvl3pPr>
+      <a:lvl4pPr algn="l" defTabSz="457200" rtl="0" fontAlgn="base">
+        <a:spcBef>
+          <a:spcPct val="0"/>
+        </a:spcBef>
+        <a:spcAft>
+          <a:spcPct val="0"/>
+        </a:spcAft>
+        <a:defRPr sz="3600" b="1">
+          <a:solidFill>
+            <a:schemeClr val="tx1"/>
+          </a:solidFill>
+          <a:latin typeface="Calibri" panose="020F0502020204030204" pitchFamily="34" charset="0"/>
+        </a:defRPr>
+      </a:lvl4pPr>
+      <a:lvl5pPr algn="l" defTabSz="457200" rtl="0" fontAlgn="base">
+        <a:spcBef>
+          <a:spcPct val="0"/>
+        </a:spcBef>
+        <a:spcAft>
+          <a:spcPct val="0"/>
+        </a:spcAft>
+        <a:defRPr sz="3600" b="1">
+          <a:solidFill>
+            <a:schemeClr val="tx1"/>
+          </a:solidFill>
+          <a:latin typeface="Calibri" panose="020F0502020204030204" pitchFamily="34" charset="0"/>
+        </a:defRPr>
+      </a:lvl5pPr>
+      <a:lvl6pPr marL="457200" algn="l" defTabSz="457200" rtl="0" fontAlgn="base">
+        <a:spcBef>
+          <a:spcPct val="0"/>
+        </a:spcBef>
+        <a:spcAft>
+          <a:spcPct val="0"/>
+        </a:spcAft>
+        <a:defRPr sz="3600" b="1">
+          <a:solidFill>
+            <a:schemeClr val="tx1"/>
+          </a:solidFill>
+          <a:latin typeface="Calibri" panose="020F0502020204030204" pitchFamily="34" charset="0"/>
+        </a:defRPr>
+      </a:lvl6pPr>
+      <a:lvl7pPr marL="914400" algn="l" defTabSz="457200" rtl="0" fontAlgn="base">
+        <a:spcBef>
+          <a:spcPct val="0"/>
+        </a:spcBef>
+        <a:spcAft>
+          <a:spcPct val="0"/>
+        </a:spcAft>
+        <a:defRPr sz="3600" b="1">
+          <a:solidFill>
+            <a:schemeClr val="tx1"/>
+          </a:solidFill>
+          <a:latin typeface="Calibri" panose="020F0502020204030204" pitchFamily="34" charset="0"/>
+        </a:defRPr>
+      </a:lvl7pPr>
+      <a:lvl8pPr marL="1371600" algn="l" defTabSz="457200" rtl="0" fontAlgn="base">
+        <a:spcBef>
+          <a:spcPct val="0"/>
+        </a:spcBef>
+        <a:spcAft>
+          <a:spcPct val="0"/>
+        </a:spcAft>
+        <a:defRPr sz="3600" b="1">
+          <a:solidFill>
+            <a:schemeClr val="tx1"/>
+          </a:solidFill>
+          <a:latin typeface="Calibri" panose="020F0502020204030204" pitchFamily="34" charset="0"/>
+        </a:defRPr>
+      </a:lvl8pPr>
+      <a:lvl9pPr marL="1828800" algn="l" defTabSz="457200" rtl="0" fontAlgn="base">
+        <a:spcBef>
+          <a:spcPct val="0"/>
+        </a:spcBef>
+        <a:spcAft>
+          <a:spcPct val="0"/>
+        </a:spcAft>
+        <a:defRPr sz="3600" b="1">
+          <a:solidFill>
+            <a:schemeClr val="tx1"/>
+          </a:solidFill>
+          <a:latin typeface="Calibri" panose="020F0502020204030204" pitchFamily="34" charset="0"/>
+        </a:defRPr>
+      </a:lvl9pPr>
     </p:titleStyle>
     <p:bodyStyle>
-      <a:lvl1pPr marL="342900" indent="-342900" algn="l" defTabSz="457200" rtl="0" eaLnBrk="1" latinLnBrk="0" hangingPunct="1">
+      <a:lvl1pPr marL="342900" indent="-342900" algn="l" defTabSz="457200" rtl="0" fontAlgn="base">
         <a:spcBef>
           <a:spcPct val="20000"/>
         </a:spcBef>
+        <a:spcAft>
+          <a:spcPct val="0"/>
+        </a:spcAft>
         <a:buSzPct val="100000"/>
-        <a:buFontTx/>
         <a:buBlip>
           <a:blip r:embed="rId8"/>
         </a:buBlip>
@@ -3866,11 +4824,14 @@
           <a:cs typeface="+mn-cs"/>
         </a:defRPr>
       </a:lvl1pPr>
-      <a:lvl2pPr marL="742950" indent="-285750" algn="l" defTabSz="457200" rtl="0" eaLnBrk="1" latinLnBrk="0" hangingPunct="1">
+      <a:lvl2pPr marL="742950" indent="-285750" algn="l" defTabSz="457200" rtl="0" fontAlgn="base">
         <a:spcBef>
           <a:spcPct val="20000"/>
         </a:spcBef>
-        <a:buFont typeface="Arial"/>
+        <a:spcAft>
+          <a:spcPct val="0"/>
+        </a:spcAft>
+        <a:buFont typeface="Arial" panose="020B0604020202020204" pitchFamily="34" charset="0"/>
         <a:buChar char="•"/>
         <a:defRPr sz="2000" kern="1200">
           <a:solidFill>
@@ -3881,11 +4842,14 @@
           <a:cs typeface="+mn-cs"/>
         </a:defRPr>
       </a:lvl2pPr>
-      <a:lvl3pPr marL="1143000" indent="-228600" algn="l" defTabSz="457200" rtl="0" eaLnBrk="1" latinLnBrk="0" hangingPunct="1">
+      <a:lvl3pPr marL="1143000" indent="-228600" algn="l" defTabSz="457200" rtl="0" fontAlgn="base">
         <a:spcBef>
           <a:spcPct val="20000"/>
         </a:spcBef>
-        <a:buFont typeface="Arial"/>
+        <a:spcAft>
+          <a:spcPct val="0"/>
+        </a:spcAft>
+        <a:buFont typeface="Arial" panose="020B0604020202020204" pitchFamily="34" charset="0"/>
         <a:buChar char="•"/>
         <a:defRPr sz="1600" kern="1200">
           <a:solidFill>
@@ -3896,11 +4860,14 @@
           <a:cs typeface="+mn-cs"/>
         </a:defRPr>
       </a:lvl3pPr>
-      <a:lvl4pPr marL="1600200" indent="-228600" algn="l" defTabSz="457200" rtl="0" eaLnBrk="1" latinLnBrk="0" hangingPunct="1">
+      <a:lvl4pPr marL="1600200" indent="-228600" algn="l" defTabSz="457200" rtl="0" fontAlgn="base">
         <a:spcBef>
           <a:spcPct val="20000"/>
         </a:spcBef>
-        <a:buFont typeface="Arial"/>
+        <a:spcAft>
+          <a:spcPct val="0"/>
+        </a:spcAft>
+        <a:buFont typeface="Arial" panose="020B0604020202020204" pitchFamily="34" charset="0"/>
         <a:buChar char="•"/>
         <a:defRPr sz="1600" kern="1200">
           <a:solidFill>
@@ -3911,11 +4878,14 @@
           <a:cs typeface="+mn-cs"/>
         </a:defRPr>
       </a:lvl4pPr>
-      <a:lvl5pPr marL="2057400" indent="-228600" algn="l" defTabSz="457200" rtl="0" eaLnBrk="1" latinLnBrk="0" hangingPunct="1">
+      <a:lvl5pPr marL="2057400" indent="-228600" algn="l" defTabSz="457200" rtl="0" fontAlgn="base">
         <a:spcBef>
           <a:spcPct val="20000"/>
         </a:spcBef>
-        <a:buFont typeface="Arial"/>
+        <a:spcAft>
+          <a:spcPct val="0"/>
+        </a:spcAft>
+        <a:buFont typeface="Arial" panose="020B0604020202020204" pitchFamily="34" charset="0"/>
         <a:buChar char="•"/>
         <a:defRPr sz="1600" kern="1200">
           <a:solidFill>
@@ -4091,7 +5061,7 @@
   <p:cSld>
     <p:bg>
       <p:bgPr>
-        <a:blipFill dpi="0" rotWithShape="1">
+        <a:blipFill dpi="0" rotWithShape="0">
           <a:blip r:embed="rId9"/>
           <a:srcRect/>
           <a:stretch>
@@ -4117,151 +5087,321 @@
       </p:grpSpPr>
       <p:sp>
         <p:nvSpPr>
-          <p:cNvPr id="2" name="Title Placeholder 1"/>
+          <p:cNvPr id="2050" name="Title Placeholder 1"/>
           <p:cNvSpPr>
-            <a:spLocks noGrp="1"/>
+            <a:spLocks noGrp="1" noChangeArrowheads="1"/>
           </p:cNvSpPr>
           <p:nvPr>
             <p:ph type="title"/>
           </p:nvPr>
         </p:nvSpPr>
-        <p:spPr>
+        <p:spPr bwMode="auto">
           <a:xfrm>
-            <a:off x="457200" y="927382"/>
-            <a:ext cx="8229600" cy="620483"/>
+            <a:off x="457200" y="927100"/>
+            <a:ext cx="8229600" cy="620713"/>
           </a:xfrm>
           <a:prstGeom prst="rect">
             <a:avLst/>
           </a:prstGeom>
+          <a:noFill/>
+          <a:ln>
+            <a:noFill/>
+          </a:ln>
+          <a:extLst>
+            <a:ext uri="{909E8E84-426E-40DD-AFC4-6F175D3DCCD1}">
+              <a14:hiddenFill xmlns:a14="http://schemas.microsoft.com/office/drawing/2010/main">
+                <a:solidFill>
+                  <a:srgbClr val="FFFFFF"/>
+                </a:solidFill>
+              </a14:hiddenFill>
+            </a:ext>
+            <a:ext uri="{91240B29-F687-4F45-9708-019B960494DF}">
+              <a14:hiddenLine xmlns:a14="http://schemas.microsoft.com/office/drawing/2010/main" w="9525">
+                <a:solidFill>
+                  <a:srgbClr val="000000"/>
+                </a:solidFill>
+                <a:miter lim="800000"/>
+                <a:headEnd/>
+                <a:tailEnd/>
+              </a14:hiddenLine>
+            </a:ext>
+          </a:extLst>
         </p:spPr>
         <p:txBody>
-          <a:bodyPr vert="horz" lIns="91440" tIns="45720" rIns="91440" bIns="45720" rtlCol="0" anchor="ctr">
-            <a:normAutofit/>
+          <a:bodyPr vert="horz" wrap="square" lIns="91440" tIns="45720" rIns="91440" bIns="45720" numCol="1" anchor="ctr" anchorCtr="0" compatLnSpc="1">
+            <a:prstTxWarp prst="textNoShape">
+              <a:avLst/>
+            </a:prstTxWarp>
           </a:bodyPr>
           <a:lstStyle/>
           <a:p>
-            <a:r>
-              <a:rPr lang="ru-RU" dirty="0"/>
+            <a:pPr lvl="0"/>
+            <a:r>
+              <a:rPr lang="ru-RU" altLang="en-US" smtClean="0"/>
               <a:t>Заголовок</a:t>
             </a:r>
-            <a:endParaRPr lang="en-US" dirty="0"/>
+            <a:endParaRPr lang="en-US" altLang="en-US" smtClean="0"/>
           </a:p>
         </p:txBody>
       </p:sp>
       <p:sp>
         <p:nvSpPr>
-          <p:cNvPr id="3" name="Text Placeholder 2"/>
+          <p:cNvPr id="2051" name="Text Placeholder 2"/>
           <p:cNvSpPr>
-            <a:spLocks noGrp="1"/>
+            <a:spLocks noGrp="1" noChangeArrowheads="1"/>
           </p:cNvSpPr>
           <p:nvPr>
             <p:ph type="body" idx="1"/>
           </p:nvPr>
         </p:nvSpPr>
-        <p:spPr>
+        <p:spPr bwMode="auto">
           <a:xfrm>
-            <a:off x="457200" y="1694948"/>
-            <a:ext cx="8229600" cy="2899675"/>
-          </a:xfrm>
-          <a:prstGeom prst="rect">
-            <a:avLst/>
-          </a:prstGeom>
-        </p:spPr>
-        <p:txBody>
-          <a:bodyPr vert="horz" lIns="91440" tIns="45720" rIns="91440" bIns="45720" rtlCol="0">
-            <a:normAutofit/>
-          </a:bodyPr>
-          <a:lstStyle/>
-          <a:p>
-            <a:pPr lvl="0"/>
-            <a:r>
-              <a:rPr lang="ru-RU" dirty="0"/>
-              <a:t>Первый уровень</a:t>
-            </a:r>
-          </a:p>
-          <a:p>
-            <a:pPr lvl="1"/>
-            <a:r>
-              <a:rPr lang="ru-RU" dirty="0"/>
-              <a:t>Второй уровень</a:t>
-            </a:r>
-          </a:p>
-          <a:p>
-            <a:pPr lvl="2"/>
-            <a:r>
-              <a:rPr lang="ru-RU" dirty="0"/>
-              <a:t>Третий уровень</a:t>
-            </a:r>
-          </a:p>
-          <a:p>
-            <a:pPr lvl="3"/>
-            <a:r>
-              <a:rPr lang="ru-RU" dirty="0"/>
-              <a:t>Пятый уровень</a:t>
-            </a:r>
-          </a:p>
-          <a:p>
-            <a:pPr lvl="4"/>
-            <a:r>
-              <a:rPr lang="ru-RU" dirty="0"/>
-              <a:t>Шестой уровень</a:t>
-            </a:r>
-            <a:endParaRPr lang="en-US" dirty="0"/>
-          </a:p>
-        </p:txBody>
-      </p:sp>
-      <p:sp>
-        <p:nvSpPr>
-          <p:cNvPr id="4" name="TextBox 3"/>
-          <p:cNvSpPr txBox="1"/>
-          <p:nvPr userDrawn="1"/>
-        </p:nvSpPr>
-        <p:spPr>
-          <a:xfrm>
-            <a:off x="-865051" y="4134125"/>
-            <a:ext cx="184731" cy="369332"/>
+            <a:off x="457200" y="1695450"/>
+            <a:ext cx="8229600" cy="2898775"/>
           </a:xfrm>
           <a:prstGeom prst="rect">
             <a:avLst/>
           </a:prstGeom>
           <a:noFill/>
+          <a:ln>
+            <a:noFill/>
+          </a:ln>
+          <a:extLst>
+            <a:ext uri="{909E8E84-426E-40DD-AFC4-6F175D3DCCD1}">
+              <a14:hiddenFill xmlns:a14="http://schemas.microsoft.com/office/drawing/2010/main">
+                <a:solidFill>
+                  <a:srgbClr val="FFFFFF"/>
+                </a:solidFill>
+              </a14:hiddenFill>
+            </a:ext>
+            <a:ext uri="{91240B29-F687-4F45-9708-019B960494DF}">
+              <a14:hiddenLine xmlns:a14="http://schemas.microsoft.com/office/drawing/2010/main" w="9525">
+                <a:solidFill>
+                  <a:srgbClr val="000000"/>
+                </a:solidFill>
+                <a:miter lim="800000"/>
+                <a:headEnd/>
+                <a:tailEnd/>
+              </a14:hiddenLine>
+            </a:ext>
+          </a:extLst>
         </p:spPr>
         <p:txBody>
-          <a:bodyPr wrap="none" rtlCol="0">
+          <a:bodyPr vert="horz" wrap="square" lIns="91440" tIns="45720" rIns="91440" bIns="45720" numCol="1" anchor="t" anchorCtr="0" compatLnSpc="1">
+            <a:prstTxWarp prst="textNoShape">
+              <a:avLst/>
+            </a:prstTxWarp>
+          </a:bodyPr>
+          <a:lstStyle/>
+          <a:p>
+            <a:pPr lvl="0"/>
+            <a:r>
+              <a:rPr lang="ru-RU" altLang="en-US" smtClean="0"/>
+              <a:t>Первый уровень</a:t>
+            </a:r>
+          </a:p>
+          <a:p>
+            <a:pPr lvl="1"/>
+            <a:r>
+              <a:rPr lang="ru-RU" altLang="en-US" smtClean="0"/>
+              <a:t>Второй уровень</a:t>
+            </a:r>
+          </a:p>
+          <a:p>
+            <a:pPr lvl="2"/>
+            <a:r>
+              <a:rPr lang="ru-RU" altLang="en-US" smtClean="0"/>
+              <a:t>Третий уровень</a:t>
+            </a:r>
+          </a:p>
+          <a:p>
+            <a:pPr lvl="3"/>
+            <a:r>
+              <a:rPr lang="ru-RU" altLang="en-US" smtClean="0"/>
+              <a:t>Пятый уровень</a:t>
+            </a:r>
+          </a:p>
+          <a:p>
+            <a:pPr lvl="4"/>
+            <a:r>
+              <a:rPr lang="ru-RU" altLang="en-US" smtClean="0"/>
+              <a:t>Шестой уровень</a:t>
+            </a:r>
+            <a:endParaRPr lang="en-US" altLang="en-US" smtClean="0"/>
+          </a:p>
+        </p:txBody>
+      </p:sp>
+      <p:sp>
+        <p:nvSpPr>
+          <p:cNvPr id="2052" name="TextBox 3"/>
+          <p:cNvSpPr txBox="1">
+            <a:spLocks noChangeArrowheads="1"/>
+          </p:cNvSpPr>
+          <p:nvPr userDrawn="1"/>
+        </p:nvSpPr>
+        <p:spPr bwMode="auto">
+          <a:xfrm>
+            <a:off x="-865188" y="4133850"/>
+            <a:ext cx="184150" cy="369888"/>
+          </a:xfrm>
+          <a:prstGeom prst="rect">
+            <a:avLst/>
+          </a:prstGeom>
+          <a:noFill/>
+          <a:ln>
+            <a:noFill/>
+          </a:ln>
+          <a:extLst>
+            <a:ext uri="{909E8E84-426E-40DD-AFC4-6F175D3DCCD1}">
+              <a14:hiddenFill xmlns:a14="http://schemas.microsoft.com/office/drawing/2010/main">
+                <a:solidFill>
+                  <a:srgbClr val="FFFFFF"/>
+                </a:solidFill>
+              </a14:hiddenFill>
+            </a:ext>
+            <a:ext uri="{91240B29-F687-4F45-9708-019B960494DF}">
+              <a14:hiddenLine xmlns:a14="http://schemas.microsoft.com/office/drawing/2010/main" w="9525">
+                <a:solidFill>
+                  <a:srgbClr val="000000"/>
+                </a:solidFill>
+                <a:miter lim="800000"/>
+                <a:headEnd/>
+                <a:tailEnd/>
+              </a14:hiddenLine>
+            </a:ext>
+          </a:extLst>
+        </p:spPr>
+        <p:txBody>
+          <a:bodyPr wrap="none">
             <a:spAutoFit/>
           </a:bodyPr>
-          <a:lstStyle/>
-          <a:p>
-            <a:endParaRPr lang="en-US"/>
+          <a:lstStyle>
+            <a:lvl1pPr>
+              <a:defRPr>
+                <a:solidFill>
+                  <a:schemeClr val="tx1"/>
+                </a:solidFill>
+                <a:latin typeface="Calibri" panose="020F0502020204030204" pitchFamily="34" charset="0"/>
+              </a:defRPr>
+            </a:lvl1pPr>
+            <a:lvl2pPr marL="742950" indent="-285750">
+              <a:defRPr>
+                <a:solidFill>
+                  <a:schemeClr val="tx1"/>
+                </a:solidFill>
+                <a:latin typeface="Calibri" panose="020F0502020204030204" pitchFamily="34" charset="0"/>
+              </a:defRPr>
+            </a:lvl2pPr>
+            <a:lvl3pPr marL="1143000" indent="-228600">
+              <a:defRPr>
+                <a:solidFill>
+                  <a:schemeClr val="tx1"/>
+                </a:solidFill>
+                <a:latin typeface="Calibri" panose="020F0502020204030204" pitchFamily="34" charset="0"/>
+              </a:defRPr>
+            </a:lvl3pPr>
+            <a:lvl4pPr marL="1600200" indent="-228600">
+              <a:defRPr>
+                <a:solidFill>
+                  <a:schemeClr val="tx1"/>
+                </a:solidFill>
+                <a:latin typeface="Calibri" panose="020F0502020204030204" pitchFamily="34" charset="0"/>
+              </a:defRPr>
+            </a:lvl4pPr>
+            <a:lvl5pPr marL="2057400" indent="-228600">
+              <a:defRPr>
+                <a:solidFill>
+                  <a:schemeClr val="tx1"/>
+                </a:solidFill>
+                <a:latin typeface="Calibri" panose="020F0502020204030204" pitchFamily="34" charset="0"/>
+              </a:defRPr>
+            </a:lvl5pPr>
+            <a:lvl6pPr marL="2514600" indent="-228600" defTabSz="457200" fontAlgn="base">
+              <a:spcBef>
+                <a:spcPct val="0"/>
+              </a:spcBef>
+              <a:spcAft>
+                <a:spcPct val="0"/>
+              </a:spcAft>
+              <a:defRPr>
+                <a:solidFill>
+                  <a:schemeClr val="tx1"/>
+                </a:solidFill>
+                <a:latin typeface="Calibri" panose="020F0502020204030204" pitchFamily="34" charset="0"/>
+              </a:defRPr>
+            </a:lvl6pPr>
+            <a:lvl7pPr marL="2971800" indent="-228600" defTabSz="457200" fontAlgn="base">
+              <a:spcBef>
+                <a:spcPct val="0"/>
+              </a:spcBef>
+              <a:spcAft>
+                <a:spcPct val="0"/>
+              </a:spcAft>
+              <a:defRPr>
+                <a:solidFill>
+                  <a:schemeClr val="tx1"/>
+                </a:solidFill>
+                <a:latin typeface="Calibri" panose="020F0502020204030204" pitchFamily="34" charset="0"/>
+              </a:defRPr>
+            </a:lvl7pPr>
+            <a:lvl8pPr marL="3429000" indent="-228600" defTabSz="457200" fontAlgn="base">
+              <a:spcBef>
+                <a:spcPct val="0"/>
+              </a:spcBef>
+              <a:spcAft>
+                <a:spcPct val="0"/>
+              </a:spcAft>
+              <a:defRPr>
+                <a:solidFill>
+                  <a:schemeClr val="tx1"/>
+                </a:solidFill>
+                <a:latin typeface="Calibri" panose="020F0502020204030204" pitchFamily="34" charset="0"/>
+              </a:defRPr>
+            </a:lvl8pPr>
+            <a:lvl9pPr marL="3886200" indent="-228600" defTabSz="457200" fontAlgn="base">
+              <a:spcBef>
+                <a:spcPct val="0"/>
+              </a:spcBef>
+              <a:spcAft>
+                <a:spcPct val="0"/>
+              </a:spcAft>
+              <a:defRPr>
+                <a:solidFill>
+                  <a:schemeClr val="tx1"/>
+                </a:solidFill>
+                <a:latin typeface="Calibri" panose="020F0502020204030204" pitchFamily="34" charset="0"/>
+              </a:defRPr>
+            </a:lvl9pPr>
+          </a:lstStyle>
+          <a:p>
+            <a:pPr eaLnBrk="1" hangingPunct="1"/>
+            <a:endParaRPr lang="en-US" altLang="en-US"/>
           </a:p>
         </p:txBody>
       </p:sp>
     </p:spTree>
-    <p:extLst>
-      <p:ext uri="{BB962C8B-B14F-4D97-AF65-F5344CB8AC3E}">
-        <p14:creationId xmlns:p14="http://schemas.microsoft.com/office/powerpoint/2010/main" val="3856003013"/>
-      </p:ext>
-    </p:extLst>
   </p:cSld>
   <p:clrMap bg1="lt1" tx1="dk1" bg2="lt2" tx2="dk2" accent1="accent1" accent2="accent2" accent3="accent3" accent4="accent4" accent5="accent5" accent6="accent6" hlink="hlink" folHlink="folHlink"/>
   <p:sldLayoutIdLst>
-    <p:sldLayoutId id="2147483703" r:id="rId1"/>
-    <p:sldLayoutId id="2147483704" r:id="rId2"/>
-    <p:sldLayoutId id="2147483705" r:id="rId3"/>
-    <p:sldLayoutId id="2147483706" r:id="rId4"/>
-    <p:sldLayoutId id="2147483707" r:id="rId5"/>
-    <p:sldLayoutId id="2147483708" r:id="rId6"/>
-    <p:sldLayoutId id="2147483709" r:id="rId7"/>
+    <p:sldLayoutId id="2147483727" r:id="rId1"/>
+    <p:sldLayoutId id="2147483728" r:id="rId2"/>
+    <p:sldLayoutId id="2147483729" r:id="rId3"/>
+    <p:sldLayoutId id="2147483730" r:id="rId4"/>
+    <p:sldLayoutId id="2147483731" r:id="rId5"/>
+    <p:sldLayoutId id="2147483732" r:id="rId6"/>
+    <p:sldLayoutId id="2147483733" r:id="rId7"/>
   </p:sldLayoutIdLst>
   <p:hf hdr="0" ftr="0" dt="0"/>
   <p:txStyles>
     <p:titleStyle>
-      <a:lvl1pPr algn="l" defTabSz="457200" rtl="0" eaLnBrk="1" latinLnBrk="0" hangingPunct="1">
+      <a:lvl1pPr algn="l" defTabSz="457200" rtl="0" fontAlgn="base">
         <a:spcBef>
           <a:spcPct val="0"/>
         </a:spcBef>
-        <a:buNone/>
-        <a:defRPr sz="3200" b="1" i="0" kern="1200" baseline="0">
+        <a:spcAft>
+          <a:spcPct val="0"/>
+        </a:spcAft>
+        <a:defRPr sz="3200" b="1" kern="1200">
           <a:solidFill>
             <a:schemeClr val="tx1"/>
           </a:solidFill>
@@ -4270,14 +5410,128 @@
           <a:cs typeface="+mj-cs"/>
         </a:defRPr>
       </a:lvl1pPr>
+      <a:lvl2pPr algn="l" defTabSz="457200" rtl="0" fontAlgn="base">
+        <a:spcBef>
+          <a:spcPct val="0"/>
+        </a:spcBef>
+        <a:spcAft>
+          <a:spcPct val="0"/>
+        </a:spcAft>
+        <a:defRPr sz="3200" b="1">
+          <a:solidFill>
+            <a:schemeClr val="tx1"/>
+          </a:solidFill>
+          <a:latin typeface="Calibri" panose="020F0502020204030204" pitchFamily="34" charset="0"/>
+        </a:defRPr>
+      </a:lvl2pPr>
+      <a:lvl3pPr algn="l" defTabSz="457200" rtl="0" fontAlgn="base">
+        <a:spcBef>
+          <a:spcPct val="0"/>
+        </a:spcBef>
+        <a:spcAft>
+          <a:spcPct val="0"/>
+        </a:spcAft>
+        <a:defRPr sz="3200" b="1">
+          <a:solidFill>
+            <a:schemeClr val="tx1"/>
+          </a:solidFill>
+          <a:latin typeface="Calibri" panose="020F0502020204030204" pitchFamily="34" charset="0"/>
+        </a:defRPr>
+      </a:lvl3pPr>
+      <a:lvl4pPr algn="l" defTabSz="457200" rtl="0" fontAlgn="base">
+        <a:spcBef>
+          <a:spcPct val="0"/>
+        </a:spcBef>
+        <a:spcAft>
+          <a:spcPct val="0"/>
+        </a:spcAft>
+        <a:defRPr sz="3200" b="1">
+          <a:solidFill>
+            <a:schemeClr val="tx1"/>
+          </a:solidFill>
+          <a:latin typeface="Calibri" panose="020F0502020204030204" pitchFamily="34" charset="0"/>
+        </a:defRPr>
+      </a:lvl4pPr>
+      <a:lvl5pPr algn="l" defTabSz="457200" rtl="0" fontAlgn="base">
+        <a:spcBef>
+          <a:spcPct val="0"/>
+        </a:spcBef>
+        <a:spcAft>
+          <a:spcPct val="0"/>
+        </a:spcAft>
+        <a:defRPr sz="3200" b="1">
+          <a:solidFill>
+            <a:schemeClr val="tx1"/>
+          </a:solidFill>
+          <a:latin typeface="Calibri" panose="020F0502020204030204" pitchFamily="34" charset="0"/>
+        </a:defRPr>
+      </a:lvl5pPr>
+      <a:lvl6pPr marL="457200" algn="l" defTabSz="457200" rtl="0" fontAlgn="base">
+        <a:spcBef>
+          <a:spcPct val="0"/>
+        </a:spcBef>
+        <a:spcAft>
+          <a:spcPct val="0"/>
+        </a:spcAft>
+        <a:defRPr sz="3200" b="1">
+          <a:solidFill>
+            <a:schemeClr val="tx1"/>
+          </a:solidFill>
+          <a:latin typeface="Calibri" panose="020F0502020204030204" pitchFamily="34" charset="0"/>
+        </a:defRPr>
+      </a:lvl6pPr>
+      <a:lvl7pPr marL="914400" algn="l" defTabSz="457200" rtl="0" fontAlgn="base">
+        <a:spcBef>
+          <a:spcPct val="0"/>
+        </a:spcBef>
+        <a:spcAft>
+          <a:spcPct val="0"/>
+        </a:spcAft>
+        <a:defRPr sz="3200" b="1">
+          <a:solidFill>
+            <a:schemeClr val="tx1"/>
+          </a:solidFill>
+          <a:latin typeface="Calibri" panose="020F0502020204030204" pitchFamily="34" charset="0"/>
+        </a:defRPr>
+      </a:lvl7pPr>
+      <a:lvl8pPr marL="1371600" algn="l" defTabSz="457200" rtl="0" fontAlgn="base">
+        <a:spcBef>
+          <a:spcPct val="0"/>
+        </a:spcBef>
+        <a:spcAft>
+          <a:spcPct val="0"/>
+        </a:spcAft>
+        <a:defRPr sz="3200" b="1">
+          <a:solidFill>
+            <a:schemeClr val="tx1"/>
+          </a:solidFill>
+          <a:latin typeface="Calibri" panose="020F0502020204030204" pitchFamily="34" charset="0"/>
+        </a:defRPr>
+      </a:lvl8pPr>
+      <a:lvl9pPr marL="1828800" algn="l" defTabSz="457200" rtl="0" fontAlgn="base">
+        <a:spcBef>
+          <a:spcPct val="0"/>
+        </a:spcBef>
+        <a:spcAft>
+          <a:spcPct val="0"/>
+        </a:spcAft>
+        <a:defRPr sz="3200" b="1">
+          <a:solidFill>
+            <a:schemeClr val="tx1"/>
+          </a:solidFill>
+          <a:latin typeface="Calibri" panose="020F0502020204030204" pitchFamily="34" charset="0"/>
+        </a:defRPr>
+      </a:lvl9pPr>
     </p:titleStyle>
     <p:bodyStyle>
-      <a:lvl1pPr marL="342900" indent="-342900" algn="l" defTabSz="457200" rtl="0" eaLnBrk="1" latinLnBrk="0" hangingPunct="1">
+      <a:lvl1pPr marL="342900" indent="-342900" algn="l" defTabSz="457200" rtl="0" fontAlgn="base">
         <a:spcBef>
           <a:spcPct val="20000"/>
         </a:spcBef>
+        <a:spcAft>
+          <a:spcPct val="0"/>
+        </a:spcAft>
         <a:buSzPct val="100000"/>
-        <a:buFontTx/>
         <a:buBlip>
           <a:blip r:embed="rId10"/>
         </a:buBlip>
@@ -4290,11 +5544,14 @@
           <a:cs typeface="+mn-cs"/>
         </a:defRPr>
       </a:lvl1pPr>
-      <a:lvl2pPr marL="742950" indent="-285750" algn="l" defTabSz="457200" rtl="0" eaLnBrk="1" latinLnBrk="0" hangingPunct="1">
+      <a:lvl2pPr marL="742950" indent="-285750" algn="l" defTabSz="457200" rtl="0" fontAlgn="base">
         <a:spcBef>
           <a:spcPct val="20000"/>
         </a:spcBef>
-        <a:buFont typeface="Arial"/>
+        <a:spcAft>
+          <a:spcPct val="0"/>
+        </a:spcAft>
+        <a:buFont typeface="Arial" panose="020B0604020202020204" pitchFamily="34" charset="0"/>
         <a:buChar char="•"/>
         <a:defRPr sz="2000" kern="1200">
           <a:solidFill>
@@ -4305,11 +5562,14 @@
           <a:cs typeface="+mn-cs"/>
         </a:defRPr>
       </a:lvl2pPr>
-      <a:lvl3pPr marL="1143000" indent="-228600" algn="l" defTabSz="457200" rtl="0" eaLnBrk="1" latinLnBrk="0" hangingPunct="1">
+      <a:lvl3pPr marL="1143000" indent="-228600" algn="l" defTabSz="457200" rtl="0" fontAlgn="base">
         <a:spcBef>
           <a:spcPct val="20000"/>
         </a:spcBef>
-        <a:buFont typeface="Arial"/>
+        <a:spcAft>
+          <a:spcPct val="0"/>
+        </a:spcAft>
+        <a:buFont typeface="Arial" panose="020B0604020202020204" pitchFamily="34" charset="0"/>
         <a:buChar char="•"/>
         <a:defRPr sz="1600" kern="1200">
           <a:solidFill>
@@ -4320,11 +5580,14 @@
           <a:cs typeface="+mn-cs"/>
         </a:defRPr>
       </a:lvl3pPr>
-      <a:lvl4pPr marL="1600200" indent="-228600" algn="l" defTabSz="457200" rtl="0" eaLnBrk="1" latinLnBrk="0" hangingPunct="1">
+      <a:lvl4pPr marL="1600200" indent="-228600" algn="l" defTabSz="457200" rtl="0" fontAlgn="base">
         <a:spcBef>
           <a:spcPct val="20000"/>
         </a:spcBef>
-        <a:buFont typeface="Arial"/>
+        <a:spcAft>
+          <a:spcPct val="0"/>
+        </a:spcAft>
+        <a:buFont typeface="Arial" panose="020B0604020202020204" pitchFamily="34" charset="0"/>
         <a:buChar char="•"/>
         <a:defRPr sz="1600" kern="1200">
           <a:solidFill>
@@ -4335,11 +5598,14 @@
           <a:cs typeface="+mn-cs"/>
         </a:defRPr>
       </a:lvl4pPr>
-      <a:lvl5pPr marL="2057400" indent="-228600" algn="l" defTabSz="457200" rtl="0" eaLnBrk="1" latinLnBrk="0" hangingPunct="1">
+      <a:lvl5pPr marL="2057400" indent="-228600" algn="l" defTabSz="457200" rtl="0" fontAlgn="base">
         <a:spcBef>
           <a:spcPct val="20000"/>
         </a:spcBef>
-        <a:buFont typeface="Arial"/>
+        <a:spcAft>
+          <a:spcPct val="0"/>
+        </a:spcAft>
+        <a:buFont typeface="Arial" panose="020B0604020202020204" pitchFamily="34" charset="0"/>
         <a:buChar char="•"/>
         <a:defRPr sz="1600" kern="1200">
           <a:solidFill>
@@ -4515,10 +5781,8 @@
   <p:cSld>
     <p:bg>
       <p:bgPr>
-        <a:blipFill dpi="0" rotWithShape="1">
-          <a:blip r:embed="rId2">
-            <a:lum/>
-          </a:blip>
+        <a:blipFill dpi="0" rotWithShape="0">
+          <a:blip r:embed="rId2"/>
           <a:srcRect/>
           <a:stretch>
             <a:fillRect/>
@@ -4553,16 +5817,22 @@
         </p:nvSpPr>
         <p:spPr>
           <a:xfrm>
-            <a:off x="696123" y="1878359"/>
-            <a:ext cx="7763551" cy="1254105"/>
+            <a:off x="696913" y="1878013"/>
+            <a:ext cx="7762875" cy="1254125"/>
           </a:xfrm>
         </p:spPr>
         <p:txBody>
-          <a:bodyPr>
+          <a:bodyPr rtlCol="0">
             <a:normAutofit fontScale="90000"/>
           </a:bodyPr>
           <a:lstStyle/>
           <a:p>
+            <a:pPr fontAlgn="auto">
+              <a:spcAft>
+                <a:spcPts val="0"/>
+              </a:spcAft>
+              <a:defRPr/>
+            </a:pPr>
             <a:r>
               <a:rPr lang="ru-RU" sz="2200" dirty="0"/>
               <a:t>Выпускная квалификационная работа</a:t>
@@ -4573,6 +5843,10 @@
             <a:r>
               <a:rPr lang="ru-RU" sz="2200" dirty="0"/>
               <a:t>по теме:</a:t>
+            </a:r>
+            <a:r>
+              <a:rPr lang="en-US" sz="4000" dirty="0"/>
+              <a:t/>
             </a:r>
             <a:br>
               <a:rPr lang="en-US" sz="4000" dirty="0"/>
@@ -4597,25 +5871,50 @@
         </p:nvSpPr>
         <p:spPr>
           <a:xfrm>
-            <a:off x="1371600" y="3446585"/>
-            <a:ext cx="6400800" cy="653525"/>
+            <a:off x="1371600" y="3446463"/>
+            <a:ext cx="6400800" cy="654050"/>
           </a:xfrm>
         </p:spPr>
         <p:txBody>
-          <a:bodyPr>
+          <a:bodyPr rtlCol="0">
             <a:normAutofit fontScale="92500" lnSpcReduction="20000"/>
           </a:bodyPr>
           <a:lstStyle/>
           <a:p>
+            <a:pPr fontAlgn="auto">
+              <a:spcAft>
+                <a:spcPts val="0"/>
+              </a:spcAft>
+              <a:defRPr/>
+            </a:pPr>
             <a:r>
               <a:rPr lang="ru-RU" sz="2000" dirty="0"/>
-              <a:t>Автор: Уткин И.И.</a:t>
-            </a:r>
-          </a:p>
-          <a:p>
+              <a:t>Автор: Уткин </a:t>
+            </a:r>
+            <a:r>
+              <a:rPr lang="ru-RU" sz="2000" dirty="0" smtClean="0"/>
+              <a:t>Игорь Игоревич</a:t>
+            </a:r>
+            <a:endParaRPr lang="ru-RU" sz="2000" dirty="0"/>
+          </a:p>
+          <a:p>
+            <a:pPr fontAlgn="auto">
+              <a:spcAft>
+                <a:spcPts val="0"/>
+              </a:spcAft>
+              <a:defRPr/>
+            </a:pPr>
             <a:r>
               <a:rPr lang="ru-RU" sz="2000" dirty="0"/>
-              <a:t>Руководитель: к.т.н. Быстров С.В. </a:t>
+              <a:t>Руководитель: к.т.н. </a:t>
+            </a:r>
+            <a:r>
+              <a:rPr lang="ru-RU" sz="2000" dirty="0"/>
+              <a:t>Быстров </a:t>
+            </a:r>
+            <a:r>
+              <a:rPr lang="ru-RU" sz="2000" dirty="0" smtClean="0"/>
+              <a:t>Сергей Владимирович </a:t>
             </a:r>
             <a:endParaRPr lang="nl-NL" sz="2000" dirty="0"/>
           </a:p>
@@ -4623,29 +5922,150 @@
       </p:sp>
       <p:sp>
         <p:nvSpPr>
-          <p:cNvPr id="2" name="TextBox 1"/>
-          <p:cNvSpPr txBox="1"/>
+          <p:cNvPr id="17412" name="TextBox 1"/>
+          <p:cNvSpPr txBox="1">
+            <a:spLocks noChangeArrowheads="1"/>
+          </p:cNvSpPr>
           <p:nvPr/>
         </p:nvSpPr>
-        <p:spPr>
+        <p:spPr bwMode="auto">
           <a:xfrm>
-            <a:off x="3661205" y="4412718"/>
-            <a:ext cx="1821589" cy="646331"/>
+            <a:off x="3660775" y="4413250"/>
+            <a:ext cx="1822450" cy="646113"/>
           </a:xfrm>
           <a:prstGeom prst="rect">
             <a:avLst/>
           </a:prstGeom>
           <a:noFill/>
+          <a:ln>
+            <a:noFill/>
+          </a:ln>
+          <a:extLst>
+            <a:ext uri="{909E8E84-426E-40DD-AFC4-6F175D3DCCD1}">
+              <a14:hiddenFill xmlns:a14="http://schemas.microsoft.com/office/drawing/2010/main">
+                <a:solidFill>
+                  <a:srgbClr val="FFFFFF"/>
+                </a:solidFill>
+              </a14:hiddenFill>
+            </a:ext>
+            <a:ext uri="{91240B29-F687-4F45-9708-019B960494DF}">
+              <a14:hiddenLine xmlns:a14="http://schemas.microsoft.com/office/drawing/2010/main" w="9525">
+                <a:solidFill>
+                  <a:srgbClr val="000000"/>
+                </a:solidFill>
+                <a:miter lim="800000"/>
+                <a:headEnd/>
+                <a:tailEnd/>
+              </a14:hiddenLine>
+            </a:ext>
+          </a:extLst>
         </p:spPr>
         <p:txBody>
-          <a:bodyPr wrap="none" rtlCol="0">
+          <a:bodyPr wrap="none">
             <a:spAutoFit/>
           </a:bodyPr>
-          <a:lstStyle/>
-          <a:p>
-            <a:pPr algn="ctr"/>
-            <a:r>
-              <a:rPr lang="ru-RU" dirty="0">
+          <a:lstStyle>
+            <a:lvl1pPr>
+              <a:defRPr>
+                <a:solidFill>
+                  <a:schemeClr val="tx1"/>
+                </a:solidFill>
+                <a:latin typeface="Calibri" panose="020F0502020204030204" pitchFamily="34" charset="0"/>
+              </a:defRPr>
+            </a:lvl1pPr>
+            <a:lvl2pPr marL="742950" indent="-285750">
+              <a:defRPr>
+                <a:solidFill>
+                  <a:schemeClr val="tx1"/>
+                </a:solidFill>
+                <a:latin typeface="Calibri" panose="020F0502020204030204" pitchFamily="34" charset="0"/>
+              </a:defRPr>
+            </a:lvl2pPr>
+            <a:lvl3pPr marL="1143000" indent="-228600">
+              <a:defRPr>
+                <a:solidFill>
+                  <a:schemeClr val="tx1"/>
+                </a:solidFill>
+                <a:latin typeface="Calibri" panose="020F0502020204030204" pitchFamily="34" charset="0"/>
+              </a:defRPr>
+            </a:lvl3pPr>
+            <a:lvl4pPr marL="1600200" indent="-228600">
+              <a:defRPr>
+                <a:solidFill>
+                  <a:schemeClr val="tx1"/>
+                </a:solidFill>
+                <a:latin typeface="Calibri" panose="020F0502020204030204" pitchFamily="34" charset="0"/>
+              </a:defRPr>
+            </a:lvl4pPr>
+            <a:lvl5pPr marL="2057400" indent="-228600">
+              <a:defRPr>
+                <a:solidFill>
+                  <a:schemeClr val="tx1"/>
+                </a:solidFill>
+                <a:latin typeface="Calibri" panose="020F0502020204030204" pitchFamily="34" charset="0"/>
+              </a:defRPr>
+            </a:lvl5pPr>
+            <a:lvl6pPr marL="2514600" indent="-228600" defTabSz="457200" fontAlgn="base">
+              <a:spcBef>
+                <a:spcPct val="0"/>
+              </a:spcBef>
+              <a:spcAft>
+                <a:spcPct val="0"/>
+              </a:spcAft>
+              <a:defRPr>
+                <a:solidFill>
+                  <a:schemeClr val="tx1"/>
+                </a:solidFill>
+                <a:latin typeface="Calibri" panose="020F0502020204030204" pitchFamily="34" charset="0"/>
+              </a:defRPr>
+            </a:lvl6pPr>
+            <a:lvl7pPr marL="2971800" indent="-228600" defTabSz="457200" fontAlgn="base">
+              <a:spcBef>
+                <a:spcPct val="0"/>
+              </a:spcBef>
+              <a:spcAft>
+                <a:spcPct val="0"/>
+              </a:spcAft>
+              <a:defRPr>
+                <a:solidFill>
+                  <a:schemeClr val="tx1"/>
+                </a:solidFill>
+                <a:latin typeface="Calibri" panose="020F0502020204030204" pitchFamily="34" charset="0"/>
+              </a:defRPr>
+            </a:lvl7pPr>
+            <a:lvl8pPr marL="3429000" indent="-228600" defTabSz="457200" fontAlgn="base">
+              <a:spcBef>
+                <a:spcPct val="0"/>
+              </a:spcBef>
+              <a:spcAft>
+                <a:spcPct val="0"/>
+              </a:spcAft>
+              <a:defRPr>
+                <a:solidFill>
+                  <a:schemeClr val="tx1"/>
+                </a:solidFill>
+                <a:latin typeface="Calibri" panose="020F0502020204030204" pitchFamily="34" charset="0"/>
+              </a:defRPr>
+            </a:lvl8pPr>
+            <a:lvl9pPr marL="3886200" indent="-228600" defTabSz="457200" fontAlgn="base">
+              <a:spcBef>
+                <a:spcPct val="0"/>
+              </a:spcBef>
+              <a:spcAft>
+                <a:spcPct val="0"/>
+              </a:spcAft>
+              <a:defRPr>
+                <a:solidFill>
+                  <a:schemeClr val="tx1"/>
+                </a:solidFill>
+                <a:latin typeface="Calibri" panose="020F0502020204030204" pitchFamily="34" charset="0"/>
+              </a:defRPr>
+            </a:lvl9pPr>
+          </a:lstStyle>
+          <a:p>
+            <a:pPr algn="ctr" eaLnBrk="1" hangingPunct="1"/>
+            <a:r>
+              <a:rPr lang="ru-RU" altLang="en-US">
                 <a:solidFill>
                   <a:schemeClr val="bg1"/>
                 </a:solidFill>
@@ -4654,16 +6074,16 @@
             </a:r>
           </a:p>
           <a:p>
-            <a:pPr algn="ctr"/>
-            <a:r>
-              <a:rPr lang="ru-RU" dirty="0">
+            <a:pPr algn="ctr" eaLnBrk="1" hangingPunct="1"/>
+            <a:r>
+              <a:rPr lang="ru-RU" altLang="en-US">
                 <a:solidFill>
                   <a:schemeClr val="bg1"/>
                 </a:solidFill>
               </a:rPr>
               <a:t>2018</a:t>
             </a:r>
-            <a:endParaRPr lang="en-US" dirty="0">
+            <a:endParaRPr lang="en-US" altLang="en-US">
               <a:solidFill>
                 <a:schemeClr val="bg1"/>
               </a:solidFill>
@@ -4672,15 +6092,17 @@
         </p:txBody>
       </p:sp>
     </p:spTree>
-    <p:extLst>
-      <p:ext uri="{BB962C8B-B14F-4D97-AF65-F5344CB8AC3E}">
-        <p14:creationId xmlns:p14="http://schemas.microsoft.com/office/powerpoint/2010/main" val="87172503"/>
-      </p:ext>
-    </p:extLst>
   </p:cSld>
   <p:clrMapOvr>
     <a:masterClrMapping/>
   </p:clrMapOvr>
+  <p:timing>
+    <p:tnLst>
+      <p:par>
+        <p:cTn id="1" dur="indefinite" restart="never" nodeType="tmRoot"/>
+      </p:par>
+    </p:tnLst>
+  </p:timing>
 </p:sld>
 </file>
 
@@ -4703,9 +6125,9 @@
       </p:grpSpPr>
       <p:sp>
         <p:nvSpPr>
-          <p:cNvPr id="2" name="Title 1"/>
+          <p:cNvPr id="26626" name="Title 1"/>
           <p:cNvSpPr>
-            <a:spLocks noGrp="1"/>
+            <a:spLocks noGrp="1" noChangeArrowheads="1"/>
           </p:cNvSpPr>
           <p:nvPr>
             <p:ph type="title"/>
@@ -4713,271 +6135,180 @@
         </p:nvSpPr>
         <p:spPr>
           <a:xfrm>
-            <a:off x="457200" y="813198"/>
-            <a:ext cx="8229600" cy="620315"/>
+            <a:off x="457200" y="812800"/>
+            <a:ext cx="8229600" cy="620713"/>
           </a:xfrm>
         </p:spPr>
         <p:txBody>
-          <a:bodyPr>
-            <a:normAutofit/>
-          </a:bodyPr>
+          <a:bodyPr/>
           <a:lstStyle/>
           <a:p>
             <a:r>
-              <a:rPr lang="ru-RU" dirty="0"/>
-              <a:t>Переходной процесс</a:t>
-            </a:r>
-            <a:endParaRPr lang="en-US" dirty="0"/>
+              <a:rPr lang="ru-RU" altLang="en-US" dirty="0" smtClean="0"/>
+              <a:t>Переходн</a:t>
+            </a:r>
+            <a:r>
+              <a:rPr lang="ru-RU" altLang="en-US" dirty="0"/>
+              <a:t>ы</a:t>
+            </a:r>
+            <a:r>
+              <a:rPr lang="ru-RU" altLang="en-US" dirty="0" smtClean="0"/>
+              <a:t>й </a:t>
+            </a:r>
+            <a:r>
+              <a:rPr lang="ru-RU" altLang="en-US" dirty="0" smtClean="0"/>
+              <a:t>процесс</a:t>
+            </a:r>
+            <a:endParaRPr lang="en-US" altLang="en-US" dirty="0" smtClean="0"/>
           </a:p>
         </p:txBody>
       </p:sp>
       <p:pic>
         <p:nvPicPr>
-          <p:cNvPr id="6" name="Рисунок 5">
-            <a:extLst>
-              <a:ext uri="{FF2B5EF4-FFF2-40B4-BE49-F238E27FC236}">
-                <a16:creationId xmlns:a16="http://schemas.microsoft.com/office/drawing/2014/main" id="{26162A4F-1CE8-4A4E-9AF5-65112ABCEC86}"/>
-              </a:ext>
-            </a:extLst>
-          </p:cNvPr>
+          <p:cNvPr id="26627" name="Рисунок 5"/>
           <p:cNvPicPr>
-            <a:picLocks noChangeAspect="1"/>
+            <a:picLocks noChangeAspect="1" noChangeArrowheads="1"/>
           </p:cNvPicPr>
           <p:nvPr/>
         </p:nvPicPr>
         <p:blipFill>
-          <a:blip r:embed="rId2"/>
+          <a:blip r:embed="rId2">
+            <a:extLst>
+              <a:ext uri="{28A0092B-C50C-407E-A947-70E740481C1C}">
+                <a14:useLocalDpi xmlns:a14="http://schemas.microsoft.com/office/drawing/2010/main" val="0"/>
+              </a:ext>
+            </a:extLst>
+          </a:blip>
+          <a:srcRect/>
           <a:stretch>
             <a:fillRect/>
           </a:stretch>
         </p:blipFill>
-        <p:spPr>
+        <p:spPr bwMode="auto">
           <a:xfrm>
-            <a:off x="3505199" y="1547815"/>
-            <a:ext cx="5181601" cy="2353770"/>
+            <a:off x="3505200" y="1547813"/>
+            <a:ext cx="5181600" cy="2354262"/>
           </a:xfrm>
           <a:prstGeom prst="rect">
             <a:avLst/>
           </a:prstGeom>
+          <a:noFill/>
+          <a:ln>
+            <a:noFill/>
+          </a:ln>
+          <a:extLst>
+            <a:ext uri="{909E8E84-426E-40DD-AFC4-6F175D3DCCD1}">
+              <a14:hiddenFill xmlns:a14="http://schemas.microsoft.com/office/drawing/2010/main">
+                <a:solidFill>
+                  <a:srgbClr val="FFFFFF"/>
+                </a:solidFill>
+              </a14:hiddenFill>
+            </a:ext>
+            <a:ext uri="{91240B29-F687-4F45-9708-019B960494DF}">
+              <a14:hiddenLine xmlns:a14="http://schemas.microsoft.com/office/drawing/2010/main" w="9525">
+                <a:solidFill>
+                  <a:srgbClr val="000000"/>
+                </a:solidFill>
+                <a:miter lim="800000"/>
+                <a:headEnd/>
+                <a:tailEnd/>
+              </a14:hiddenLine>
+            </a:ext>
+          </a:extLst>
         </p:spPr>
       </p:pic>
-      <mc:AlternateContent xmlns:mc="http://schemas.openxmlformats.org/markup-compatibility/2006" xmlns:a14="http://schemas.microsoft.com/office/drawing/2010/main">
-        <mc:Choice Requires="a14">
-          <p:sp>
-            <p:nvSpPr>
-              <p:cNvPr id="7" name="TextBox 6">
-                <a:extLst>
-                  <a:ext uri="{FF2B5EF4-FFF2-40B4-BE49-F238E27FC236}">
-                    <a16:creationId xmlns:a16="http://schemas.microsoft.com/office/drawing/2014/main" id="{D661FBD8-5B56-421E-943D-102F87B9DE84}"/>
-                  </a:ext>
-                </a:extLst>
-              </p:cNvPr>
-              <p:cNvSpPr txBox="1"/>
-              <p:nvPr/>
-            </p:nvSpPr>
-            <p:spPr>
-              <a:xfrm>
-                <a:off x="228600" y="2268806"/>
-                <a:ext cx="3124200" cy="911788"/>
-              </a:xfrm>
-              <a:prstGeom prst="rect">
-                <a:avLst/>
-              </a:prstGeom>
-              <a:noFill/>
-            </p:spPr>
-            <p:txBody>
-              <a:bodyPr wrap="square" rtlCol="0">
-                <a:spAutoFit/>
-              </a:bodyPr>
-              <a:lstStyle/>
-              <a:p>
-                <a:pPr/>
-                <a14:m>
-                  <m:oMathPara xmlns:m="http://schemas.openxmlformats.org/officeDocument/2006/math">
-                    <m:oMathParaPr>
-                      <m:jc m:val="centerGroup"/>
-                    </m:oMathParaPr>
-                    <m:oMath xmlns:m="http://schemas.openxmlformats.org/officeDocument/2006/math">
-                      <m:r>
-                        <a:rPr lang="en-US" b="0" i="1" smtClean="0">
-                          <a:latin typeface="Cambria Math" panose="02040503050406030204" pitchFamily="18" charset="0"/>
-                        </a:rPr>
-                        <m:t>𝐿</m:t>
-                      </m:r>
-                      <m:r>
-                        <a:rPr lang="en-US" b="0" i="1" smtClean="0">
-                          <a:latin typeface="Cambria Math" panose="02040503050406030204" pitchFamily="18" charset="0"/>
-                        </a:rPr>
-                        <m:t>=2∗5∗</m:t>
-                      </m:r>
-                      <m:sSup>
-                        <m:sSupPr>
-                          <m:ctrlPr>
-                            <a:rPr lang="en-US" b="0" i="1" smtClean="0">
-                              <a:latin typeface="Cambria Math" panose="02040503050406030204" pitchFamily="18" charset="0"/>
-                            </a:rPr>
-                          </m:ctrlPr>
-                        </m:sSupPr>
-                        <m:e>
-                          <m:r>
-                            <a:rPr lang="en-US" b="0" i="1" smtClean="0">
-                              <a:latin typeface="Cambria Math" panose="02040503050406030204" pitchFamily="18" charset="0"/>
-                            </a:rPr>
-                            <m:t>10</m:t>
-                          </m:r>
-                        </m:e>
-                        <m:sup>
-                          <m:r>
-                            <a:rPr lang="en-US" b="0" i="1" smtClean="0">
-                              <a:latin typeface="Cambria Math" panose="02040503050406030204" pitchFamily="18" charset="0"/>
-                            </a:rPr>
-                            <m:t>6</m:t>
-                          </m:r>
-                        </m:sup>
-                      </m:sSup>
-                    </m:oMath>
-                  </m:oMathPara>
-                </a14:m>
-                <a:endParaRPr lang="en-US" b="0" dirty="0"/>
-              </a:p>
-              <a:p>
-                <a:pPr/>
-                <a14:m>
-                  <m:oMathPara xmlns:m="http://schemas.openxmlformats.org/officeDocument/2006/math">
-                    <m:oMathParaPr>
-                      <m:jc m:val="centerGroup"/>
-                    </m:oMathParaPr>
-                    <m:oMath xmlns:m="http://schemas.openxmlformats.org/officeDocument/2006/math">
-                      <m:r>
-                        <a:rPr lang="en-US" b="0" i="1" smtClean="0">
-                          <a:latin typeface="Cambria Math" panose="02040503050406030204" pitchFamily="18" charset="0"/>
-                          <a:ea typeface="Cambria Math" panose="02040503050406030204" pitchFamily="18" charset="0"/>
-                        </a:rPr>
-                        <m:t>𝛼</m:t>
-                      </m:r>
-                      <m:r>
-                        <a:rPr lang="en-US" b="0" i="1" smtClean="0">
-                          <a:latin typeface="Cambria Math" panose="02040503050406030204" pitchFamily="18" charset="0"/>
-                          <a:ea typeface="Cambria Math" panose="02040503050406030204" pitchFamily="18" charset="0"/>
-                        </a:rPr>
-                        <m:t>=</m:t>
-                      </m:r>
-                      <m:f>
-                        <m:fPr>
-                          <m:ctrlPr>
-                            <a:rPr lang="en-US" b="0" i="1" smtClean="0">
-                              <a:latin typeface="Cambria Math" panose="02040503050406030204" pitchFamily="18" charset="0"/>
-                              <a:ea typeface="Cambria Math" panose="02040503050406030204" pitchFamily="18" charset="0"/>
-                            </a:rPr>
-                          </m:ctrlPr>
-                        </m:fPr>
-                        <m:num>
-                          <m:r>
-                            <a:rPr lang="en-US" b="0" i="1" smtClean="0">
-                              <a:latin typeface="Cambria Math" panose="02040503050406030204" pitchFamily="18" charset="0"/>
-                              <a:ea typeface="Cambria Math" panose="02040503050406030204" pitchFamily="18" charset="0"/>
-                            </a:rPr>
-                            <m:t>𝐿</m:t>
-                          </m:r>
-                        </m:num>
-                        <m:den>
-                          <m:r>
-                            <a:rPr lang="en-US" b="0" i="1" smtClean="0">
-                              <a:latin typeface="Cambria Math" panose="02040503050406030204" pitchFamily="18" charset="0"/>
-                              <a:ea typeface="Cambria Math" panose="02040503050406030204" pitchFamily="18" charset="0"/>
-                            </a:rPr>
-                            <m:t>𝑟</m:t>
-                          </m:r>
-                        </m:den>
-                      </m:f>
-                      <m:r>
-                        <a:rPr lang="en-US" b="0" i="1" smtClean="0">
-                          <a:latin typeface="Cambria Math" panose="02040503050406030204" pitchFamily="18" charset="0"/>
-                          <a:ea typeface="Cambria Math" panose="02040503050406030204" pitchFamily="18" charset="0"/>
-                        </a:rPr>
-                        <m:t>=0.002 </m:t>
-                      </m:r>
-                      <m:r>
-                        <a:rPr lang="ru-RU" b="0" i="1" smtClean="0">
-                          <a:latin typeface="Cambria Math" panose="02040503050406030204" pitchFamily="18" charset="0"/>
-                          <a:ea typeface="Cambria Math" panose="02040503050406030204" pitchFamily="18" charset="0"/>
-                        </a:rPr>
-                        <m:t>мрад=1</m:t>
-                      </m:r>
-                      <m:r>
-                        <m:rPr>
-                          <m:nor/>
-                        </m:rPr>
-                        <a:rPr lang="en-US" dirty="0">
-                          <a:solidFill>
-                            <a:srgbClr val="000000"/>
-                          </a:solidFill>
-                        </a:rPr>
-                        <m:t>´</m:t>
-                      </m:r>
-                    </m:oMath>
-                  </m:oMathPara>
-                </a14:m>
-                <a:endParaRPr lang="ru-RU" dirty="0"/>
-              </a:p>
-            </p:txBody>
-          </p:sp>
-        </mc:Choice>
-        <mc:Fallback xmlns="">
-          <p:sp>
-            <p:nvSpPr>
-              <p:cNvPr id="7" name="TextBox 6">
-                <a:extLst>
-                  <a:ext uri="{FF2B5EF4-FFF2-40B4-BE49-F238E27FC236}">
-                    <a16:creationId xmlns:a16="http://schemas.microsoft.com/office/drawing/2014/main" id="{D661FBD8-5B56-421E-943D-102F87B9DE84}"/>
-                  </a:ext>
-                </a:extLst>
-              </p:cNvPr>
-              <p:cNvSpPr txBox="1">
-                <a:spLocks noRot="1" noChangeAspect="1" noMove="1" noResize="1" noEditPoints="1" noAdjustHandles="1" noChangeArrowheads="1" noChangeShapeType="1" noTextEdit="1"/>
-              </p:cNvSpPr>
-              <p:nvPr/>
-            </p:nvSpPr>
-            <p:spPr>
-              <a:xfrm>
-                <a:off x="228600" y="2268806"/>
-                <a:ext cx="3124200" cy="911788"/>
-              </a:xfrm>
-              <a:prstGeom prst="rect">
-                <a:avLst/>
-              </a:prstGeom>
-              <a:blipFill>
-                <a:blip r:embed="rId3"/>
-                <a:stretch>
-                  <a:fillRect/>
-                </a:stretch>
-              </a:blipFill>
-            </p:spPr>
-            <p:txBody>
-              <a:bodyPr/>
-              <a:lstStyle/>
-              <a:p>
-                <a:r>
-                  <a:rPr lang="ru-RU">
-                    <a:noFill/>
-                  </a:rPr>
-                  <a:t> </a:t>
-                </a:r>
-              </a:p>
-            </p:txBody>
-          </p:sp>
-        </mc:Fallback>
-      </mc:AlternateContent>
+      <p:sp>
+        <p:nvSpPr>
+          <p:cNvPr id="7" name="TextBox 6">
+            <a:extLst>
+              <a:ext uri="{FF2B5EF4-FFF2-40B4-BE49-F238E27FC236}">
+                <a16:creationId xmlns:a16="http://schemas.microsoft.com/office/drawing/2014/main" xmlns="" id="{D661FBD8-5B56-421E-943D-102F87B9DE84}"/>
+              </a:ext>
+            </a:extLst>
+          </p:cNvPr>
+          <p:cNvSpPr txBox="1">
+            <a:spLocks noRot="1" noChangeAspect="1" noMove="1" noResize="1" noEditPoints="1" noAdjustHandles="1" noChangeArrowheads="1" noChangeShapeType="1" noTextEdit="1"/>
+          </p:cNvSpPr>
+          <p:nvPr/>
+        </p:nvSpPr>
+        <p:spPr>
+          <a:xfrm>
+            <a:off x="228600" y="2268806"/>
+            <a:ext cx="3124200" cy="911788"/>
+          </a:xfrm>
+          <a:prstGeom prst="rect">
+            <a:avLst/>
+          </a:prstGeom>
+          <a:blipFill>
+            <a:blip r:embed="rId3"/>
+            <a:stretch>
+              <a:fillRect/>
+            </a:stretch>
+          </a:blipFill>
+        </p:spPr>
+        <p:txBody>
+          <a:bodyPr/>
+          <a:lstStyle/>
+          <a:p>
+            <a:r>
+              <a:rPr lang="ru-RU">
+                <a:noFill/>
+              </a:rPr>
+              <a:t> </a:t>
+            </a:r>
+          </a:p>
+        </p:txBody>
+      </p:sp>
+      <p:sp>
+        <p:nvSpPr>
+          <p:cNvPr id="5" name="TextBox 4"/>
+          <p:cNvSpPr txBox="1"/>
+          <p:nvPr/>
+        </p:nvSpPr>
+        <p:spPr>
+          <a:xfrm>
+            <a:off x="8329889" y="4668175"/>
+            <a:ext cx="814111" cy="369332"/>
+          </a:xfrm>
+          <a:prstGeom prst="rect">
+            <a:avLst/>
+          </a:prstGeom>
+          <a:noFill/>
+        </p:spPr>
+        <p:txBody>
+          <a:bodyPr wrap="square" rtlCol="0">
+            <a:spAutoFit/>
+          </a:bodyPr>
+          <a:lstStyle/>
+          <a:p>
+            <a:r>
+              <a:rPr lang="en-US" dirty="0" smtClean="0">
+                <a:solidFill>
+                  <a:srgbClr val="000000"/>
+                </a:solidFill>
+              </a:rPr>
+              <a:t>10/15</a:t>
+            </a:r>
+            <a:endParaRPr lang="en-US" dirty="0">
+              <a:solidFill>
+                <a:srgbClr val="000000"/>
+              </a:solidFill>
+            </a:endParaRPr>
+          </a:p>
+        </p:txBody>
+      </p:sp>
     </p:spTree>
-    <p:extLst>
-      <p:ext uri="{BB962C8B-B14F-4D97-AF65-F5344CB8AC3E}">
-        <p14:creationId xmlns:p14="http://schemas.microsoft.com/office/powerpoint/2010/main" val="878268672"/>
-      </p:ext>
-    </p:extLst>
   </p:cSld>
   <p:clrMapOvr>
     <a:masterClrMapping/>
   </p:clrMapOvr>
+  <p:timing>
+    <p:tnLst>
+      <p:par>
+        <p:cTn id="1" dur="indefinite" restart="never" nodeType="tmRoot"/>
+      </p:par>
+    </p:tnLst>
+  </p:timing>
 </p:sld>
 </file>
 
@@ -5000,9 +6331,9 @@
       </p:grpSpPr>
       <p:sp>
         <p:nvSpPr>
-          <p:cNvPr id="2" name="Title 1"/>
+          <p:cNvPr id="27650" name="Title 1"/>
           <p:cNvSpPr>
-            <a:spLocks noGrp="1"/>
+            <a:spLocks noGrp="1" noChangeArrowheads="1"/>
           </p:cNvSpPr>
           <p:nvPr>
             <p:ph type="title"/>
@@ -5010,64 +6341,132 @@
         </p:nvSpPr>
         <p:spPr>
           <a:xfrm>
-            <a:off x="457200" y="797958"/>
-            <a:ext cx="8229600" cy="620315"/>
+            <a:off x="457200" y="798513"/>
+            <a:ext cx="8229600" cy="619125"/>
           </a:xfrm>
         </p:spPr>
         <p:txBody>
-          <a:bodyPr>
-            <a:normAutofit/>
-          </a:bodyPr>
+          <a:bodyPr/>
           <a:lstStyle/>
           <a:p>
             <a:r>
-              <a:rPr lang="ru-RU" dirty="0"/>
+              <a:rPr lang="ru-RU" altLang="en-US" smtClean="0"/>
               <a:t>Переходный процесс с регулятором</a:t>
             </a:r>
-            <a:endParaRPr lang="en-US" dirty="0"/>
+            <a:endParaRPr lang="en-US" altLang="en-US" smtClean="0"/>
           </a:p>
         </p:txBody>
       </p:sp>
       <p:pic>
         <p:nvPicPr>
-          <p:cNvPr id="4" name="Рисунок 3">
-            <a:extLst>
-              <a:ext uri="{FF2B5EF4-FFF2-40B4-BE49-F238E27FC236}">
-                <a16:creationId xmlns:a16="http://schemas.microsoft.com/office/drawing/2014/main" id="{F5EDBA83-652B-4C9F-9002-BD10256133D6}"/>
-              </a:ext>
-            </a:extLst>
-          </p:cNvPr>
+          <p:cNvPr id="2" name="Picture 1"/>
           <p:cNvPicPr>
             <a:picLocks noChangeAspect="1"/>
           </p:cNvPicPr>
           <p:nvPr/>
         </p:nvPicPr>
         <p:blipFill>
-          <a:blip r:embed="rId2"/>
+          <a:blip r:embed="rId2">
+            <a:extLst>
+              <a:ext uri="{28A0092B-C50C-407E-A947-70E740481C1C}">
+                <a14:useLocalDpi xmlns:a14="http://schemas.microsoft.com/office/drawing/2010/main" val="0"/>
+              </a:ext>
+            </a:extLst>
+          </a:blip>
           <a:stretch>
             <a:fillRect/>
           </a:stretch>
         </p:blipFill>
         <p:spPr>
           <a:xfrm>
-            <a:off x="1443981" y="1547813"/>
-            <a:ext cx="6256037" cy="2871787"/>
+            <a:off x="4347824" y="1699014"/>
+            <a:ext cx="4121573" cy="2000680"/>
           </a:xfrm>
           <a:prstGeom prst="rect">
             <a:avLst/>
           </a:prstGeom>
         </p:spPr>
       </p:pic>
+      <p:pic>
+        <p:nvPicPr>
+          <p:cNvPr id="3" name="Picture 2"/>
+          <p:cNvPicPr>
+            <a:picLocks noChangeAspect="1"/>
+          </p:cNvPicPr>
+          <p:nvPr/>
+        </p:nvPicPr>
+        <p:blipFill>
+          <a:blip r:embed="rId3">
+            <a:extLst>
+              <a:ext uri="{28A0092B-C50C-407E-A947-70E740481C1C}">
+                <a14:useLocalDpi xmlns:a14="http://schemas.microsoft.com/office/drawing/2010/main" val="0"/>
+              </a:ext>
+            </a:extLst>
+          </a:blip>
+          <a:stretch>
+            <a:fillRect/>
+          </a:stretch>
+        </p:blipFill>
+        <p:spPr>
+          <a:xfrm>
+            <a:off x="162396" y="1705244"/>
+            <a:ext cx="4108738" cy="1994450"/>
+          </a:xfrm>
+          <a:prstGeom prst="rect">
+            <a:avLst/>
+          </a:prstGeom>
+        </p:spPr>
+      </p:pic>
+      <p:sp>
+        <p:nvSpPr>
+          <p:cNvPr id="7" name="TextBox 6"/>
+          <p:cNvSpPr txBox="1"/>
+          <p:nvPr/>
+        </p:nvSpPr>
+        <p:spPr>
+          <a:xfrm>
+            <a:off x="8329889" y="4668175"/>
+            <a:ext cx="814111" cy="369332"/>
+          </a:xfrm>
+          <a:prstGeom prst="rect">
+            <a:avLst/>
+          </a:prstGeom>
+          <a:noFill/>
+        </p:spPr>
+        <p:txBody>
+          <a:bodyPr wrap="square" rtlCol="0">
+            <a:spAutoFit/>
+          </a:bodyPr>
+          <a:lstStyle/>
+          <a:p>
+            <a:r>
+              <a:rPr lang="en-US" dirty="0" smtClean="0">
+                <a:solidFill>
+                  <a:srgbClr val="000000"/>
+                </a:solidFill>
+              </a:rPr>
+              <a:t>11/15</a:t>
+            </a:r>
+            <a:endParaRPr lang="en-US" dirty="0">
+              <a:solidFill>
+                <a:srgbClr val="000000"/>
+              </a:solidFill>
+            </a:endParaRPr>
+          </a:p>
+        </p:txBody>
+      </p:sp>
     </p:spTree>
-    <p:extLst>
-      <p:ext uri="{BB962C8B-B14F-4D97-AF65-F5344CB8AC3E}">
-        <p14:creationId xmlns:p14="http://schemas.microsoft.com/office/powerpoint/2010/main" val="2993819789"/>
-      </p:ext>
-    </p:extLst>
   </p:cSld>
   <p:clrMapOvr>
     <a:masterClrMapping/>
   </p:clrMapOvr>
+  <p:timing>
+    <p:tnLst>
+      <p:par>
+        <p:cTn id="1" dur="indefinite" restart="never" nodeType="tmRoot"/>
+      </p:par>
+    </p:tnLst>
+  </p:timing>
 </p:sld>
 </file>
 
@@ -5100,16 +6499,22 @@
         </p:nvSpPr>
         <p:spPr>
           <a:xfrm>
-            <a:off x="457200" y="754330"/>
-            <a:ext cx="8229600" cy="982980"/>
+            <a:off x="457200" y="754063"/>
+            <a:ext cx="8229600" cy="982662"/>
           </a:xfrm>
         </p:spPr>
         <p:txBody>
-          <a:bodyPr>
+          <a:bodyPr rtlCol="0">
             <a:normAutofit fontScale="90000"/>
           </a:bodyPr>
           <a:lstStyle/>
           <a:p>
+            <a:pPr fontAlgn="auto">
+              <a:spcAft>
+                <a:spcPts val="0"/>
+              </a:spcAft>
+              <a:defRPr/>
+            </a:pPr>
             <a:r>
               <a:rPr lang="ru-RU" dirty="0"/>
               <a:t>Схема моделирования с дискретным регулятором</a:t>
@@ -5120,44 +6525,124 @@
       </p:sp>
       <p:pic>
         <p:nvPicPr>
-          <p:cNvPr id="5" name="Рисунок 4">
-            <a:extLst>
-              <a:ext uri="{FF2B5EF4-FFF2-40B4-BE49-F238E27FC236}">
-                <a16:creationId xmlns:a16="http://schemas.microsoft.com/office/drawing/2014/main" id="{463FBF03-0084-4E23-8C4A-D86B7050E871}"/>
-              </a:ext>
-            </a:extLst>
-          </p:cNvPr>
+          <p:cNvPr id="28675" name="Рисунок 4"/>
           <p:cNvPicPr>
-            <a:picLocks noChangeAspect="1"/>
+            <a:picLocks noChangeAspect="1" noChangeArrowheads="1"/>
           </p:cNvPicPr>
           <p:nvPr/>
         </p:nvPicPr>
         <p:blipFill>
-          <a:blip r:embed="rId2"/>
+          <a:blip r:embed="rId2">
+            <a:extLst>
+              <a:ext uri="{28A0092B-C50C-407E-A947-70E740481C1C}">
+                <a14:useLocalDpi xmlns:a14="http://schemas.microsoft.com/office/drawing/2010/main" val="0"/>
+              </a:ext>
+            </a:extLst>
+          </a:blip>
+          <a:srcRect/>
           <a:stretch>
             <a:fillRect/>
           </a:stretch>
         </p:blipFill>
-        <p:spPr>
+        <p:spPr bwMode="auto">
           <a:xfrm>
-            <a:off x="457200" y="1859230"/>
-            <a:ext cx="8229600" cy="2560370"/>
+            <a:off x="457200" y="1858963"/>
+            <a:ext cx="8229600" cy="2560637"/>
           </a:xfrm>
           <a:prstGeom prst="rect">
             <a:avLst/>
           </a:prstGeom>
+          <a:noFill/>
+          <a:ln>
+            <a:noFill/>
+          </a:ln>
+          <a:extLst>
+            <a:ext uri="{909E8E84-426E-40DD-AFC4-6F175D3DCCD1}">
+              <a14:hiddenFill xmlns:a14="http://schemas.microsoft.com/office/drawing/2010/main">
+                <a:solidFill>
+                  <a:srgbClr val="FFFFFF"/>
+                </a:solidFill>
+              </a14:hiddenFill>
+            </a:ext>
+            <a:ext uri="{91240B29-F687-4F45-9708-019B960494DF}">
+              <a14:hiddenLine xmlns:a14="http://schemas.microsoft.com/office/drawing/2010/main" w="9525">
+                <a:solidFill>
+                  <a:srgbClr val="000000"/>
+                </a:solidFill>
+                <a:miter lim="800000"/>
+                <a:headEnd/>
+                <a:tailEnd/>
+              </a14:hiddenLine>
+            </a:ext>
+          </a:extLst>
         </p:spPr>
       </p:pic>
+      <p:sp>
+        <p:nvSpPr>
+          <p:cNvPr id="4" name="TextBox 3"/>
+          <p:cNvSpPr txBox="1"/>
+          <p:nvPr/>
+        </p:nvSpPr>
+        <p:spPr>
+          <a:xfrm>
+            <a:off x="8329889" y="4668175"/>
+            <a:ext cx="814111" cy="369332"/>
+          </a:xfrm>
+          <a:prstGeom prst="rect">
+            <a:avLst/>
+          </a:prstGeom>
+          <a:noFill/>
+        </p:spPr>
+        <p:txBody>
+          <a:bodyPr wrap="square" rtlCol="0">
+            <a:spAutoFit/>
+          </a:bodyPr>
+          <a:lstStyle/>
+          <a:p>
+            <a:r>
+              <a:rPr lang="en-US" dirty="0" smtClean="0">
+                <a:solidFill>
+                  <a:srgbClr val="000000"/>
+                </a:solidFill>
+              </a:rPr>
+              <a:t>1</a:t>
+            </a:r>
+            <a:r>
+              <a:rPr lang="ru-RU" dirty="0" smtClean="0">
+                <a:solidFill>
+                  <a:srgbClr val="000000"/>
+                </a:solidFill>
+              </a:rPr>
+              <a:t>2</a:t>
+            </a:r>
+            <a:r>
+              <a:rPr lang="en-US" dirty="0" smtClean="0">
+                <a:solidFill>
+                  <a:srgbClr val="000000"/>
+                </a:solidFill>
+              </a:rPr>
+              <a:t>/15</a:t>
+            </a:r>
+            <a:endParaRPr lang="en-US" dirty="0">
+              <a:solidFill>
+                <a:srgbClr val="000000"/>
+              </a:solidFill>
+            </a:endParaRPr>
+          </a:p>
+        </p:txBody>
+      </p:sp>
     </p:spTree>
-    <p:extLst>
-      <p:ext uri="{BB962C8B-B14F-4D97-AF65-F5344CB8AC3E}">
-        <p14:creationId xmlns:p14="http://schemas.microsoft.com/office/powerpoint/2010/main" val="1088787663"/>
-      </p:ext>
-    </p:extLst>
   </p:cSld>
   <p:clrMapOvr>
     <a:masterClrMapping/>
   </p:clrMapOvr>
+  <p:timing>
+    <p:tnLst>
+      <p:par>
+        <p:cTn id="1" dur="indefinite" restart="never" nodeType="tmRoot"/>
+      </p:par>
+    </p:tnLst>
+  </p:timing>
 </p:sld>
 </file>
 
@@ -5190,16 +6675,22 @@
         </p:nvSpPr>
         <p:spPr>
           <a:xfrm>
-            <a:off x="457200" y="820818"/>
-            <a:ext cx="8229600" cy="620315"/>
+            <a:off x="457200" y="820738"/>
+            <a:ext cx="8229600" cy="620712"/>
           </a:xfrm>
         </p:spPr>
         <p:txBody>
-          <a:bodyPr>
+          <a:bodyPr rtlCol="0">
             <a:normAutofit fontScale="90000"/>
           </a:bodyPr>
           <a:lstStyle/>
           <a:p>
+            <a:pPr fontAlgn="auto">
+              <a:spcAft>
+                <a:spcPts val="0"/>
+              </a:spcAft>
+              <a:defRPr/>
+            </a:pPr>
             <a:r>
               <a:rPr lang="ru-RU" dirty="0"/>
               <a:t>Переходный процесс с дискретным регулятором</a:t>
@@ -5210,44 +6701,108 @@
       </p:sp>
       <p:pic>
         <p:nvPicPr>
-          <p:cNvPr id="5" name="Рисунок 4">
-            <a:extLst>
-              <a:ext uri="{FF2B5EF4-FFF2-40B4-BE49-F238E27FC236}">
-                <a16:creationId xmlns:a16="http://schemas.microsoft.com/office/drawing/2014/main" id="{393447BD-B1B0-464C-BDA8-AB8241C38729}"/>
-              </a:ext>
-            </a:extLst>
-          </p:cNvPr>
+          <p:cNvPr id="29699" name="Рисунок 4"/>
           <p:cNvPicPr>
-            <a:picLocks noChangeAspect="1"/>
+            <a:picLocks noChangeAspect="1" noChangeArrowheads="1"/>
           </p:cNvPicPr>
           <p:nvPr/>
         </p:nvPicPr>
         <p:blipFill>
-          <a:blip r:embed="rId2"/>
+          <a:blip r:embed="rId2">
+            <a:extLst>
+              <a:ext uri="{28A0092B-C50C-407E-A947-70E740481C1C}">
+                <a14:useLocalDpi xmlns:a14="http://schemas.microsoft.com/office/drawing/2010/main" val="0"/>
+              </a:ext>
+            </a:extLst>
+          </a:blip>
+          <a:srcRect/>
           <a:stretch>
             <a:fillRect/>
           </a:stretch>
         </p:blipFill>
-        <p:spPr>
+        <p:spPr bwMode="auto">
           <a:xfrm>
-            <a:off x="1443989" y="1616393"/>
-            <a:ext cx="6256021" cy="2772727"/>
+            <a:off x="1444625" y="1616075"/>
+            <a:ext cx="6254750" cy="2773363"/>
           </a:xfrm>
           <a:prstGeom prst="rect">
             <a:avLst/>
           </a:prstGeom>
+          <a:noFill/>
+          <a:ln>
+            <a:noFill/>
+          </a:ln>
+          <a:extLst>
+            <a:ext uri="{909E8E84-426E-40DD-AFC4-6F175D3DCCD1}">
+              <a14:hiddenFill xmlns:a14="http://schemas.microsoft.com/office/drawing/2010/main">
+                <a:solidFill>
+                  <a:srgbClr val="FFFFFF"/>
+                </a:solidFill>
+              </a14:hiddenFill>
+            </a:ext>
+            <a:ext uri="{91240B29-F687-4F45-9708-019B960494DF}">
+              <a14:hiddenLine xmlns:a14="http://schemas.microsoft.com/office/drawing/2010/main" w="9525">
+                <a:solidFill>
+                  <a:srgbClr val="000000"/>
+                </a:solidFill>
+                <a:miter lim="800000"/>
+                <a:headEnd/>
+                <a:tailEnd/>
+              </a14:hiddenLine>
+            </a:ext>
+          </a:extLst>
         </p:spPr>
       </p:pic>
+      <p:sp>
+        <p:nvSpPr>
+          <p:cNvPr id="4" name="TextBox 3"/>
+          <p:cNvSpPr txBox="1"/>
+          <p:nvPr/>
+        </p:nvSpPr>
+        <p:spPr>
+          <a:xfrm>
+            <a:off x="8329889" y="4668175"/>
+            <a:ext cx="814111" cy="369332"/>
+          </a:xfrm>
+          <a:prstGeom prst="rect">
+            <a:avLst/>
+          </a:prstGeom>
+          <a:noFill/>
+        </p:spPr>
+        <p:txBody>
+          <a:bodyPr wrap="square" rtlCol="0">
+            <a:spAutoFit/>
+          </a:bodyPr>
+          <a:lstStyle/>
+          <a:p>
+            <a:r>
+              <a:rPr lang="en-US" dirty="0" smtClean="0">
+                <a:solidFill>
+                  <a:srgbClr val="000000"/>
+                </a:solidFill>
+              </a:rPr>
+              <a:t>13/15</a:t>
+            </a:r>
+            <a:endParaRPr lang="en-US" dirty="0">
+              <a:solidFill>
+                <a:srgbClr val="000000"/>
+              </a:solidFill>
+            </a:endParaRPr>
+          </a:p>
+        </p:txBody>
+      </p:sp>
     </p:spTree>
-    <p:extLst>
-      <p:ext uri="{BB962C8B-B14F-4D97-AF65-F5344CB8AC3E}">
-        <p14:creationId xmlns:p14="http://schemas.microsoft.com/office/powerpoint/2010/main" val="3144268052"/>
-      </p:ext>
-    </p:extLst>
   </p:cSld>
   <p:clrMapOvr>
     <a:masterClrMapping/>
   </p:clrMapOvr>
+  <p:timing>
+    <p:tnLst>
+      <p:par>
+        <p:cTn id="1" dur="indefinite" restart="never" nodeType="tmRoot"/>
+      </p:par>
+    </p:tnLst>
+  </p:timing>
 </p:sld>
 </file>
 
@@ -5280,16 +6835,22 @@
         </p:nvSpPr>
         <p:spPr>
           <a:xfrm>
-            <a:off x="534980" y="822960"/>
-            <a:ext cx="7317423" cy="533400"/>
+            <a:off x="534988" y="822325"/>
+            <a:ext cx="7316787" cy="533400"/>
           </a:xfrm>
         </p:spPr>
         <p:txBody>
-          <a:bodyPr>
+          <a:bodyPr rtlCol="0">
             <a:noAutofit/>
           </a:bodyPr>
           <a:lstStyle/>
           <a:p>
+            <a:pPr fontAlgn="auto">
+              <a:spcAft>
+                <a:spcPts val="0"/>
+              </a:spcAft>
+              <a:defRPr/>
+            </a:pPr>
             <a:r>
               <a:rPr lang="ru-RU" b="1" dirty="0">
                 <a:solidFill>
@@ -5314,17 +6875,11 @@
           <p:cNvGraphicFramePr>
             <a:graphicFrameLocks noGrp="1"/>
           </p:cNvGraphicFramePr>
-          <p:nvPr>
-            <p:extLst>
-              <p:ext uri="{D42A27DB-BD31-4B8C-83A1-F6EECF244321}">
-                <p14:modId xmlns:p14="http://schemas.microsoft.com/office/powerpoint/2010/main" val="3008973713"/>
-              </p:ext>
-            </p:extLst>
-          </p:nvPr>
+          <p:nvPr/>
         </p:nvGraphicFramePr>
         <p:xfrm>
-          <a:off x="764690" y="1367176"/>
-          <a:ext cx="7548729" cy="2854302"/>
+          <a:off x="765175" y="1366838"/>
+          <a:ext cx="7548563" cy="2854326"/>
         </p:xfrm>
         <a:graphic>
           <a:graphicData uri="http://schemas.openxmlformats.org/drawingml/2006/table">
@@ -5333,43 +6888,43 @@
                 <a:tableStyleId>{D7AC3CCA-C797-4891-BE02-D94E43425B78}</a:tableStyleId>
               </a:tblPr>
               <a:tblGrid>
-                <a:gridCol w="4888405">
+                <a:gridCol w="4888298">
                   <a:extLst>
                     <a:ext uri="{9D8B030D-6E8A-4147-A177-3AD203B41FA5}">
-                      <a16:colId xmlns:a16="http://schemas.microsoft.com/office/drawing/2014/main" val="20000"/>
+                      <a16:colId xmlns:a16="http://schemas.microsoft.com/office/drawing/2014/main" xmlns="" val="20000"/>
                     </a:ext>
                   </a:extLst>
                 </a:gridCol>
-                <a:gridCol w="2660324">
+                <a:gridCol w="2660265">
                   <a:extLst>
                     <a:ext uri="{9D8B030D-6E8A-4147-A177-3AD203B41FA5}">
-                      <a16:colId xmlns:a16="http://schemas.microsoft.com/office/drawing/2014/main" val="20001"/>
+                      <a16:colId xmlns:a16="http://schemas.microsoft.com/office/drawing/2014/main" xmlns="" val="20001"/>
                     </a:ext>
                   </a:extLst>
                 </a:gridCol>
               </a:tblGrid>
-              <a:tr h="475717">
+              <a:tr h="475721">
                 <a:tc>
                   <a:txBody>
                     <a:bodyPr/>
                     <a:lstStyle/>
                     <a:p>
                       <a:r>
-                        <a:rPr lang="ru-RU" b="0" dirty="0">
+                        <a:rPr lang="ru-RU" sz="1800" b="0" dirty="0">
                           <a:solidFill>
                             <a:srgbClr val="000000"/>
                           </a:solidFill>
                         </a:rPr>
                         <a:t>Диапазон угловых перемещений</a:t>
                       </a:r>
-                      <a:endParaRPr lang="en-US" b="0" dirty="0">
+                      <a:endParaRPr lang="en-US" sz="1800" b="0" dirty="0">
                         <a:solidFill>
                           <a:srgbClr val="000000"/>
                         </a:solidFill>
                       </a:endParaRPr>
                     </a:p>
                   </a:txBody>
-                  <a:tcPr>
+                  <a:tcPr marL="91438" marR="91438">
                     <a:solidFill>
                       <a:schemeClr val="bg1"/>
                     </a:solidFill>
@@ -5381,7 +6936,7 @@
                     <a:lstStyle/>
                     <a:p>
                       <a:r>
-                        <a:rPr lang="ru-RU" b="0" dirty="0">
+                        <a:rPr lang="ru-RU" sz="1800" b="0" dirty="0">
                           <a:solidFill>
                             <a:srgbClr val="000000"/>
                           </a:solidFill>
@@ -5389,7 +6944,7 @@
                         <a:t>0</a:t>
                       </a:r>
                       <a:r>
-                        <a:rPr lang="he-IL" b="0" dirty="0">
+                        <a:rPr lang="he-IL" sz="1800" b="0" dirty="0">
                           <a:solidFill>
                             <a:srgbClr val="000000"/>
                           </a:solidFill>
@@ -5397,7 +6952,7 @@
                         <a:t>֯</a:t>
                       </a:r>
                       <a:r>
-                        <a:rPr lang="en-US" b="0" dirty="0">
+                        <a:rPr lang="en-US" sz="1800" b="0" dirty="0">
                           <a:solidFill>
                             <a:srgbClr val="000000"/>
                           </a:solidFill>
@@ -5405,7 +6960,7 @@
                         <a:t> </a:t>
                       </a:r>
                       <a:r>
-                        <a:rPr lang="ru-RU" b="0" dirty="0">
+                        <a:rPr lang="ru-RU" sz="1800" b="0" dirty="0">
                           <a:solidFill>
                             <a:srgbClr val="000000"/>
                           </a:solidFill>
@@ -5413,7 +6968,7 @@
                         <a:t>-</a:t>
                       </a:r>
                       <a:r>
-                        <a:rPr lang="en-US" b="0" dirty="0">
+                        <a:rPr lang="en-US" sz="1800" b="0" dirty="0">
                           <a:solidFill>
                             <a:srgbClr val="000000"/>
                           </a:solidFill>
@@ -5421,7 +6976,7 @@
                         <a:t> </a:t>
                       </a:r>
                       <a:r>
-                        <a:rPr lang="ru-RU" b="0" dirty="0">
+                        <a:rPr lang="ru-RU" sz="1800" b="0" dirty="0">
                           <a:solidFill>
                             <a:srgbClr val="000000"/>
                           </a:solidFill>
@@ -5429,21 +6984,21 @@
                         <a:t>360</a:t>
                       </a:r>
                       <a:r>
-                        <a:rPr lang="he-IL" b="0" dirty="0">
+                        <a:rPr lang="he-IL" sz="1800" b="0" dirty="0">
                           <a:solidFill>
                             <a:srgbClr val="000000"/>
                           </a:solidFill>
                         </a:rPr>
                         <a:t>֯</a:t>
                       </a:r>
-                      <a:endParaRPr lang="en-US" b="0" dirty="0">
+                      <a:endParaRPr lang="en-US" sz="1800" b="0" dirty="0">
                         <a:solidFill>
                           <a:srgbClr val="000000"/>
                         </a:solidFill>
                       </a:endParaRPr>
                     </a:p>
                   </a:txBody>
-                  <a:tcPr>
+                  <a:tcPr marL="91438" marR="91438">
                     <a:solidFill>
                       <a:schemeClr val="bg1"/>
                     </a:solidFill>
@@ -5451,32 +7006,32 @@
                 </a:tc>
                 <a:extLst>
                   <a:ext uri="{0D108BD9-81ED-4DB2-BD59-A6C34878D82A}">
-                    <a16:rowId xmlns:a16="http://schemas.microsoft.com/office/drawing/2014/main" val="10000"/>
+                    <a16:rowId xmlns:a16="http://schemas.microsoft.com/office/drawing/2014/main" xmlns="" val="10000"/>
                   </a:ext>
                 </a:extLst>
               </a:tr>
-              <a:tr h="475717">
+              <a:tr h="475721">
                 <a:tc>
                   <a:txBody>
                     <a:bodyPr/>
                     <a:lstStyle/>
                     <a:p>
                       <a:r>
-                        <a:rPr lang="ru-RU" dirty="0">
+                        <a:rPr lang="ru-RU" sz="1800" dirty="0">
                           <a:solidFill>
                             <a:srgbClr val="000000"/>
                           </a:solidFill>
                         </a:rPr>
                         <a:t>Шаг угловых перемещений</a:t>
                       </a:r>
-                      <a:endParaRPr lang="en-US" dirty="0">
+                      <a:endParaRPr lang="en-US" sz="1800" dirty="0">
                         <a:solidFill>
                           <a:srgbClr val="000000"/>
                         </a:solidFill>
                       </a:endParaRPr>
                     </a:p>
                   </a:txBody>
-                  <a:tcPr>
+                  <a:tcPr marL="91438" marR="91438">
                     <a:solidFill>
                       <a:schemeClr val="bg1"/>
                     </a:solidFill>
@@ -5488,7 +7043,7 @@
                     <a:lstStyle/>
                     <a:p>
                       <a:r>
-                        <a:rPr lang="ru-RU" dirty="0">
+                        <a:rPr lang="ru-RU" sz="1800" dirty="0">
                           <a:solidFill>
                             <a:srgbClr val="000000"/>
                           </a:solidFill>
@@ -5496,7 +7051,7 @@
                         <a:t>1</a:t>
                       </a:r>
                       <a:r>
-                        <a:rPr lang="en-US" dirty="0">
+                        <a:rPr lang="en-US" sz="1800" dirty="0">
                           <a:solidFill>
                             <a:srgbClr val="000000"/>
                           </a:solidFill>
@@ -5505,7 +7060,7 @@
                       </a:r>
                     </a:p>
                   </a:txBody>
-                  <a:tcPr>
+                  <a:tcPr marL="91438" marR="91438">
                     <a:solidFill>
                       <a:schemeClr val="bg1"/>
                     </a:solidFill>
@@ -5513,18 +7068,18 @@
                 </a:tc>
                 <a:extLst>
                   <a:ext uri="{0D108BD9-81ED-4DB2-BD59-A6C34878D82A}">
-                    <a16:rowId xmlns:a16="http://schemas.microsoft.com/office/drawing/2014/main" val="10001"/>
+                    <a16:rowId xmlns:a16="http://schemas.microsoft.com/office/drawing/2014/main" xmlns="" val="10001"/>
                   </a:ext>
                 </a:extLst>
               </a:tr>
-              <a:tr h="475717">
+              <a:tr h="475721">
                 <a:tc>
                   <a:txBody>
                     <a:bodyPr/>
                     <a:lstStyle/>
                     <a:p>
                       <a:r>
-                        <a:rPr lang="ru-RU" dirty="0">
+                        <a:rPr lang="ru-RU" sz="1800" dirty="0">
                           <a:solidFill>
                             <a:srgbClr val="000000"/>
                           </a:solidFill>
@@ -5532,21 +7087,21 @@
                         <a:t>Время</a:t>
                       </a:r>
                       <a:r>
-                        <a:rPr lang="ru-RU" baseline="0" dirty="0">
+                        <a:rPr lang="ru-RU" sz="1800" baseline="0" dirty="0">
                           <a:solidFill>
                             <a:srgbClr val="000000"/>
                           </a:solidFill>
                         </a:rPr>
                         <a:t> переходного процесса</a:t>
                       </a:r>
-                      <a:endParaRPr lang="en-US" dirty="0">
+                      <a:endParaRPr lang="en-US" sz="1800" dirty="0">
                         <a:solidFill>
                           <a:srgbClr val="000000"/>
                         </a:solidFill>
                       </a:endParaRPr>
                     </a:p>
                   </a:txBody>
-                  <a:tcPr>
+                  <a:tcPr marL="91438" marR="91438">
                     <a:solidFill>
                       <a:schemeClr val="bg1"/>
                     </a:solidFill>
@@ -5558,21 +7113,21 @@
                     <a:lstStyle/>
                     <a:p>
                       <a:r>
-                        <a:rPr lang="ru-RU" dirty="0">
+                        <a:rPr lang="ru-RU" sz="1800" dirty="0">
                           <a:solidFill>
                             <a:srgbClr val="000000"/>
                           </a:solidFill>
                         </a:rPr>
                         <a:t>0.1 с</a:t>
                       </a:r>
-                      <a:endParaRPr lang="en-US" dirty="0">
+                      <a:endParaRPr lang="en-US" sz="1800" dirty="0">
                         <a:solidFill>
                           <a:srgbClr val="000000"/>
                         </a:solidFill>
                       </a:endParaRPr>
                     </a:p>
                   </a:txBody>
-                  <a:tcPr>
+                  <a:tcPr marL="91438" marR="91438">
                     <a:solidFill>
                       <a:schemeClr val="bg1"/>
                     </a:solidFill>
@@ -5580,32 +7135,32 @@
                 </a:tc>
                 <a:extLst>
                   <a:ext uri="{0D108BD9-81ED-4DB2-BD59-A6C34878D82A}">
-                    <a16:rowId xmlns:a16="http://schemas.microsoft.com/office/drawing/2014/main" val="10002"/>
+                    <a16:rowId xmlns:a16="http://schemas.microsoft.com/office/drawing/2014/main" xmlns="" val="10002"/>
                   </a:ext>
                 </a:extLst>
               </a:tr>
-              <a:tr h="475717">
+              <a:tr h="475721">
                 <a:tc>
                   <a:txBody>
                     <a:bodyPr/>
                     <a:lstStyle/>
                     <a:p>
                       <a:r>
-                        <a:rPr lang="ru-RU" dirty="0">
+                        <a:rPr lang="ru-RU" sz="1800" dirty="0">
                           <a:solidFill>
                             <a:srgbClr val="000000"/>
                           </a:solidFill>
                         </a:rPr>
                         <a:t>Переходный процесс</a:t>
                       </a:r>
-                      <a:endParaRPr lang="en-US" dirty="0">
+                      <a:endParaRPr lang="en-US" sz="1800" dirty="0">
                         <a:solidFill>
                           <a:srgbClr val="000000"/>
                         </a:solidFill>
                       </a:endParaRPr>
                     </a:p>
                   </a:txBody>
-                  <a:tcPr>
+                  <a:tcPr marL="91438" marR="91438">
                     <a:solidFill>
                       <a:schemeClr val="bg1"/>
                     </a:solidFill>
@@ -5617,7 +7172,7 @@
                     <a:lstStyle/>
                     <a:p>
                       <a:r>
-                        <a:rPr lang="ru-RU" dirty="0">
+                        <a:rPr lang="ru-RU" sz="1800" dirty="0">
                           <a:solidFill>
                             <a:srgbClr val="000000"/>
                           </a:solidFill>
@@ -5625,21 +7180,21 @@
                         <a:t>Аппериодический</a:t>
                       </a:r>
                       <a:r>
-                        <a:rPr lang="ru-RU" baseline="0" dirty="0">
+                        <a:rPr lang="ru-RU" sz="1800" baseline="0" dirty="0">
                           <a:solidFill>
                             <a:srgbClr val="000000"/>
                           </a:solidFill>
                         </a:rPr>
                         <a:t> </a:t>
                       </a:r>
-                      <a:endParaRPr lang="en-US" dirty="0">
+                      <a:endParaRPr lang="en-US" sz="1800" dirty="0">
                         <a:solidFill>
                           <a:srgbClr val="000000"/>
                         </a:solidFill>
                       </a:endParaRPr>
                     </a:p>
                   </a:txBody>
-                  <a:tcPr>
+                  <a:tcPr marL="91438" marR="91438">
                     <a:solidFill>
                       <a:schemeClr val="bg1"/>
                     </a:solidFill>
@@ -5647,32 +7202,32 @@
                 </a:tc>
                 <a:extLst>
                   <a:ext uri="{0D108BD9-81ED-4DB2-BD59-A6C34878D82A}">
-                    <a16:rowId xmlns:a16="http://schemas.microsoft.com/office/drawing/2014/main" val="10003"/>
+                    <a16:rowId xmlns:a16="http://schemas.microsoft.com/office/drawing/2014/main" xmlns="" val="10003"/>
                   </a:ext>
                 </a:extLst>
               </a:tr>
-              <a:tr h="475717">
+              <a:tr h="475721">
                 <a:tc>
                   <a:txBody>
                     <a:bodyPr/>
                     <a:lstStyle/>
                     <a:p>
                       <a:r>
-                        <a:rPr lang="ru-RU" dirty="0">
+                        <a:rPr lang="ru-RU" sz="1800" dirty="0">
                           <a:solidFill>
                             <a:srgbClr val="000000"/>
                           </a:solidFill>
                         </a:rPr>
                         <a:t>Погрешность позиционирования</a:t>
                       </a:r>
-                      <a:endParaRPr lang="en-US" dirty="0">
+                      <a:endParaRPr lang="en-US" sz="1800" dirty="0">
                         <a:solidFill>
                           <a:srgbClr val="000000"/>
                         </a:solidFill>
                       </a:endParaRPr>
                     </a:p>
                   </a:txBody>
-                  <a:tcPr>
+                  <a:tcPr marL="91438" marR="91438">
                     <a:solidFill>
                       <a:schemeClr val="bg1"/>
                     </a:solidFill>
@@ -5684,21 +7239,21 @@
                     <a:lstStyle/>
                     <a:p>
                       <a:r>
-                        <a:rPr lang="ru-RU" dirty="0">
+                        <a:rPr lang="ru-RU" sz="1800" dirty="0">
                           <a:solidFill>
                             <a:srgbClr val="000000"/>
                           </a:solidFill>
                         </a:rPr>
                         <a:t>5%</a:t>
                       </a:r>
-                      <a:endParaRPr lang="en-US" dirty="0">
+                      <a:endParaRPr lang="en-US" sz="1800" dirty="0">
                         <a:solidFill>
                           <a:srgbClr val="000000"/>
                         </a:solidFill>
                       </a:endParaRPr>
                     </a:p>
                   </a:txBody>
-                  <a:tcPr>
+                  <a:tcPr marL="91438" marR="91438">
                     <a:solidFill>
                       <a:schemeClr val="bg1"/>
                     </a:solidFill>
@@ -5706,32 +7261,32 @@
                 </a:tc>
                 <a:extLst>
                   <a:ext uri="{0D108BD9-81ED-4DB2-BD59-A6C34878D82A}">
-                    <a16:rowId xmlns:a16="http://schemas.microsoft.com/office/drawing/2014/main" val="10004"/>
+                    <a16:rowId xmlns:a16="http://schemas.microsoft.com/office/drawing/2014/main" xmlns="" val="10004"/>
                   </a:ext>
                 </a:extLst>
               </a:tr>
-              <a:tr h="475717">
+              <a:tr h="475721">
                 <a:tc>
                   <a:txBody>
                     <a:bodyPr/>
                     <a:lstStyle/>
                     <a:p>
                       <a:r>
-                        <a:rPr lang="ru-RU" dirty="0">
+                        <a:rPr lang="ru-RU" sz="1800" dirty="0">
                           <a:solidFill>
                             <a:srgbClr val="000000"/>
                           </a:solidFill>
                         </a:rPr>
                         <a:t>Питание</a:t>
                       </a:r>
-                      <a:endParaRPr lang="en-US" dirty="0">
+                      <a:endParaRPr lang="en-US" sz="1800" dirty="0">
                         <a:solidFill>
                           <a:srgbClr val="000000"/>
                         </a:solidFill>
                       </a:endParaRPr>
                     </a:p>
                   </a:txBody>
-                  <a:tcPr>
+                  <a:tcPr marL="91438" marR="91438">
                     <a:solidFill>
                       <a:schemeClr val="bg1"/>
                     </a:solidFill>
@@ -5743,21 +7298,21 @@
                     <a:lstStyle/>
                     <a:p>
                       <a:r>
-                        <a:rPr lang="ru-RU" dirty="0">
+                        <a:rPr lang="ru-RU" sz="1800" dirty="0">
                           <a:solidFill>
                             <a:srgbClr val="000000"/>
                           </a:solidFill>
                         </a:rPr>
                         <a:t>220 В 50 Гц</a:t>
                       </a:r>
-                      <a:endParaRPr lang="en-US" dirty="0">
+                      <a:endParaRPr lang="en-US" sz="1800" dirty="0">
                         <a:solidFill>
                           <a:srgbClr val="000000"/>
                         </a:solidFill>
                       </a:endParaRPr>
                     </a:p>
                   </a:txBody>
-                  <a:tcPr>
+                  <a:tcPr marL="91438" marR="91438">
                     <a:solidFill>
                       <a:schemeClr val="bg1"/>
                     </a:solidFill>
@@ -5765,7 +7320,7 @@
                 </a:tc>
                 <a:extLst>
                   <a:ext uri="{0D108BD9-81ED-4DB2-BD59-A6C34878D82A}">
-                    <a16:rowId xmlns:a16="http://schemas.microsoft.com/office/drawing/2014/main" val="10005"/>
+                    <a16:rowId xmlns:a16="http://schemas.microsoft.com/office/drawing/2014/main" xmlns="" val="10005"/>
                   </a:ext>
                 </a:extLst>
               </a:tr>
@@ -5773,16 +7328,56 @@
           </a:graphicData>
         </a:graphic>
       </p:graphicFrame>
+      <p:sp>
+        <p:nvSpPr>
+          <p:cNvPr id="5" name="TextBox 4"/>
+          <p:cNvSpPr txBox="1"/>
+          <p:nvPr/>
+        </p:nvSpPr>
+        <p:spPr>
+          <a:xfrm>
+            <a:off x="8329889" y="4668175"/>
+            <a:ext cx="814111" cy="369332"/>
+          </a:xfrm>
+          <a:prstGeom prst="rect">
+            <a:avLst/>
+          </a:prstGeom>
+          <a:noFill/>
+        </p:spPr>
+        <p:txBody>
+          <a:bodyPr wrap="square" rtlCol="0">
+            <a:spAutoFit/>
+          </a:bodyPr>
+          <a:lstStyle/>
+          <a:p>
+            <a:r>
+              <a:rPr lang="en-US" dirty="0" smtClean="0">
+                <a:solidFill>
+                  <a:srgbClr val="000000"/>
+                </a:solidFill>
+              </a:rPr>
+              <a:t>14/15</a:t>
+            </a:r>
+            <a:endParaRPr lang="en-US" dirty="0">
+              <a:solidFill>
+                <a:srgbClr val="000000"/>
+              </a:solidFill>
+            </a:endParaRPr>
+          </a:p>
+        </p:txBody>
+      </p:sp>
     </p:spTree>
-    <p:extLst>
-      <p:ext uri="{BB962C8B-B14F-4D97-AF65-F5344CB8AC3E}">
-        <p14:creationId xmlns:p14="http://schemas.microsoft.com/office/powerpoint/2010/main" val="1165836899"/>
-      </p:ext>
-    </p:extLst>
   </p:cSld>
   <p:clrMapOvr>
     <a:masterClrMapping/>
   </p:clrMapOvr>
+  <p:timing>
+    <p:tnLst>
+      <p:par>
+        <p:cTn id="1" dur="indefinite" restart="never" nodeType="tmRoot"/>
+      </p:par>
+    </p:tnLst>
+  </p:timing>
 </p:sld>
 </file>
 
@@ -5791,10 +7386,8 @@
   <p:cSld>
     <p:bg>
       <p:bgPr>
-        <a:blipFill dpi="0" rotWithShape="1">
-          <a:blip r:embed="rId2">
-            <a:lum/>
-          </a:blip>
+        <a:blipFill dpi="0" rotWithShape="0">
+          <a:blip r:embed="rId2"/>
           <a:srcRect/>
           <a:stretch>
             <a:fillRect/>
@@ -5819,9 +7412,9 @@
       </p:grpSpPr>
       <p:sp>
         <p:nvSpPr>
-          <p:cNvPr id="2" name="Title 1"/>
+          <p:cNvPr id="31746" name="Title 1"/>
           <p:cNvSpPr>
-            <a:spLocks noGrp="1"/>
+            <a:spLocks noGrp="1" noChangeArrowheads="1"/>
           </p:cNvSpPr>
           <p:nvPr>
             <p:ph type="title"/>
@@ -5829,8 +7422,8 @@
         </p:nvSpPr>
         <p:spPr>
           <a:xfrm>
-            <a:off x="457200" y="1700037"/>
-            <a:ext cx="8229600" cy="620483"/>
+            <a:off x="457200" y="1700213"/>
+            <a:ext cx="8229600" cy="620712"/>
           </a:xfrm>
         </p:spPr>
         <p:txBody>
@@ -5838,11 +7431,11 @@
           <a:lstStyle/>
           <a:p>
             <a:r>
-              <a:rPr lang="ru-RU" dirty="0"/>
+              <a:rPr lang="ru-RU" altLang="en-US" smtClean="0"/>
               <a:t>Спасибо за внимание</a:t>
             </a:r>
             <a:r>
-              <a:rPr lang="en-US" dirty="0"/>
+              <a:rPr lang="en-US" altLang="en-US" smtClean="0"/>
               <a:t>!</a:t>
             </a:r>
           </a:p>
@@ -5860,22 +7453,39 @@
         </p:nvSpPr>
         <p:spPr>
           <a:xfrm>
-            <a:off x="457200" y="2490642"/>
-            <a:ext cx="8229600" cy="709757"/>
+            <a:off x="457200" y="2490788"/>
+            <a:ext cx="8229600" cy="709612"/>
           </a:xfrm>
         </p:spPr>
         <p:txBody>
-          <a:bodyPr>
+          <a:bodyPr rtlCol="0">
             <a:normAutofit fontScale="92500" lnSpcReduction="10000"/>
           </a:bodyPr>
           <a:lstStyle/>
           <a:p>
+            <a:pPr fontAlgn="auto">
+              <a:spcAft>
+                <a:spcPts val="0"/>
+              </a:spcAft>
+              <a:defRPr/>
+            </a:pPr>
             <a:r>
               <a:rPr lang="ru-RU" dirty="0"/>
-              <a:t>Автор: Уткин И.И.</a:t>
-            </a:r>
-          </a:p>
-          <a:p>
+              <a:t>Автор: Уткин </a:t>
+            </a:r>
+            <a:r>
+              <a:rPr lang="ru-RU" dirty="0" smtClean="0"/>
+              <a:t>Игорь Игоревич</a:t>
+            </a:r>
+            <a:endParaRPr lang="ru-RU" dirty="0"/>
+          </a:p>
+          <a:p>
+            <a:pPr fontAlgn="auto">
+              <a:spcAft>
+                <a:spcPts val="0"/>
+              </a:spcAft>
+              <a:defRPr/>
+            </a:pPr>
             <a:r>
               <a:rPr lang="ru-RU" dirty="0"/>
               <a:t>Группа Р3440</a:t>
@@ -5885,15 +7495,17 @@
         </p:txBody>
       </p:sp>
     </p:spTree>
-    <p:extLst>
-      <p:ext uri="{BB962C8B-B14F-4D97-AF65-F5344CB8AC3E}">
-        <p14:creationId xmlns:p14="http://schemas.microsoft.com/office/powerpoint/2010/main" val="1864942597"/>
-      </p:ext>
-    </p:extLst>
   </p:cSld>
   <p:clrMapOvr>
     <a:masterClrMapping/>
   </p:clrMapOvr>
+  <p:timing>
+    <p:tnLst>
+      <p:par>
+        <p:cTn id="1" dur="indefinite" restart="never" nodeType="tmRoot"/>
+      </p:par>
+    </p:tnLst>
+  </p:timing>
 </p:sld>
 </file>
 
@@ -5926,16 +7538,22 @@
         </p:nvSpPr>
         <p:spPr>
           <a:xfrm>
-            <a:off x="563880" y="843362"/>
-            <a:ext cx="6698226" cy="902601"/>
+            <a:off x="563563" y="842963"/>
+            <a:ext cx="6699250" cy="903287"/>
           </a:xfrm>
         </p:spPr>
         <p:txBody>
-          <a:bodyPr>
+          <a:bodyPr rtlCol="0">
             <a:noAutofit/>
           </a:bodyPr>
           <a:lstStyle/>
           <a:p>
+            <a:pPr fontAlgn="auto">
+              <a:spcAft>
+                <a:spcPts val="0"/>
+              </a:spcAft>
+              <a:defRPr/>
+            </a:pPr>
             <a:r>
               <a:rPr lang="ru-RU" b="1" dirty="0">
                 <a:solidFill>
@@ -5956,9 +7574,9 @@
       </p:sp>
       <p:sp>
         <p:nvSpPr>
-          <p:cNvPr id="3" name="Text Placeholder 2"/>
+          <p:cNvPr id="18435" name="Text Placeholder 2"/>
           <p:cNvSpPr>
-            <a:spLocks noGrp="1"/>
+            <a:spLocks noGrp="1" noChangeArrowheads="1"/>
           </p:cNvSpPr>
           <p:nvPr>
             <p:ph type="body" sz="quarter" idx="10"/>
@@ -5966,25 +7584,39 @@
         </p:nvSpPr>
         <p:spPr>
           <a:xfrm>
-            <a:off x="563880" y="1940888"/>
-            <a:ext cx="6698226" cy="1168072"/>
+            <a:off x="563563" y="1941513"/>
+            <a:ext cx="6699250" cy="1166812"/>
           </a:xfrm>
         </p:spPr>
         <p:txBody>
-          <a:bodyPr>
-            <a:noAutofit/>
-          </a:bodyPr>
+          <a:bodyPr/>
           <a:lstStyle/>
           <a:p>
             <a:r>
-              <a:rPr lang="ru-RU" sz="2000" dirty="0">
+              <a:rPr lang="ru-RU" altLang="en-US" sz="2000" dirty="0" smtClean="0">
                 <a:solidFill>
                   <a:srgbClr val="000000"/>
                 </a:solidFill>
               </a:rPr>
-              <a:t>Разработка быстродействующей системы управления прецизионным поворотным столом для обработки другоценных материалов  </a:t>
-            </a:r>
-            <a:endParaRPr lang="en-US" sz="2000" dirty="0">
+              <a:t>Разработка быстродействующей системы управления прецизионным поворотным столом для обработки </a:t>
+            </a:r>
+            <a:r>
+              <a:rPr lang="ru-RU" altLang="en-US" sz="2000" dirty="0" smtClean="0">
+                <a:solidFill>
+                  <a:srgbClr val="000000"/>
+                </a:solidFill>
+              </a:rPr>
+              <a:t>драгоценных </a:t>
+            </a:r>
+            <a:r>
+              <a:rPr lang="ru-RU" altLang="en-US" sz="2000" dirty="0" smtClean="0">
+                <a:solidFill>
+                  <a:srgbClr val="000000"/>
+                </a:solidFill>
+              </a:rPr>
+              <a:t>материалов  </a:t>
+            </a:r>
+            <a:endParaRPr lang="en-US" altLang="en-US" sz="2000" dirty="0" smtClean="0">
               <a:solidFill>
                 <a:srgbClr val="000000"/>
               </a:solidFill>
@@ -5992,16 +7624,64 @@
           </a:p>
         </p:txBody>
       </p:sp>
+      <p:sp>
+        <p:nvSpPr>
+          <p:cNvPr id="3" name="TextBox 2"/>
+          <p:cNvSpPr txBox="1"/>
+          <p:nvPr/>
+        </p:nvSpPr>
+        <p:spPr>
+          <a:xfrm>
+            <a:off x="8329889" y="4668175"/>
+            <a:ext cx="814111" cy="369332"/>
+          </a:xfrm>
+          <a:prstGeom prst="rect">
+            <a:avLst/>
+          </a:prstGeom>
+          <a:noFill/>
+        </p:spPr>
+        <p:txBody>
+          <a:bodyPr wrap="square" rtlCol="0">
+            <a:spAutoFit/>
+          </a:bodyPr>
+          <a:lstStyle/>
+          <a:p>
+            <a:r>
+              <a:rPr lang="ru-RU" dirty="0" smtClean="0">
+                <a:solidFill>
+                  <a:srgbClr val="000000"/>
+                </a:solidFill>
+              </a:rPr>
+              <a:t>2</a:t>
+            </a:r>
+            <a:r>
+              <a:rPr lang="en-US" dirty="0" smtClean="0">
+                <a:solidFill>
+                  <a:srgbClr val="000000"/>
+                </a:solidFill>
+              </a:rPr>
+              <a:t>/15</a:t>
+            </a:r>
+            <a:endParaRPr lang="en-US" dirty="0">
+              <a:solidFill>
+                <a:srgbClr val="000000"/>
+              </a:solidFill>
+            </a:endParaRPr>
+          </a:p>
+        </p:txBody>
+      </p:sp>
     </p:spTree>
-    <p:extLst>
-      <p:ext uri="{BB962C8B-B14F-4D97-AF65-F5344CB8AC3E}">
-        <p14:creationId xmlns:p14="http://schemas.microsoft.com/office/powerpoint/2010/main" val="3472064595"/>
-      </p:ext>
-    </p:extLst>
   </p:cSld>
   <p:clrMapOvr>
     <a:masterClrMapping/>
   </p:clrMapOvr>
+  <p:timing>
+    <p:tnLst>
+      <p:par>
+        <p:cTn id="1" dur="indefinite" restart="never" nodeType="tmRoot"/>
+      </p:par>
+    </p:tnLst>
+  </p:timing>
 </p:sld>
 </file>
 
@@ -6034,16 +7714,22 @@
         </p:nvSpPr>
         <p:spPr>
           <a:xfrm>
-            <a:off x="390200" y="799115"/>
-            <a:ext cx="7961320" cy="908501"/>
+            <a:off x="390525" y="798513"/>
+            <a:ext cx="7961313" cy="909637"/>
           </a:xfrm>
         </p:spPr>
         <p:txBody>
-          <a:bodyPr>
+          <a:bodyPr rtlCol="0">
             <a:noAutofit/>
           </a:bodyPr>
           <a:lstStyle/>
           <a:p>
+            <a:pPr fontAlgn="auto">
+              <a:spcAft>
+                <a:spcPts val="0"/>
+              </a:spcAft>
+              <a:defRPr/>
+            </a:pPr>
             <a:r>
               <a:rPr lang="ru-RU" b="1" dirty="0">
                 <a:solidFill>
@@ -6068,17 +7754,11 @@
           <p:cNvGraphicFramePr>
             <a:graphicFrameLocks noGrp="1"/>
           </p:cNvGraphicFramePr>
-          <p:nvPr>
-            <p:extLst>
-              <p:ext uri="{D42A27DB-BD31-4B8C-83A1-F6EECF244321}">
-                <p14:modId xmlns:p14="http://schemas.microsoft.com/office/powerpoint/2010/main" val="212753678"/>
-              </p:ext>
-            </p:extLst>
-          </p:nvPr>
+          <p:nvPr/>
         </p:nvGraphicFramePr>
         <p:xfrm>
-          <a:off x="1139183" y="1707616"/>
-          <a:ext cx="6568440" cy="2678064"/>
+          <a:off x="1139825" y="1708150"/>
+          <a:ext cx="6567488" cy="2678112"/>
         </p:xfrm>
         <a:graphic>
           <a:graphicData uri="http://schemas.openxmlformats.org/drawingml/2006/table">
@@ -6087,43 +7767,43 @@
                 <a:tableStyleId>{D7AC3CCA-C797-4891-BE02-D94E43425B78}</a:tableStyleId>
               </a:tblPr>
               <a:tblGrid>
-                <a:gridCol w="4253589">
+                <a:gridCol w="4252973">
                   <a:extLst>
                     <a:ext uri="{9D8B030D-6E8A-4147-A177-3AD203B41FA5}">
-                      <a16:colId xmlns:a16="http://schemas.microsoft.com/office/drawing/2014/main" val="20000"/>
+                      <a16:colId xmlns:a16="http://schemas.microsoft.com/office/drawing/2014/main" xmlns="" val="20000"/>
                     </a:ext>
                   </a:extLst>
                 </a:gridCol>
-                <a:gridCol w="2314851">
+                <a:gridCol w="2314515">
                   <a:extLst>
                     <a:ext uri="{9D8B030D-6E8A-4147-A177-3AD203B41FA5}">
-                      <a16:colId xmlns:a16="http://schemas.microsoft.com/office/drawing/2014/main" val="20001"/>
+                      <a16:colId xmlns:a16="http://schemas.microsoft.com/office/drawing/2014/main" xmlns="" val="20001"/>
                     </a:ext>
                   </a:extLst>
                 </a:gridCol>
               </a:tblGrid>
-              <a:tr h="446344">
+              <a:tr h="446352">
                 <a:tc>
                   <a:txBody>
                     <a:bodyPr/>
                     <a:lstStyle/>
                     <a:p>
                       <a:r>
-                        <a:rPr lang="ru-RU" b="0" dirty="0">
+                        <a:rPr lang="ru-RU" sz="1800" b="0" dirty="0">
                           <a:solidFill>
                             <a:srgbClr val="000000"/>
                           </a:solidFill>
                         </a:rPr>
                         <a:t>Диапазон угловых перемещений</a:t>
                       </a:r>
-                      <a:endParaRPr lang="en-US" b="0" dirty="0">
+                      <a:endParaRPr lang="en-US" sz="1800" b="0" dirty="0">
                         <a:solidFill>
                           <a:srgbClr val="000000"/>
                         </a:solidFill>
                       </a:endParaRPr>
                     </a:p>
                   </a:txBody>
-                  <a:tcPr>
+                  <a:tcPr marL="91427" marR="91427" marT="45721" marB="45721">
                     <a:solidFill>
                       <a:schemeClr val="bg1"/>
                     </a:solidFill>
@@ -6135,7 +7815,7 @@
                     <a:lstStyle/>
                     <a:p>
                       <a:r>
-                        <a:rPr lang="ru-RU" b="0" dirty="0">
+                        <a:rPr lang="ru-RU" sz="1800" b="0" dirty="0">
                           <a:solidFill>
                             <a:srgbClr val="000000"/>
                           </a:solidFill>
@@ -6143,7 +7823,7 @@
                         <a:t>0</a:t>
                       </a:r>
                       <a:r>
-                        <a:rPr lang="he-IL" b="0" dirty="0">
+                        <a:rPr lang="he-IL" sz="1800" b="0" dirty="0">
                           <a:solidFill>
                             <a:srgbClr val="000000"/>
                           </a:solidFill>
@@ -6151,7 +7831,7 @@
                         <a:t>֯</a:t>
                       </a:r>
                       <a:r>
-                        <a:rPr lang="en-US" b="0" dirty="0">
+                        <a:rPr lang="en-US" sz="1800" b="0" dirty="0">
                           <a:solidFill>
                             <a:srgbClr val="000000"/>
                           </a:solidFill>
@@ -6159,7 +7839,7 @@
                         <a:t> </a:t>
                       </a:r>
                       <a:r>
-                        <a:rPr lang="ru-RU" b="0" dirty="0">
+                        <a:rPr lang="ru-RU" sz="1800" b="0" dirty="0">
                           <a:solidFill>
                             <a:srgbClr val="000000"/>
                           </a:solidFill>
@@ -6167,7 +7847,7 @@
                         <a:t>-</a:t>
                       </a:r>
                       <a:r>
-                        <a:rPr lang="en-US" b="0" dirty="0">
+                        <a:rPr lang="en-US" sz="1800" b="0" dirty="0">
                           <a:solidFill>
                             <a:srgbClr val="000000"/>
                           </a:solidFill>
@@ -6175,7 +7855,7 @@
                         <a:t> </a:t>
                       </a:r>
                       <a:r>
-                        <a:rPr lang="ru-RU" b="0" dirty="0">
+                        <a:rPr lang="ru-RU" sz="1800" b="0" dirty="0">
                           <a:solidFill>
                             <a:srgbClr val="000000"/>
                           </a:solidFill>
@@ -6183,21 +7863,21 @@
                         <a:t>180</a:t>
                       </a:r>
                       <a:r>
-                        <a:rPr lang="he-IL" b="0" dirty="0">
+                        <a:rPr lang="he-IL" sz="1800" b="0" dirty="0">
                           <a:solidFill>
                             <a:srgbClr val="000000"/>
                           </a:solidFill>
                         </a:rPr>
                         <a:t>֯</a:t>
                       </a:r>
-                      <a:endParaRPr lang="en-US" b="0" dirty="0">
+                      <a:endParaRPr lang="en-US" sz="1800" b="0" dirty="0">
                         <a:solidFill>
                           <a:srgbClr val="000000"/>
                         </a:solidFill>
                       </a:endParaRPr>
                     </a:p>
                   </a:txBody>
-                  <a:tcPr>
+                  <a:tcPr marL="91427" marR="91427" marT="45721" marB="45721">
                     <a:solidFill>
                       <a:schemeClr val="bg1"/>
                     </a:solidFill>
@@ -6205,32 +7885,32 @@
                 </a:tc>
                 <a:extLst>
                   <a:ext uri="{0D108BD9-81ED-4DB2-BD59-A6C34878D82A}">
-                    <a16:rowId xmlns:a16="http://schemas.microsoft.com/office/drawing/2014/main" val="10000"/>
+                    <a16:rowId xmlns:a16="http://schemas.microsoft.com/office/drawing/2014/main" xmlns="" val="10000"/>
                   </a:ext>
                 </a:extLst>
               </a:tr>
-              <a:tr h="446344">
+              <a:tr h="446352">
                 <a:tc>
                   <a:txBody>
                     <a:bodyPr/>
                     <a:lstStyle/>
                     <a:p>
                       <a:r>
-                        <a:rPr lang="ru-RU" dirty="0">
+                        <a:rPr lang="ru-RU" sz="1800" dirty="0">
                           <a:solidFill>
                             <a:srgbClr val="000000"/>
                           </a:solidFill>
                         </a:rPr>
                         <a:t>Шаг угловых перемещений</a:t>
                       </a:r>
-                      <a:endParaRPr lang="en-US" dirty="0">
+                      <a:endParaRPr lang="en-US" sz="1800" dirty="0">
                         <a:solidFill>
                           <a:srgbClr val="000000"/>
                         </a:solidFill>
                       </a:endParaRPr>
                     </a:p>
                   </a:txBody>
-                  <a:tcPr>
+                  <a:tcPr marL="91427" marR="91427" marT="45721" marB="45721">
                     <a:solidFill>
                       <a:schemeClr val="bg1"/>
                     </a:solidFill>
@@ -6242,7 +7922,7 @@
                     <a:lstStyle/>
                     <a:p>
                       <a:r>
-                        <a:rPr lang="ru-RU" dirty="0">
+                        <a:rPr lang="ru-RU" sz="1800" dirty="0">
                           <a:solidFill>
                             <a:srgbClr val="000000"/>
                           </a:solidFill>
@@ -6250,7 +7930,7 @@
                         <a:t>2</a:t>
                       </a:r>
                       <a:r>
-                        <a:rPr lang="en-US" dirty="0">
+                        <a:rPr lang="en-US" sz="1800" dirty="0">
                           <a:solidFill>
                             <a:srgbClr val="000000"/>
                           </a:solidFill>
@@ -6259,7 +7939,7 @@
                       </a:r>
                     </a:p>
                   </a:txBody>
-                  <a:tcPr>
+                  <a:tcPr marL="91427" marR="91427" marT="45721" marB="45721">
                     <a:solidFill>
                       <a:schemeClr val="bg1"/>
                     </a:solidFill>
@@ -6267,18 +7947,18 @@
                 </a:tc>
                 <a:extLst>
                   <a:ext uri="{0D108BD9-81ED-4DB2-BD59-A6C34878D82A}">
-                    <a16:rowId xmlns:a16="http://schemas.microsoft.com/office/drawing/2014/main" val="10001"/>
+                    <a16:rowId xmlns:a16="http://schemas.microsoft.com/office/drawing/2014/main" xmlns="" val="10001"/>
                   </a:ext>
                 </a:extLst>
               </a:tr>
-              <a:tr h="446344">
+              <a:tr h="446352">
                 <a:tc>
                   <a:txBody>
                     <a:bodyPr/>
                     <a:lstStyle/>
                     <a:p>
                       <a:r>
-                        <a:rPr lang="ru-RU" dirty="0">
+                        <a:rPr lang="ru-RU" sz="1800" dirty="0">
                           <a:solidFill>
                             <a:srgbClr val="000000"/>
                           </a:solidFill>
@@ -6286,21 +7966,21 @@
                         <a:t>Время</a:t>
                       </a:r>
                       <a:r>
-                        <a:rPr lang="ru-RU" baseline="0" dirty="0">
+                        <a:rPr lang="ru-RU" sz="1800" baseline="0" dirty="0">
                           <a:solidFill>
                             <a:srgbClr val="000000"/>
                           </a:solidFill>
                         </a:rPr>
                         <a:t> переходного процесса</a:t>
                       </a:r>
-                      <a:endParaRPr lang="en-US" dirty="0">
+                      <a:endParaRPr lang="en-US" sz="1800" dirty="0">
                         <a:solidFill>
                           <a:srgbClr val="000000"/>
                         </a:solidFill>
                       </a:endParaRPr>
                     </a:p>
                   </a:txBody>
-                  <a:tcPr>
+                  <a:tcPr marL="91427" marR="91427" marT="45721" marB="45721">
                     <a:solidFill>
                       <a:schemeClr val="bg1"/>
                     </a:solidFill>
@@ -6312,21 +7992,21 @@
                     <a:lstStyle/>
                     <a:p>
                       <a:r>
-                        <a:rPr lang="ru-RU" dirty="0">
+                        <a:rPr lang="ru-RU" sz="1800" dirty="0">
                           <a:solidFill>
                             <a:srgbClr val="000000"/>
                           </a:solidFill>
                         </a:rPr>
                         <a:t>0.1 с</a:t>
                       </a:r>
-                      <a:endParaRPr lang="en-US" dirty="0">
+                      <a:endParaRPr lang="en-US" sz="1800" dirty="0">
                         <a:solidFill>
                           <a:srgbClr val="000000"/>
                         </a:solidFill>
                       </a:endParaRPr>
                     </a:p>
                   </a:txBody>
-                  <a:tcPr>
+                  <a:tcPr marL="91427" marR="91427" marT="45721" marB="45721">
                     <a:solidFill>
                       <a:schemeClr val="bg1"/>
                     </a:solidFill>
@@ -6334,32 +8014,32 @@
                 </a:tc>
                 <a:extLst>
                   <a:ext uri="{0D108BD9-81ED-4DB2-BD59-A6C34878D82A}">
-                    <a16:rowId xmlns:a16="http://schemas.microsoft.com/office/drawing/2014/main" val="10002"/>
+                    <a16:rowId xmlns:a16="http://schemas.microsoft.com/office/drawing/2014/main" xmlns="" val="10002"/>
                   </a:ext>
                 </a:extLst>
               </a:tr>
-              <a:tr h="446344">
+              <a:tr h="446352">
                 <a:tc>
                   <a:txBody>
                     <a:bodyPr/>
                     <a:lstStyle/>
                     <a:p>
                       <a:r>
-                        <a:rPr lang="ru-RU" dirty="0">
+                        <a:rPr lang="ru-RU" sz="1800" dirty="0">
                           <a:solidFill>
                             <a:srgbClr val="000000"/>
                           </a:solidFill>
                         </a:rPr>
                         <a:t>Переходный процесс</a:t>
                       </a:r>
-                      <a:endParaRPr lang="en-US" dirty="0">
+                      <a:endParaRPr lang="en-US" sz="1800" dirty="0">
                         <a:solidFill>
                           <a:srgbClr val="000000"/>
                         </a:solidFill>
                       </a:endParaRPr>
                     </a:p>
                   </a:txBody>
-                  <a:tcPr>
+                  <a:tcPr marL="91427" marR="91427" marT="45721" marB="45721">
                     <a:solidFill>
                       <a:schemeClr val="bg1"/>
                     </a:solidFill>
@@ -6371,7 +8051,7 @@
                     <a:lstStyle/>
                     <a:p>
                       <a:r>
-                        <a:rPr lang="ru-RU" dirty="0">
+                        <a:rPr lang="ru-RU" sz="1800" dirty="0">
                           <a:solidFill>
                             <a:srgbClr val="000000"/>
                           </a:solidFill>
@@ -6379,21 +8059,21 @@
                         <a:t>Аппериодический</a:t>
                       </a:r>
                       <a:r>
-                        <a:rPr lang="ru-RU" baseline="0" dirty="0">
+                        <a:rPr lang="ru-RU" sz="1800" baseline="0" dirty="0">
                           <a:solidFill>
                             <a:srgbClr val="000000"/>
                           </a:solidFill>
                         </a:rPr>
                         <a:t> </a:t>
                       </a:r>
-                      <a:endParaRPr lang="en-US" dirty="0">
+                      <a:endParaRPr lang="en-US" sz="1800" dirty="0">
                         <a:solidFill>
                           <a:srgbClr val="000000"/>
                         </a:solidFill>
                       </a:endParaRPr>
                     </a:p>
                   </a:txBody>
-                  <a:tcPr>
+                  <a:tcPr marL="91427" marR="91427" marT="45721" marB="45721">
                     <a:solidFill>
                       <a:schemeClr val="bg1"/>
                     </a:solidFill>
@@ -6401,32 +8081,32 @@
                 </a:tc>
                 <a:extLst>
                   <a:ext uri="{0D108BD9-81ED-4DB2-BD59-A6C34878D82A}">
-                    <a16:rowId xmlns:a16="http://schemas.microsoft.com/office/drawing/2014/main" val="10003"/>
+                    <a16:rowId xmlns:a16="http://schemas.microsoft.com/office/drawing/2014/main" xmlns="" val="10003"/>
                   </a:ext>
                 </a:extLst>
               </a:tr>
-              <a:tr h="446344">
+              <a:tr h="446352">
                 <a:tc>
                   <a:txBody>
                     <a:bodyPr/>
                     <a:lstStyle/>
                     <a:p>
                       <a:r>
-                        <a:rPr lang="ru-RU" dirty="0">
+                        <a:rPr lang="ru-RU" sz="1800" dirty="0">
                           <a:solidFill>
                             <a:srgbClr val="000000"/>
                           </a:solidFill>
                         </a:rPr>
                         <a:t>Погрешность позиционирования</a:t>
                       </a:r>
-                      <a:endParaRPr lang="en-US" dirty="0">
+                      <a:endParaRPr lang="en-US" sz="1800" dirty="0">
                         <a:solidFill>
                           <a:srgbClr val="000000"/>
                         </a:solidFill>
                       </a:endParaRPr>
                     </a:p>
                   </a:txBody>
-                  <a:tcPr>
+                  <a:tcPr marL="91427" marR="91427" marT="45721" marB="45721">
                     <a:solidFill>
                       <a:schemeClr val="bg1"/>
                     </a:solidFill>
@@ -6438,21 +8118,21 @@
                     <a:lstStyle/>
                     <a:p>
                       <a:r>
-                        <a:rPr lang="ru-RU" dirty="0">
+                        <a:rPr lang="ru-RU" sz="1800" dirty="0">
                           <a:solidFill>
                             <a:srgbClr val="000000"/>
                           </a:solidFill>
                         </a:rPr>
                         <a:t>5%</a:t>
                       </a:r>
-                      <a:endParaRPr lang="en-US" dirty="0">
+                      <a:endParaRPr lang="en-US" sz="1800" dirty="0">
                         <a:solidFill>
                           <a:srgbClr val="000000"/>
                         </a:solidFill>
                       </a:endParaRPr>
                     </a:p>
                   </a:txBody>
-                  <a:tcPr>
+                  <a:tcPr marL="91427" marR="91427" marT="45721" marB="45721">
                     <a:solidFill>
                       <a:schemeClr val="bg1"/>
                     </a:solidFill>
@@ -6460,32 +8140,32 @@
                 </a:tc>
                 <a:extLst>
                   <a:ext uri="{0D108BD9-81ED-4DB2-BD59-A6C34878D82A}">
-                    <a16:rowId xmlns:a16="http://schemas.microsoft.com/office/drawing/2014/main" val="10004"/>
+                    <a16:rowId xmlns:a16="http://schemas.microsoft.com/office/drawing/2014/main" xmlns="" val="10004"/>
                   </a:ext>
                 </a:extLst>
               </a:tr>
-              <a:tr h="446344">
+              <a:tr h="446352">
                 <a:tc>
                   <a:txBody>
                     <a:bodyPr/>
                     <a:lstStyle/>
                     <a:p>
                       <a:r>
-                        <a:rPr lang="ru-RU" dirty="0">
+                        <a:rPr lang="ru-RU" sz="1800" dirty="0">
                           <a:solidFill>
                             <a:srgbClr val="000000"/>
                           </a:solidFill>
                         </a:rPr>
                         <a:t>Питание</a:t>
                       </a:r>
-                      <a:endParaRPr lang="en-US" dirty="0">
+                      <a:endParaRPr lang="en-US" sz="1800" dirty="0">
                         <a:solidFill>
                           <a:srgbClr val="000000"/>
                         </a:solidFill>
                       </a:endParaRPr>
                     </a:p>
                   </a:txBody>
-                  <a:tcPr>
+                  <a:tcPr marL="91427" marR="91427" marT="45721" marB="45721">
                     <a:solidFill>
                       <a:schemeClr val="bg1"/>
                     </a:solidFill>
@@ -6497,21 +8177,21 @@
                     <a:lstStyle/>
                     <a:p>
                       <a:r>
-                        <a:rPr lang="ru-RU" dirty="0">
+                        <a:rPr lang="ru-RU" sz="1800" dirty="0">
                           <a:solidFill>
                             <a:srgbClr val="000000"/>
                           </a:solidFill>
                         </a:rPr>
                         <a:t>220 В 50 Гц</a:t>
                       </a:r>
-                      <a:endParaRPr lang="en-US" dirty="0">
+                      <a:endParaRPr lang="en-US" sz="1800" dirty="0">
                         <a:solidFill>
                           <a:srgbClr val="000000"/>
                         </a:solidFill>
                       </a:endParaRPr>
                     </a:p>
                   </a:txBody>
-                  <a:tcPr>
+                  <a:tcPr marL="91427" marR="91427" marT="45721" marB="45721">
                     <a:solidFill>
                       <a:schemeClr val="bg1"/>
                     </a:solidFill>
@@ -6519,7 +8199,7 @@
                 </a:tc>
                 <a:extLst>
                   <a:ext uri="{0D108BD9-81ED-4DB2-BD59-A6C34878D82A}">
-                    <a16:rowId xmlns:a16="http://schemas.microsoft.com/office/drawing/2014/main" val="10005"/>
+                    <a16:rowId xmlns:a16="http://schemas.microsoft.com/office/drawing/2014/main" xmlns="" val="10005"/>
                   </a:ext>
                 </a:extLst>
               </a:tr>
@@ -6527,16 +8207,64 @@
           </a:graphicData>
         </a:graphic>
       </p:graphicFrame>
+      <p:sp>
+        <p:nvSpPr>
+          <p:cNvPr id="5" name="TextBox 4"/>
+          <p:cNvSpPr txBox="1"/>
+          <p:nvPr/>
+        </p:nvSpPr>
+        <p:spPr>
+          <a:xfrm>
+            <a:off x="8329889" y="4668175"/>
+            <a:ext cx="814111" cy="369332"/>
+          </a:xfrm>
+          <a:prstGeom prst="rect">
+            <a:avLst/>
+          </a:prstGeom>
+          <a:noFill/>
+        </p:spPr>
+        <p:txBody>
+          <a:bodyPr wrap="square" rtlCol="0">
+            <a:spAutoFit/>
+          </a:bodyPr>
+          <a:lstStyle/>
+          <a:p>
+            <a:r>
+              <a:rPr lang="en-US" dirty="0">
+                <a:solidFill>
+                  <a:srgbClr val="000000"/>
+                </a:solidFill>
+              </a:rPr>
+              <a:t>3</a:t>
+            </a:r>
+            <a:r>
+              <a:rPr lang="en-US" dirty="0" smtClean="0">
+                <a:solidFill>
+                  <a:srgbClr val="000000"/>
+                </a:solidFill>
+              </a:rPr>
+              <a:t>/15</a:t>
+            </a:r>
+            <a:endParaRPr lang="en-US" dirty="0">
+              <a:solidFill>
+                <a:srgbClr val="000000"/>
+              </a:solidFill>
+            </a:endParaRPr>
+          </a:p>
+        </p:txBody>
+      </p:sp>
     </p:spTree>
-    <p:extLst>
-      <p:ext uri="{BB962C8B-B14F-4D97-AF65-F5344CB8AC3E}">
-        <p14:creationId xmlns:p14="http://schemas.microsoft.com/office/powerpoint/2010/main" val="568361222"/>
-      </p:ext>
-    </p:extLst>
   </p:cSld>
   <p:clrMapOvr>
     <a:masterClrMapping/>
   </p:clrMapOvr>
+  <p:timing>
+    <p:tnLst>
+      <p:par>
+        <p:cTn id="1" dur="indefinite" restart="never" nodeType="tmRoot"/>
+      </p:par>
+    </p:tnLst>
+  </p:timing>
 </p:sld>
 </file>
 
@@ -6559,9 +8287,9 @@
       </p:grpSpPr>
       <p:sp>
         <p:nvSpPr>
-          <p:cNvPr id="2" name="Title 1"/>
+          <p:cNvPr id="20482" name="Title 1"/>
           <p:cNvSpPr>
-            <a:spLocks noGrp="1"/>
+            <a:spLocks noGrp="1" noChangeArrowheads="1"/>
           </p:cNvSpPr>
           <p:nvPr>
             <p:ph type="title"/>
@@ -6569,8 +8297,8 @@
         </p:nvSpPr>
         <p:spPr>
           <a:xfrm>
-            <a:off x="449580" y="806554"/>
-            <a:ext cx="7947660" cy="620483"/>
+            <a:off x="449263" y="806450"/>
+            <a:ext cx="7948612" cy="620713"/>
           </a:xfrm>
         </p:spPr>
         <p:txBody>
@@ -6578,16 +8306,16 @@
           <a:lstStyle/>
           <a:p>
             <a:r>
-              <a:rPr lang="ru-RU" dirty="0"/>
+              <a:rPr lang="ru-RU" altLang="en-US" smtClean="0"/>
               <a:t>Функциональная схема системы</a:t>
             </a:r>
-            <a:endParaRPr lang="en-US" dirty="0"/>
+            <a:endParaRPr lang="en-US" altLang="en-US" smtClean="0"/>
           </a:p>
         </p:txBody>
       </p:sp>
       <p:pic>
         <p:nvPicPr>
-          <p:cNvPr id="5" name="Picture 4"/>
+          <p:cNvPr id="2" name="Picture 1"/>
           <p:cNvPicPr>
             <a:picLocks noChangeAspect="1"/>
           </p:cNvPicPr>
@@ -6607,24 +8335,72 @@
         </p:blipFill>
         <p:spPr>
           <a:xfrm>
-            <a:off x="1486852" y="1617537"/>
-            <a:ext cx="6276975" cy="2838450"/>
+            <a:off x="1327919" y="1584256"/>
+            <a:ext cx="6191300" cy="2799708"/>
           </a:xfrm>
           <a:prstGeom prst="rect">
             <a:avLst/>
           </a:prstGeom>
         </p:spPr>
       </p:pic>
+      <p:sp>
+        <p:nvSpPr>
+          <p:cNvPr id="5" name="TextBox 4"/>
+          <p:cNvSpPr txBox="1"/>
+          <p:nvPr/>
+        </p:nvSpPr>
+        <p:spPr>
+          <a:xfrm>
+            <a:off x="8329889" y="4668175"/>
+            <a:ext cx="814111" cy="369332"/>
+          </a:xfrm>
+          <a:prstGeom prst="rect">
+            <a:avLst/>
+          </a:prstGeom>
+          <a:noFill/>
+        </p:spPr>
+        <p:txBody>
+          <a:bodyPr wrap="square" rtlCol="0">
+            <a:spAutoFit/>
+          </a:bodyPr>
+          <a:lstStyle/>
+          <a:p>
+            <a:r>
+              <a:rPr lang="en-US" dirty="0">
+                <a:solidFill>
+                  <a:srgbClr val="000000"/>
+                </a:solidFill>
+              </a:rPr>
+              <a:t>4</a:t>
+            </a:r>
+            <a:r>
+              <a:rPr lang="en-US" dirty="0" smtClean="0">
+                <a:solidFill>
+                  <a:srgbClr val="000000"/>
+                </a:solidFill>
+              </a:rPr>
+              <a:t>/15</a:t>
+            </a:r>
+            <a:endParaRPr lang="en-US" dirty="0">
+              <a:solidFill>
+                <a:srgbClr val="000000"/>
+              </a:solidFill>
+            </a:endParaRPr>
+          </a:p>
+        </p:txBody>
+      </p:sp>
     </p:spTree>
-    <p:extLst>
-      <p:ext uri="{BB962C8B-B14F-4D97-AF65-F5344CB8AC3E}">
-        <p14:creationId xmlns:p14="http://schemas.microsoft.com/office/powerpoint/2010/main" val="1803256121"/>
-      </p:ext>
-    </p:extLst>
   </p:cSld>
   <p:clrMapOvr>
     <a:masterClrMapping/>
   </p:clrMapOvr>
+  <p:timing>
+    <p:tnLst>
+      <p:par>
+        <p:cTn id="1" dur="indefinite" restart="never" nodeType="tmRoot"/>
+      </p:par>
+    </p:tnLst>
+  </p:timing>
 </p:sld>
 </file>
 
@@ -6657,16 +8433,22 @@
         </p:nvSpPr>
         <p:spPr>
           <a:xfrm>
-            <a:off x="534980" y="822960"/>
-            <a:ext cx="7317423" cy="533400"/>
+            <a:off x="534988" y="822325"/>
+            <a:ext cx="7316787" cy="533400"/>
           </a:xfrm>
         </p:spPr>
         <p:txBody>
-          <a:bodyPr>
+          <a:bodyPr rtlCol="0">
             <a:noAutofit/>
           </a:bodyPr>
           <a:lstStyle/>
           <a:p>
+            <a:pPr fontAlgn="auto">
+              <a:spcAft>
+                <a:spcPts val="0"/>
+              </a:spcAft>
+              <a:defRPr/>
+            </a:pPr>
             <a:r>
               <a:rPr lang="ru-RU" b="1" dirty="0">
                 <a:solidFill>
@@ -6703,14 +8485,14 @@
           <p:nvPr>
             <p:extLst>
               <p:ext uri="{D42A27DB-BD31-4B8C-83A1-F6EECF244321}">
-                <p14:modId xmlns:p14="http://schemas.microsoft.com/office/powerpoint/2010/main" val="1170049128"/>
+                <p14:modId xmlns:p14="http://schemas.microsoft.com/office/powerpoint/2010/main" val="4138903679"/>
               </p:ext>
             </p:extLst>
           </p:nvPr>
         </p:nvGraphicFramePr>
         <p:xfrm>
-          <a:off x="764690" y="1367176"/>
-          <a:ext cx="7548729" cy="2854302"/>
+          <a:off x="765175" y="1366838"/>
+          <a:ext cx="7548563" cy="2854326"/>
         </p:xfrm>
         <a:graphic>
           <a:graphicData uri="http://schemas.openxmlformats.org/drawingml/2006/table">
@@ -6719,29 +8501,29 @@
                 <a:tableStyleId>{D7AC3CCA-C797-4891-BE02-D94E43425B78}</a:tableStyleId>
               </a:tblPr>
               <a:tblGrid>
-                <a:gridCol w="4888405">
+                <a:gridCol w="4888298">
                   <a:extLst>
                     <a:ext uri="{9D8B030D-6E8A-4147-A177-3AD203B41FA5}">
-                      <a16:colId xmlns:a16="http://schemas.microsoft.com/office/drawing/2014/main" val="20000"/>
+                      <a16:colId xmlns:a16="http://schemas.microsoft.com/office/drawing/2014/main" xmlns="" val="20000"/>
                     </a:ext>
                   </a:extLst>
                 </a:gridCol>
-                <a:gridCol w="2660324">
+                <a:gridCol w="2660265">
                   <a:extLst>
                     <a:ext uri="{9D8B030D-6E8A-4147-A177-3AD203B41FA5}">
-                      <a16:colId xmlns:a16="http://schemas.microsoft.com/office/drawing/2014/main" val="20001"/>
+                      <a16:colId xmlns:a16="http://schemas.microsoft.com/office/drawing/2014/main" xmlns="" val="20001"/>
                     </a:ext>
                   </a:extLst>
                 </a:gridCol>
               </a:tblGrid>
-              <a:tr h="475717">
+              <a:tr h="475721">
                 <a:tc>
                   <a:txBody>
                     <a:bodyPr/>
                     <a:lstStyle/>
                     <a:p>
                       <a:r>
-                        <a:rPr lang="ru-RU" dirty="0">
+                        <a:rPr lang="ru-RU" sz="1800" dirty="0">
                           <a:solidFill>
                             <a:sysClr val="windowText" lastClr="000000"/>
                           </a:solidFill>
@@ -6750,7 +8532,7 @@
                       </a:r>
                     </a:p>
                   </a:txBody>
-                  <a:tcPr>
+                  <a:tcPr marL="91438" marR="91438">
                     <a:solidFill>
                       <a:schemeClr val="bg1"/>
                     </a:solidFill>
@@ -6762,7 +8544,7 @@
                     <a:lstStyle/>
                     <a:p>
                       <a:r>
-                        <a:rPr lang="en-US" dirty="0">
+                        <a:rPr lang="en-US" sz="1800" dirty="0">
                           <a:solidFill>
                             <a:sysClr val="windowText" lastClr="000000"/>
                           </a:solidFill>
@@ -6770,7 +8552,7 @@
                         <a:t>RSPA</a:t>
                       </a:r>
                       <a:r>
-                        <a:rPr lang="ru-RU">
+                        <a:rPr lang="ru-RU" sz="1800" dirty="0">
                           <a:solidFill>
                             <a:sysClr val="windowText" lastClr="000000"/>
                           </a:solidFill>
@@ -6778,21 +8560,21 @@
                         <a:t>3</a:t>
                       </a:r>
                       <a:r>
-                        <a:rPr lang="en-US">
+                        <a:rPr lang="en-US" sz="1800" dirty="0">
                           <a:solidFill>
                             <a:sysClr val="windowText" lastClr="000000"/>
                           </a:solidFill>
                         </a:rPr>
                         <a:t>0XS</a:t>
                       </a:r>
-                      <a:endParaRPr lang="ru-RU" dirty="0">
+                      <a:endParaRPr lang="ru-RU" sz="1800" dirty="0">
                         <a:solidFill>
                           <a:sysClr val="windowText" lastClr="000000"/>
                         </a:solidFill>
                       </a:endParaRPr>
                     </a:p>
                   </a:txBody>
-                  <a:tcPr>
+                  <a:tcPr marL="91438" marR="91438">
                     <a:solidFill>
                       <a:schemeClr val="bg1"/>
                     </a:solidFill>
@@ -6800,18 +8582,18 @@
                 </a:tc>
                 <a:extLst>
                   <a:ext uri="{0D108BD9-81ED-4DB2-BD59-A6C34878D82A}">
-                    <a16:rowId xmlns:a16="http://schemas.microsoft.com/office/drawing/2014/main" val="10000"/>
+                    <a16:rowId xmlns:a16="http://schemas.microsoft.com/office/drawing/2014/main" xmlns="" val="10000"/>
                   </a:ext>
                 </a:extLst>
               </a:tr>
-              <a:tr h="475717">
+              <a:tr h="475721">
                 <a:tc>
                   <a:txBody>
                     <a:bodyPr/>
                     <a:lstStyle/>
                     <a:p>
                       <a:r>
-                        <a:rPr lang="ru-RU" dirty="0">
+                        <a:rPr lang="ru-RU" sz="1800" dirty="0">
                           <a:solidFill>
                             <a:sysClr val="windowText" lastClr="000000"/>
                           </a:solidFill>
@@ -6820,7 +8602,7 @@
                       </a:r>
                     </a:p>
                   </a:txBody>
-                  <a:tcPr>
+                  <a:tcPr marL="91438" marR="91438">
                     <a:solidFill>
                       <a:schemeClr val="bg1"/>
                     </a:solidFill>
@@ -6832,7 +8614,7 @@
                     <a:lstStyle/>
                     <a:p>
                       <a:r>
-                        <a:rPr lang="en-US" dirty="0">
+                        <a:rPr lang="en-US" sz="1800" dirty="0">
                           <a:solidFill>
                             <a:sysClr val="windowText" lastClr="000000"/>
                           </a:solidFill>
@@ -6840,7 +8622,7 @@
                         <a:t>&gt;</a:t>
                       </a:r>
                       <a:r>
-                        <a:rPr lang="ru-RU" dirty="0">
+                        <a:rPr lang="ru-RU" sz="1800" dirty="0">
                           <a:solidFill>
                             <a:sysClr val="windowText" lastClr="000000"/>
                           </a:solidFill>
@@ -6848,7 +8630,7 @@
                         <a:t> </a:t>
                       </a:r>
                       <a:r>
-                        <a:rPr lang="en-US" dirty="0">
+                        <a:rPr lang="en-US" sz="1800" dirty="0">
                           <a:solidFill>
                             <a:sysClr val="windowText" lastClr="000000"/>
                           </a:solidFill>
@@ -6856,21 +8638,21 @@
                         <a:t>2</a:t>
                       </a:r>
                       <a:r>
-                        <a:rPr lang="el-GR" dirty="0">
+                        <a:rPr lang="el-GR" sz="1800" dirty="0">
                           <a:solidFill>
                             <a:sysClr val="windowText" lastClr="000000"/>
                           </a:solidFill>
                         </a:rPr>
                         <a:t>π</a:t>
                       </a:r>
-                      <a:endParaRPr lang="ru-RU" dirty="0">
+                      <a:endParaRPr lang="ru-RU" sz="1800" dirty="0">
                         <a:solidFill>
                           <a:sysClr val="windowText" lastClr="000000"/>
                         </a:solidFill>
                       </a:endParaRPr>
                     </a:p>
                   </a:txBody>
-                  <a:tcPr>
+                  <a:tcPr marL="91438" marR="91438">
                     <a:solidFill>
                       <a:schemeClr val="bg1"/>
                     </a:solidFill>
@@ -6878,18 +8660,18 @@
                 </a:tc>
                 <a:extLst>
                   <a:ext uri="{0D108BD9-81ED-4DB2-BD59-A6C34878D82A}">
-                    <a16:rowId xmlns:a16="http://schemas.microsoft.com/office/drawing/2014/main" val="10001"/>
+                    <a16:rowId xmlns:a16="http://schemas.microsoft.com/office/drawing/2014/main" xmlns="" val="10001"/>
                   </a:ext>
                 </a:extLst>
               </a:tr>
-              <a:tr h="475717">
+              <a:tr h="475721">
                 <a:tc>
                   <a:txBody>
                     <a:bodyPr/>
                     <a:lstStyle/>
                     <a:p>
                       <a:r>
-                        <a:rPr lang="ru-RU" dirty="0">
+                        <a:rPr lang="ru-RU" sz="1800" dirty="0">
                           <a:solidFill>
                             <a:sysClr val="windowText" lastClr="000000"/>
                           </a:solidFill>
@@ -6898,7 +8680,7 @@
                       </a:r>
                     </a:p>
                   </a:txBody>
-                  <a:tcPr>
+                  <a:tcPr marL="91438" marR="91438">
                     <a:solidFill>
                       <a:schemeClr val="bg1"/>
                     </a:solidFill>
@@ -6910,7 +8692,7 @@
                     <a:lstStyle/>
                     <a:p>
                       <a:r>
-                        <a:rPr lang="ru-RU" dirty="0">
+                        <a:rPr lang="ru-RU" sz="1800" dirty="0">
                           <a:solidFill>
                             <a:sysClr val="windowText" lastClr="000000"/>
                           </a:solidFill>
@@ -6919,7 +8701,7 @@
                       </a:r>
                     </a:p>
                   </a:txBody>
-                  <a:tcPr>
+                  <a:tcPr marL="91438" marR="91438">
                     <a:solidFill>
                       <a:schemeClr val="bg1"/>
                     </a:solidFill>
@@ -6927,18 +8709,18 @@
                 </a:tc>
                 <a:extLst>
                   <a:ext uri="{0D108BD9-81ED-4DB2-BD59-A6C34878D82A}">
-                    <a16:rowId xmlns:a16="http://schemas.microsoft.com/office/drawing/2014/main" val="10002"/>
+                    <a16:rowId xmlns:a16="http://schemas.microsoft.com/office/drawing/2014/main" xmlns="" val="10002"/>
                   </a:ext>
                 </a:extLst>
               </a:tr>
-              <a:tr h="475717">
+              <a:tr h="475721">
                 <a:tc>
                   <a:txBody>
                     <a:bodyPr/>
                     <a:lstStyle/>
                     <a:p>
                       <a:r>
-                        <a:rPr lang="ru-RU" dirty="0">
+                        <a:rPr lang="ru-RU" sz="1800" dirty="0">
                           <a:solidFill>
                             <a:sysClr val="windowText" lastClr="000000"/>
                           </a:solidFill>
@@ -6947,7 +8729,7 @@
                       </a:r>
                     </a:p>
                   </a:txBody>
-                  <a:tcPr>
+                  <a:tcPr marL="91438" marR="91438">
                     <a:solidFill>
                       <a:schemeClr val="bg1"/>
                     </a:solidFill>
@@ -6959,16 +8741,21 @@
                     <a:lstStyle/>
                     <a:p>
                       <a:r>
-                        <a:rPr lang="ru-RU" dirty="0">
+                        <a:rPr lang="ru-RU" sz="1800" dirty="0" smtClean="0">
                           <a:solidFill>
                             <a:sysClr val="windowText" lastClr="000000"/>
                           </a:solidFill>
                         </a:rPr>
-                        <a:t>65 об/мин</a:t>
+                        <a:t>6 рад/с</a:t>
                       </a:r>
+                      <a:endParaRPr lang="ru-RU" sz="1800" dirty="0">
+                        <a:solidFill>
+                          <a:sysClr val="windowText" lastClr="000000"/>
+                        </a:solidFill>
+                      </a:endParaRPr>
                     </a:p>
                   </a:txBody>
-                  <a:tcPr>
+                  <a:tcPr marL="91438" marR="91438">
                     <a:solidFill>
                       <a:schemeClr val="bg1"/>
                     </a:solidFill>
@@ -6976,18 +8763,18 @@
                 </a:tc>
                 <a:extLst>
                   <a:ext uri="{0D108BD9-81ED-4DB2-BD59-A6C34878D82A}">
-                    <a16:rowId xmlns:a16="http://schemas.microsoft.com/office/drawing/2014/main" val="10003"/>
+                    <a16:rowId xmlns:a16="http://schemas.microsoft.com/office/drawing/2014/main" xmlns="" val="10003"/>
                   </a:ext>
                 </a:extLst>
               </a:tr>
-              <a:tr h="475717">
+              <a:tr h="475721">
                 <a:tc>
                   <a:txBody>
                     <a:bodyPr/>
                     <a:lstStyle/>
                     <a:p>
                       <a:r>
-                        <a:rPr lang="ru-RU" dirty="0">
+                        <a:rPr lang="ru-RU" sz="1800" dirty="0">
                           <a:solidFill>
                             <a:sysClr val="windowText" lastClr="000000"/>
                           </a:solidFill>
@@ -6996,7 +8783,7 @@
                       </a:r>
                     </a:p>
                   </a:txBody>
-                  <a:tcPr>
+                  <a:tcPr marL="91438" marR="91438">
                     <a:solidFill>
                       <a:schemeClr val="bg1"/>
                     </a:solidFill>
@@ -7008,7 +8795,7 @@
                     <a:lstStyle/>
                     <a:p>
                       <a:r>
-                        <a:rPr lang="ru-RU" dirty="0">
+                        <a:rPr lang="ru-RU" sz="1800" dirty="0">
                           <a:solidFill>
                             <a:sysClr val="windowText" lastClr="000000"/>
                           </a:solidFill>
@@ -7017,7 +8804,7 @@
                       </a:r>
                     </a:p>
                   </a:txBody>
-                  <a:tcPr>
+                  <a:tcPr marL="91438" marR="91438">
                     <a:solidFill>
                       <a:schemeClr val="bg1"/>
                     </a:solidFill>
@@ -7025,18 +8812,18 @@
                 </a:tc>
                 <a:extLst>
                   <a:ext uri="{0D108BD9-81ED-4DB2-BD59-A6C34878D82A}">
-                    <a16:rowId xmlns:a16="http://schemas.microsoft.com/office/drawing/2014/main" val="10004"/>
+                    <a16:rowId xmlns:a16="http://schemas.microsoft.com/office/drawing/2014/main" xmlns="" val="10004"/>
                   </a:ext>
                 </a:extLst>
               </a:tr>
-              <a:tr h="475717">
+              <a:tr h="475721">
                 <a:tc>
                   <a:txBody>
                     <a:bodyPr/>
                     <a:lstStyle/>
                     <a:p>
                       <a:r>
-                        <a:rPr lang="ru-RU" dirty="0">
+                        <a:rPr lang="ru-RU" sz="1800" dirty="0">
                           <a:solidFill>
                             <a:sysClr val="windowText" lastClr="000000"/>
                           </a:solidFill>
@@ -7045,7 +8832,7 @@
                       </a:r>
                     </a:p>
                   </a:txBody>
-                  <a:tcPr>
+                  <a:tcPr marL="91438" marR="91438">
                     <a:solidFill>
                       <a:schemeClr val="bg1"/>
                     </a:solidFill>
@@ -7057,7 +8844,7 @@
                     <a:lstStyle/>
                     <a:p>
                       <a:r>
-                        <a:rPr lang="ru-RU" dirty="0">
+                        <a:rPr lang="ru-RU" sz="1800" dirty="0">
                           <a:solidFill>
                             <a:sysClr val="windowText" lastClr="000000"/>
                           </a:solidFill>
@@ -7066,7 +8853,7 @@
                       </a:r>
                     </a:p>
                   </a:txBody>
-                  <a:tcPr>
+                  <a:tcPr marL="91438" marR="91438">
                     <a:solidFill>
                       <a:schemeClr val="bg1"/>
                     </a:solidFill>
@@ -7074,7 +8861,7 @@
                 </a:tc>
                 <a:extLst>
                   <a:ext uri="{0D108BD9-81ED-4DB2-BD59-A6C34878D82A}">
-                    <a16:rowId xmlns:a16="http://schemas.microsoft.com/office/drawing/2014/main" val="10005"/>
+                    <a16:rowId xmlns:a16="http://schemas.microsoft.com/office/drawing/2014/main" xmlns="" val="10005"/>
                   </a:ext>
                 </a:extLst>
               </a:tr>
@@ -7082,16 +8869,64 @@
           </a:graphicData>
         </a:graphic>
       </p:graphicFrame>
+      <p:sp>
+        <p:nvSpPr>
+          <p:cNvPr id="5" name="TextBox 4"/>
+          <p:cNvSpPr txBox="1"/>
+          <p:nvPr/>
+        </p:nvSpPr>
+        <p:spPr>
+          <a:xfrm>
+            <a:off x="8329889" y="4668175"/>
+            <a:ext cx="814111" cy="369332"/>
+          </a:xfrm>
+          <a:prstGeom prst="rect">
+            <a:avLst/>
+          </a:prstGeom>
+          <a:noFill/>
+        </p:spPr>
+        <p:txBody>
+          <a:bodyPr wrap="square" rtlCol="0">
+            <a:spAutoFit/>
+          </a:bodyPr>
+          <a:lstStyle/>
+          <a:p>
+            <a:r>
+              <a:rPr lang="en-US" dirty="0">
+                <a:solidFill>
+                  <a:srgbClr val="000000"/>
+                </a:solidFill>
+              </a:rPr>
+              <a:t>5</a:t>
+            </a:r>
+            <a:r>
+              <a:rPr lang="en-US" dirty="0" smtClean="0">
+                <a:solidFill>
+                  <a:srgbClr val="000000"/>
+                </a:solidFill>
+              </a:rPr>
+              <a:t>/15</a:t>
+            </a:r>
+            <a:endParaRPr lang="en-US" dirty="0">
+              <a:solidFill>
+                <a:srgbClr val="000000"/>
+              </a:solidFill>
+            </a:endParaRPr>
+          </a:p>
+        </p:txBody>
+      </p:sp>
     </p:spTree>
-    <p:extLst>
-      <p:ext uri="{BB962C8B-B14F-4D97-AF65-F5344CB8AC3E}">
-        <p14:creationId xmlns:p14="http://schemas.microsoft.com/office/powerpoint/2010/main" val="730032763"/>
-      </p:ext>
-    </p:extLst>
   </p:cSld>
   <p:clrMapOvr>
     <a:masterClrMapping/>
   </p:clrMapOvr>
+  <p:timing>
+    <p:tnLst>
+      <p:par>
+        <p:cTn id="1" dur="indefinite" restart="never" nodeType="tmRoot"/>
+      </p:par>
+    </p:tnLst>
+  </p:timing>
 </p:sld>
 </file>
 
@@ -7124,16 +8959,22 @@
         </p:nvSpPr>
         <p:spPr>
           <a:xfrm>
-            <a:off x="534980" y="822960"/>
-            <a:ext cx="7317423" cy="533400"/>
+            <a:off x="534988" y="822325"/>
+            <a:ext cx="7316787" cy="533400"/>
           </a:xfrm>
         </p:spPr>
         <p:txBody>
-          <a:bodyPr>
+          <a:bodyPr rtlCol="0">
             <a:noAutofit/>
           </a:bodyPr>
           <a:lstStyle/>
           <a:p>
+            <a:pPr fontAlgn="auto">
+              <a:spcAft>
+                <a:spcPts val="0"/>
+              </a:spcAft>
+              <a:defRPr/>
+            </a:pPr>
             <a:r>
               <a:rPr lang="ru-RU" b="1" dirty="0">
                 <a:solidFill>
@@ -7161,14 +9002,14 @@
           <p:nvPr>
             <p:extLst>
               <p:ext uri="{D42A27DB-BD31-4B8C-83A1-F6EECF244321}">
-                <p14:modId xmlns:p14="http://schemas.microsoft.com/office/powerpoint/2010/main" val="752977715"/>
+                <p14:modId xmlns:p14="http://schemas.microsoft.com/office/powerpoint/2010/main" val="449364667"/>
               </p:ext>
             </p:extLst>
           </p:nvPr>
         </p:nvGraphicFramePr>
         <p:xfrm>
-          <a:off x="764690" y="1367176"/>
-          <a:ext cx="7548729" cy="1902868"/>
+          <a:off x="765175" y="1355725"/>
+          <a:ext cx="7548563" cy="2561110"/>
         </p:xfrm>
         <a:graphic>
           <a:graphicData uri="http://schemas.openxmlformats.org/drawingml/2006/table">
@@ -7177,29 +9018,29 @@
                 <a:tableStyleId>{D7AC3CCA-C797-4891-BE02-D94E43425B78}</a:tableStyleId>
               </a:tblPr>
               <a:tblGrid>
-                <a:gridCol w="4888405">
+                <a:gridCol w="4888298">
                   <a:extLst>
                     <a:ext uri="{9D8B030D-6E8A-4147-A177-3AD203B41FA5}">
-                      <a16:colId xmlns:a16="http://schemas.microsoft.com/office/drawing/2014/main" val="20000"/>
+                      <a16:colId xmlns:a16="http://schemas.microsoft.com/office/drawing/2014/main" xmlns="" val="20000"/>
                     </a:ext>
                   </a:extLst>
                 </a:gridCol>
-                <a:gridCol w="2660324">
+                <a:gridCol w="2660265">
                   <a:extLst>
                     <a:ext uri="{9D8B030D-6E8A-4147-A177-3AD203B41FA5}">
-                      <a16:colId xmlns:a16="http://schemas.microsoft.com/office/drawing/2014/main" val="20001"/>
+                      <a16:colId xmlns:a16="http://schemas.microsoft.com/office/drawing/2014/main" xmlns="" val="20001"/>
                     </a:ext>
                   </a:extLst>
                 </a:gridCol>
               </a:tblGrid>
-              <a:tr h="475717">
+              <a:tr h="512222">
                 <a:tc>
                   <a:txBody>
                     <a:bodyPr/>
                     <a:lstStyle/>
                     <a:p>
                       <a:r>
-                        <a:rPr lang="ru-RU" dirty="0">
+                        <a:rPr lang="ru-RU" sz="1800" dirty="0">
                           <a:solidFill>
                             <a:sysClr val="windowText" lastClr="000000"/>
                           </a:solidFill>
@@ -7208,7 +9049,7 @@
                       </a:r>
                     </a:p>
                   </a:txBody>
-                  <a:tcPr>
+                  <a:tcPr marL="91438" marR="91438" marT="45733" marB="45733">
                     <a:solidFill>
                       <a:schemeClr val="bg1"/>
                     </a:solidFill>
@@ -7220,7 +9061,7 @@
                     <a:lstStyle/>
                     <a:p>
                       <a:r>
-                        <a:rPr lang="ru-RU" dirty="0">
+                        <a:rPr lang="ru-RU" sz="1800" dirty="0">
                           <a:solidFill>
                             <a:sysClr val="windowText" lastClr="000000"/>
                           </a:solidFill>
@@ -7229,7 +9070,7 @@
                       </a:r>
                     </a:p>
                   </a:txBody>
-                  <a:tcPr>
+                  <a:tcPr marL="91438" marR="91438" marT="45733" marB="45733">
                     <a:solidFill>
                       <a:schemeClr val="bg1"/>
                     </a:solidFill>
@@ -7237,18 +9078,18 @@
                 </a:tc>
                 <a:extLst>
                   <a:ext uri="{0D108BD9-81ED-4DB2-BD59-A6C34878D82A}">
-                    <a16:rowId xmlns:a16="http://schemas.microsoft.com/office/drawing/2014/main" val="10000"/>
+                    <a16:rowId xmlns:a16="http://schemas.microsoft.com/office/drawing/2014/main" xmlns="" val="10000"/>
                   </a:ext>
                 </a:extLst>
               </a:tr>
-              <a:tr h="475717">
+              <a:tr h="512222">
                 <a:tc>
                   <a:txBody>
                     <a:bodyPr/>
                     <a:lstStyle/>
                     <a:p>
                       <a:r>
-                        <a:rPr lang="ru-RU" dirty="0">
+                        <a:rPr lang="ru-RU" sz="1800" dirty="0">
                           <a:solidFill>
                             <a:sysClr val="windowText" lastClr="000000"/>
                           </a:solidFill>
@@ -7257,7 +9098,7 @@
                       </a:r>
                     </a:p>
                   </a:txBody>
-                  <a:tcPr>
+                  <a:tcPr marL="91438" marR="91438" marT="45733" marB="45733">
                     <a:solidFill>
                       <a:schemeClr val="bg1"/>
                     </a:solidFill>
@@ -7269,7 +9110,7 @@
                     <a:lstStyle/>
                     <a:p>
                       <a:r>
-                        <a:rPr lang="ru-RU" dirty="0">
+                        <a:rPr lang="ru-RU" sz="1800" dirty="0">
                           <a:solidFill>
                             <a:sysClr val="windowText" lastClr="000000"/>
                           </a:solidFill>
@@ -7278,7 +9119,7 @@
                       </a:r>
                     </a:p>
                   </a:txBody>
-                  <a:tcPr>
+                  <a:tcPr marL="91438" marR="91438" marT="45733" marB="45733">
                     <a:solidFill>
                       <a:schemeClr val="bg1"/>
                     </a:solidFill>
@@ -7286,18 +9127,18 @@
                 </a:tc>
                 <a:extLst>
                   <a:ext uri="{0D108BD9-81ED-4DB2-BD59-A6C34878D82A}">
-                    <a16:rowId xmlns:a16="http://schemas.microsoft.com/office/drawing/2014/main" val="10001"/>
+                    <a16:rowId xmlns:a16="http://schemas.microsoft.com/office/drawing/2014/main" xmlns="" val="10001"/>
                   </a:ext>
                 </a:extLst>
               </a:tr>
-              <a:tr h="475717">
+              <a:tr h="512222">
                 <a:tc>
                   <a:txBody>
                     <a:bodyPr/>
                     <a:lstStyle/>
                     <a:p>
                       <a:r>
-                        <a:rPr lang="ru-RU" dirty="0">
+                        <a:rPr lang="ru-RU" sz="1800" dirty="0">
                           <a:solidFill>
                             <a:sysClr val="windowText" lastClr="000000"/>
                           </a:solidFill>
@@ -7306,7 +9147,7 @@
                       </a:r>
                     </a:p>
                   </a:txBody>
-                  <a:tcPr>
+                  <a:tcPr marL="91438" marR="91438" marT="45733" marB="45733">
                     <a:solidFill>
                       <a:schemeClr val="bg1"/>
                     </a:solidFill>
@@ -7318,7 +9159,7 @@
                     <a:lstStyle/>
                     <a:p>
                       <a:r>
-                        <a:rPr lang="ru-RU" dirty="0">
+                        <a:rPr lang="ru-RU" sz="1800" dirty="0">
                           <a:solidFill>
                             <a:sysClr val="windowText" lastClr="000000"/>
                           </a:solidFill>
@@ -7327,7 +9168,7 @@
                       </a:r>
                     </a:p>
                   </a:txBody>
-                  <a:tcPr>
+                  <a:tcPr marL="91438" marR="91438" marT="45733" marB="45733">
                     <a:solidFill>
                       <a:schemeClr val="bg1"/>
                     </a:solidFill>
@@ -7335,18 +9176,18 @@
                 </a:tc>
                 <a:extLst>
                   <a:ext uri="{0D108BD9-81ED-4DB2-BD59-A6C34878D82A}">
-                    <a16:rowId xmlns:a16="http://schemas.microsoft.com/office/drawing/2014/main" val="10002"/>
+                    <a16:rowId xmlns:a16="http://schemas.microsoft.com/office/drawing/2014/main" xmlns="" val="10002"/>
                   </a:ext>
                 </a:extLst>
               </a:tr>
-              <a:tr h="475717">
+              <a:tr h="512222">
                 <a:tc>
                   <a:txBody>
                     <a:bodyPr/>
                     <a:lstStyle/>
                     <a:p>
                       <a:r>
-                        <a:rPr lang="ru-RU" dirty="0">
+                        <a:rPr lang="ru-RU" sz="1800" dirty="0">
                           <a:solidFill>
                             <a:sysClr val="windowText" lastClr="000000"/>
                           </a:solidFill>
@@ -7355,7 +9196,7 @@
                       </a:r>
                     </a:p>
                   </a:txBody>
-                  <a:tcPr>
+                  <a:tcPr marL="91438" marR="91438" marT="45733" marB="45733">
                     <a:solidFill>
                       <a:schemeClr val="bg1"/>
                     </a:solidFill>
@@ -7379,7 +9220,7 @@
                         <a:t>± </a:t>
                       </a:r>
                       <a:r>
-                        <a:rPr lang="ru-RU" dirty="0">
+                        <a:rPr lang="ru-RU" sz="1800" dirty="0">
                           <a:solidFill>
                             <a:sysClr val="windowText" lastClr="000000"/>
                           </a:solidFill>
@@ -7388,7 +9229,7 @@
                       </a:r>
                     </a:p>
                   </a:txBody>
-                  <a:tcPr>
+                  <a:tcPr marL="91438" marR="91438" marT="45733" marB="45733">
                     <a:solidFill>
                       <a:schemeClr val="bg1"/>
                     </a:solidFill>
@@ -7396,24 +9237,134 @@
                 </a:tc>
                 <a:extLst>
                   <a:ext uri="{0D108BD9-81ED-4DB2-BD59-A6C34878D82A}">
-                    <a16:rowId xmlns:a16="http://schemas.microsoft.com/office/drawing/2014/main" val="10003"/>
+                    <a16:rowId xmlns:a16="http://schemas.microsoft.com/office/drawing/2014/main" xmlns="" val="10003"/>
                   </a:ext>
                 </a:extLst>
+              </a:tr>
+              <a:tr h="512222">
+                <a:tc>
+                  <a:txBody>
+                    <a:bodyPr/>
+                    <a:lstStyle/>
+                    <a:p>
+                      <a:r>
+                        <a:rPr lang="ru-RU" sz="1800" dirty="0" smtClean="0">
+                          <a:solidFill>
+                            <a:sysClr val="windowText" lastClr="000000"/>
+                          </a:solidFill>
+                        </a:rPr>
+                        <a:t>Основной диаметр</a:t>
+                      </a:r>
+                      <a:endParaRPr lang="ru-RU" sz="1800" dirty="0">
+                        <a:solidFill>
+                          <a:sysClr val="windowText" lastClr="000000"/>
+                        </a:solidFill>
+                      </a:endParaRPr>
+                    </a:p>
+                  </a:txBody>
+                  <a:tcPr marL="91438" marR="91438" marT="45733" marB="45733">
+                    <a:solidFill>
+                      <a:schemeClr val="bg1"/>
+                    </a:solidFill>
+                  </a:tcPr>
+                </a:tc>
+                <a:tc>
+                  <a:txBody>
+                    <a:bodyPr/>
+                    <a:lstStyle/>
+                    <a:p>
+                      <a:r>
+                        <a:rPr lang="en-US" dirty="0" smtClean="0">
+                          <a:solidFill>
+                            <a:srgbClr val="000000"/>
+                          </a:solidFill>
+                        </a:rPr>
+                        <a:t>Ø</a:t>
+                      </a:r>
+                      <a:r>
+                        <a:rPr lang="ru-RU" sz="1800" dirty="0" smtClean="0">
+                          <a:solidFill>
+                            <a:sysClr val="windowText" lastClr="000000"/>
+                          </a:solidFill>
+                        </a:rPr>
+                        <a:t>90</a:t>
+                      </a:r>
+                      <a:endParaRPr lang="ru-RU" sz="1800" dirty="0">
+                        <a:solidFill>
+                          <a:sysClr val="windowText" lastClr="000000"/>
+                        </a:solidFill>
+                      </a:endParaRPr>
+                    </a:p>
+                  </a:txBody>
+                  <a:tcPr marL="91438" marR="91438" marT="45733" marB="45733">
+                    <a:solidFill>
+                      <a:schemeClr val="bg1"/>
+                    </a:solidFill>
+                  </a:tcPr>
+                </a:tc>
               </a:tr>
             </a:tbl>
           </a:graphicData>
         </a:graphic>
       </p:graphicFrame>
+      <p:sp>
+        <p:nvSpPr>
+          <p:cNvPr id="5" name="TextBox 4"/>
+          <p:cNvSpPr txBox="1"/>
+          <p:nvPr/>
+        </p:nvSpPr>
+        <p:spPr>
+          <a:xfrm>
+            <a:off x="8329889" y="4668175"/>
+            <a:ext cx="814111" cy="369332"/>
+          </a:xfrm>
+          <a:prstGeom prst="rect">
+            <a:avLst/>
+          </a:prstGeom>
+          <a:noFill/>
+        </p:spPr>
+        <p:txBody>
+          <a:bodyPr wrap="square" rtlCol="0">
+            <a:spAutoFit/>
+          </a:bodyPr>
+          <a:lstStyle/>
+          <a:p>
+            <a:r>
+              <a:rPr lang="en-US" dirty="0">
+                <a:solidFill>
+                  <a:srgbClr val="000000"/>
+                </a:solidFill>
+              </a:rPr>
+              <a:t>6</a:t>
+            </a:r>
+            <a:r>
+              <a:rPr lang="en-US" dirty="0" smtClean="0">
+                <a:solidFill>
+                  <a:srgbClr val="000000"/>
+                </a:solidFill>
+              </a:rPr>
+              <a:t>/15</a:t>
+            </a:r>
+            <a:endParaRPr lang="en-US" dirty="0">
+              <a:solidFill>
+                <a:srgbClr val="000000"/>
+              </a:solidFill>
+            </a:endParaRPr>
+          </a:p>
+        </p:txBody>
+      </p:sp>
     </p:spTree>
-    <p:extLst>
-      <p:ext uri="{BB962C8B-B14F-4D97-AF65-F5344CB8AC3E}">
-        <p14:creationId xmlns:p14="http://schemas.microsoft.com/office/powerpoint/2010/main" val="907977568"/>
-      </p:ext>
-    </p:extLst>
   </p:cSld>
   <p:clrMapOvr>
     <a:masterClrMapping/>
   </p:clrMapOvr>
+  <p:timing>
+    <p:tnLst>
+      <p:par>
+        <p:cTn id="1" dur="indefinite" restart="never" nodeType="tmRoot"/>
+      </p:par>
+    </p:tnLst>
+  </p:timing>
 </p:sld>
 </file>
 
@@ -7436,9 +9387,9 @@
       </p:grpSpPr>
       <p:sp>
         <p:nvSpPr>
-          <p:cNvPr id="2" name="Title 1"/>
+          <p:cNvPr id="23554" name="Title 1"/>
           <p:cNvSpPr>
-            <a:spLocks noGrp="1"/>
+            <a:spLocks noGrp="1" noChangeArrowheads="1"/>
           </p:cNvSpPr>
           <p:nvPr>
             <p:ph type="title"/>
@@ -7446,438 +9397,230 @@
         </p:nvSpPr>
         <p:spPr>
           <a:xfrm>
-            <a:off x="457200" y="797958"/>
-            <a:ext cx="8229600" cy="620315"/>
+            <a:off x="457200" y="798513"/>
+            <a:ext cx="8229600" cy="619125"/>
           </a:xfrm>
         </p:spPr>
         <p:txBody>
-          <a:bodyPr>
-            <a:normAutofit/>
-          </a:bodyPr>
+          <a:bodyPr/>
           <a:lstStyle/>
           <a:p>
             <a:r>
-              <a:rPr lang="ru-RU" dirty="0"/>
+              <a:rPr lang="ru-RU" altLang="en-US" smtClean="0"/>
               <a:t>Перевод линейной зависимости в угловую</a:t>
             </a:r>
-            <a:endParaRPr lang="en-US" dirty="0"/>
+            <a:endParaRPr lang="en-US" altLang="en-US" smtClean="0"/>
           </a:p>
         </p:txBody>
       </p:sp>
       <p:pic>
         <p:nvPicPr>
-          <p:cNvPr id="4" name="Рисунок 3">
-            <a:extLst>
-              <a:ext uri="{FF2B5EF4-FFF2-40B4-BE49-F238E27FC236}">
-                <a16:creationId xmlns:a16="http://schemas.microsoft.com/office/drawing/2014/main" id="{0B788250-2282-456F-BE54-31E10054C83A}"/>
-              </a:ext>
-            </a:extLst>
-          </p:cNvPr>
+          <p:cNvPr id="23555" name="Рисунок 3"/>
           <p:cNvPicPr>
-            <a:picLocks noChangeAspect="1"/>
+            <a:picLocks noChangeAspect="1" noChangeArrowheads="1"/>
           </p:cNvPicPr>
           <p:nvPr/>
         </p:nvPicPr>
         <p:blipFill>
-          <a:blip r:embed="rId2"/>
+          <a:blip r:embed="rId2">
+            <a:extLst>
+              <a:ext uri="{28A0092B-C50C-407E-A947-70E740481C1C}">
+                <a14:useLocalDpi xmlns:a14="http://schemas.microsoft.com/office/drawing/2010/main" val="0"/>
+              </a:ext>
+            </a:extLst>
+          </a:blip>
+          <a:srcRect/>
           <a:stretch>
             <a:fillRect/>
           </a:stretch>
         </p:blipFill>
-        <p:spPr>
+        <p:spPr bwMode="auto">
           <a:xfrm>
-            <a:off x="5631180" y="1630258"/>
-            <a:ext cx="3055620" cy="1523047"/>
+            <a:off x="5630863" y="1630363"/>
+            <a:ext cx="3055937" cy="1522412"/>
           </a:xfrm>
           <a:prstGeom prst="rect">
             <a:avLst/>
           </a:prstGeom>
+          <a:noFill/>
+          <a:ln>
+            <a:noFill/>
+          </a:ln>
+          <a:extLst>
+            <a:ext uri="{909E8E84-426E-40DD-AFC4-6F175D3DCCD1}">
+              <a14:hiddenFill xmlns:a14="http://schemas.microsoft.com/office/drawing/2010/main">
+                <a:solidFill>
+                  <a:srgbClr val="FFFFFF"/>
+                </a:solidFill>
+              </a14:hiddenFill>
+            </a:ext>
+            <a:ext uri="{91240B29-F687-4F45-9708-019B960494DF}">
+              <a14:hiddenLine xmlns:a14="http://schemas.microsoft.com/office/drawing/2010/main" w="9525">
+                <a:solidFill>
+                  <a:srgbClr val="000000"/>
+                </a:solidFill>
+                <a:miter lim="800000"/>
+                <a:headEnd/>
+                <a:tailEnd/>
+              </a14:hiddenLine>
+            </a:ext>
+          </a:extLst>
         </p:spPr>
       </p:pic>
       <p:pic>
         <p:nvPicPr>
-          <p:cNvPr id="6" name="Рисунок 5">
-            <a:extLst>
-              <a:ext uri="{FF2B5EF4-FFF2-40B4-BE49-F238E27FC236}">
-                <a16:creationId xmlns:a16="http://schemas.microsoft.com/office/drawing/2014/main" id="{A96CF8F7-6BF4-49A4-A43C-897EC39F826B}"/>
-              </a:ext>
-            </a:extLst>
-          </p:cNvPr>
+          <p:cNvPr id="23556" name="Рисунок 5"/>
           <p:cNvPicPr>
-            <a:picLocks noChangeAspect="1"/>
+            <a:picLocks noChangeAspect="1" noChangeArrowheads="1"/>
           </p:cNvPicPr>
           <p:nvPr/>
         </p:nvPicPr>
         <p:blipFill>
-          <a:blip r:embed="rId3"/>
+          <a:blip r:embed="rId3">
+            <a:extLst>
+              <a:ext uri="{28A0092B-C50C-407E-A947-70E740481C1C}">
+                <a14:useLocalDpi xmlns:a14="http://schemas.microsoft.com/office/drawing/2010/main" val="0"/>
+              </a:ext>
+            </a:extLst>
+          </a:blip>
+          <a:srcRect/>
           <a:stretch>
             <a:fillRect/>
           </a:stretch>
         </p:blipFill>
-        <p:spPr>
+        <p:spPr bwMode="auto">
           <a:xfrm>
-            <a:off x="5631180" y="3235751"/>
-            <a:ext cx="3055620" cy="1517457"/>
+            <a:off x="5630863" y="3235325"/>
+            <a:ext cx="3055937" cy="1517650"/>
           </a:xfrm>
           <a:prstGeom prst="rect">
             <a:avLst/>
           </a:prstGeom>
+          <a:noFill/>
+          <a:ln>
+            <a:noFill/>
+          </a:ln>
+          <a:extLst>
+            <a:ext uri="{909E8E84-426E-40DD-AFC4-6F175D3DCCD1}">
+              <a14:hiddenFill xmlns:a14="http://schemas.microsoft.com/office/drawing/2010/main">
+                <a:solidFill>
+                  <a:srgbClr val="FFFFFF"/>
+                </a:solidFill>
+              </a14:hiddenFill>
+            </a:ext>
+            <a:ext uri="{91240B29-F687-4F45-9708-019B960494DF}">
+              <a14:hiddenLine xmlns:a14="http://schemas.microsoft.com/office/drawing/2010/main" w="9525">
+                <a:solidFill>
+                  <a:srgbClr val="000000"/>
+                </a:solidFill>
+                <a:miter lim="800000"/>
+                <a:headEnd/>
+                <a:tailEnd/>
+              </a14:hiddenLine>
+            </a:ext>
+          </a:extLst>
         </p:spPr>
       </p:pic>
-      <mc:AlternateContent xmlns:mc="http://schemas.openxmlformats.org/markup-compatibility/2006" xmlns:a14="http://schemas.microsoft.com/office/drawing/2010/main">
-        <mc:Choice Requires="a14">
-          <p:sp>
-            <p:nvSpPr>
-              <p:cNvPr id="8" name="TextBox 7">
-                <a:extLst>
-                  <a:ext uri="{FF2B5EF4-FFF2-40B4-BE49-F238E27FC236}">
-                    <a16:creationId xmlns:a16="http://schemas.microsoft.com/office/drawing/2014/main" id="{733F23C4-61A4-4E4B-B26A-8D993D5CF3D0}"/>
-                  </a:ext>
-                </a:extLst>
-              </p:cNvPr>
-              <p:cNvSpPr txBox="1"/>
-              <p:nvPr/>
-            </p:nvSpPr>
-            <p:spPr>
-              <a:xfrm>
-                <a:off x="457200" y="1630258"/>
-                <a:ext cx="4328160" cy="2610843"/>
-              </a:xfrm>
-              <a:prstGeom prst="rect">
-                <a:avLst/>
-              </a:prstGeom>
-              <a:noFill/>
-            </p:spPr>
-            <p:txBody>
-              <a:bodyPr wrap="square" rtlCol="0">
-                <a:spAutoFit/>
-              </a:bodyPr>
-              <a:lstStyle/>
-              <a:p>
-                <a:pPr/>
-                <a14:m>
-                  <m:oMathPara xmlns:m="http://schemas.openxmlformats.org/officeDocument/2006/math">
-                    <m:oMathParaPr>
-                      <m:jc m:val="centerGroup"/>
-                    </m:oMathParaPr>
-                    <m:oMath xmlns:m="http://schemas.openxmlformats.org/officeDocument/2006/math">
-                      <m:r>
-                        <a:rPr lang="en-US" b="0" i="1" smtClean="0">
-                          <a:latin typeface="Cambria Math" panose="02040503050406030204" pitchFamily="18" charset="0"/>
-                        </a:rPr>
-                        <m:t>𝐿</m:t>
-                      </m:r>
-                      <m:r>
-                        <a:rPr lang="en-US" b="0" i="1" smtClean="0">
-                          <a:latin typeface="Cambria Math" panose="02040503050406030204" pitchFamily="18" charset="0"/>
-                        </a:rPr>
-                        <m:t>=</m:t>
-                      </m:r>
-                      <m:r>
-                        <a:rPr lang="en-US" b="0" i="1" smtClean="0">
-                          <a:latin typeface="Cambria Math" panose="02040503050406030204" pitchFamily="18" charset="0"/>
-                        </a:rPr>
-                        <m:t>𝑟</m:t>
-                      </m:r>
-                      <m:r>
-                        <a:rPr lang="en-US" b="0" i="1" smtClean="0">
-                          <a:latin typeface="Cambria Math" panose="02040503050406030204" pitchFamily="18" charset="0"/>
-                        </a:rPr>
-                        <m:t> ∗ </m:t>
-                      </m:r>
-                      <m:r>
-                        <a:rPr lang="en-US" b="0" i="1" smtClean="0">
-                          <a:latin typeface="Cambria Math" panose="02040503050406030204" pitchFamily="18" charset="0"/>
-                        </a:rPr>
-                        <m:t>𝑠𝑖𝑛</m:t>
-                      </m:r>
-                      <m:r>
-                        <a:rPr lang="en-US" b="0" i="1" smtClean="0">
-                          <a:latin typeface="Cambria Math" panose="02040503050406030204" pitchFamily="18" charset="0"/>
-                          <a:ea typeface="Cambria Math" panose="02040503050406030204" pitchFamily="18" charset="0"/>
-                        </a:rPr>
-                        <m:t>𝛼</m:t>
-                      </m:r>
-                    </m:oMath>
-                  </m:oMathPara>
-                </a14:m>
-                <a:endParaRPr lang="en-US" b="0" dirty="0">
-                  <a:ea typeface="Cambria Math" panose="02040503050406030204" pitchFamily="18" charset="0"/>
-                </a:endParaRPr>
-              </a:p>
-              <a:p>
-                <a:pPr/>
-                <a14:m>
-                  <m:oMathPara xmlns:m="http://schemas.openxmlformats.org/officeDocument/2006/math">
-                    <m:oMathParaPr>
-                      <m:jc m:val="centerGroup"/>
-                    </m:oMathParaPr>
-                    <m:oMath xmlns:m="http://schemas.openxmlformats.org/officeDocument/2006/math">
-                      <m:r>
-                        <a:rPr lang="en-US" b="0" i="1" smtClean="0">
-                          <a:latin typeface="Cambria Math" panose="02040503050406030204" pitchFamily="18" charset="0"/>
-                        </a:rPr>
-                        <m:t>𝑠𝑖𝑛</m:t>
-                      </m:r>
-                      <m:r>
-                        <a:rPr lang="en-US" b="0" i="1" smtClean="0">
-                          <a:latin typeface="Cambria Math" panose="02040503050406030204" pitchFamily="18" charset="0"/>
-                          <a:ea typeface="Cambria Math" panose="02040503050406030204" pitchFamily="18" charset="0"/>
-                        </a:rPr>
-                        <m:t>𝛼</m:t>
-                      </m:r>
-                      <m:r>
-                        <a:rPr lang="en-US" b="0" i="1" smtClean="0">
-                          <a:latin typeface="Cambria Math" panose="02040503050406030204" pitchFamily="18" charset="0"/>
-                          <a:ea typeface="Cambria Math" panose="02040503050406030204" pitchFamily="18" charset="0"/>
-                        </a:rPr>
-                        <m:t>≈</m:t>
-                      </m:r>
-                      <m:r>
-                        <a:rPr lang="en-US" b="0" i="1" smtClean="0">
-                          <a:latin typeface="Cambria Math" panose="02040503050406030204" pitchFamily="18" charset="0"/>
-                          <a:ea typeface="Cambria Math" panose="02040503050406030204" pitchFamily="18" charset="0"/>
-                        </a:rPr>
-                        <m:t>𝛼</m:t>
-                      </m:r>
-                    </m:oMath>
-                  </m:oMathPara>
-                </a14:m>
-                <a:endParaRPr lang="en-US" dirty="0"/>
-              </a:p>
-              <a:p>
-                <a:pPr/>
-                <a14:m>
-                  <m:oMathPara xmlns:m="http://schemas.openxmlformats.org/officeDocument/2006/math">
-                    <m:oMathParaPr>
-                      <m:jc m:val="centerGroup"/>
-                    </m:oMathParaPr>
-                    <m:oMath xmlns:m="http://schemas.openxmlformats.org/officeDocument/2006/math">
-                      <m:r>
-                        <a:rPr lang="en-US" b="0" i="1" smtClean="0">
-                          <a:latin typeface="Cambria Math" panose="02040503050406030204" pitchFamily="18" charset="0"/>
-                        </a:rPr>
-                        <m:t>𝐿</m:t>
-                      </m:r>
-                      <m:r>
-                        <a:rPr lang="en-US" b="0" i="1" smtClean="0">
-                          <a:latin typeface="Cambria Math" panose="02040503050406030204" pitchFamily="18" charset="0"/>
-                        </a:rPr>
-                        <m:t>=</m:t>
-                      </m:r>
-                      <m:r>
-                        <a:rPr lang="en-US" b="0" i="1" smtClean="0">
-                          <a:latin typeface="Cambria Math" panose="02040503050406030204" pitchFamily="18" charset="0"/>
-                        </a:rPr>
-                        <m:t>𝑟</m:t>
-                      </m:r>
-                      <m:r>
-                        <a:rPr lang="en-US" b="0" i="1" smtClean="0">
-                          <a:latin typeface="Cambria Math" panose="02040503050406030204" pitchFamily="18" charset="0"/>
-                        </a:rPr>
-                        <m:t>∗</m:t>
-                      </m:r>
-                      <m:r>
-                        <a:rPr lang="en-US" b="0" i="1" smtClean="0">
-                          <a:latin typeface="Cambria Math" panose="02040503050406030204" pitchFamily="18" charset="0"/>
-                          <a:ea typeface="Cambria Math" panose="02040503050406030204" pitchFamily="18" charset="0"/>
-                        </a:rPr>
-                        <m:t>𝛼</m:t>
-                      </m:r>
-                    </m:oMath>
-                  </m:oMathPara>
-                </a14:m>
-                <a:endParaRPr lang="en-US" dirty="0"/>
-              </a:p>
-              <a:p>
-                <a:pPr/>
-                <a14:m>
-                  <m:oMathPara xmlns:m="http://schemas.openxmlformats.org/officeDocument/2006/math">
-                    <m:oMathParaPr>
-                      <m:jc m:val="centerGroup"/>
-                    </m:oMathParaPr>
-                    <m:oMath xmlns:m="http://schemas.openxmlformats.org/officeDocument/2006/math">
-                      <m:r>
-                        <a:rPr lang="en-US" b="0" i="1" smtClean="0">
-                          <a:latin typeface="Cambria Math" panose="02040503050406030204" pitchFamily="18" charset="0"/>
-                        </a:rPr>
-                        <m:t>𝐿</m:t>
-                      </m:r>
-                      <m:r>
-                        <a:rPr lang="en-US" b="0" i="1" smtClean="0">
-                          <a:latin typeface="Cambria Math" panose="02040503050406030204" pitchFamily="18" charset="0"/>
-                        </a:rPr>
-                        <m:t>=0.005∗0.002=0.00001</m:t>
-                      </m:r>
-                    </m:oMath>
-                  </m:oMathPara>
-                </a14:m>
-                <a:endParaRPr lang="en-US" b="0" dirty="0"/>
-              </a:p>
-              <a:p>
-                <a:endParaRPr lang="en-US" b="0" dirty="0"/>
-              </a:p>
-              <a:p>
-                <a:endParaRPr lang="en-US" b="0" dirty="0"/>
-              </a:p>
-              <a:p>
-                <a:pPr/>
-                <a14:m>
-                  <m:oMathPara xmlns:m="http://schemas.openxmlformats.org/officeDocument/2006/math">
-                    <m:oMathParaPr>
-                      <m:jc m:val="centerGroup"/>
-                    </m:oMathParaPr>
-                    <m:oMath xmlns:m="http://schemas.openxmlformats.org/officeDocument/2006/math">
-                      <m:r>
-                        <a:rPr lang="en-US" b="0" i="1" smtClean="0">
-                          <a:latin typeface="Cambria Math" panose="02040503050406030204" pitchFamily="18" charset="0"/>
-                        </a:rPr>
-                        <m:t>𝐿</m:t>
-                      </m:r>
-                      <m:r>
-                        <a:rPr lang="en-US" b="0" i="1" smtClean="0">
-                          <a:latin typeface="Cambria Math" panose="02040503050406030204" pitchFamily="18" charset="0"/>
-                        </a:rPr>
-                        <m:t>=</m:t>
-                      </m:r>
-                      <m:sSub>
-                        <m:sSubPr>
-                          <m:ctrlPr>
-                            <a:rPr lang="en-US" b="0" i="1" smtClean="0">
-                              <a:latin typeface="Cambria Math" panose="02040503050406030204" pitchFamily="18" charset="0"/>
-                            </a:rPr>
-                          </m:ctrlPr>
-                        </m:sSubPr>
-                        <m:e>
-                          <m:r>
-                            <a:rPr lang="en-US" b="0" i="1" smtClean="0">
-                              <a:latin typeface="Cambria Math" panose="02040503050406030204" pitchFamily="18" charset="0"/>
-                            </a:rPr>
-                            <m:t>𝐾</m:t>
-                          </m:r>
-                        </m:e>
-                        <m:sub>
-                          <m:r>
-                            <a:rPr lang="ru-RU" b="0" i="1" smtClean="0">
-                              <a:latin typeface="Cambria Math" panose="02040503050406030204" pitchFamily="18" charset="0"/>
-                            </a:rPr>
-                            <m:t>усил</m:t>
-                          </m:r>
-                        </m:sub>
-                      </m:sSub>
-                      <m:r>
-                        <a:rPr lang="en-US" b="0" i="1" smtClean="0">
-                          <a:latin typeface="Cambria Math" panose="02040503050406030204" pitchFamily="18" charset="0"/>
-                        </a:rPr>
-                        <m:t> ∗</m:t>
-                      </m:r>
-                      <m:r>
-                        <a:rPr lang="en-US" b="0" i="1" smtClean="0">
-                          <a:latin typeface="Cambria Math" panose="02040503050406030204" pitchFamily="18" charset="0"/>
-                        </a:rPr>
-                        <m:t>𝑥</m:t>
-                      </m:r>
-                    </m:oMath>
-                  </m:oMathPara>
-                </a14:m>
-                <a:endParaRPr lang="en-US" b="0" dirty="0"/>
-              </a:p>
-              <a:p>
-                <a:pPr/>
-                <a14:m>
-                  <m:oMathPara xmlns:m="http://schemas.openxmlformats.org/officeDocument/2006/math">
-                    <m:oMathParaPr>
-                      <m:jc m:val="centerGroup"/>
-                    </m:oMathParaPr>
-                    <m:oMath xmlns:m="http://schemas.openxmlformats.org/officeDocument/2006/math">
-                      <m:r>
-                        <a:rPr lang="en-US" b="0" i="1" smtClean="0">
-                          <a:latin typeface="Cambria Math" panose="02040503050406030204" pitchFamily="18" charset="0"/>
-                        </a:rPr>
-                        <m:t>𝐿</m:t>
-                      </m:r>
-                      <m:r>
-                        <a:rPr lang="en-US" b="0" i="1" smtClean="0">
-                          <a:latin typeface="Cambria Math" panose="02040503050406030204" pitchFamily="18" charset="0"/>
-                        </a:rPr>
-                        <m:t>=2∗</m:t>
-                      </m:r>
-                      <m:r>
-                        <a:rPr lang="en-US" b="0" i="1" smtClean="0">
-                          <a:latin typeface="Cambria Math" panose="02040503050406030204" pitchFamily="18" charset="0"/>
-                        </a:rPr>
-                        <m:t>𝑥</m:t>
-                      </m:r>
-                    </m:oMath>
-                  </m:oMathPara>
-                </a14:m>
-                <a:endParaRPr lang="en-US" b="0" dirty="0"/>
-              </a:p>
-              <a:p>
-                <a:r>
-                  <a:rPr lang="en-US" dirty="0"/>
-                  <a:t> </a:t>
-                </a:r>
-                <a:endParaRPr lang="ru-RU" dirty="0"/>
-              </a:p>
-            </p:txBody>
-          </p:sp>
-        </mc:Choice>
-        <mc:Fallback xmlns="">
-          <p:sp>
-            <p:nvSpPr>
-              <p:cNvPr id="8" name="TextBox 7">
-                <a:extLst>
-                  <a:ext uri="{FF2B5EF4-FFF2-40B4-BE49-F238E27FC236}">
-                    <a16:creationId xmlns:a16="http://schemas.microsoft.com/office/drawing/2014/main" id="{733F23C4-61A4-4E4B-B26A-8D993D5CF3D0}"/>
-                  </a:ext>
-                </a:extLst>
-              </p:cNvPr>
-              <p:cNvSpPr txBox="1">
-                <a:spLocks noRot="1" noChangeAspect="1" noMove="1" noResize="1" noEditPoints="1" noAdjustHandles="1" noChangeArrowheads="1" noChangeShapeType="1" noTextEdit="1"/>
-              </p:cNvSpPr>
-              <p:nvPr/>
-            </p:nvSpPr>
-            <p:spPr>
-              <a:xfrm>
-                <a:off x="457200" y="1630258"/>
-                <a:ext cx="4328160" cy="2610843"/>
-              </a:xfrm>
-              <a:prstGeom prst="rect">
-                <a:avLst/>
-              </a:prstGeom>
-              <a:blipFill>
-                <a:blip r:embed="rId4"/>
-                <a:stretch>
-                  <a:fillRect/>
-                </a:stretch>
-              </a:blipFill>
-            </p:spPr>
-            <p:txBody>
-              <a:bodyPr/>
-              <a:lstStyle/>
-              <a:p>
-                <a:r>
-                  <a:rPr lang="ru-RU">
-                    <a:noFill/>
-                  </a:rPr>
-                  <a:t> </a:t>
-                </a:r>
-              </a:p>
-            </p:txBody>
-          </p:sp>
-        </mc:Fallback>
-      </mc:AlternateContent>
+      <p:sp>
+        <p:nvSpPr>
+          <p:cNvPr id="8" name="TextBox 7">
+            <a:extLst>
+              <a:ext uri="{FF2B5EF4-FFF2-40B4-BE49-F238E27FC236}">
+                <a16:creationId xmlns:a16="http://schemas.microsoft.com/office/drawing/2014/main" xmlns="" id="{733F23C4-61A4-4E4B-B26A-8D993D5CF3D0}"/>
+              </a:ext>
+            </a:extLst>
+          </p:cNvPr>
+          <p:cNvSpPr txBox="1">
+            <a:spLocks noRot="1" noChangeAspect="1" noMove="1" noResize="1" noEditPoints="1" noAdjustHandles="1" noChangeArrowheads="1" noChangeShapeType="1" noTextEdit="1"/>
+          </p:cNvSpPr>
+          <p:nvPr/>
+        </p:nvSpPr>
+        <p:spPr>
+          <a:xfrm>
+            <a:off x="457200" y="1630258"/>
+            <a:ext cx="4328160" cy="2610843"/>
+          </a:xfrm>
+          <a:prstGeom prst="rect">
+            <a:avLst/>
+          </a:prstGeom>
+          <a:blipFill>
+            <a:blip r:embed="rId4"/>
+            <a:stretch>
+              <a:fillRect/>
+            </a:stretch>
+          </a:blipFill>
+        </p:spPr>
+        <p:txBody>
+          <a:bodyPr/>
+          <a:lstStyle/>
+          <a:p>
+            <a:r>
+              <a:rPr lang="ru-RU">
+                <a:noFill/>
+              </a:rPr>
+              <a:t> </a:t>
+            </a:r>
+          </a:p>
+        </p:txBody>
+      </p:sp>
+      <p:sp>
+        <p:nvSpPr>
+          <p:cNvPr id="6" name="TextBox 5"/>
+          <p:cNvSpPr txBox="1"/>
+          <p:nvPr/>
+        </p:nvSpPr>
+        <p:spPr>
+          <a:xfrm>
+            <a:off x="8329889" y="4668175"/>
+            <a:ext cx="814111" cy="369332"/>
+          </a:xfrm>
+          <a:prstGeom prst="rect">
+            <a:avLst/>
+          </a:prstGeom>
+          <a:noFill/>
+        </p:spPr>
+        <p:txBody>
+          <a:bodyPr wrap="square" rtlCol="0">
+            <a:spAutoFit/>
+          </a:bodyPr>
+          <a:lstStyle/>
+          <a:p>
+            <a:r>
+              <a:rPr lang="en-US" dirty="0">
+                <a:solidFill>
+                  <a:srgbClr val="000000"/>
+                </a:solidFill>
+              </a:rPr>
+              <a:t>7</a:t>
+            </a:r>
+            <a:r>
+              <a:rPr lang="en-US" dirty="0" smtClean="0">
+                <a:solidFill>
+                  <a:srgbClr val="000000"/>
+                </a:solidFill>
+              </a:rPr>
+              <a:t>/15</a:t>
+            </a:r>
+            <a:endParaRPr lang="en-US" dirty="0">
+              <a:solidFill>
+                <a:srgbClr val="000000"/>
+              </a:solidFill>
+            </a:endParaRPr>
+          </a:p>
+        </p:txBody>
+      </p:sp>
     </p:spTree>
-    <p:extLst>
-      <p:ext uri="{BB962C8B-B14F-4D97-AF65-F5344CB8AC3E}">
-        <p14:creationId xmlns:p14="http://schemas.microsoft.com/office/powerpoint/2010/main" val="1495502232"/>
-      </p:ext>
-    </p:extLst>
   </p:cSld>
   <p:clrMapOvr>
     <a:masterClrMapping/>
   </p:clrMapOvr>
+  <p:timing>
+    <p:tnLst>
+      <p:par>
+        <p:cTn id="1" dur="indefinite" restart="never" nodeType="tmRoot"/>
+      </p:par>
+    </p:tnLst>
+  </p:timing>
 </p:sld>
 </file>
 
@@ -7900,9 +9643,9 @@
       </p:grpSpPr>
       <p:sp>
         <p:nvSpPr>
-          <p:cNvPr id="2" name="Title 1"/>
+          <p:cNvPr id="24578" name="Title 1"/>
           <p:cNvSpPr>
-            <a:spLocks noGrp="1"/>
+            <a:spLocks noGrp="1" noChangeArrowheads="1"/>
           </p:cNvSpPr>
           <p:nvPr>
             <p:ph type="title"/>
@@ -7910,46 +9653,88 @@
         </p:nvSpPr>
         <p:spPr>
           <a:xfrm>
-            <a:off x="457199" y="797958"/>
-            <a:ext cx="8229600" cy="620315"/>
+            <a:off x="457200" y="798513"/>
+            <a:ext cx="8229600" cy="619125"/>
           </a:xfrm>
         </p:spPr>
         <p:txBody>
-          <a:bodyPr>
-            <a:normAutofit/>
-          </a:bodyPr>
+          <a:bodyPr/>
           <a:lstStyle/>
           <a:p>
             <a:r>
-              <a:rPr lang="ru-RU" dirty="0"/>
-              <a:t>Структурная схема </a:t>
-            </a:r>
-            <a:r>
-              <a:rPr lang="ru-RU" dirty="0" err="1"/>
-              <a:t>пьезодвигателя</a:t>
-            </a:r>
-            <a:endParaRPr lang="en-US" dirty="0"/>
+              <a:rPr lang="ru-RU" altLang="en-US" smtClean="0"/>
+              <a:t>Структурная схема пьезодвигателя</a:t>
+            </a:r>
+            <a:endParaRPr lang="en-US" altLang="en-US" smtClean="0"/>
           </a:p>
         </p:txBody>
       </p:sp>
-      <mc:AlternateContent xmlns:mc="http://schemas.openxmlformats.org/markup-compatibility/2006" xmlns:a14="http://schemas.microsoft.com/office/drawing/2010/main">
-        <mc:Choice Requires="a14">
+      <p:pic>
+        <p:nvPicPr>
+          <p:cNvPr id="24580" name="Рисунок 6"/>
+          <p:cNvPicPr>
+            <a:picLocks noChangeAspect="1" noChangeArrowheads="1"/>
+          </p:cNvPicPr>
+          <p:nvPr/>
+        </p:nvPicPr>
+        <p:blipFill>
+          <a:blip r:embed="rId2">
+            <a:extLst>
+              <a:ext uri="{28A0092B-C50C-407E-A947-70E740481C1C}">
+                <a14:useLocalDpi xmlns:a14="http://schemas.microsoft.com/office/drawing/2010/main" val="0"/>
+              </a:ext>
+            </a:extLst>
+          </a:blip>
+          <a:srcRect/>
+          <a:stretch>
+            <a:fillRect/>
+          </a:stretch>
+        </p:blipFill>
+        <p:spPr bwMode="auto">
+          <a:xfrm>
+            <a:off x="2144713" y="1584729"/>
+            <a:ext cx="4854575" cy="1974850"/>
+          </a:xfrm>
+          <a:prstGeom prst="rect">
+            <a:avLst/>
+          </a:prstGeom>
+          <a:noFill/>
+          <a:ln>
+            <a:noFill/>
+          </a:ln>
+          <a:extLst>
+            <a:ext uri="{909E8E84-426E-40DD-AFC4-6F175D3DCCD1}">
+              <a14:hiddenFill xmlns:a14="http://schemas.microsoft.com/office/drawing/2010/main">
+                <a:solidFill>
+                  <a:srgbClr val="FFFFFF"/>
+                </a:solidFill>
+              </a14:hiddenFill>
+            </a:ext>
+            <a:ext uri="{91240B29-F687-4F45-9708-019B960494DF}">
+              <a14:hiddenLine xmlns:a14="http://schemas.microsoft.com/office/drawing/2010/main" w="9525">
+                <a:solidFill>
+                  <a:srgbClr val="000000"/>
+                </a:solidFill>
+                <a:miter lim="800000"/>
+                <a:headEnd/>
+                <a:tailEnd/>
+              </a14:hiddenLine>
+            </a:ext>
+          </a:extLst>
+        </p:spPr>
+      </p:pic>
+      <mc:AlternateContent xmlns:mc="http://schemas.openxmlformats.org/markup-compatibility/2006">
+        <mc:Choice xmlns:a14="http://schemas.microsoft.com/office/drawing/2010/main" Requires="a14">
           <p:sp>
             <p:nvSpPr>
-              <p:cNvPr id="5" name="TextBox 4">
-                <a:extLst>
-                  <a:ext uri="{FF2B5EF4-FFF2-40B4-BE49-F238E27FC236}">
-                    <a16:creationId xmlns:a16="http://schemas.microsoft.com/office/drawing/2014/main" id="{1DAF6001-ECE6-4613-B3BD-F72CC886CCE3}"/>
-                  </a:ext>
-                </a:extLst>
-              </p:cNvPr>
+              <p:cNvPr id="2" name="TextBox 1"/>
               <p:cNvSpPr txBox="1"/>
               <p:nvPr/>
             </p:nvSpPr>
             <p:spPr>
               <a:xfrm>
-                <a:off x="2145029" y="3692279"/>
-                <a:ext cx="4853940" cy="688137"/>
+                <a:off x="2772949" y="3726671"/>
+                <a:ext cx="3598101" cy="819263"/>
               </a:xfrm>
               <a:prstGeom prst="rect">
                 <a:avLst/>
@@ -7957,12 +9742,11 @@
               <a:noFill/>
             </p:spPr>
             <p:txBody>
-              <a:bodyPr wrap="square" rtlCol="0">
+              <a:bodyPr wrap="none" lIns="0" tIns="0" rIns="0" bIns="0" rtlCol="0">
                 <a:spAutoFit/>
               </a:bodyPr>
               <a:lstStyle/>
               <a:p>
-                <a:pPr/>
                 <a14:m>
                   <m:oMathPara xmlns:m="http://schemas.openxmlformats.org/officeDocument/2006/math">
                     <m:oMathParaPr>
@@ -7970,38 +9754,36 @@
                     </m:oMathParaPr>
                     <m:oMath xmlns:m="http://schemas.openxmlformats.org/officeDocument/2006/math">
                       <m:r>
-                        <a:rPr lang="en-US" b="0" i="1" smtClean="0">
+                        <m:rPr>
+                          <m:sty m:val="p"/>
+                        </m:rPr>
+                        <a:rPr lang="en-US" i="1" smtClean="0">
                           <a:latin typeface="Cambria Math" panose="02040503050406030204" pitchFamily="18" charset="0"/>
                         </a:rPr>
-                        <m:t>𝑊</m:t>
+                        <m:t>W</m:t>
                       </m:r>
-                      <m:d>
-                        <m:dPr>
-                          <m:ctrlPr>
-                            <a:rPr lang="en-US" b="0" i="1" smtClean="0">
-                              <a:latin typeface="Cambria Math" panose="02040503050406030204" pitchFamily="18" charset="0"/>
-                            </a:rPr>
-                          </m:ctrlPr>
-                        </m:dPr>
-                        <m:e>
-                          <m:r>
-                            <a:rPr lang="en-US" b="0" i="1" smtClean="0">
-                              <a:latin typeface="Cambria Math" panose="02040503050406030204" pitchFamily="18" charset="0"/>
-                            </a:rPr>
-                            <m:t>𝑠</m:t>
-                          </m:r>
-                        </m:e>
-                      </m:d>
                       <m:r>
                         <a:rPr lang="en-US" b="0" i="1" smtClean="0">
                           <a:latin typeface="Cambria Math" panose="02040503050406030204" pitchFamily="18" charset="0"/>
                         </a:rPr>
-                        <m:t>=</m:t>
+                        <m:t>(</m:t>
+                      </m:r>
+                      <m:r>
+                        <a:rPr lang="en-US" b="0" i="1" smtClean="0">
+                          <a:latin typeface="Cambria Math" panose="02040503050406030204" pitchFamily="18" charset="0"/>
+                        </a:rPr>
+                        <m:t>𝑠</m:t>
+                      </m:r>
+                      <m:r>
+                        <a:rPr lang="en-US" b="0" i="1" smtClean="0">
+                          <a:latin typeface="Cambria Math" panose="02040503050406030204" pitchFamily="18" charset="0"/>
+                        </a:rPr>
+                        <m:t>)=</m:t>
                       </m:r>
                       <m:f>
                         <m:fPr>
                           <m:ctrlPr>
-                            <a:rPr lang="en-US" b="0" i="1" smtClean="0">
+                            <a:rPr lang="en-US" i="1" smtClean="0">
                               <a:latin typeface="Cambria Math" panose="02040503050406030204" pitchFamily="18" charset="0"/>
                             </a:rPr>
                           </m:ctrlPr>
@@ -8010,7 +9792,7 @@
                           <m:sSub>
                             <m:sSubPr>
                               <m:ctrlPr>
-                                <a:rPr lang="en-US" b="0" i="1" smtClean="0">
+                                <a:rPr lang="en-US" i="1" smtClean="0">
                                   <a:latin typeface="Cambria Math" panose="02040503050406030204" pitchFamily="18" charset="0"/>
                                 </a:rPr>
                               </m:ctrlPr>
@@ -8041,7 +9823,7 @@
                           <m:sSub>
                             <m:sSubPr>
                               <m:ctrlPr>
-                                <a:rPr lang="en-US" b="0" i="1" smtClean="0">
+                                <a:rPr lang="en-US" i="1" smtClean="0">
                                   <a:latin typeface="Cambria Math" panose="02040503050406030204" pitchFamily="18" charset="0"/>
                                 </a:rPr>
                               </m:ctrlPr>
@@ -8065,21 +9847,21 @@
                           </m:sSub>
                         </m:num>
                         <m:den>
-                          <m:r>
-                            <a:rPr lang="en-US" b="0" i="1" smtClean="0">
-                              <a:latin typeface="Cambria Math" panose="02040503050406030204" pitchFamily="18" charset="0"/>
-                            </a:rPr>
-                            <m:t>(</m:t>
-                          </m:r>
                           <m:sSub>
                             <m:sSubPr>
                               <m:ctrlPr>
-                                <a:rPr lang="en-US" b="0" i="1" smtClean="0">
+                                <a:rPr lang="en-US" i="1" smtClean="0">
                                   <a:latin typeface="Cambria Math" panose="02040503050406030204" pitchFamily="18" charset="0"/>
                                 </a:rPr>
                               </m:ctrlPr>
                             </m:sSubPr>
                             <m:e>
+                              <m:r>
+                                <a:rPr lang="en-US" b="0" i="1" smtClean="0">
+                                  <a:latin typeface="Cambria Math" panose="02040503050406030204" pitchFamily="18" charset="0"/>
+                                </a:rPr>
+                                <m:t>(</m:t>
+                              </m:r>
                               <m:r>
                                 <a:rPr lang="en-US" b="0" i="1" smtClean="0">
                                   <a:latin typeface="Cambria Math" panose="02040503050406030204" pitchFamily="18" charset="0"/>
@@ -8108,18 +9890,31 @@
                             </a:rPr>
                             <m:t>+1)(</m:t>
                           </m:r>
-                          <m:r>
-                            <a:rPr lang="en-US" b="0" i="1" smtClean="0">
-                              <a:latin typeface="Cambria Math" panose="02040503050406030204" pitchFamily="18" charset="0"/>
-                            </a:rPr>
-                            <m:t>𝑚</m:t>
-                          </m:r>
-                          <m:r>
-                            <a:rPr lang="en-US" b="0" i="1" smtClean="0">
-                              <a:latin typeface="Cambria Math" panose="02040503050406030204" pitchFamily="18" charset="0"/>
-                            </a:rPr>
-                            <m:t> </m:t>
-                          </m:r>
+                          <m:sSub>
+                            <m:sSubPr>
+                              <m:ctrlPr>
+                                <a:rPr lang="en-US" i="1" smtClean="0">
+                                  <a:latin typeface="Cambria Math" panose="02040503050406030204" pitchFamily="18" charset="0"/>
+                                </a:rPr>
+                              </m:ctrlPr>
+                            </m:sSubPr>
+                            <m:e>
+                              <m:r>
+                                <a:rPr lang="en-US" b="0" i="1" smtClean="0">
+                                  <a:latin typeface="Cambria Math" panose="02040503050406030204" pitchFamily="18" charset="0"/>
+                                </a:rPr>
+                                <m:t>𝑇</m:t>
+                              </m:r>
+                            </m:e>
+                            <m:sub>
+                              <m:r>
+                                <a:rPr lang="en-US" b="0" i="1" smtClean="0">
+                                  <a:latin typeface="Cambria Math" panose="02040503050406030204" pitchFamily="18" charset="0"/>
+                                </a:rPr>
+                                <m:t>𝑚</m:t>
+                              </m:r>
+                            </m:sub>
+                          </m:sSub>
                           <m:sSup>
                             <m:sSupPr>
                               <m:ctrlPr>
@@ -8151,31 +9946,69 @@
                             </a:rPr>
                             <m:t>+</m:t>
                           </m:r>
-                          <m:sSub>
-                            <m:sSubPr>
+                          <m:f>
+                            <m:fPr>
                               <m:ctrlPr>
                                 <a:rPr lang="en-US" b="0" i="1" smtClean="0">
                                   <a:latin typeface="Cambria Math" panose="02040503050406030204" pitchFamily="18" charset="0"/>
                                 </a:rPr>
                               </m:ctrlPr>
-                            </m:sSubPr>
-                            <m:e>
-                              <m:r>
-                                <a:rPr lang="en-US" b="0" i="1" smtClean="0">
-                                  <a:latin typeface="Cambria Math" panose="02040503050406030204" pitchFamily="18" charset="0"/>
-                                </a:rPr>
-                                <m:t>𝐾</m:t>
-                              </m:r>
-                            </m:e>
-                            <m:sub>
-                              <m:r>
-                                <a:rPr lang="en-US" b="0" i="1" smtClean="0">
-                                  <a:latin typeface="Cambria Math" panose="02040503050406030204" pitchFamily="18" charset="0"/>
-                                </a:rPr>
-                                <m:t>𝑑</m:t>
-                              </m:r>
-                            </m:sub>
-                          </m:sSub>
+                            </m:fPr>
+                            <m:num>
+                              <m:sSub>
+                                <m:sSubPr>
+                                  <m:ctrlPr>
+                                    <a:rPr lang="en-US" b="0" i="1" smtClean="0">
+                                      <a:latin typeface="Cambria Math" panose="02040503050406030204" pitchFamily="18" charset="0"/>
+                                    </a:rPr>
+                                  </m:ctrlPr>
+                                </m:sSubPr>
+                                <m:e>
+                                  <m:r>
+                                    <a:rPr lang="en-US" b="0" i="1" smtClean="0">
+                                      <a:latin typeface="Cambria Math" panose="02040503050406030204" pitchFamily="18" charset="0"/>
+                                    </a:rPr>
+                                    <m:t>𝐾</m:t>
+                                  </m:r>
+                                </m:e>
+                                <m:sub>
+                                  <m:r>
+                                    <a:rPr lang="en-US" b="0" i="1" smtClean="0">
+                                      <a:latin typeface="Cambria Math" panose="02040503050406030204" pitchFamily="18" charset="0"/>
+                                    </a:rPr>
+                                    <m:t>𝑑</m:t>
+                                  </m:r>
+                                </m:sub>
+                              </m:sSub>
+                            </m:num>
+                            <m:den>
+                              <m:sSub>
+                                <m:sSubPr>
+                                  <m:ctrlPr>
+                                    <a:rPr lang="en-US" b="0" i="1" smtClean="0">
+                                      <a:latin typeface="Cambria Math" panose="02040503050406030204" pitchFamily="18" charset="0"/>
+                                    </a:rPr>
+                                  </m:ctrlPr>
+                                </m:sSubPr>
+                                <m:e>
+                                  <m:r>
+                                    <a:rPr lang="en-US" b="0" i="1" smtClean="0">
+                                      <a:latin typeface="Cambria Math" panose="02040503050406030204" pitchFamily="18" charset="0"/>
+                                    </a:rPr>
+                                    <m:t>𝐶</m:t>
+                                  </m:r>
+                                </m:e>
+                                <m:sub>
+                                  <m:r>
+                                    <a:rPr lang="en-US" b="0" i="1" smtClean="0">
+                                      <a:latin typeface="Cambria Math" panose="02040503050406030204" pitchFamily="18" charset="0"/>
+                                    </a:rPr>
+                                    <m:t>𝑝</m:t>
+                                  </m:r>
+                                </m:sub>
+                              </m:sSub>
+                            </m:den>
+                          </m:f>
                           <m:r>
                             <a:rPr lang="en-US" b="0" i="1" smtClean="0">
                               <a:latin typeface="Cambria Math" panose="02040503050406030204" pitchFamily="18" charset="0"/>
@@ -8183,62 +10016,25 @@
                             <m:t>𝑠</m:t>
                           </m:r>
                           <m:r>
-                            <a:rPr lang="en-US" b="0" i="1" smtClean="0">
+                            <a:rPr lang="ru-RU" b="0" i="1" smtClean="0">
                               <a:latin typeface="Cambria Math" panose="02040503050406030204" pitchFamily="18" charset="0"/>
                             </a:rPr>
-                            <m:t>+</m:t>
-                          </m:r>
-                          <m:sSub>
-                            <m:sSubPr>
-                              <m:ctrlPr>
-                                <a:rPr lang="en-US" b="0" i="1" smtClean="0">
-                                  <a:latin typeface="Cambria Math" panose="02040503050406030204" pitchFamily="18" charset="0"/>
-                                </a:rPr>
-                              </m:ctrlPr>
-                            </m:sSubPr>
-                            <m:e>
-                              <m:r>
-                                <a:rPr lang="en-US" b="0" i="1" smtClean="0">
-                                  <a:latin typeface="Cambria Math" panose="02040503050406030204" pitchFamily="18" charset="0"/>
-                                </a:rPr>
-                                <m:t>𝐶</m:t>
-                              </m:r>
-                            </m:e>
-                            <m:sub>
-                              <m:r>
-                                <a:rPr lang="en-US" b="0" i="1" smtClean="0">
-                                  <a:latin typeface="Cambria Math" panose="02040503050406030204" pitchFamily="18" charset="0"/>
-                                </a:rPr>
-                                <m:t>𝑝</m:t>
-                              </m:r>
-                            </m:sub>
-                          </m:sSub>
-                          <m:r>
-                            <a:rPr lang="en-US" b="0" i="1" smtClean="0">
-                              <a:latin typeface="Cambria Math" panose="02040503050406030204" pitchFamily="18" charset="0"/>
-                            </a:rPr>
-                            <m:t>)</m:t>
+                            <m:t>+1)</m:t>
                           </m:r>
                         </m:den>
                       </m:f>
                     </m:oMath>
                   </m:oMathPara>
                 </a14:m>
-                <a:endParaRPr lang="ru-RU" dirty="0"/>
+                <a:endParaRPr lang="en-US" dirty="0"/>
               </a:p>
             </p:txBody>
           </p:sp>
         </mc:Choice>
-        <mc:Fallback xmlns="">
+        <mc:Fallback>
           <p:sp>
             <p:nvSpPr>
-              <p:cNvPr id="5" name="TextBox 4">
-                <a:extLst>
-                  <a:ext uri="{FF2B5EF4-FFF2-40B4-BE49-F238E27FC236}">
-                    <a16:creationId xmlns:a16="http://schemas.microsoft.com/office/drawing/2014/main" id="{1DAF6001-ECE6-4613-B3BD-F72CC886CCE3}"/>
-                  </a:ext>
-                </a:extLst>
-              </p:cNvPr>
+              <p:cNvPr id="2" name="TextBox 1"/>
               <p:cNvSpPr txBox="1">
                 <a:spLocks noRot="1" noChangeAspect="1" noMove="1" noResize="1" noEditPoints="1" noAdjustHandles="1" noChangeArrowheads="1" noChangeShapeType="1" noTextEdit="1"/>
               </p:cNvSpPr>
@@ -8246,14 +10042,14 @@
             </p:nvSpPr>
             <p:spPr>
               <a:xfrm>
-                <a:off x="2145029" y="3692279"/>
-                <a:ext cx="4853940" cy="688137"/>
+                <a:off x="2772949" y="3726671"/>
+                <a:ext cx="3598101" cy="819263"/>
               </a:xfrm>
               <a:prstGeom prst="rect">
                 <a:avLst/>
               </a:prstGeom>
-              <a:blipFill>
-                <a:blip r:embed="rId2"/>
+              <a:blipFill rotWithShape="0">
+                <a:blip r:embed="rId3"/>
                 <a:stretch>
                   <a:fillRect/>
                 </a:stretch>
@@ -8264,7 +10060,7 @@
               <a:lstStyle/>
               <a:p>
                 <a:r>
-                  <a:rPr lang="ru-RU">
+                  <a:rPr lang="en-US">
                     <a:noFill/>
                   </a:rPr>
                   <a:t> </a:t>
@@ -8274,46 +10070,64 @@
           </p:sp>
         </mc:Fallback>
       </mc:AlternateContent>
-      <p:pic>
-        <p:nvPicPr>
-          <p:cNvPr id="7" name="Рисунок 6">
-            <a:extLst>
-              <a:ext uri="{FF2B5EF4-FFF2-40B4-BE49-F238E27FC236}">
-                <a16:creationId xmlns:a16="http://schemas.microsoft.com/office/drawing/2014/main" id="{E4D293ED-E865-4879-9955-2208D91FB48A}"/>
-              </a:ext>
-            </a:extLst>
-          </p:cNvPr>
-          <p:cNvPicPr>
-            <a:picLocks noChangeAspect="1"/>
-          </p:cNvPicPr>
+      <p:sp>
+        <p:nvSpPr>
+          <p:cNvPr id="6" name="TextBox 5"/>
+          <p:cNvSpPr txBox="1"/>
           <p:nvPr/>
-        </p:nvPicPr>
-        <p:blipFill>
-          <a:blip r:embed="rId3"/>
-          <a:stretch>
-            <a:fillRect/>
-          </a:stretch>
-        </p:blipFill>
+        </p:nvSpPr>
         <p:spPr>
           <a:xfrm>
-            <a:off x="2145029" y="1567851"/>
-            <a:ext cx="4853940" cy="1974850"/>
+            <a:off x="8329889" y="4668175"/>
+            <a:ext cx="814111" cy="369332"/>
           </a:xfrm>
           <a:prstGeom prst="rect">
             <a:avLst/>
           </a:prstGeom>
+          <a:noFill/>
         </p:spPr>
-      </p:pic>
+        <p:txBody>
+          <a:bodyPr wrap="square" rtlCol="0">
+            <a:spAutoFit/>
+          </a:bodyPr>
+          <a:lstStyle/>
+          <a:p>
+            <a:r>
+              <a:rPr lang="en-US" dirty="0">
+                <a:solidFill>
+                  <a:srgbClr val="000000"/>
+                </a:solidFill>
+              </a:rPr>
+              <a:t>8</a:t>
+            </a:r>
+            <a:r>
+              <a:rPr lang="en-US" dirty="0" smtClean="0">
+                <a:solidFill>
+                  <a:srgbClr val="000000"/>
+                </a:solidFill>
+              </a:rPr>
+              <a:t>/15</a:t>
+            </a:r>
+            <a:endParaRPr lang="en-US" dirty="0">
+              <a:solidFill>
+                <a:srgbClr val="000000"/>
+              </a:solidFill>
+            </a:endParaRPr>
+          </a:p>
+        </p:txBody>
+      </p:sp>
     </p:spTree>
-    <p:extLst>
-      <p:ext uri="{BB962C8B-B14F-4D97-AF65-F5344CB8AC3E}">
-        <p14:creationId xmlns:p14="http://schemas.microsoft.com/office/powerpoint/2010/main" val="144032515"/>
-      </p:ext>
-    </p:extLst>
   </p:cSld>
   <p:clrMapOvr>
     <a:masterClrMapping/>
   </p:clrMapOvr>
+  <p:timing>
+    <p:tnLst>
+      <p:par>
+        <p:cTn id="1" dur="indefinite" restart="never" nodeType="tmRoot"/>
+      </p:par>
+    </p:tnLst>
+  </p:timing>
 </p:sld>
 </file>
 
@@ -8336,9 +10150,9 @@
       </p:grpSpPr>
       <p:sp>
         <p:nvSpPr>
-          <p:cNvPr id="2" name="Title 1"/>
+          <p:cNvPr id="25602" name="Title 1"/>
           <p:cNvSpPr>
-            <a:spLocks noGrp="1"/>
+            <a:spLocks noGrp="1" noChangeArrowheads="1"/>
           </p:cNvSpPr>
           <p:nvPr>
             <p:ph type="title"/>
@@ -8346,68 +10160,134 @@
         </p:nvSpPr>
         <p:spPr>
           <a:xfrm>
-            <a:off x="457200" y="790338"/>
-            <a:ext cx="8229600" cy="620315"/>
+            <a:off x="457200" y="790575"/>
+            <a:ext cx="8229600" cy="620713"/>
           </a:xfrm>
         </p:spPr>
         <p:txBody>
-          <a:bodyPr>
-            <a:normAutofit/>
-          </a:bodyPr>
+          <a:bodyPr/>
           <a:lstStyle/>
           <a:p>
             <a:r>
-              <a:rPr lang="ru-RU" dirty="0"/>
-              <a:t>Схема моделирования </a:t>
-            </a:r>
-            <a:r>
-              <a:rPr lang="ru-RU" dirty="0" err="1"/>
-              <a:t>пьезодвигателя</a:t>
-            </a:r>
-            <a:endParaRPr lang="en-US" dirty="0"/>
+              <a:rPr lang="ru-RU" altLang="en-US" smtClean="0"/>
+              <a:t>Схема моделирования пьезодвигателя</a:t>
+            </a:r>
+            <a:endParaRPr lang="en-US" altLang="en-US" smtClean="0"/>
           </a:p>
         </p:txBody>
       </p:sp>
       <p:pic>
         <p:nvPicPr>
-          <p:cNvPr id="4" name="Рисунок 3">
-            <a:extLst>
-              <a:ext uri="{FF2B5EF4-FFF2-40B4-BE49-F238E27FC236}">
-                <a16:creationId xmlns:a16="http://schemas.microsoft.com/office/drawing/2014/main" id="{76D216B2-27AA-4374-A9B0-847BD77AE3A4}"/>
-              </a:ext>
-            </a:extLst>
-          </p:cNvPr>
+          <p:cNvPr id="25603" name="Рисунок 3"/>
           <p:cNvPicPr>
-            <a:picLocks noChangeAspect="1"/>
+            <a:picLocks noChangeAspect="1" noChangeArrowheads="1"/>
           </p:cNvPicPr>
           <p:nvPr/>
         </p:nvPicPr>
         <p:blipFill>
-          <a:blip r:embed="rId2"/>
+          <a:blip r:embed="rId2">
+            <a:extLst>
+              <a:ext uri="{28A0092B-C50C-407E-A947-70E740481C1C}">
+                <a14:useLocalDpi xmlns:a14="http://schemas.microsoft.com/office/drawing/2010/main" val="0"/>
+              </a:ext>
+            </a:extLst>
+          </a:blip>
+          <a:srcRect/>
           <a:stretch>
             <a:fillRect/>
           </a:stretch>
         </p:blipFill>
-        <p:spPr>
+        <p:spPr bwMode="auto">
           <a:xfrm>
-            <a:off x="683367" y="1646872"/>
-            <a:ext cx="7777266" cy="2544128"/>
+            <a:off x="682625" y="1646238"/>
+            <a:ext cx="7778750" cy="2544762"/>
           </a:xfrm>
           <a:prstGeom prst="rect">
             <a:avLst/>
           </a:prstGeom>
+          <a:noFill/>
+          <a:ln>
+            <a:noFill/>
+          </a:ln>
+          <a:extLst>
+            <a:ext uri="{909E8E84-426E-40DD-AFC4-6F175D3DCCD1}">
+              <a14:hiddenFill xmlns:a14="http://schemas.microsoft.com/office/drawing/2010/main">
+                <a:solidFill>
+                  <a:srgbClr val="FFFFFF"/>
+                </a:solidFill>
+              </a14:hiddenFill>
+            </a:ext>
+            <a:ext uri="{91240B29-F687-4F45-9708-019B960494DF}">
+              <a14:hiddenLine xmlns:a14="http://schemas.microsoft.com/office/drawing/2010/main" w="9525">
+                <a:solidFill>
+                  <a:srgbClr val="000000"/>
+                </a:solidFill>
+                <a:miter lim="800000"/>
+                <a:headEnd/>
+                <a:tailEnd/>
+              </a14:hiddenLine>
+            </a:ext>
+          </a:extLst>
         </p:spPr>
       </p:pic>
+      <p:sp>
+        <p:nvSpPr>
+          <p:cNvPr id="4" name="TextBox 3"/>
+          <p:cNvSpPr txBox="1"/>
+          <p:nvPr/>
+        </p:nvSpPr>
+        <p:spPr>
+          <a:xfrm>
+            <a:off x="8329889" y="4668175"/>
+            <a:ext cx="814111" cy="369332"/>
+          </a:xfrm>
+          <a:prstGeom prst="rect">
+            <a:avLst/>
+          </a:prstGeom>
+          <a:noFill/>
+        </p:spPr>
+        <p:txBody>
+          <a:bodyPr wrap="square" rtlCol="0">
+            <a:spAutoFit/>
+          </a:bodyPr>
+          <a:lstStyle/>
+          <a:p>
+            <a:r>
+              <a:rPr lang="en-US" dirty="0">
+                <a:solidFill>
+                  <a:srgbClr val="000000"/>
+                </a:solidFill>
+              </a:rPr>
+              <a:t>9</a:t>
+            </a:r>
+            <a:r>
+              <a:rPr lang="en-US" dirty="0" smtClean="0">
+                <a:solidFill>
+                  <a:srgbClr val="000000"/>
+                </a:solidFill>
+              </a:rPr>
+              <a:t>/15</a:t>
+            </a:r>
+            <a:endParaRPr lang="en-US" dirty="0">
+              <a:solidFill>
+                <a:srgbClr val="000000"/>
+              </a:solidFill>
+            </a:endParaRPr>
+          </a:p>
+        </p:txBody>
+      </p:sp>
     </p:spTree>
-    <p:extLst>
-      <p:ext uri="{BB962C8B-B14F-4D97-AF65-F5344CB8AC3E}">
-        <p14:creationId xmlns:p14="http://schemas.microsoft.com/office/powerpoint/2010/main" val="2476944741"/>
-      </p:ext>
-    </p:extLst>
   </p:cSld>
   <p:clrMapOvr>
     <a:masterClrMapping/>
   </p:clrMapOvr>
+  <p:timing>
+    <p:tnLst>
+      <p:par>
+        <p:cTn id="1" dur="indefinite" restart="never" nodeType="tmRoot"/>
+      </p:par>
+    </p:tnLst>
+  </p:timing>
 </p:sld>
 </file>
 

--- a/диплом.pptx
+++ b/диплом.pptx
@@ -29,7 +29,7 @@
     <p:sldId id="263" r:id="rId17"/>
   </p:sldIdLst>
   <p:sldSz cx="9144000" cy="5143500" type="screen16x9"/>
-  <p:notesSz cx="6670675" cy="9777413"/>
+  <p:notesSz cx="6858000" cy="9144000"/>
   <p:defaultTextStyle>
     <a:defPPr>
       <a:defRPr lang="en-US"/>
@@ -211,8 +211,8 @@
         </p:nvSpPr>
         <p:spPr>
           <a:xfrm>
-            <a:off x="0" y="0"/>
-            <a:ext cx="2890626" cy="488871"/>
+            <a:off x="0" y="1"/>
+            <a:ext cx="2971800" cy="457200"/>
           </a:xfrm>
           <a:prstGeom prst="rect">
             <a:avLst/>
@@ -253,8 +253,8 @@
         </p:nvSpPr>
         <p:spPr>
           <a:xfrm>
-            <a:off x="3778505" y="0"/>
-            <a:ext cx="2890626" cy="488871"/>
+            <a:off x="3884613" y="1"/>
+            <a:ext cx="2971800" cy="457200"/>
           </a:xfrm>
           <a:prstGeom prst="rect">
             <a:avLst/>
@@ -302,8 +302,8 @@
         </p:nvSpPr>
         <p:spPr>
           <a:xfrm>
-            <a:off x="0" y="9286845"/>
-            <a:ext cx="2890626" cy="488871"/>
+            <a:off x="0" y="8685213"/>
+            <a:ext cx="2971800" cy="457200"/>
           </a:xfrm>
           <a:prstGeom prst="rect">
             <a:avLst/>
@@ -344,8 +344,8 @@
         </p:nvSpPr>
         <p:spPr>
           <a:xfrm>
-            <a:off x="3778505" y="9286845"/>
-            <a:ext cx="2890626" cy="488871"/>
+            <a:off x="3884613" y="8685213"/>
+            <a:ext cx="2971800" cy="457200"/>
           </a:xfrm>
           <a:prstGeom prst="rect">
             <a:avLst/>
@@ -430,8 +430,8 @@
         </p:nvSpPr>
         <p:spPr>
           <a:xfrm>
-            <a:off x="0" y="0"/>
-            <a:ext cx="2890626" cy="488871"/>
+            <a:off x="0" y="1"/>
+            <a:ext cx="2971800" cy="457200"/>
           </a:xfrm>
           <a:prstGeom prst="rect">
             <a:avLst/>
@@ -472,8 +472,8 @@
         </p:nvSpPr>
         <p:spPr>
           <a:xfrm>
-            <a:off x="3778505" y="0"/>
-            <a:ext cx="2890626" cy="488871"/>
+            <a:off x="3884613" y="1"/>
+            <a:ext cx="2971800" cy="457200"/>
           </a:xfrm>
           <a:prstGeom prst="rect">
             <a:avLst/>
@@ -521,8 +521,8 @@
         </p:nvSpPr>
         <p:spPr>
           <a:xfrm>
-            <a:off x="76200" y="733425"/>
-            <a:ext cx="6518275" cy="3667125"/>
+            <a:off x="381000" y="685800"/>
+            <a:ext cx="6096000" cy="3429000"/>
           </a:xfrm>
           <a:prstGeom prst="rect">
             <a:avLst/>
@@ -555,8 +555,8 @@
         </p:nvSpPr>
         <p:spPr>
           <a:xfrm>
-            <a:off x="667068" y="4644271"/>
-            <a:ext cx="5336540" cy="4399836"/>
+            <a:off x="685801" y="4343400"/>
+            <a:ext cx="5486400" cy="4114800"/>
           </a:xfrm>
           <a:prstGeom prst="rect">
             <a:avLst/>
@@ -614,8 +614,8 @@
         </p:nvSpPr>
         <p:spPr>
           <a:xfrm>
-            <a:off x="0" y="9286845"/>
-            <a:ext cx="2890626" cy="488871"/>
+            <a:off x="0" y="8685213"/>
+            <a:ext cx="2971800" cy="457200"/>
           </a:xfrm>
           <a:prstGeom prst="rect">
             <a:avLst/>
@@ -656,8 +656,8 @@
         </p:nvSpPr>
         <p:spPr>
           <a:xfrm>
-            <a:off x="3778505" y="9286845"/>
-            <a:ext cx="2890626" cy="488871"/>
+            <a:off x="3884613" y="8685213"/>
+            <a:ext cx="2971800" cy="457200"/>
           </a:xfrm>
           <a:prstGeom prst="rect">
             <a:avLst/>
@@ -5906,11 +5906,7 @@
             </a:pPr>
             <a:r>
               <a:rPr lang="ru-RU" sz="2000" dirty="0"/>
-              <a:t>Руководитель: к.т.н. </a:t>
-            </a:r>
-            <a:r>
-              <a:rPr lang="ru-RU" sz="2000" dirty="0"/>
-              <a:t>Быстров </a:t>
+              <a:t>Руководитель: к.т.н. Быстров </a:t>
             </a:r>
             <a:r>
               <a:rPr lang="ru-RU" sz="2000" dirty="0" smtClean="0"/>
@@ -6153,11 +6149,7 @@
             </a:r>
             <a:r>
               <a:rPr lang="ru-RU" altLang="en-US" dirty="0" smtClean="0"/>
-              <a:t>й </a:t>
-            </a:r>
-            <a:r>
-              <a:rPr lang="ru-RU" altLang="en-US" dirty="0" smtClean="0"/>
-              <a:t>процесс</a:t>
+              <a:t>й процесс</a:t>
             </a:r>
             <a:endParaRPr lang="en-US" altLang="en-US" dirty="0" smtClean="0"/>
           </a:p>
@@ -7598,23 +7590,7 @@
                   <a:srgbClr val="000000"/>
                 </a:solidFill>
               </a:rPr>
-              <a:t>Разработка быстродействующей системы управления прецизионным поворотным столом для обработки </a:t>
-            </a:r>
-            <a:r>
-              <a:rPr lang="ru-RU" altLang="en-US" sz="2000" dirty="0" smtClean="0">
-                <a:solidFill>
-                  <a:srgbClr val="000000"/>
-                </a:solidFill>
-              </a:rPr>
-              <a:t>драгоценных </a:t>
-            </a:r>
-            <a:r>
-              <a:rPr lang="ru-RU" altLang="en-US" sz="2000" dirty="0" smtClean="0">
-                <a:solidFill>
-                  <a:srgbClr val="000000"/>
-                </a:solidFill>
-              </a:rPr>
-              <a:t>материалов  </a:t>
+              <a:t>Разработка быстродействующей системы управления прецизионным поворотным столом для обработки драгоценных материалов  </a:t>
             </a:r>
             <a:endParaRPr lang="en-US" altLang="en-US" sz="2000" dirty="0" smtClean="0">
               <a:solidFill>
@@ -7678,9 +7654,135 @@
   <p:timing>
     <p:tnLst>
       <p:par>
-        <p:cTn id="1" dur="indefinite" restart="never" nodeType="tmRoot"/>
+        <p:cTn id="1" dur="indefinite" restart="never" nodeType="tmRoot">
+          <p:childTnLst>
+            <p:seq concurrent="1" nextAc="seek">
+              <p:cTn id="2" dur="indefinite" nodeType="mainSeq">
+                <p:childTnLst>
+                  <p:par>
+                    <p:cTn id="3" fill="hold">
+                      <p:stCondLst>
+                        <p:cond delay="indefinite"/>
+                        <p:cond evt="onBegin" delay="0">
+                          <p:tn val="2"/>
+                        </p:cond>
+                      </p:stCondLst>
+                      <p:childTnLst>
+                        <p:par>
+                          <p:cTn id="4" fill="hold">
+                            <p:stCondLst>
+                              <p:cond delay="0"/>
+                            </p:stCondLst>
+                            <p:childTnLst>
+                              <p:par>
+                                <p:cTn id="5" presetID="10" presetClass="entr" presetSubtype="0" fill="hold" grpId="0" nodeType="withEffect">
+                                  <p:stCondLst>
+                                    <p:cond delay="0"/>
+                                  </p:stCondLst>
+                                  <p:childTnLst>
+                                    <p:set>
+                                      <p:cBhvr>
+                                        <p:cTn id="6" dur="1" fill="hold">
+                                          <p:stCondLst>
+                                            <p:cond delay="0"/>
+                                          </p:stCondLst>
+                                        </p:cTn>
+                                        <p:tgtEl>
+                                          <p:spTgt spid="2"/>
+                                        </p:tgtEl>
+                                        <p:attrNameLst>
+                                          <p:attrName>style.visibility</p:attrName>
+                                        </p:attrNameLst>
+                                      </p:cBhvr>
+                                      <p:to>
+                                        <p:strVal val="visible"/>
+                                      </p:to>
+                                    </p:set>
+                                    <p:animEffect transition="in" filter="fade">
+                                      <p:cBhvr>
+                                        <p:cTn id="7" dur="250"/>
+                                        <p:tgtEl>
+                                          <p:spTgt spid="2"/>
+                                        </p:tgtEl>
+                                      </p:cBhvr>
+                                    </p:animEffect>
+                                  </p:childTnLst>
+                                </p:cTn>
+                              </p:par>
+                              <p:par>
+                                <p:cTn id="8" presetID="10" presetClass="entr" presetSubtype="0" fill="hold" grpId="0" nodeType="withEffect">
+                                  <p:stCondLst>
+                                    <p:cond delay="0"/>
+                                  </p:stCondLst>
+                                  <p:childTnLst>
+                                    <p:set>
+                                      <p:cBhvr>
+                                        <p:cTn id="9" dur="1" fill="hold">
+                                          <p:stCondLst>
+                                            <p:cond delay="0"/>
+                                          </p:stCondLst>
+                                        </p:cTn>
+                                        <p:tgtEl>
+                                          <p:spTgt spid="18435">
+                                            <p:txEl>
+                                              <p:pRg st="0" end="0"/>
+                                            </p:txEl>
+                                          </p:spTgt>
+                                        </p:tgtEl>
+                                        <p:attrNameLst>
+                                          <p:attrName>style.visibility</p:attrName>
+                                        </p:attrNameLst>
+                                      </p:cBhvr>
+                                      <p:to>
+                                        <p:strVal val="visible"/>
+                                      </p:to>
+                                    </p:set>
+                                    <p:animEffect transition="in" filter="fade">
+                                      <p:cBhvr>
+                                        <p:cTn id="10" dur="250"/>
+                                        <p:tgtEl>
+                                          <p:spTgt spid="18435">
+                                            <p:txEl>
+                                              <p:pRg st="0" end="0"/>
+                                            </p:txEl>
+                                          </p:spTgt>
+                                        </p:tgtEl>
+                                      </p:cBhvr>
+                                    </p:animEffect>
+                                  </p:childTnLst>
+                                </p:cTn>
+                              </p:par>
+                            </p:childTnLst>
+                          </p:cTn>
+                        </p:par>
+                      </p:childTnLst>
+                    </p:cTn>
+                  </p:par>
+                </p:childTnLst>
+              </p:cTn>
+              <p:prevCondLst>
+                <p:cond evt="onPrev" delay="0">
+                  <p:tgtEl>
+                    <p:sldTgt/>
+                  </p:tgtEl>
+                </p:cond>
+              </p:prevCondLst>
+              <p:nextCondLst>
+                <p:cond evt="onNext" delay="0">
+                  <p:tgtEl>
+                    <p:sldTgt/>
+                  </p:tgtEl>
+                </p:cond>
+              </p:nextCondLst>
+            </p:seq>
+          </p:childTnLst>
+        </p:cTn>
       </p:par>
     </p:tnLst>
+    <p:bldLst>
+      <p:bldP spid="2" grpId="0"/>
+      <p:bldP spid="18435" grpId="0" build="p"/>
+    </p:bldLst>
   </p:timing>
 </p:sld>
 </file>
@@ -8261,9 +8363,126 @@
   <p:timing>
     <p:tnLst>
       <p:par>
-        <p:cTn id="1" dur="indefinite" restart="never" nodeType="tmRoot"/>
+        <p:cTn id="1" dur="indefinite" restart="never" nodeType="tmRoot">
+          <p:childTnLst>
+            <p:seq concurrent="1" nextAc="seek">
+              <p:cTn id="2" dur="indefinite" nodeType="mainSeq">
+                <p:childTnLst>
+                  <p:par>
+                    <p:cTn id="3" fill="hold">
+                      <p:stCondLst>
+                        <p:cond delay="indefinite"/>
+                        <p:cond evt="onBegin" delay="0">
+                          <p:tn val="2"/>
+                        </p:cond>
+                      </p:stCondLst>
+                      <p:childTnLst>
+                        <p:par>
+                          <p:cTn id="4" fill="hold">
+                            <p:stCondLst>
+                              <p:cond delay="0"/>
+                            </p:stCondLst>
+                            <p:childTnLst>
+                              <p:par>
+                                <p:cTn id="5" presetID="10" presetClass="entr" presetSubtype="0" fill="hold" grpId="0" nodeType="withEffect">
+                                  <p:stCondLst>
+                                    <p:cond delay="0"/>
+                                  </p:stCondLst>
+                                  <p:childTnLst>
+                                    <p:set>
+                                      <p:cBhvr>
+                                        <p:cTn id="6" dur="1" fill="hold">
+                                          <p:stCondLst>
+                                            <p:cond delay="0"/>
+                                          </p:stCondLst>
+                                        </p:cTn>
+                                        <p:tgtEl>
+                                          <p:spTgt spid="2"/>
+                                        </p:tgtEl>
+                                        <p:attrNameLst>
+                                          <p:attrName>style.visibility</p:attrName>
+                                        </p:attrNameLst>
+                                      </p:cBhvr>
+                                      <p:to>
+                                        <p:strVal val="visible"/>
+                                      </p:to>
+                                    </p:set>
+                                    <p:animEffect transition="in" filter="fade">
+                                      <p:cBhvr>
+                                        <p:cTn id="7" dur="250"/>
+                                        <p:tgtEl>
+                                          <p:spTgt spid="2"/>
+                                        </p:tgtEl>
+                                      </p:cBhvr>
+                                    </p:animEffect>
+                                  </p:childTnLst>
+                                </p:cTn>
+                              </p:par>
+                              <p:par>
+                                <p:cTn id="8" presetID="10" presetClass="entr" presetSubtype="0" fill="hold" nodeType="withEffect">
+                                  <p:stCondLst>
+                                    <p:cond delay="0"/>
+                                  </p:stCondLst>
+                                  <p:childTnLst>
+                                    <p:set>
+                                      <p:cBhvr>
+                                        <p:cTn id="9" dur="1" fill="hold">
+                                          <p:stCondLst>
+                                            <p:cond delay="0"/>
+                                          </p:stCondLst>
+                                        </p:cTn>
+                                        <p:tgtEl>
+                                          <p:spTgt spid="4"/>
+                                        </p:tgtEl>
+                                        <p:attrNameLst>
+                                          <p:attrName>style.visibility</p:attrName>
+                                        </p:attrNameLst>
+                                      </p:cBhvr>
+                                      <p:to>
+                                        <p:strVal val="visible"/>
+                                      </p:to>
+                                    </p:set>
+                                    <p:animEffect transition="in" filter="fade">
+                                      <p:cBhvr>
+                                        <p:cTn id="10" dur="250"/>
+                                        <p:tgtEl>
+                                          <p:spTgt spid="4"/>
+                                        </p:tgtEl>
+                                      </p:cBhvr>
+                                    </p:animEffect>
+                                  </p:childTnLst>
+                                </p:cTn>
+                              </p:par>
+                            </p:childTnLst>
+                          </p:cTn>
+                        </p:par>
+                      </p:childTnLst>
+                    </p:cTn>
+                  </p:par>
+                </p:childTnLst>
+              </p:cTn>
+              <p:prevCondLst>
+                <p:cond evt="onPrev" delay="0">
+                  <p:tgtEl>
+                    <p:sldTgt/>
+                  </p:tgtEl>
+                </p:cond>
+              </p:prevCondLst>
+              <p:nextCondLst>
+                <p:cond evt="onNext" delay="0">
+                  <p:tgtEl>
+                    <p:sldTgt/>
+                  </p:tgtEl>
+                </p:cond>
+              </p:nextCondLst>
+            </p:seq>
+          </p:childTnLst>
+        </p:cTn>
       </p:par>
     </p:tnLst>
+    <p:bldLst>
+      <p:bldP spid="2" grpId="0"/>
+    </p:bldLst>
   </p:timing>
 </p:sld>
 </file>
@@ -8306,10 +8525,10 @@
           <a:lstStyle/>
           <a:p>
             <a:r>
-              <a:rPr lang="ru-RU" altLang="en-US" smtClean="0"/>
+              <a:rPr lang="ru-RU" altLang="en-US" dirty="0" smtClean="0"/>
               <a:t>Функциональная схема системы</a:t>
             </a:r>
-            <a:endParaRPr lang="en-US" altLang="en-US" smtClean="0"/>
+            <a:endParaRPr lang="en-US" altLang="en-US" dirty="0" smtClean="0"/>
           </a:p>
         </p:txBody>
       </p:sp>
@@ -8397,9 +8616,126 @@
   <p:timing>
     <p:tnLst>
       <p:par>
-        <p:cTn id="1" dur="indefinite" restart="never" nodeType="tmRoot"/>
+        <p:cTn id="1" dur="indefinite" restart="never" nodeType="tmRoot">
+          <p:childTnLst>
+            <p:seq concurrent="1" nextAc="seek">
+              <p:cTn id="2" dur="indefinite" nodeType="mainSeq">
+                <p:childTnLst>
+                  <p:par>
+                    <p:cTn id="3" fill="hold">
+                      <p:stCondLst>
+                        <p:cond delay="indefinite"/>
+                        <p:cond evt="onBegin" delay="0">
+                          <p:tn val="2"/>
+                        </p:cond>
+                      </p:stCondLst>
+                      <p:childTnLst>
+                        <p:par>
+                          <p:cTn id="4" fill="hold">
+                            <p:stCondLst>
+                              <p:cond delay="0"/>
+                            </p:stCondLst>
+                            <p:childTnLst>
+                              <p:par>
+                                <p:cTn id="5" presetID="10" presetClass="entr" presetSubtype="0" fill="hold" grpId="0" nodeType="withEffect">
+                                  <p:stCondLst>
+                                    <p:cond delay="0"/>
+                                  </p:stCondLst>
+                                  <p:childTnLst>
+                                    <p:set>
+                                      <p:cBhvr>
+                                        <p:cTn id="6" dur="1" fill="hold">
+                                          <p:stCondLst>
+                                            <p:cond delay="0"/>
+                                          </p:stCondLst>
+                                        </p:cTn>
+                                        <p:tgtEl>
+                                          <p:spTgt spid="20482"/>
+                                        </p:tgtEl>
+                                        <p:attrNameLst>
+                                          <p:attrName>style.visibility</p:attrName>
+                                        </p:attrNameLst>
+                                      </p:cBhvr>
+                                      <p:to>
+                                        <p:strVal val="visible"/>
+                                      </p:to>
+                                    </p:set>
+                                    <p:animEffect transition="in" filter="fade">
+                                      <p:cBhvr>
+                                        <p:cTn id="7" dur="250"/>
+                                        <p:tgtEl>
+                                          <p:spTgt spid="20482"/>
+                                        </p:tgtEl>
+                                      </p:cBhvr>
+                                    </p:animEffect>
+                                  </p:childTnLst>
+                                </p:cTn>
+                              </p:par>
+                              <p:par>
+                                <p:cTn id="8" presetID="10" presetClass="entr" presetSubtype="0" fill="hold" nodeType="withEffect">
+                                  <p:stCondLst>
+                                    <p:cond delay="0"/>
+                                  </p:stCondLst>
+                                  <p:childTnLst>
+                                    <p:set>
+                                      <p:cBhvr>
+                                        <p:cTn id="9" dur="1" fill="hold">
+                                          <p:stCondLst>
+                                            <p:cond delay="0"/>
+                                          </p:stCondLst>
+                                        </p:cTn>
+                                        <p:tgtEl>
+                                          <p:spTgt spid="2"/>
+                                        </p:tgtEl>
+                                        <p:attrNameLst>
+                                          <p:attrName>style.visibility</p:attrName>
+                                        </p:attrNameLst>
+                                      </p:cBhvr>
+                                      <p:to>
+                                        <p:strVal val="visible"/>
+                                      </p:to>
+                                    </p:set>
+                                    <p:animEffect transition="in" filter="fade">
+                                      <p:cBhvr>
+                                        <p:cTn id="10" dur="250"/>
+                                        <p:tgtEl>
+                                          <p:spTgt spid="2"/>
+                                        </p:tgtEl>
+                                      </p:cBhvr>
+                                    </p:animEffect>
+                                  </p:childTnLst>
+                                </p:cTn>
+                              </p:par>
+                            </p:childTnLst>
+                          </p:cTn>
+                        </p:par>
+                      </p:childTnLst>
+                    </p:cTn>
+                  </p:par>
+                </p:childTnLst>
+              </p:cTn>
+              <p:prevCondLst>
+                <p:cond evt="onPrev" delay="0">
+                  <p:tgtEl>
+                    <p:sldTgt/>
+                  </p:tgtEl>
+                </p:cond>
+              </p:prevCondLst>
+              <p:nextCondLst>
+                <p:cond evt="onNext" delay="0">
+                  <p:tgtEl>
+                    <p:sldTgt/>
+                  </p:tgtEl>
+                </p:cond>
+              </p:nextCondLst>
+            </p:seq>
+          </p:childTnLst>
+        </p:cTn>
       </p:par>
     </p:tnLst>
+    <p:bldLst>
+      <p:bldP spid="20482" grpId="0"/>
+    </p:bldLst>
   </p:timing>
 </p:sld>
 </file>
@@ -9723,8 +10059,8 @@
           </a:extLst>
         </p:spPr>
       </p:pic>
-      <mc:AlternateContent xmlns:mc="http://schemas.openxmlformats.org/markup-compatibility/2006">
-        <mc:Choice xmlns:a14="http://schemas.microsoft.com/office/drawing/2010/main" Requires="a14">
+      <mc:AlternateContent xmlns:mc="http://schemas.openxmlformats.org/markup-compatibility/2006" xmlns:a14="http://schemas.microsoft.com/office/drawing/2010/main">
+        <mc:Choice Requires="a14">
           <p:sp>
             <p:nvSpPr>
               <p:cNvPr id="2" name="TextBox 1"/>
@@ -9747,6 +10083,7 @@
               </a:bodyPr>
               <a:lstStyle/>
               <a:p>
+                <a:pPr/>
                 <a14:m>
                   <m:oMathPara xmlns:m="http://schemas.openxmlformats.org/officeDocument/2006/math">
                     <m:oMathParaPr>
@@ -10031,7 +10368,7 @@
             </p:txBody>
           </p:sp>
         </mc:Choice>
-        <mc:Fallback>
+        <mc:Fallback xmlns="">
           <p:sp>
             <p:nvSpPr>
               <p:cNvPr id="2" name="TextBox 1"/>

--- a/диплом.pptx
+++ b/диплом.pptx
@@ -284,7 +284,7 @@
               <a:pPr>
                 <a:defRPr/>
               </a:pPr>
-              <a:t>5/17/2018</a:t>
+              <a:t>5/20/2018</a:t>
             </a:fld>
             <a:endParaRPr lang="en-US"/>
           </a:p>
@@ -503,7 +503,7 @@
               <a:pPr>
                 <a:defRPr/>
               </a:pPr>
-              <a:t>5/17/2018</a:t>
+              <a:t>5/20/2018</a:t>
             </a:fld>
             <a:endParaRPr lang="en-US"/>
           </a:p>
@@ -1715,7 +1715,7 @@
           <p:cNvPr id="11" name="Footer Placeholder 3">
             <a:extLst>
               <a:ext uri="{FF2B5EF4-FFF2-40B4-BE49-F238E27FC236}">
-                <a16:creationId xmlns:a16="http://schemas.microsoft.com/office/drawing/2014/main" xmlns="" id="{0244A044-2B4E-4B3F-913E-D0FFBE3CE288}"/>
+                <a16:creationId xmlns="" xmlns:a16="http://schemas.microsoft.com/office/drawing/2014/main" id="{0244A044-2B4E-4B3F-913E-D0FFBE3CE288}"/>
               </a:ext>
             </a:extLst>
           </p:cNvPr>
@@ -2037,7 +2037,7 @@
           <p:cNvPr id="5" name="Footer Placeholder 3">
             <a:extLst>
               <a:ext uri="{FF2B5EF4-FFF2-40B4-BE49-F238E27FC236}">
-                <a16:creationId xmlns:a16="http://schemas.microsoft.com/office/drawing/2014/main" xmlns="" id="{5E533321-7583-408D-9901-7C5B5BBEA39D}"/>
+                <a16:creationId xmlns="" xmlns:a16="http://schemas.microsoft.com/office/drawing/2014/main" id="{5E533321-7583-408D-9901-7C5B5BBEA39D}"/>
               </a:ext>
             </a:extLst>
           </p:cNvPr>
@@ -2118,7 +2118,7 @@
           <p:cNvPr id="2" name="Footer Placeholder 3">
             <a:extLst>
               <a:ext uri="{FF2B5EF4-FFF2-40B4-BE49-F238E27FC236}">
-                <a16:creationId xmlns:a16="http://schemas.microsoft.com/office/drawing/2014/main" xmlns="" id="{5DC51F17-9EA1-4747-B019-97EF835305E5}"/>
+                <a16:creationId xmlns="" xmlns:a16="http://schemas.microsoft.com/office/drawing/2014/main" id="{5DC51F17-9EA1-4747-B019-97EF835305E5}"/>
               </a:ext>
             </a:extLst>
           </p:cNvPr>
@@ -3221,7 +3221,7 @@
           <p:cNvPr id="4" name="Footer Placeholder 3">
             <a:extLst>
               <a:ext uri="{FF2B5EF4-FFF2-40B4-BE49-F238E27FC236}">
-                <a16:creationId xmlns:a16="http://schemas.microsoft.com/office/drawing/2014/main" xmlns="" id="{EBDC7A0B-8867-41EC-8AAA-187EB14F6428}"/>
+                <a16:creationId xmlns="" xmlns:a16="http://schemas.microsoft.com/office/drawing/2014/main" id="{EBDC7A0B-8867-41EC-8AAA-187EB14F6428}"/>
               </a:ext>
             </a:extLst>
           </p:cNvPr>
@@ -3505,7 +3505,7 @@
           <p:cNvPr id="5" name="Footer Placeholder 3">
             <a:extLst>
               <a:ext uri="{FF2B5EF4-FFF2-40B4-BE49-F238E27FC236}">
-                <a16:creationId xmlns:a16="http://schemas.microsoft.com/office/drawing/2014/main" xmlns="" id="{9CA97FF2-32B6-46EC-AF54-2834E05C2F41}"/>
+                <a16:creationId xmlns="" xmlns:a16="http://schemas.microsoft.com/office/drawing/2014/main" id="{9CA97FF2-32B6-46EC-AF54-2834E05C2F41}"/>
               </a:ext>
             </a:extLst>
           </p:cNvPr>
@@ -3841,7 +3841,7 @@
           <p:cNvPr id="6" name="Footer Placeholder 3">
             <a:extLst>
               <a:ext uri="{FF2B5EF4-FFF2-40B4-BE49-F238E27FC236}">
-                <a16:creationId xmlns:a16="http://schemas.microsoft.com/office/drawing/2014/main" xmlns="" id="{CEBB575C-7F2D-4A5A-A681-2DF7BECD21DC}"/>
+                <a16:creationId xmlns="" xmlns:a16="http://schemas.microsoft.com/office/drawing/2014/main" id="{CEBB575C-7F2D-4A5A-A681-2DF7BECD21DC}"/>
               </a:ext>
             </a:extLst>
           </p:cNvPr>
@@ -4382,7 +4382,7 @@
           <p:cNvPr id="15" name="Footer Placeholder 3">
             <a:extLst>
               <a:ext uri="{FF2B5EF4-FFF2-40B4-BE49-F238E27FC236}">
-                <a16:creationId xmlns:a16="http://schemas.microsoft.com/office/drawing/2014/main" xmlns="" id="{F09A08B9-2184-4E78-809F-6EC1F0EA3CD9}"/>
+                <a16:creationId xmlns="" xmlns:a16="http://schemas.microsoft.com/office/drawing/2014/main" id="{F09A08B9-2184-4E78-809F-6EC1F0EA3CD9}"/>
               </a:ext>
             </a:extLst>
           </p:cNvPr>
@@ -6214,7 +6214,7 @@
           <p:cNvPr id="7" name="TextBox 6">
             <a:extLst>
               <a:ext uri="{FF2B5EF4-FFF2-40B4-BE49-F238E27FC236}">
-                <a16:creationId xmlns:a16="http://schemas.microsoft.com/office/drawing/2014/main" xmlns="" id="{D661FBD8-5B56-421E-943D-102F87B9DE84}"/>
+                <a16:creationId xmlns="" xmlns:a16="http://schemas.microsoft.com/office/drawing/2014/main" id="{D661FBD8-5B56-421E-943D-102F87B9DE84}"/>
               </a:ext>
             </a:extLst>
           </p:cNvPr>
@@ -6691,60 +6691,6 @@
           </a:p>
         </p:txBody>
       </p:sp>
-      <p:pic>
-        <p:nvPicPr>
-          <p:cNvPr id="29699" name="Рисунок 4"/>
-          <p:cNvPicPr>
-            <a:picLocks noChangeAspect="1" noChangeArrowheads="1"/>
-          </p:cNvPicPr>
-          <p:nvPr/>
-        </p:nvPicPr>
-        <p:blipFill>
-          <a:blip r:embed="rId2">
-            <a:extLst>
-              <a:ext uri="{28A0092B-C50C-407E-A947-70E740481C1C}">
-                <a14:useLocalDpi xmlns:a14="http://schemas.microsoft.com/office/drawing/2010/main" val="0"/>
-              </a:ext>
-            </a:extLst>
-          </a:blip>
-          <a:srcRect/>
-          <a:stretch>
-            <a:fillRect/>
-          </a:stretch>
-        </p:blipFill>
-        <p:spPr bwMode="auto">
-          <a:xfrm>
-            <a:off x="1444625" y="1616075"/>
-            <a:ext cx="6254750" cy="2773363"/>
-          </a:xfrm>
-          <a:prstGeom prst="rect">
-            <a:avLst/>
-          </a:prstGeom>
-          <a:noFill/>
-          <a:ln>
-            <a:noFill/>
-          </a:ln>
-          <a:extLst>
-            <a:ext uri="{909E8E84-426E-40DD-AFC4-6F175D3DCCD1}">
-              <a14:hiddenFill xmlns:a14="http://schemas.microsoft.com/office/drawing/2010/main">
-                <a:solidFill>
-                  <a:srgbClr val="FFFFFF"/>
-                </a:solidFill>
-              </a14:hiddenFill>
-            </a:ext>
-            <a:ext uri="{91240B29-F687-4F45-9708-019B960494DF}">
-              <a14:hiddenLine xmlns:a14="http://schemas.microsoft.com/office/drawing/2010/main" w="9525">
-                <a:solidFill>
-                  <a:srgbClr val="000000"/>
-                </a:solidFill>
-                <a:miter lim="800000"/>
-                <a:headEnd/>
-                <a:tailEnd/>
-              </a14:hiddenLine>
-            </a:ext>
-          </a:extLst>
-        </p:spPr>
-      </p:pic>
       <p:sp>
         <p:nvSpPr>
           <p:cNvPr id="4" name="TextBox 3"/>
@@ -6783,6 +6729,36 @@
           </a:p>
         </p:txBody>
       </p:sp>
+      <p:pic>
+        <p:nvPicPr>
+          <p:cNvPr id="3" name="Picture 2"/>
+          <p:cNvPicPr>
+            <a:picLocks noChangeAspect="1"/>
+          </p:cNvPicPr>
+          <p:nvPr/>
+        </p:nvPicPr>
+        <p:blipFill>
+          <a:blip r:embed="rId2">
+            <a:extLst>
+              <a:ext uri="{28A0092B-C50C-407E-A947-70E740481C1C}">
+                <a14:useLocalDpi xmlns:a14="http://schemas.microsoft.com/office/drawing/2010/main" val="0"/>
+              </a:ext>
+            </a:extLst>
+          </a:blip>
+          <a:stretch>
+            <a:fillRect/>
+          </a:stretch>
+        </p:blipFill>
+        <p:spPr>
+          <a:xfrm>
+            <a:off x="1444625" y="1560220"/>
+            <a:ext cx="6254750" cy="2871196"/>
+          </a:xfrm>
+          <a:prstGeom prst="rect">
+            <a:avLst/>
+          </a:prstGeom>
+        </p:spPr>
+      </p:pic>
     </p:spTree>
   </p:cSld>
   <p:clrMapOvr>
@@ -6883,14 +6859,14 @@
                 <a:gridCol w="4888298">
                   <a:extLst>
                     <a:ext uri="{9D8B030D-6E8A-4147-A177-3AD203B41FA5}">
-                      <a16:colId xmlns:a16="http://schemas.microsoft.com/office/drawing/2014/main" xmlns="" val="20000"/>
+                      <a16:colId xmlns="" xmlns:a16="http://schemas.microsoft.com/office/drawing/2014/main" val="20000"/>
                     </a:ext>
                   </a:extLst>
                 </a:gridCol>
                 <a:gridCol w="2660265">
                   <a:extLst>
                     <a:ext uri="{9D8B030D-6E8A-4147-A177-3AD203B41FA5}">
-                      <a16:colId xmlns:a16="http://schemas.microsoft.com/office/drawing/2014/main" xmlns="" val="20001"/>
+                      <a16:colId xmlns="" xmlns:a16="http://schemas.microsoft.com/office/drawing/2014/main" val="20001"/>
                     </a:ext>
                   </a:extLst>
                 </a:gridCol>
@@ -6998,7 +6974,7 @@
                 </a:tc>
                 <a:extLst>
                   <a:ext uri="{0D108BD9-81ED-4DB2-BD59-A6C34878D82A}">
-                    <a16:rowId xmlns:a16="http://schemas.microsoft.com/office/drawing/2014/main" xmlns="" val="10000"/>
+                    <a16:rowId xmlns="" xmlns:a16="http://schemas.microsoft.com/office/drawing/2014/main" val="10000"/>
                   </a:ext>
                 </a:extLst>
               </a:tr>
@@ -7060,7 +7036,7 @@
                 </a:tc>
                 <a:extLst>
                   <a:ext uri="{0D108BD9-81ED-4DB2-BD59-A6C34878D82A}">
-                    <a16:rowId xmlns:a16="http://schemas.microsoft.com/office/drawing/2014/main" xmlns="" val="10001"/>
+                    <a16:rowId xmlns="" xmlns:a16="http://schemas.microsoft.com/office/drawing/2014/main" val="10001"/>
                   </a:ext>
                 </a:extLst>
               </a:tr>
@@ -7127,7 +7103,7 @@
                 </a:tc>
                 <a:extLst>
                   <a:ext uri="{0D108BD9-81ED-4DB2-BD59-A6C34878D82A}">
-                    <a16:rowId xmlns:a16="http://schemas.microsoft.com/office/drawing/2014/main" xmlns="" val="10002"/>
+                    <a16:rowId xmlns="" xmlns:a16="http://schemas.microsoft.com/office/drawing/2014/main" val="10002"/>
                   </a:ext>
                 </a:extLst>
               </a:tr>
@@ -7194,7 +7170,7 @@
                 </a:tc>
                 <a:extLst>
                   <a:ext uri="{0D108BD9-81ED-4DB2-BD59-A6C34878D82A}">
-                    <a16:rowId xmlns:a16="http://schemas.microsoft.com/office/drawing/2014/main" xmlns="" val="10003"/>
+                    <a16:rowId xmlns="" xmlns:a16="http://schemas.microsoft.com/office/drawing/2014/main" val="10003"/>
                   </a:ext>
                 </a:extLst>
               </a:tr>
@@ -7253,7 +7229,7 @@
                 </a:tc>
                 <a:extLst>
                   <a:ext uri="{0D108BD9-81ED-4DB2-BD59-A6C34878D82A}">
-                    <a16:rowId xmlns:a16="http://schemas.microsoft.com/office/drawing/2014/main" xmlns="" val="10004"/>
+                    <a16:rowId xmlns="" xmlns:a16="http://schemas.microsoft.com/office/drawing/2014/main" val="10004"/>
                   </a:ext>
                 </a:extLst>
               </a:tr>
@@ -7312,7 +7288,7 @@
                 </a:tc>
                 <a:extLst>
                   <a:ext uri="{0D108BD9-81ED-4DB2-BD59-A6C34878D82A}">
-                    <a16:rowId xmlns:a16="http://schemas.microsoft.com/office/drawing/2014/main" xmlns="" val="10005"/>
+                    <a16:rowId xmlns="" xmlns:a16="http://schemas.microsoft.com/office/drawing/2014/main" val="10005"/>
                   </a:ext>
                 </a:extLst>
               </a:tr>
@@ -7872,14 +7848,14 @@
                 <a:gridCol w="4252973">
                   <a:extLst>
                     <a:ext uri="{9D8B030D-6E8A-4147-A177-3AD203B41FA5}">
-                      <a16:colId xmlns:a16="http://schemas.microsoft.com/office/drawing/2014/main" xmlns="" val="20000"/>
+                      <a16:colId xmlns="" xmlns:a16="http://schemas.microsoft.com/office/drawing/2014/main" val="20000"/>
                     </a:ext>
                   </a:extLst>
                 </a:gridCol>
                 <a:gridCol w="2314515">
                   <a:extLst>
                     <a:ext uri="{9D8B030D-6E8A-4147-A177-3AD203B41FA5}">
-                      <a16:colId xmlns:a16="http://schemas.microsoft.com/office/drawing/2014/main" xmlns="" val="20001"/>
+                      <a16:colId xmlns="" xmlns:a16="http://schemas.microsoft.com/office/drawing/2014/main" val="20001"/>
                     </a:ext>
                   </a:extLst>
                 </a:gridCol>
@@ -7987,7 +7963,7 @@
                 </a:tc>
                 <a:extLst>
                   <a:ext uri="{0D108BD9-81ED-4DB2-BD59-A6C34878D82A}">
-                    <a16:rowId xmlns:a16="http://schemas.microsoft.com/office/drawing/2014/main" xmlns="" val="10000"/>
+                    <a16:rowId xmlns="" xmlns:a16="http://schemas.microsoft.com/office/drawing/2014/main" val="10000"/>
                   </a:ext>
                 </a:extLst>
               </a:tr>
@@ -8049,7 +8025,7 @@
                 </a:tc>
                 <a:extLst>
                   <a:ext uri="{0D108BD9-81ED-4DB2-BD59-A6C34878D82A}">
-                    <a16:rowId xmlns:a16="http://schemas.microsoft.com/office/drawing/2014/main" xmlns="" val="10001"/>
+                    <a16:rowId xmlns="" xmlns:a16="http://schemas.microsoft.com/office/drawing/2014/main" val="10001"/>
                   </a:ext>
                 </a:extLst>
               </a:tr>
@@ -8116,7 +8092,7 @@
                 </a:tc>
                 <a:extLst>
                   <a:ext uri="{0D108BD9-81ED-4DB2-BD59-A6C34878D82A}">
-                    <a16:rowId xmlns:a16="http://schemas.microsoft.com/office/drawing/2014/main" xmlns="" val="10002"/>
+                    <a16:rowId xmlns="" xmlns:a16="http://schemas.microsoft.com/office/drawing/2014/main" val="10002"/>
                   </a:ext>
                 </a:extLst>
               </a:tr>
@@ -8183,7 +8159,7 @@
                 </a:tc>
                 <a:extLst>
                   <a:ext uri="{0D108BD9-81ED-4DB2-BD59-A6C34878D82A}">
-                    <a16:rowId xmlns:a16="http://schemas.microsoft.com/office/drawing/2014/main" xmlns="" val="10003"/>
+                    <a16:rowId xmlns="" xmlns:a16="http://schemas.microsoft.com/office/drawing/2014/main" val="10003"/>
                   </a:ext>
                 </a:extLst>
               </a:tr>
@@ -8242,7 +8218,7 @@
                 </a:tc>
                 <a:extLst>
                   <a:ext uri="{0D108BD9-81ED-4DB2-BD59-A6C34878D82A}">
-                    <a16:rowId xmlns:a16="http://schemas.microsoft.com/office/drawing/2014/main" xmlns="" val="10004"/>
+                    <a16:rowId xmlns="" xmlns:a16="http://schemas.microsoft.com/office/drawing/2014/main" val="10004"/>
                   </a:ext>
                 </a:extLst>
               </a:tr>
@@ -8301,7 +8277,7 @@
                 </a:tc>
                 <a:extLst>
                   <a:ext uri="{0D108BD9-81ED-4DB2-BD59-A6C34878D82A}">
-                    <a16:rowId xmlns:a16="http://schemas.microsoft.com/office/drawing/2014/main" xmlns="" val="10005"/>
+                    <a16:rowId xmlns="" xmlns:a16="http://schemas.microsoft.com/office/drawing/2014/main" val="10005"/>
                   </a:ext>
                 </a:extLst>
               </a:tr>
@@ -8840,14 +8816,14 @@
                 <a:gridCol w="4888298">
                   <a:extLst>
                     <a:ext uri="{9D8B030D-6E8A-4147-A177-3AD203B41FA5}">
-                      <a16:colId xmlns:a16="http://schemas.microsoft.com/office/drawing/2014/main" xmlns="" val="20000"/>
+                      <a16:colId xmlns="" xmlns:a16="http://schemas.microsoft.com/office/drawing/2014/main" val="20000"/>
                     </a:ext>
                   </a:extLst>
                 </a:gridCol>
                 <a:gridCol w="2660265">
                   <a:extLst>
                     <a:ext uri="{9D8B030D-6E8A-4147-A177-3AD203B41FA5}">
-                      <a16:colId xmlns:a16="http://schemas.microsoft.com/office/drawing/2014/main" xmlns="" val="20001"/>
+                      <a16:colId xmlns="" xmlns:a16="http://schemas.microsoft.com/office/drawing/2014/main" val="20001"/>
                     </a:ext>
                   </a:extLst>
                 </a:gridCol>
@@ -8918,7 +8894,7 @@
                 </a:tc>
                 <a:extLst>
                   <a:ext uri="{0D108BD9-81ED-4DB2-BD59-A6C34878D82A}">
-                    <a16:rowId xmlns:a16="http://schemas.microsoft.com/office/drawing/2014/main" xmlns="" val="10000"/>
+                    <a16:rowId xmlns="" xmlns:a16="http://schemas.microsoft.com/office/drawing/2014/main" val="10000"/>
                   </a:ext>
                 </a:extLst>
               </a:tr>
@@ -8996,7 +8972,7 @@
                 </a:tc>
                 <a:extLst>
                   <a:ext uri="{0D108BD9-81ED-4DB2-BD59-A6C34878D82A}">
-                    <a16:rowId xmlns:a16="http://schemas.microsoft.com/office/drawing/2014/main" xmlns="" val="10001"/>
+                    <a16:rowId xmlns="" xmlns:a16="http://schemas.microsoft.com/office/drawing/2014/main" val="10001"/>
                   </a:ext>
                 </a:extLst>
               </a:tr>
@@ -9045,7 +9021,7 @@
                 </a:tc>
                 <a:extLst>
                   <a:ext uri="{0D108BD9-81ED-4DB2-BD59-A6C34878D82A}">
-                    <a16:rowId xmlns:a16="http://schemas.microsoft.com/office/drawing/2014/main" xmlns="" val="10002"/>
+                    <a16:rowId xmlns="" xmlns:a16="http://schemas.microsoft.com/office/drawing/2014/main" val="10002"/>
                   </a:ext>
                 </a:extLst>
               </a:tr>
@@ -9099,7 +9075,7 @@
                 </a:tc>
                 <a:extLst>
                   <a:ext uri="{0D108BD9-81ED-4DB2-BD59-A6C34878D82A}">
-                    <a16:rowId xmlns:a16="http://schemas.microsoft.com/office/drawing/2014/main" xmlns="" val="10003"/>
+                    <a16:rowId xmlns="" xmlns:a16="http://schemas.microsoft.com/office/drawing/2014/main" val="10003"/>
                   </a:ext>
                 </a:extLst>
               </a:tr>
@@ -9148,7 +9124,7 @@
                 </a:tc>
                 <a:extLst>
                   <a:ext uri="{0D108BD9-81ED-4DB2-BD59-A6C34878D82A}">
-                    <a16:rowId xmlns:a16="http://schemas.microsoft.com/office/drawing/2014/main" xmlns="" val="10004"/>
+                    <a16:rowId xmlns="" xmlns:a16="http://schemas.microsoft.com/office/drawing/2014/main" val="10004"/>
                   </a:ext>
                 </a:extLst>
               </a:tr>
@@ -9197,7 +9173,7 @@
                 </a:tc>
                 <a:extLst>
                   <a:ext uri="{0D108BD9-81ED-4DB2-BD59-A6C34878D82A}">
-                    <a16:rowId xmlns:a16="http://schemas.microsoft.com/office/drawing/2014/main" xmlns="" val="10005"/>
+                    <a16:rowId xmlns="" xmlns:a16="http://schemas.microsoft.com/office/drawing/2014/main" val="10005"/>
                   </a:ext>
                 </a:extLst>
               </a:tr>
@@ -9357,14 +9333,14 @@
                 <a:gridCol w="4888298">
                   <a:extLst>
                     <a:ext uri="{9D8B030D-6E8A-4147-A177-3AD203B41FA5}">
-                      <a16:colId xmlns:a16="http://schemas.microsoft.com/office/drawing/2014/main" xmlns="" val="20000"/>
+                      <a16:colId xmlns="" xmlns:a16="http://schemas.microsoft.com/office/drawing/2014/main" val="20000"/>
                     </a:ext>
                   </a:extLst>
                 </a:gridCol>
                 <a:gridCol w="2660265">
                   <a:extLst>
                     <a:ext uri="{9D8B030D-6E8A-4147-A177-3AD203B41FA5}">
-                      <a16:colId xmlns:a16="http://schemas.microsoft.com/office/drawing/2014/main" xmlns="" val="20001"/>
+                      <a16:colId xmlns="" xmlns:a16="http://schemas.microsoft.com/office/drawing/2014/main" val="20001"/>
                     </a:ext>
                   </a:extLst>
                 </a:gridCol>
@@ -9414,7 +9390,7 @@
                 </a:tc>
                 <a:extLst>
                   <a:ext uri="{0D108BD9-81ED-4DB2-BD59-A6C34878D82A}">
-                    <a16:rowId xmlns:a16="http://schemas.microsoft.com/office/drawing/2014/main" xmlns="" val="10000"/>
+                    <a16:rowId xmlns="" xmlns:a16="http://schemas.microsoft.com/office/drawing/2014/main" val="10000"/>
                   </a:ext>
                 </a:extLst>
               </a:tr>
@@ -9463,7 +9439,7 @@
                 </a:tc>
                 <a:extLst>
                   <a:ext uri="{0D108BD9-81ED-4DB2-BD59-A6C34878D82A}">
-                    <a16:rowId xmlns:a16="http://schemas.microsoft.com/office/drawing/2014/main" xmlns="" val="10001"/>
+                    <a16:rowId xmlns="" xmlns:a16="http://schemas.microsoft.com/office/drawing/2014/main" val="10001"/>
                   </a:ext>
                 </a:extLst>
               </a:tr>
@@ -9512,7 +9488,7 @@
                 </a:tc>
                 <a:extLst>
                   <a:ext uri="{0D108BD9-81ED-4DB2-BD59-A6C34878D82A}">
-                    <a16:rowId xmlns:a16="http://schemas.microsoft.com/office/drawing/2014/main" xmlns="" val="10002"/>
+                    <a16:rowId xmlns="" xmlns:a16="http://schemas.microsoft.com/office/drawing/2014/main" val="10002"/>
                   </a:ext>
                 </a:extLst>
               </a:tr>
@@ -9573,7 +9549,7 @@
                 </a:tc>
                 <a:extLst>
                   <a:ext uri="{0D108BD9-81ED-4DB2-BD59-A6C34878D82A}">
-                    <a16:rowId xmlns:a16="http://schemas.microsoft.com/office/drawing/2014/main" xmlns="" val="10003"/>
+                    <a16:rowId xmlns="" xmlns:a16="http://schemas.microsoft.com/office/drawing/2014/main" val="10003"/>
                   </a:ext>
                 </a:extLst>
               </a:tr>
@@ -9862,7 +9838,7 @@
           <p:cNvPr id="8" name="TextBox 7">
             <a:extLst>
               <a:ext uri="{FF2B5EF4-FFF2-40B4-BE49-F238E27FC236}">
-                <a16:creationId xmlns:a16="http://schemas.microsoft.com/office/drawing/2014/main" xmlns="" id="{733F23C4-61A4-4E4B-B26A-8D993D5CF3D0}"/>
+                <a16:creationId xmlns="" xmlns:a16="http://schemas.microsoft.com/office/drawing/2014/main" id="{733F23C4-61A4-4E4B-B26A-8D993D5CF3D0}"/>
               </a:ext>
             </a:extLst>
           </p:cNvPr>
